--- a/shark.pptx
+++ b/shark.pptx
@@ -10,6 +10,9 @@
     <p:sldId id="258" r:id="rId4"/>
     <p:sldId id="259" r:id="rId5"/>
     <p:sldId id="260" r:id="rId6"/>
+    <p:sldId id="261" r:id="rId7"/>
+    <p:sldId id="262" r:id="rId8"/>
+    <p:sldId id="263" r:id="rId9"/>
   </p:sldIdLst>
   <p:sldSz cx="9144000" cy="6858000" type="screen4x3"/>
   <p:notesSz cx="6858000" cy="9144000"/>
@@ -292,7 +295,7 @@
           <a:p>
             <a:fld id="{530820CF-B880-4189-942D-D702A7CBA730}" type="datetimeFigureOut">
               <a:rPr lang="zh-CN" altLang="en-US" smtClean="0"/>
-              <a:t>2014/6/16</a:t>
+              <a:t>2014/6/17</a:t>
             </a:fld>
             <a:endParaRPr lang="zh-CN" altLang="en-US"/>
           </a:p>
@@ -457,7 +460,7 @@
           <a:p>
             <a:fld id="{530820CF-B880-4189-942D-D702A7CBA730}" type="datetimeFigureOut">
               <a:rPr lang="zh-CN" altLang="en-US" smtClean="0"/>
-              <a:t>2014/6/16</a:t>
+              <a:t>2014/6/17</a:t>
             </a:fld>
             <a:endParaRPr lang="zh-CN" altLang="en-US"/>
           </a:p>
@@ -632,7 +635,7 @@
           <a:p>
             <a:fld id="{530820CF-B880-4189-942D-D702A7CBA730}" type="datetimeFigureOut">
               <a:rPr lang="zh-CN" altLang="en-US" smtClean="0"/>
-              <a:t>2014/6/16</a:t>
+              <a:t>2014/6/17</a:t>
             </a:fld>
             <a:endParaRPr lang="zh-CN" altLang="en-US"/>
           </a:p>
@@ -797,7 +800,7 @@
           <a:p>
             <a:fld id="{530820CF-B880-4189-942D-D702A7CBA730}" type="datetimeFigureOut">
               <a:rPr lang="zh-CN" altLang="en-US" smtClean="0"/>
-              <a:t>2014/6/16</a:t>
+              <a:t>2014/6/17</a:t>
             </a:fld>
             <a:endParaRPr lang="zh-CN" altLang="en-US"/>
           </a:p>
@@ -1038,7 +1041,7 @@
           <a:p>
             <a:fld id="{530820CF-B880-4189-942D-D702A7CBA730}" type="datetimeFigureOut">
               <a:rPr lang="zh-CN" altLang="en-US" smtClean="0"/>
-              <a:t>2014/6/16</a:t>
+              <a:t>2014/6/17</a:t>
             </a:fld>
             <a:endParaRPr lang="zh-CN" altLang="en-US"/>
           </a:p>
@@ -1321,7 +1324,7 @@
           <a:p>
             <a:fld id="{530820CF-B880-4189-942D-D702A7CBA730}" type="datetimeFigureOut">
               <a:rPr lang="zh-CN" altLang="en-US" smtClean="0"/>
-              <a:t>2014/6/16</a:t>
+              <a:t>2014/6/17</a:t>
             </a:fld>
             <a:endParaRPr lang="zh-CN" altLang="en-US"/>
           </a:p>
@@ -1738,7 +1741,7 @@
           <a:p>
             <a:fld id="{530820CF-B880-4189-942D-D702A7CBA730}" type="datetimeFigureOut">
               <a:rPr lang="zh-CN" altLang="en-US" smtClean="0"/>
-              <a:t>2014/6/16</a:t>
+              <a:t>2014/6/17</a:t>
             </a:fld>
             <a:endParaRPr lang="zh-CN" altLang="en-US"/>
           </a:p>
@@ -1851,7 +1854,7 @@
           <a:p>
             <a:fld id="{530820CF-B880-4189-942D-D702A7CBA730}" type="datetimeFigureOut">
               <a:rPr lang="zh-CN" altLang="en-US" smtClean="0"/>
-              <a:t>2014/6/16</a:t>
+              <a:t>2014/6/17</a:t>
             </a:fld>
             <a:endParaRPr lang="zh-CN" altLang="en-US"/>
           </a:p>
@@ -1941,7 +1944,7 @@
           <a:p>
             <a:fld id="{530820CF-B880-4189-942D-D702A7CBA730}" type="datetimeFigureOut">
               <a:rPr lang="zh-CN" altLang="en-US" smtClean="0"/>
-              <a:t>2014/6/16</a:t>
+              <a:t>2014/6/17</a:t>
             </a:fld>
             <a:endParaRPr lang="zh-CN" altLang="en-US"/>
           </a:p>
@@ -2213,7 +2216,7 @@
           <a:p>
             <a:fld id="{530820CF-B880-4189-942D-D702A7CBA730}" type="datetimeFigureOut">
               <a:rPr lang="zh-CN" altLang="en-US" smtClean="0"/>
-              <a:t>2014/6/16</a:t>
+              <a:t>2014/6/17</a:t>
             </a:fld>
             <a:endParaRPr lang="zh-CN" altLang="en-US"/>
           </a:p>
@@ -2461,7 +2464,7 @@
           <a:p>
             <a:fld id="{530820CF-B880-4189-942D-D702A7CBA730}" type="datetimeFigureOut">
               <a:rPr lang="zh-CN" altLang="en-US" smtClean="0"/>
-              <a:t>2014/6/16</a:t>
+              <a:t>2014/6/17</a:t>
             </a:fld>
             <a:endParaRPr lang="zh-CN" altLang="en-US"/>
           </a:p>
@@ -2669,7 +2672,7 @@
           <a:p>
             <a:fld id="{530820CF-B880-4189-942D-D702A7CBA730}" type="datetimeFigureOut">
               <a:rPr lang="zh-CN" altLang="en-US" smtClean="0"/>
-              <a:t>2014/6/16</a:t>
+              <a:t>2014/6/17</a:t>
             </a:fld>
             <a:endParaRPr lang="zh-CN" altLang="en-US"/>
           </a:p>
@@ -4044,6 +4047,493 @@
     <p:extLst>
       <p:ext uri="{BB962C8B-B14F-4D97-AF65-F5344CB8AC3E}">
         <p14:creationId xmlns:p14="http://schemas.microsoft.com/office/powerpoint/2010/main" val="4158841978"/>
+      </p:ext>
+    </p:extLst>
+  </p:cSld>
+  <p:clrMapOvr>
+    <a:masterClrMapping/>
+  </p:clrMapOvr>
+  <p:timing>
+    <p:tnLst>
+      <p:par>
+        <p:cTn id="1" dur="indefinite" restart="never" nodeType="tmRoot"/>
+      </p:par>
+    </p:tnLst>
+  </p:timing>
+</p:sld>
+</file>
+
+<file path=ppt/slides/slide6.xml><?xml version="1.0" encoding="utf-8"?>
+<p:sld xmlns:a="http://schemas.openxmlformats.org/drawingml/2006/main" xmlns:r="http://schemas.openxmlformats.org/officeDocument/2006/relationships" xmlns:p="http://schemas.openxmlformats.org/presentationml/2006/main">
+  <p:cSld>
+    <p:spTree>
+      <p:nvGrpSpPr>
+        <p:cNvPr id="1" name=""/>
+        <p:cNvGrpSpPr/>
+        <p:nvPr/>
+      </p:nvGrpSpPr>
+      <p:grpSpPr>
+        <a:xfrm>
+          <a:off x="0" y="0"/>
+          <a:ext cx="0" cy="0"/>
+          <a:chOff x="0" y="0"/>
+          <a:chExt cx="0" cy="0"/>
+        </a:xfrm>
+      </p:grpSpPr>
+      <p:sp>
+        <p:nvSpPr>
+          <p:cNvPr id="2" name="标题 1"/>
+          <p:cNvSpPr>
+            <a:spLocks noGrp="1"/>
+          </p:cNvSpPr>
+          <p:nvPr>
+            <p:ph type="title"/>
+          </p:nvPr>
+        </p:nvSpPr>
+        <p:spPr/>
+        <p:txBody>
+          <a:bodyPr/>
+          <a:lstStyle/>
+          <a:p>
+            <a:r>
+              <a:rPr lang="zh-CN" altLang="en-US" dirty="0"/>
+              <a:t>引擎</a:t>
+            </a:r>
+            <a:r>
+              <a:rPr lang="zh-CN" altLang="en-US" dirty="0" smtClean="0"/>
+              <a:t>扩展</a:t>
+            </a:r>
+            <a:r>
+              <a:rPr lang="en-US" altLang="zh-CN" dirty="0" smtClean="0"/>
+              <a:t>:PDE</a:t>
+            </a:r>
+            <a:endParaRPr lang="zh-CN" altLang="en-US" dirty="0"/>
+          </a:p>
+        </p:txBody>
+      </p:sp>
+      <p:sp>
+        <p:nvSpPr>
+          <p:cNvPr id="3" name="内容占位符 2"/>
+          <p:cNvSpPr>
+            <a:spLocks noGrp="1"/>
+          </p:cNvSpPr>
+          <p:nvPr>
+            <p:ph idx="1"/>
+          </p:nvPr>
+        </p:nvSpPr>
+        <p:spPr/>
+        <p:txBody>
+          <a:bodyPr>
+            <a:normAutofit fontScale="77500" lnSpcReduction="20000"/>
+          </a:bodyPr>
+          <a:lstStyle/>
+          <a:p>
+            <a:r>
+              <a:rPr lang="zh-CN" altLang="en-US" dirty="0" smtClean="0"/>
+              <a:t>扩展</a:t>
+            </a:r>
+            <a:r>
+              <a:rPr lang="en-US" altLang="zh-CN" dirty="0" smtClean="0"/>
+              <a:t>Spark</a:t>
+            </a:r>
+            <a:r>
+              <a:rPr lang="zh-CN" altLang="en-US" dirty="0" smtClean="0"/>
+              <a:t>，支持</a:t>
+            </a:r>
+            <a:r>
+              <a:rPr lang="en-US" altLang="zh-CN" dirty="0" smtClean="0"/>
+              <a:t>partial DAG execution</a:t>
+            </a:r>
+            <a:r>
+              <a:rPr lang="zh-CN" altLang="en-US" dirty="0" smtClean="0"/>
+              <a:t>（</a:t>
+            </a:r>
+            <a:r>
+              <a:rPr lang="en-US" altLang="zh-CN" dirty="0" smtClean="0"/>
+              <a:t>PDE</a:t>
+            </a:r>
+            <a:r>
+              <a:rPr lang="zh-CN" altLang="en-US" dirty="0" smtClean="0"/>
+              <a:t>）：在 </a:t>
+            </a:r>
+            <a:r>
+              <a:rPr lang="zh-CN" altLang="en-US" b="1" dirty="0" smtClean="0"/>
+              <a:t>运行时</a:t>
+            </a:r>
+            <a:r>
+              <a:rPr lang="zh-CN" altLang="en-US" dirty="0" smtClean="0"/>
+              <a:t> 收集数据的统计信息，</a:t>
+            </a:r>
+            <a:r>
+              <a:rPr lang="zh-CN" altLang="en-US" b="1" dirty="0" smtClean="0"/>
+              <a:t>动态</a:t>
+            </a:r>
+            <a:r>
+              <a:rPr lang="zh-CN" altLang="en-US" dirty="0" smtClean="0"/>
+              <a:t>改变</a:t>
+            </a:r>
+            <a:r>
+              <a:rPr lang="zh-CN" altLang="en-US" b="1" dirty="0" smtClean="0"/>
+              <a:t>查询计划</a:t>
+            </a:r>
+            <a:r>
+              <a:rPr lang="zh-CN" altLang="en-US" dirty="0" smtClean="0"/>
+              <a:t>。</a:t>
+            </a:r>
+            <a:endParaRPr lang="en-US" altLang="zh-CN" dirty="0" smtClean="0"/>
+          </a:p>
+          <a:p>
+            <a:r>
+              <a:rPr lang="zh-CN" altLang="en-US" dirty="0" smtClean="0"/>
+              <a:t>思路：目前</a:t>
+            </a:r>
+            <a:r>
+              <a:rPr lang="en-US" altLang="zh-CN" dirty="0" smtClean="0"/>
+              <a:t>PDE</a:t>
+            </a:r>
+            <a:r>
+              <a:rPr lang="zh-CN" altLang="en-US" dirty="0" smtClean="0"/>
+              <a:t>已经应用到“块的</a:t>
+            </a:r>
+            <a:r>
+              <a:rPr lang="en-US" altLang="zh-CN" dirty="0" smtClean="0"/>
+              <a:t>shuffle</a:t>
+            </a:r>
+            <a:r>
+              <a:rPr lang="zh-CN" altLang="en-US" dirty="0" smtClean="0"/>
+              <a:t>操作边界”。</a:t>
+            </a:r>
+            <a:endParaRPr lang="en-US" altLang="zh-CN" dirty="0" smtClean="0"/>
+          </a:p>
+          <a:p>
+            <a:r>
+              <a:rPr lang="zh-CN" altLang="en-US" dirty="0" smtClean="0"/>
+              <a:t>原因：该边界（也即</a:t>
+            </a:r>
+            <a:r>
+              <a:rPr lang="en-US" altLang="zh-CN" dirty="0" smtClean="0"/>
+              <a:t>RDD</a:t>
+            </a:r>
+            <a:r>
+              <a:rPr lang="zh-CN" altLang="en-US" dirty="0" smtClean="0"/>
+              <a:t>从“窄依赖”到“宽依赖”的边界）涉及到数据的交换和重新分区，在</a:t>
+            </a:r>
+            <a:r>
+              <a:rPr lang="en-US" altLang="zh-CN" dirty="0" smtClean="0"/>
+              <a:t>Shark</a:t>
+            </a:r>
+            <a:r>
+              <a:rPr lang="zh-CN" altLang="en-US" dirty="0" smtClean="0"/>
+              <a:t>里是最耗费时间的。</a:t>
+            </a:r>
+            <a:endParaRPr lang="en-US" altLang="zh-CN" dirty="0" smtClean="0"/>
+          </a:p>
+          <a:p>
+            <a:r>
+              <a:rPr lang="zh-CN" altLang="en-US" dirty="0" smtClean="0"/>
+              <a:t>注意：默认情况下，</a:t>
+            </a:r>
+            <a:r>
+              <a:rPr lang="en-US" altLang="zh-CN" dirty="0" smtClean="0"/>
+              <a:t>Spark</a:t>
+            </a:r>
+            <a:r>
+              <a:rPr lang="zh-CN" altLang="en-US" dirty="0" smtClean="0"/>
+              <a:t>在</a:t>
+            </a:r>
+            <a:r>
+              <a:rPr lang="en-US" altLang="zh-CN" dirty="0" smtClean="0"/>
+              <a:t>shuffle</a:t>
+            </a:r>
+            <a:r>
+              <a:rPr lang="zh-CN" altLang="en-US" dirty="0"/>
+              <a:t>前</a:t>
+            </a:r>
+            <a:r>
+              <a:rPr lang="zh-CN" altLang="en-US" dirty="0" smtClean="0"/>
+              <a:t>物化每个</a:t>
+            </a:r>
+            <a:r>
+              <a:rPr lang="en-US" altLang="zh-CN" dirty="0" smtClean="0"/>
+              <a:t>map</a:t>
+            </a:r>
+            <a:r>
+              <a:rPr lang="zh-CN" altLang="en-US" dirty="0" smtClean="0"/>
+              <a:t>任务的输出到内存，当有必要时（如内存吃紧）会存入磁盘。</a:t>
+            </a:r>
+            <a:endParaRPr lang="en-US" altLang="zh-CN" dirty="0" smtClean="0"/>
+          </a:p>
+          <a:p>
+            <a:r>
+              <a:rPr lang="en-US" altLang="zh-CN" dirty="0" smtClean="0"/>
+              <a:t>PDE</a:t>
+            </a:r>
+            <a:r>
+              <a:rPr lang="zh-CN" altLang="en-US" dirty="0" smtClean="0"/>
+              <a:t>修改机制涉及两个方面：</a:t>
+            </a:r>
+            <a:endParaRPr lang="en-US" altLang="zh-CN" dirty="0" smtClean="0"/>
+          </a:p>
+          <a:p>
+            <a:pPr lvl="1"/>
+            <a:r>
+              <a:rPr lang="en-US" altLang="zh-CN" dirty="0" smtClean="0"/>
+              <a:t>1. </a:t>
+            </a:r>
+            <a:r>
+              <a:rPr lang="zh-CN" altLang="en-US" dirty="0" smtClean="0"/>
+              <a:t>在物化</a:t>
+            </a:r>
+            <a:r>
+              <a:rPr lang="en-US" altLang="zh-CN" dirty="0" smtClean="0"/>
+              <a:t>map</a:t>
+            </a:r>
+            <a:r>
+              <a:rPr lang="zh-CN" altLang="en-US" dirty="0" smtClean="0"/>
+              <a:t>输出时，</a:t>
+            </a:r>
+            <a:r>
+              <a:rPr lang="en-US" altLang="zh-CN" dirty="0" smtClean="0"/>
+              <a:t>PDE</a:t>
+            </a:r>
+            <a:r>
+              <a:rPr lang="zh-CN" altLang="en-US" dirty="0" smtClean="0"/>
+              <a:t>可在全局范围内针对每个分区，收集可自定义的统计信息，如分区大小、记录数、热数据等。</a:t>
+            </a:r>
+            <a:endParaRPr lang="en-US" altLang="zh-CN" dirty="0" smtClean="0"/>
+          </a:p>
+          <a:p>
+            <a:pPr lvl="1"/>
+            <a:r>
+              <a:rPr lang="en-US" altLang="zh-CN" dirty="0" smtClean="0"/>
+              <a:t>2. </a:t>
+            </a:r>
+            <a:r>
+              <a:rPr lang="zh-CN" altLang="en-US" dirty="0" smtClean="0"/>
+              <a:t>基于这些统计信息，</a:t>
+            </a:r>
+            <a:r>
+              <a:rPr lang="en-US" altLang="zh-CN" dirty="0" smtClean="0"/>
+              <a:t>PDE</a:t>
+            </a:r>
+            <a:r>
+              <a:rPr lang="zh-CN" altLang="en-US" dirty="0" smtClean="0"/>
+              <a:t>允许</a:t>
+            </a:r>
+            <a:r>
+              <a:rPr lang="en-US" altLang="zh-CN" dirty="0" smtClean="0"/>
+              <a:t>DAG</a:t>
+            </a:r>
+            <a:r>
+              <a:rPr lang="zh-CN" altLang="en-US" dirty="0" smtClean="0"/>
+              <a:t>进行调整</a:t>
+            </a:r>
+            <a:r>
+              <a:rPr lang="en-US" altLang="zh-CN" dirty="0" smtClean="0"/>
+              <a:t>: (1)</a:t>
+            </a:r>
+            <a:r>
+              <a:rPr lang="zh-CN" altLang="en-US" dirty="0" smtClean="0"/>
+              <a:t>选择不同的操作；</a:t>
+            </a:r>
+            <a:r>
+              <a:rPr lang="en-US" altLang="zh-CN" dirty="0" smtClean="0"/>
+              <a:t>(2)</a:t>
+            </a:r>
+            <a:r>
+              <a:rPr lang="zh-CN" altLang="en-US" dirty="0" smtClean="0"/>
+              <a:t>改变参数，如并行度</a:t>
+            </a:r>
+            <a:endParaRPr lang="en-US" altLang="zh-CN" dirty="0" smtClean="0"/>
+          </a:p>
+          <a:p>
+            <a:endParaRPr lang="zh-CN" altLang="en-US" dirty="0"/>
+          </a:p>
+        </p:txBody>
+      </p:sp>
+    </p:spTree>
+    <p:extLst>
+      <p:ext uri="{BB962C8B-B14F-4D97-AF65-F5344CB8AC3E}">
+        <p14:creationId xmlns:p14="http://schemas.microsoft.com/office/powerpoint/2010/main" val="1732199764"/>
+      </p:ext>
+    </p:extLst>
+  </p:cSld>
+  <p:clrMapOvr>
+    <a:masterClrMapping/>
+  </p:clrMapOvr>
+  <p:timing>
+    <p:tnLst>
+      <p:par>
+        <p:cTn id="1" dur="indefinite" restart="never" nodeType="tmRoot"/>
+      </p:par>
+    </p:tnLst>
+  </p:timing>
+</p:sld>
+</file>
+
+<file path=ppt/slides/slide7.xml><?xml version="1.0" encoding="utf-8"?>
+<p:sld xmlns:a="http://schemas.openxmlformats.org/drawingml/2006/main" xmlns:r="http://schemas.openxmlformats.org/officeDocument/2006/relationships" xmlns:p="http://schemas.openxmlformats.org/presentationml/2006/main">
+  <p:cSld>
+    <p:spTree>
+      <p:nvGrpSpPr>
+        <p:cNvPr id="1" name=""/>
+        <p:cNvGrpSpPr/>
+        <p:nvPr/>
+      </p:nvGrpSpPr>
+      <p:grpSpPr>
+        <a:xfrm>
+          <a:off x="0" y="0"/>
+          <a:ext cx="0" cy="0"/>
+          <a:chOff x="0" y="0"/>
+          <a:chExt cx="0" cy="0"/>
+        </a:xfrm>
+      </p:grpSpPr>
+      <p:sp>
+        <p:nvSpPr>
+          <p:cNvPr id="2" name="标题 1"/>
+          <p:cNvSpPr>
+            <a:spLocks noGrp="1"/>
+          </p:cNvSpPr>
+          <p:nvPr>
+            <p:ph type="title"/>
+          </p:nvPr>
+        </p:nvSpPr>
+        <p:spPr/>
+        <p:txBody>
+          <a:bodyPr/>
+          <a:lstStyle/>
+          <a:p>
+            <a:r>
+              <a:rPr lang="zh-CN" altLang="en-US" dirty="0"/>
+              <a:t>引擎扩展</a:t>
+            </a:r>
+            <a:r>
+              <a:rPr lang="en-US" altLang="zh-CN" dirty="0"/>
+              <a:t>:PDE</a:t>
+            </a:r>
+            <a:endParaRPr lang="zh-CN" altLang="en-US" dirty="0"/>
+          </a:p>
+        </p:txBody>
+      </p:sp>
+      <p:sp>
+        <p:nvSpPr>
+          <p:cNvPr id="3" name="内容占位符 2"/>
+          <p:cNvSpPr>
+            <a:spLocks noGrp="1"/>
+          </p:cNvSpPr>
+          <p:nvPr>
+            <p:ph idx="1"/>
+          </p:nvPr>
+        </p:nvSpPr>
+        <p:spPr/>
+        <p:txBody>
+          <a:bodyPr/>
+          <a:lstStyle/>
+          <a:p>
+            <a:r>
+              <a:rPr lang="zh-CN" altLang="en-US" dirty="0" smtClean="0"/>
+              <a:t>这些统计信息由每个</a:t>
+            </a:r>
+            <a:r>
+              <a:rPr lang="en-US" altLang="zh-CN" dirty="0" smtClean="0"/>
+              <a:t>worker</a:t>
+            </a:r>
+            <a:r>
+              <a:rPr lang="zh-CN" altLang="en-US" dirty="0" smtClean="0"/>
+              <a:t>发送给</a:t>
+            </a:r>
+            <a:r>
+              <a:rPr lang="en-US" altLang="zh-CN" dirty="0" smtClean="0"/>
+              <a:t>master</a:t>
+            </a:r>
+            <a:r>
+              <a:rPr lang="zh-CN" altLang="en-US" dirty="0" smtClean="0"/>
+              <a:t>，然后汇总提交给优化器。针对统计信息，采用</a:t>
+            </a:r>
+            <a:r>
+              <a:rPr lang="zh-CN" altLang="en-US" b="1" dirty="0" smtClean="0"/>
+              <a:t>有损压缩</a:t>
+            </a:r>
+            <a:r>
+              <a:rPr lang="zh-CN" altLang="en-US" dirty="0" smtClean="0"/>
+              <a:t>（节省空间）。</a:t>
+            </a:r>
+            <a:endParaRPr lang="zh-CN" altLang="en-US" dirty="0"/>
+          </a:p>
+        </p:txBody>
+      </p:sp>
+    </p:spTree>
+    <p:extLst>
+      <p:ext uri="{BB962C8B-B14F-4D97-AF65-F5344CB8AC3E}">
+        <p14:creationId xmlns:p14="http://schemas.microsoft.com/office/powerpoint/2010/main" val="2754217765"/>
+      </p:ext>
+    </p:extLst>
+  </p:cSld>
+  <p:clrMapOvr>
+    <a:masterClrMapping/>
+  </p:clrMapOvr>
+</p:sld>
+</file>
+
+<file path=ppt/slides/slide8.xml><?xml version="1.0" encoding="utf-8"?>
+<p:sld xmlns:a="http://schemas.openxmlformats.org/drawingml/2006/main" xmlns:r="http://schemas.openxmlformats.org/officeDocument/2006/relationships" xmlns:p="http://schemas.openxmlformats.org/presentationml/2006/main">
+  <p:cSld>
+    <p:spTree>
+      <p:nvGrpSpPr>
+        <p:cNvPr id="1" name=""/>
+        <p:cNvGrpSpPr/>
+        <p:nvPr/>
+      </p:nvGrpSpPr>
+      <p:grpSpPr>
+        <a:xfrm>
+          <a:off x="0" y="0"/>
+          <a:ext cx="0" cy="0"/>
+          <a:chOff x="0" y="0"/>
+          <a:chExt cx="0" cy="0"/>
+        </a:xfrm>
+      </p:grpSpPr>
+      <p:sp>
+        <p:nvSpPr>
+          <p:cNvPr id="2" name="标题 1"/>
+          <p:cNvSpPr>
+            <a:spLocks noGrp="1"/>
+          </p:cNvSpPr>
+          <p:nvPr>
+            <p:ph type="title"/>
+          </p:nvPr>
+        </p:nvSpPr>
+        <p:spPr/>
+        <p:txBody>
+          <a:bodyPr/>
+          <a:lstStyle/>
+          <a:p>
+            <a:endParaRPr lang="zh-CN" altLang="en-US"/>
+          </a:p>
+        </p:txBody>
+      </p:sp>
+      <p:sp>
+        <p:nvSpPr>
+          <p:cNvPr id="3" name="内容占位符 2"/>
+          <p:cNvSpPr>
+            <a:spLocks noGrp="1"/>
+          </p:cNvSpPr>
+          <p:nvPr>
+            <p:ph idx="1"/>
+          </p:nvPr>
+        </p:nvSpPr>
+        <p:spPr/>
+        <p:txBody>
+          <a:bodyPr/>
+          <a:lstStyle/>
+          <a:p>
+            <a:endParaRPr lang="zh-CN" altLang="en-US"/>
+          </a:p>
+        </p:txBody>
+      </p:sp>
+    </p:spTree>
+    <p:extLst>
+      <p:ext uri="{BB962C8B-B14F-4D97-AF65-F5344CB8AC3E}">
+        <p14:creationId xmlns:p14="http://schemas.microsoft.com/office/powerpoint/2010/main" val="509463109"/>
       </p:ext>
     </p:extLst>
   </p:cSld>

--- a/shark.pptx
+++ b/shark.pptx
@@ -11,8 +11,9 @@
     <p:sldId id="259" r:id="rId5"/>
     <p:sldId id="260" r:id="rId6"/>
     <p:sldId id="261" r:id="rId7"/>
-    <p:sldId id="262" r:id="rId8"/>
-    <p:sldId id="263" r:id="rId9"/>
+    <p:sldId id="263" r:id="rId8"/>
+    <p:sldId id="264" r:id="rId9"/>
+    <p:sldId id="265" r:id="rId10"/>
   </p:sldIdLst>
   <p:sldSz cx="9144000" cy="6858000" type="screen4x3"/>
   <p:notesSz cx="6858000" cy="9144000"/>
@@ -4124,7 +4125,7 @@
         <p:spPr/>
         <p:txBody>
           <a:bodyPr>
-            <a:normAutofit fontScale="77500" lnSpcReduction="20000"/>
+            <a:normAutofit fontScale="70000" lnSpcReduction="20000"/>
           </a:bodyPr>
           <a:lstStyle/>
           <a:p>
@@ -4342,8 +4343,45 @@
             </a:r>
             <a:r>
               <a:rPr lang="zh-CN" altLang="en-US" dirty="0" smtClean="0"/>
-              <a:t>改变参数，如并行度</a:t>
-            </a:r>
+              <a:t>改变参数，如</a:t>
+            </a:r>
+            <a:r>
+              <a:rPr lang="zh-CN" altLang="en-US" dirty="0" smtClean="0"/>
+              <a:t>并行度</a:t>
+            </a:r>
+            <a:endParaRPr lang="en-US" altLang="zh-CN" dirty="0" smtClean="0"/>
+          </a:p>
+          <a:p>
+            <a:r>
+              <a:rPr lang="zh-CN" altLang="en-US" dirty="0"/>
+              <a:t>统计信息收集：这些统计信息由每个</a:t>
+            </a:r>
+            <a:r>
+              <a:rPr lang="en-US" altLang="zh-CN" dirty="0"/>
+              <a:t>worker</a:t>
+            </a:r>
+            <a:r>
+              <a:rPr lang="zh-CN" altLang="en-US" dirty="0"/>
+              <a:t>发送给</a:t>
+            </a:r>
+            <a:r>
+              <a:rPr lang="en-US" altLang="zh-CN" dirty="0"/>
+              <a:t>master</a:t>
+            </a:r>
+            <a:r>
+              <a:rPr lang="zh-CN" altLang="en-US" dirty="0"/>
+              <a:t>，然后汇总提交给优化器。针对统计信息，采用</a:t>
+            </a:r>
+            <a:r>
+              <a:rPr lang="zh-CN" altLang="en-US" b="1" dirty="0"/>
+              <a:t>有损压缩</a:t>
+            </a:r>
+            <a:r>
+              <a:rPr lang="zh-CN" altLang="en-US" dirty="0"/>
+              <a:t>（节省空间）。</a:t>
+            </a:r>
+          </a:p>
+          <a:p>
             <a:endParaRPr lang="en-US" altLang="zh-CN" dirty="0" smtClean="0"/>
           </a:p>
           <a:p>
@@ -4409,7 +4447,15 @@
             </a:r>
             <a:r>
               <a:rPr lang="en-US" altLang="zh-CN" dirty="0"/>
-              <a:t>:PDE</a:t>
+              <a:t>:</a:t>
+            </a:r>
+            <a:r>
+              <a:rPr lang="en-US" altLang="zh-CN" dirty="0" smtClean="0"/>
+              <a:t>PDE Join</a:t>
+            </a:r>
+            <a:r>
+              <a:rPr lang="zh-CN" altLang="en-US" dirty="0" smtClean="0"/>
+              <a:t>优化</a:t>
             </a:r>
             <a:endParaRPr lang="zh-CN" altLang="en-US" dirty="0"/>
           </a:p>
@@ -4430,48 +4476,27 @@
           <a:bodyPr/>
           <a:lstStyle/>
           <a:p>
-            <a:r>
-              <a:rPr lang="zh-CN" altLang="en-US" dirty="0" smtClean="0"/>
-              <a:t>这些统计信息由每个</a:t>
-            </a:r>
-            <a:r>
-              <a:rPr lang="en-US" altLang="zh-CN" dirty="0" smtClean="0"/>
-              <a:t>worker</a:t>
-            </a:r>
-            <a:r>
-              <a:rPr lang="zh-CN" altLang="en-US" dirty="0" smtClean="0"/>
-              <a:t>发送给</a:t>
-            </a:r>
-            <a:r>
-              <a:rPr lang="en-US" altLang="zh-CN" dirty="0" smtClean="0"/>
-              <a:t>master</a:t>
-            </a:r>
-            <a:r>
-              <a:rPr lang="zh-CN" altLang="en-US" dirty="0" smtClean="0"/>
-              <a:t>，然后汇总提交给优化器。针对统计信息，采用</a:t>
-            </a:r>
-            <a:r>
-              <a:rPr lang="zh-CN" altLang="en-US" b="1" dirty="0" smtClean="0"/>
-              <a:t>有损压缩</a:t>
-            </a:r>
-            <a:r>
-              <a:rPr lang="zh-CN" altLang="en-US" dirty="0" smtClean="0"/>
-              <a:t>（节省空间）。</a:t>
-            </a:r>
-            <a:endParaRPr lang="zh-CN" altLang="en-US" dirty="0"/>
+            <a:endParaRPr lang="zh-CN" altLang="en-US"/>
           </a:p>
         </p:txBody>
       </p:sp>
     </p:spTree>
     <p:extLst>
       <p:ext uri="{BB962C8B-B14F-4D97-AF65-F5344CB8AC3E}">
-        <p14:creationId xmlns:p14="http://schemas.microsoft.com/office/powerpoint/2010/main" val="2754217765"/>
+        <p14:creationId xmlns:p14="http://schemas.microsoft.com/office/powerpoint/2010/main" val="509463109"/>
       </p:ext>
     </p:extLst>
   </p:cSld>
   <p:clrMapOvr>
     <a:masterClrMapping/>
   </p:clrMapOvr>
+  <p:timing>
+    <p:tnLst>
+      <p:par>
+        <p:cTn id="1" dur="indefinite" restart="never" nodeType="tmRoot"/>
+      </p:par>
+    </p:tnLst>
+  </p:timing>
 </p:sld>
 </file>
 
@@ -4504,10 +4529,36 @@
         </p:nvSpPr>
         <p:spPr/>
         <p:txBody>
-          <a:bodyPr/>
-          <a:lstStyle/>
-          <a:p>
-            <a:endParaRPr lang="zh-CN" altLang="en-US"/>
+          <a:bodyPr>
+            <a:normAutofit fontScale="90000"/>
+          </a:bodyPr>
+          <a:lstStyle/>
+          <a:p>
+            <a:r>
+              <a:rPr lang="zh-CN" altLang="en-US" dirty="0"/>
+              <a:t>引擎扩展</a:t>
+            </a:r>
+            <a:r>
+              <a:rPr lang="en-US" altLang="zh-CN" dirty="0"/>
+              <a:t>:</a:t>
+            </a:r>
+            <a:r>
+              <a:rPr lang="en-US" altLang="zh-CN" dirty="0" smtClean="0"/>
+              <a:t>PDE </a:t>
+            </a:r>
+            <a:r>
+              <a:rPr lang="zh-CN" altLang="en-US" dirty="0" smtClean="0"/>
+              <a:t>斜</a:t>
+            </a:r>
+            <a:r>
+              <a:rPr lang="en-US" altLang="zh-CN" dirty="0" smtClean="0"/>
+              <a:t>(skew)</a:t>
+            </a:r>
+            <a:r>
+              <a:rPr lang="zh-CN" altLang="en-US" dirty="0" smtClean="0"/>
+              <a:t>处理和并行度</a:t>
+            </a:r>
+            <a:endParaRPr lang="zh-CN" altLang="en-US" dirty="0"/>
           </a:p>
         </p:txBody>
       </p:sp>
@@ -4523,17 +4574,305 @@
         </p:nvSpPr>
         <p:spPr/>
         <p:txBody>
-          <a:bodyPr/>
-          <a:lstStyle/>
-          <a:p>
-            <a:endParaRPr lang="zh-CN" altLang="en-US"/>
+          <a:bodyPr>
+            <a:normAutofit fontScale="62500" lnSpcReduction="20000"/>
+          </a:bodyPr>
+          <a:lstStyle/>
+          <a:p>
+            <a:r>
+              <a:rPr lang="en-US" altLang="zh-CN" dirty="0" smtClean="0"/>
+              <a:t>Reducer</a:t>
+            </a:r>
+            <a:r>
+              <a:rPr lang="zh-CN" altLang="en-US" dirty="0" smtClean="0"/>
+              <a:t>任务的并行度对性能的影响</a:t>
+            </a:r>
+            <a:r>
+              <a:rPr lang="en-US" altLang="zh-CN" dirty="0" smtClean="0"/>
+              <a:t>:</a:t>
+            </a:r>
+          </a:p>
+          <a:p>
+            <a:pPr marL="0" indent="0">
+              <a:buNone/>
+            </a:pPr>
+            <a:r>
+              <a:rPr lang="en-US" altLang="zh-CN" dirty="0" smtClean="0"/>
+              <a:t>(1)Reducer</a:t>
+            </a:r>
+            <a:r>
+              <a:rPr lang="zh-CN" altLang="en-US" dirty="0" smtClean="0"/>
+              <a:t>个数太少，那么</a:t>
+            </a:r>
+            <a:r>
+              <a:rPr lang="en-US" altLang="zh-CN" dirty="0" smtClean="0"/>
+              <a:t>reducer</a:t>
+            </a:r>
+            <a:r>
+              <a:rPr lang="zh-CN" altLang="en-US" dirty="0" smtClean="0"/>
+              <a:t>的网络工作负载过高，并且消耗大量的内存；</a:t>
+            </a:r>
+            <a:endParaRPr lang="en-US" altLang="zh-CN" dirty="0" smtClean="0"/>
+          </a:p>
+          <a:p>
+            <a:pPr marL="0" indent="0">
+              <a:buNone/>
+            </a:pPr>
+            <a:r>
+              <a:rPr lang="en-US" altLang="zh-CN" dirty="0" smtClean="0"/>
+              <a:t>(2)Reducer</a:t>
+            </a:r>
+            <a:r>
+              <a:rPr lang="zh-CN" altLang="en-US" dirty="0" smtClean="0"/>
+              <a:t>个数太多，则会延长作业（</a:t>
+            </a:r>
+            <a:r>
+              <a:rPr lang="en-US" altLang="zh-CN" dirty="0" smtClean="0"/>
+              <a:t>job</a:t>
+            </a:r>
+            <a:r>
+              <a:rPr lang="zh-CN" altLang="en-US" dirty="0" smtClean="0"/>
+              <a:t>）完成时间，因为任务调度开销大。</a:t>
+            </a:r>
+            <a:endParaRPr lang="en-US" altLang="zh-CN" dirty="0" smtClean="0"/>
+          </a:p>
+          <a:p>
+            <a:r>
+              <a:rPr lang="zh-CN" altLang="en-US" dirty="0" smtClean="0"/>
+              <a:t>解决办法：使用</a:t>
+            </a:r>
+            <a:r>
+              <a:rPr lang="en-US" altLang="zh-CN" dirty="0" smtClean="0"/>
+              <a:t>PDE</a:t>
+            </a:r>
+            <a:r>
+              <a:rPr lang="zh-CN" altLang="en-US" dirty="0" smtClean="0"/>
+              <a:t>，</a:t>
+            </a:r>
+            <a:r>
+              <a:rPr lang="en-US" altLang="zh-CN" dirty="0" smtClean="0"/>
+              <a:t>Shark</a:t>
+            </a:r>
+            <a:r>
+              <a:rPr lang="zh-CN" altLang="en-US" dirty="0" smtClean="0"/>
+              <a:t>针对单独分区的大小，在</a:t>
+            </a:r>
+            <a:r>
+              <a:rPr lang="zh-CN" altLang="en-US" b="1" dirty="0" smtClean="0"/>
+              <a:t>运行时（</a:t>
+            </a:r>
+            <a:r>
+              <a:rPr lang="en-US" altLang="zh-CN" b="1" dirty="0" smtClean="0"/>
+              <a:t>run-time</a:t>
+            </a:r>
+            <a:r>
+              <a:rPr lang="zh-CN" altLang="en-US" b="1" dirty="0" smtClean="0"/>
+              <a:t>）</a:t>
+            </a:r>
+            <a:r>
+              <a:rPr lang="zh-CN" altLang="en-US" dirty="0" smtClean="0"/>
+              <a:t>决定</a:t>
+            </a:r>
+            <a:r>
+              <a:rPr lang="en-US" altLang="zh-CN" dirty="0" smtClean="0"/>
+              <a:t>reducer</a:t>
+            </a:r>
+            <a:r>
+              <a:rPr lang="zh-CN" altLang="en-US" dirty="0" smtClean="0"/>
+              <a:t>的个数，通过合并很多小的、细粒度的分区，得到少量的粗粒度的分区。</a:t>
+            </a:r>
+            <a:r>
+              <a:rPr lang="zh-CN" altLang="en-US" dirty="0" smtClean="0">
+                <a:solidFill>
+                  <a:srgbClr val="FF0000"/>
+                </a:solidFill>
+              </a:rPr>
+              <a:t>分区个数和</a:t>
+            </a:r>
+            <a:r>
+              <a:rPr lang="en-US" altLang="zh-CN" dirty="0" smtClean="0">
+                <a:solidFill>
+                  <a:srgbClr val="FF0000"/>
+                </a:solidFill>
+              </a:rPr>
+              <a:t>reducer</a:t>
+            </a:r>
+            <a:r>
+              <a:rPr lang="zh-CN" altLang="en-US" dirty="0" smtClean="0">
+                <a:solidFill>
+                  <a:srgbClr val="FF0000"/>
+                </a:solidFill>
+              </a:rPr>
+              <a:t>个数关系？</a:t>
+            </a:r>
+            <a:endParaRPr lang="en-US" altLang="zh-CN" dirty="0" smtClean="0">
+              <a:solidFill>
+                <a:srgbClr val="FF0000"/>
+              </a:solidFill>
+            </a:endParaRPr>
+          </a:p>
+          <a:p>
+            <a:r>
+              <a:rPr lang="zh-CN" altLang="en-US" dirty="0" smtClean="0"/>
+              <a:t>分区过程遇到的“斜</a:t>
+            </a:r>
+            <a:r>
+              <a:rPr lang="en-US" altLang="zh-CN" dirty="0" smtClean="0"/>
+              <a:t>(skew)</a:t>
+            </a:r>
+            <a:r>
+              <a:rPr lang="zh-CN" altLang="en-US" dirty="0" smtClean="0"/>
+              <a:t>问题”</a:t>
+            </a:r>
+            <a:r>
+              <a:rPr lang="en-US" altLang="zh-CN" dirty="0" smtClean="0"/>
+              <a:t>:</a:t>
+            </a:r>
+            <a:r>
+              <a:rPr lang="zh-CN" altLang="en-US" dirty="0" smtClean="0"/>
+              <a:t>小分区合并后得到的大分区，其大小可能不一。</a:t>
+            </a:r>
+            <a:endParaRPr lang="en-US" altLang="zh-CN" dirty="0" smtClean="0"/>
+          </a:p>
+          <a:p>
+            <a:r>
+              <a:rPr lang="zh-CN" altLang="en-US" dirty="0" smtClean="0"/>
+              <a:t>解决办法：使用</a:t>
+            </a:r>
+            <a:r>
+              <a:rPr lang="en-US" altLang="zh-CN" dirty="0"/>
+              <a:t>greedy </a:t>
+            </a:r>
+            <a:r>
+              <a:rPr lang="en-US" altLang="zh-CN" dirty="0" smtClean="0"/>
+              <a:t>bin-packing heuristic</a:t>
+            </a:r>
+            <a:r>
+              <a:rPr lang="zh-CN" altLang="en-US" dirty="0" smtClean="0"/>
+              <a:t>，试图使合并后的分区大小均等化。</a:t>
+            </a:r>
+            <a:endParaRPr lang="en-US" altLang="zh-CN" dirty="0" smtClean="0"/>
+          </a:p>
+          <a:p>
+            <a:r>
+              <a:rPr lang="zh-CN" altLang="en-US" dirty="0" smtClean="0"/>
+              <a:t>本文提到一个有意思的现象：在</a:t>
+            </a:r>
+            <a:r>
+              <a:rPr lang="en-US" altLang="zh-CN" dirty="0" smtClean="0"/>
+              <a:t>Shark</a:t>
+            </a:r>
+            <a:r>
+              <a:rPr lang="zh-CN" altLang="en-US" dirty="0" smtClean="0"/>
+              <a:t>上运行大量的</a:t>
+            </a:r>
+            <a:r>
+              <a:rPr lang="en-US" altLang="zh-CN" dirty="0" smtClean="0"/>
+              <a:t>reducer</a:t>
+            </a:r>
+            <a:r>
+              <a:rPr lang="zh-CN" altLang="en-US" dirty="0" smtClean="0"/>
+              <a:t>任务，却有相似的性能提升，作者们把这归功于</a:t>
+            </a:r>
+            <a:r>
+              <a:rPr lang="en-US" altLang="zh-CN" dirty="0" smtClean="0"/>
+              <a:t>Spark</a:t>
+            </a:r>
+            <a:r>
+              <a:rPr lang="zh-CN" altLang="en-US" dirty="0" smtClean="0"/>
+              <a:t>的调度和任务启动开销很低。</a:t>
+            </a:r>
+            <a:endParaRPr lang="zh-CN" altLang="en-US" dirty="0"/>
           </a:p>
         </p:txBody>
       </p:sp>
     </p:spTree>
     <p:extLst>
       <p:ext uri="{BB962C8B-B14F-4D97-AF65-F5344CB8AC3E}">
-        <p14:creationId xmlns:p14="http://schemas.microsoft.com/office/powerpoint/2010/main" val="509463109"/>
+        <p14:creationId xmlns:p14="http://schemas.microsoft.com/office/powerpoint/2010/main" val="3207996613"/>
+      </p:ext>
+    </p:extLst>
+  </p:cSld>
+  <p:clrMapOvr>
+    <a:masterClrMapping/>
+  </p:clrMapOvr>
+  <p:timing>
+    <p:tnLst>
+      <p:par>
+        <p:cTn id="1" dur="indefinite" restart="never" nodeType="tmRoot"/>
+      </p:par>
+    </p:tnLst>
+  </p:timing>
+</p:sld>
+</file>
+
+<file path=ppt/slides/slide9.xml><?xml version="1.0" encoding="utf-8"?>
+<p:sld xmlns:a="http://schemas.openxmlformats.org/drawingml/2006/main" xmlns:r="http://schemas.openxmlformats.org/officeDocument/2006/relationships" xmlns:p="http://schemas.openxmlformats.org/presentationml/2006/main">
+  <p:cSld>
+    <p:spTree>
+      <p:nvGrpSpPr>
+        <p:cNvPr id="1" name=""/>
+        <p:cNvGrpSpPr/>
+        <p:nvPr/>
+      </p:nvGrpSpPr>
+      <p:grpSpPr>
+        <a:xfrm>
+          <a:off x="0" y="0"/>
+          <a:ext cx="0" cy="0"/>
+          <a:chOff x="0" y="0"/>
+          <a:chExt cx="0" cy="0"/>
+        </a:xfrm>
+      </p:grpSpPr>
+      <p:sp>
+        <p:nvSpPr>
+          <p:cNvPr id="2" name="标题 1"/>
+          <p:cNvSpPr>
+            <a:spLocks noGrp="1"/>
+          </p:cNvSpPr>
+          <p:nvPr>
+            <p:ph type="title"/>
+          </p:nvPr>
+        </p:nvSpPr>
+        <p:spPr/>
+        <p:txBody>
+          <a:bodyPr/>
+          <a:lstStyle/>
+          <a:p>
+            <a:r>
+              <a:rPr lang="zh-CN" altLang="en-US" dirty="0"/>
+              <a:t>引擎</a:t>
+            </a:r>
+            <a:r>
+              <a:rPr lang="zh-CN" altLang="en-US" dirty="0" smtClean="0"/>
+              <a:t>扩展：列内存存储</a:t>
+            </a:r>
+            <a:endParaRPr lang="zh-CN" altLang="en-US" dirty="0"/>
+          </a:p>
+        </p:txBody>
+      </p:sp>
+      <p:sp>
+        <p:nvSpPr>
+          <p:cNvPr id="3" name="内容占位符 2"/>
+          <p:cNvSpPr>
+            <a:spLocks noGrp="1"/>
+          </p:cNvSpPr>
+          <p:nvPr>
+            <p:ph idx="1"/>
+          </p:nvPr>
+        </p:nvSpPr>
+        <p:spPr/>
+        <p:txBody>
+          <a:bodyPr/>
+          <a:lstStyle/>
+          <a:p>
+            <a:endParaRPr lang="zh-CN" altLang="en-US"/>
+          </a:p>
+        </p:txBody>
+      </p:sp>
+    </p:spTree>
+    <p:extLst>
+      <p:ext uri="{BB962C8B-B14F-4D97-AF65-F5344CB8AC3E}">
+        <p14:creationId xmlns:p14="http://schemas.microsoft.com/office/powerpoint/2010/main" val="4186790557"/>
       </p:ext>
     </p:extLst>
   </p:cSld>

--- a/shark.pptx
+++ b/shark.pptx
@@ -296,7 +296,7 @@
           <a:p>
             <a:fld id="{530820CF-B880-4189-942D-D702A7CBA730}" type="datetimeFigureOut">
               <a:rPr lang="zh-CN" altLang="en-US" smtClean="0"/>
-              <a:t>2014/6/17</a:t>
+              <a:t>2014/6/18</a:t>
             </a:fld>
             <a:endParaRPr lang="zh-CN" altLang="en-US"/>
           </a:p>
@@ -461,7 +461,7 @@
           <a:p>
             <a:fld id="{530820CF-B880-4189-942D-D702A7CBA730}" type="datetimeFigureOut">
               <a:rPr lang="zh-CN" altLang="en-US" smtClean="0"/>
-              <a:t>2014/6/17</a:t>
+              <a:t>2014/6/18</a:t>
             </a:fld>
             <a:endParaRPr lang="zh-CN" altLang="en-US"/>
           </a:p>
@@ -636,7 +636,7 @@
           <a:p>
             <a:fld id="{530820CF-B880-4189-942D-D702A7CBA730}" type="datetimeFigureOut">
               <a:rPr lang="zh-CN" altLang="en-US" smtClean="0"/>
-              <a:t>2014/6/17</a:t>
+              <a:t>2014/6/18</a:t>
             </a:fld>
             <a:endParaRPr lang="zh-CN" altLang="en-US"/>
           </a:p>
@@ -801,7 +801,7 @@
           <a:p>
             <a:fld id="{530820CF-B880-4189-942D-D702A7CBA730}" type="datetimeFigureOut">
               <a:rPr lang="zh-CN" altLang="en-US" smtClean="0"/>
-              <a:t>2014/6/17</a:t>
+              <a:t>2014/6/18</a:t>
             </a:fld>
             <a:endParaRPr lang="zh-CN" altLang="en-US"/>
           </a:p>
@@ -1042,7 +1042,7 @@
           <a:p>
             <a:fld id="{530820CF-B880-4189-942D-D702A7CBA730}" type="datetimeFigureOut">
               <a:rPr lang="zh-CN" altLang="en-US" smtClean="0"/>
-              <a:t>2014/6/17</a:t>
+              <a:t>2014/6/18</a:t>
             </a:fld>
             <a:endParaRPr lang="zh-CN" altLang="en-US"/>
           </a:p>
@@ -1325,7 +1325,7 @@
           <a:p>
             <a:fld id="{530820CF-B880-4189-942D-D702A7CBA730}" type="datetimeFigureOut">
               <a:rPr lang="zh-CN" altLang="en-US" smtClean="0"/>
-              <a:t>2014/6/17</a:t>
+              <a:t>2014/6/18</a:t>
             </a:fld>
             <a:endParaRPr lang="zh-CN" altLang="en-US"/>
           </a:p>
@@ -1742,7 +1742,7 @@
           <a:p>
             <a:fld id="{530820CF-B880-4189-942D-D702A7CBA730}" type="datetimeFigureOut">
               <a:rPr lang="zh-CN" altLang="en-US" smtClean="0"/>
-              <a:t>2014/6/17</a:t>
+              <a:t>2014/6/18</a:t>
             </a:fld>
             <a:endParaRPr lang="zh-CN" altLang="en-US"/>
           </a:p>
@@ -1855,7 +1855,7 @@
           <a:p>
             <a:fld id="{530820CF-B880-4189-942D-D702A7CBA730}" type="datetimeFigureOut">
               <a:rPr lang="zh-CN" altLang="en-US" smtClean="0"/>
-              <a:t>2014/6/17</a:t>
+              <a:t>2014/6/18</a:t>
             </a:fld>
             <a:endParaRPr lang="zh-CN" altLang="en-US"/>
           </a:p>
@@ -1945,7 +1945,7 @@
           <a:p>
             <a:fld id="{530820CF-B880-4189-942D-D702A7CBA730}" type="datetimeFigureOut">
               <a:rPr lang="zh-CN" altLang="en-US" smtClean="0"/>
-              <a:t>2014/6/17</a:t>
+              <a:t>2014/6/18</a:t>
             </a:fld>
             <a:endParaRPr lang="zh-CN" altLang="en-US"/>
           </a:p>
@@ -2217,7 +2217,7 @@
           <a:p>
             <a:fld id="{530820CF-B880-4189-942D-D702A7CBA730}" type="datetimeFigureOut">
               <a:rPr lang="zh-CN" altLang="en-US" smtClean="0"/>
-              <a:t>2014/6/17</a:t>
+              <a:t>2014/6/18</a:t>
             </a:fld>
             <a:endParaRPr lang="zh-CN" altLang="en-US"/>
           </a:p>
@@ -2465,7 +2465,7 @@
           <a:p>
             <a:fld id="{530820CF-B880-4189-942D-D702A7CBA730}" type="datetimeFigureOut">
               <a:rPr lang="zh-CN" altLang="en-US" smtClean="0"/>
-              <a:t>2014/6/17</a:t>
+              <a:t>2014/6/18</a:t>
             </a:fld>
             <a:endParaRPr lang="zh-CN" altLang="en-US"/>
           </a:p>
@@ -2673,7 +2673,7 @@
           <a:p>
             <a:fld id="{530820CF-B880-4189-942D-D702A7CBA730}" type="datetimeFigureOut">
               <a:rPr lang="zh-CN" altLang="en-US" smtClean="0"/>
-              <a:t>2014/6/17</a:t>
+              <a:t>2014/6/18</a:t>
             </a:fld>
             <a:endParaRPr lang="zh-CN" altLang="en-US"/>
           </a:p>
@@ -4343,11 +4343,7 @@
             </a:r>
             <a:r>
               <a:rPr lang="zh-CN" altLang="en-US" dirty="0" smtClean="0"/>
-              <a:t>改变参数，如</a:t>
-            </a:r>
-            <a:r>
-              <a:rPr lang="zh-CN" altLang="en-US" dirty="0" smtClean="0"/>
-              <a:t>并行度</a:t>
+              <a:t>改变参数，如并行度</a:t>
             </a:r>
             <a:endParaRPr lang="en-US" altLang="zh-CN" dirty="0" smtClean="0"/>
           </a:p>
@@ -4862,10 +4858,141 @@
         </p:nvSpPr>
         <p:spPr/>
         <p:txBody>
-          <a:bodyPr/>
-          <a:lstStyle/>
-          <a:p>
-            <a:endParaRPr lang="zh-CN" altLang="en-US"/>
+          <a:bodyPr>
+            <a:normAutofit fontScale="85000" lnSpcReduction="20000"/>
+          </a:bodyPr>
+          <a:lstStyle/>
+          <a:p>
+            <a:r>
+              <a:rPr lang="zh-CN" altLang="en-US" dirty="0"/>
+              <a:t>内存</a:t>
+            </a:r>
+            <a:r>
+              <a:rPr lang="zh-CN" altLang="en-US" dirty="0" smtClean="0"/>
+              <a:t>计算能使查询低延迟，内存的吞吐量的数量级比磁盘的吞吐量的高。</a:t>
+            </a:r>
+            <a:endParaRPr lang="en-US" altLang="zh-CN" dirty="0" smtClean="0"/>
+          </a:p>
+          <a:p>
+            <a:r>
+              <a:rPr lang="zh-CN" altLang="en-US" dirty="0" smtClean="0"/>
+              <a:t>但简单地使用</a:t>
+            </a:r>
+            <a:r>
+              <a:rPr lang="en-US" altLang="zh-CN" dirty="0" smtClean="0"/>
+              <a:t>Spark</a:t>
+            </a:r>
+            <a:r>
+              <a:rPr lang="zh-CN" altLang="en-US" dirty="0" smtClean="0"/>
+              <a:t>的内存存储，并不能使</a:t>
+            </a:r>
+            <a:r>
+              <a:rPr lang="en-US" altLang="zh-CN" dirty="0" smtClean="0"/>
+              <a:t>Shark</a:t>
+            </a:r>
+            <a:r>
+              <a:rPr lang="zh-CN" altLang="en-US" dirty="0" smtClean="0"/>
+              <a:t>在性能上得到很好提升。因为数据放入内存会引起两个问题：</a:t>
+            </a:r>
+            <a:r>
+              <a:rPr lang="zh-CN" altLang="en-US" b="1" dirty="0" smtClean="0"/>
+              <a:t>空间占用</a:t>
+            </a:r>
+            <a:r>
+              <a:rPr lang="zh-CN" altLang="en-US" dirty="0" smtClean="0"/>
+              <a:t>和</a:t>
+            </a:r>
+            <a:r>
+              <a:rPr lang="zh-CN" altLang="en-US" b="1" dirty="0" smtClean="0"/>
+              <a:t>读吞吐量</a:t>
+            </a:r>
+            <a:r>
+              <a:rPr lang="zh-CN" altLang="en-US" dirty="0" smtClean="0"/>
+              <a:t>。如，简单地将内存数据以其原始格式缓存到磁盘（涉及到</a:t>
+            </a:r>
+            <a:r>
+              <a:rPr lang="zh-CN" altLang="en-US" b="1" dirty="0" smtClean="0"/>
+              <a:t>序列化</a:t>
+            </a:r>
+            <a:r>
+              <a:rPr lang="zh-CN" altLang="en-US" dirty="0" smtClean="0"/>
+              <a:t>），当需要的时候再由查询处理器将其</a:t>
+            </a:r>
+            <a:r>
+              <a:rPr lang="zh-CN" altLang="en-US" b="1" dirty="0" smtClean="0"/>
+              <a:t>反序列化</a:t>
+            </a:r>
+            <a:r>
+              <a:rPr lang="zh-CN" altLang="en-US" dirty="0" smtClean="0"/>
+              <a:t>。然而，作者的研究发现：商用</a:t>
+            </a:r>
+            <a:r>
+              <a:rPr lang="en-US" altLang="zh-CN" dirty="0" smtClean="0"/>
+              <a:t>CPU</a:t>
+            </a:r>
+            <a:r>
+              <a:rPr lang="zh-CN" altLang="en-US" dirty="0" smtClean="0"/>
+              <a:t>的反序列化速率为每核心每秒</a:t>
+            </a:r>
+            <a:r>
+              <a:rPr lang="en-US" altLang="zh-CN" dirty="0" smtClean="0"/>
+              <a:t>200MB</a:t>
+            </a:r>
+            <a:r>
+              <a:rPr lang="zh-CN" altLang="en-US" dirty="0" smtClean="0"/>
+              <a:t>。</a:t>
+            </a:r>
+            <a:r>
+              <a:rPr lang="zh-CN" altLang="en-US" dirty="0" smtClean="0">
+                <a:solidFill>
+                  <a:srgbClr val="FF0000"/>
+                </a:solidFill>
+              </a:rPr>
+              <a:t>这里添加一些序列化和反序列化的知识</a:t>
+            </a:r>
+            <a:r>
+              <a:rPr lang="en-US" altLang="zh-CN" dirty="0" smtClean="0">
+                <a:solidFill>
+                  <a:srgbClr val="FF0000"/>
+                </a:solidFill>
+              </a:rPr>
+              <a:t>,</a:t>
+            </a:r>
+            <a:r>
+              <a:rPr lang="zh-CN" altLang="en-US" dirty="0" smtClean="0">
+                <a:solidFill>
+                  <a:srgbClr val="FF0000"/>
+                </a:solidFill>
+              </a:rPr>
+              <a:t>，如额外占用空间开销等。</a:t>
+            </a:r>
+            <a:endParaRPr lang="en-US" altLang="zh-CN" dirty="0" smtClean="0">
+              <a:solidFill>
+                <a:srgbClr val="FF0000"/>
+              </a:solidFill>
+            </a:endParaRPr>
+          </a:p>
+          <a:p>
+            <a:r>
+              <a:rPr lang="en-US" altLang="zh-CN" dirty="0" smtClean="0"/>
+              <a:t>Spark</a:t>
+            </a:r>
+            <a:r>
+              <a:rPr lang="zh-CN" altLang="en-US" dirty="0" smtClean="0"/>
+              <a:t>对此问题的应对策略：</a:t>
+            </a:r>
+            <a:endParaRPr lang="en-US" altLang="zh-CN" dirty="0" smtClean="0"/>
+          </a:p>
+          <a:p>
+            <a:r>
+              <a:rPr lang="en-US" altLang="zh-CN" dirty="0" smtClean="0"/>
+              <a:t>Shark</a:t>
+            </a:r>
+            <a:r>
+              <a:rPr lang="zh-CN" altLang="en-US" smtClean="0"/>
+              <a:t>对此问题的应对策略：</a:t>
+            </a:r>
+            <a:endParaRPr lang="en-US" altLang="zh-CN" dirty="0" smtClean="0"/>
           </a:p>
         </p:txBody>
       </p:sp>

--- a/shark.pptx
+++ b/shark.pptx
@@ -14,6 +14,11 @@
     <p:sldId id="263" r:id="rId8"/>
     <p:sldId id="264" r:id="rId9"/>
     <p:sldId id="265" r:id="rId10"/>
+    <p:sldId id="266" r:id="rId11"/>
+    <p:sldId id="267" r:id="rId12"/>
+    <p:sldId id="268" r:id="rId13"/>
+    <p:sldId id="269" r:id="rId14"/>
+    <p:sldId id="270" r:id="rId15"/>
   </p:sldIdLst>
   <p:sldSz cx="9144000" cy="6858000" type="screen4x3"/>
   <p:notesSz cx="6858000" cy="9144000"/>
@@ -3094,6 +3099,1095 @@
 </p:sld>
 </file>
 
+<file path=ppt/slides/slide10.xml><?xml version="1.0" encoding="utf-8"?>
+<p:sld xmlns:a="http://schemas.openxmlformats.org/drawingml/2006/main" xmlns:r="http://schemas.openxmlformats.org/officeDocument/2006/relationships" xmlns:p="http://schemas.openxmlformats.org/presentationml/2006/main">
+  <p:cSld>
+    <p:spTree>
+      <p:nvGrpSpPr>
+        <p:cNvPr id="1" name=""/>
+        <p:cNvGrpSpPr/>
+        <p:nvPr/>
+      </p:nvGrpSpPr>
+      <p:grpSpPr>
+        <a:xfrm>
+          <a:off x="0" y="0"/>
+          <a:ext cx="0" cy="0"/>
+          <a:chOff x="0" y="0"/>
+          <a:chExt cx="0" cy="0"/>
+        </a:xfrm>
+      </p:grpSpPr>
+      <p:sp>
+        <p:nvSpPr>
+          <p:cNvPr id="2" name="标题 1"/>
+          <p:cNvSpPr>
+            <a:spLocks noGrp="1"/>
+          </p:cNvSpPr>
+          <p:nvPr>
+            <p:ph type="title"/>
+          </p:nvPr>
+        </p:nvSpPr>
+        <p:spPr/>
+        <p:txBody>
+          <a:bodyPr/>
+          <a:lstStyle/>
+          <a:p>
+            <a:r>
+              <a:rPr lang="zh-CN" altLang="en-US" dirty="0"/>
+              <a:t>引擎扩展：列内存存储</a:t>
+            </a:r>
+          </a:p>
+        </p:txBody>
+      </p:sp>
+      <p:sp>
+        <p:nvSpPr>
+          <p:cNvPr id="3" name="内容占位符 2"/>
+          <p:cNvSpPr>
+            <a:spLocks noGrp="1"/>
+          </p:cNvSpPr>
+          <p:nvPr>
+            <p:ph idx="1"/>
+          </p:nvPr>
+        </p:nvSpPr>
+        <p:spPr/>
+        <p:txBody>
+          <a:bodyPr>
+            <a:normAutofit fontScale="70000" lnSpcReduction="20000"/>
+          </a:bodyPr>
+          <a:lstStyle/>
+          <a:p>
+            <a:r>
+              <a:rPr lang="en-US" altLang="zh-CN" dirty="0" smtClean="0"/>
+              <a:t>Spark</a:t>
+            </a:r>
+            <a:r>
+              <a:rPr lang="zh-CN" altLang="en-US" dirty="0" smtClean="0"/>
+              <a:t>的内存存储策略：</a:t>
+            </a:r>
+            <a:r>
+              <a:rPr lang="en-US" altLang="zh-CN" dirty="0" smtClean="0"/>
+              <a:t/>
+            </a:r>
+            <a:br>
+              <a:rPr lang="en-US" altLang="zh-CN" dirty="0" smtClean="0"/>
+            </a:br>
+            <a:r>
+              <a:rPr lang="zh-CN" altLang="en-US" dirty="0" smtClean="0"/>
+              <a:t>将数据分区以</a:t>
+            </a:r>
+            <a:r>
+              <a:rPr lang="en-US" altLang="zh-CN" dirty="0" smtClean="0"/>
+              <a:t>JVM</a:t>
+            </a:r>
+            <a:r>
+              <a:rPr lang="zh-CN" altLang="en-US" dirty="0" smtClean="0"/>
+              <a:t>对象集合的形式存储，以此避免反序列化，查询处理器能直接使用这些对象。</a:t>
+            </a:r>
+            <a:r>
+              <a:rPr lang="en-US" altLang="zh-CN" dirty="0" smtClean="0"/>
+              <a:t/>
+            </a:r>
+            <a:br>
+              <a:rPr lang="en-US" altLang="zh-CN" dirty="0" smtClean="0"/>
+            </a:br>
+            <a:r>
+              <a:rPr lang="zh-CN" altLang="en-US" dirty="0" smtClean="0"/>
+              <a:t>但这引起两个问题：</a:t>
+            </a:r>
+            <a:endParaRPr lang="en-US" altLang="zh-CN" dirty="0" smtClean="0"/>
+          </a:p>
+          <a:p>
+            <a:pPr marL="514350" indent="-514350">
+              <a:buFont typeface="+mj-lt"/>
+              <a:buAutoNum type="arabicPeriod"/>
+            </a:pPr>
+            <a:r>
+              <a:rPr lang="zh-CN" altLang="en-US" dirty="0" smtClean="0"/>
+              <a:t>巨大的</a:t>
+            </a:r>
+            <a:r>
+              <a:rPr lang="zh-CN" altLang="en-US" b="1" dirty="0" smtClean="0"/>
+              <a:t>存储空间开销</a:t>
+            </a:r>
+            <a:r>
+              <a:rPr lang="zh-CN" altLang="en-US" dirty="0" smtClean="0"/>
+              <a:t>。</a:t>
+            </a:r>
+            <a:r>
+              <a:rPr lang="en-US" altLang="zh-CN" dirty="0" smtClean="0"/>
+              <a:t/>
+            </a:r>
+            <a:br>
+              <a:rPr lang="en-US" altLang="zh-CN" dirty="0" smtClean="0"/>
+            </a:br>
+            <a:r>
+              <a:rPr lang="zh-CN" altLang="en-US" dirty="0" smtClean="0"/>
+              <a:t>原因：通常，</a:t>
+            </a:r>
+            <a:r>
+              <a:rPr lang="en-US" altLang="zh-CN" dirty="0" smtClean="0"/>
+              <a:t>JVM</a:t>
+            </a:r>
+            <a:r>
+              <a:rPr lang="zh-CN" altLang="en-US" dirty="0"/>
+              <a:t>实现</a:t>
+            </a:r>
+            <a:r>
+              <a:rPr lang="zh-CN" altLang="en-US" dirty="0" smtClean="0"/>
+              <a:t>过程会对每个对象增加</a:t>
+            </a:r>
+            <a:r>
+              <a:rPr lang="en-US" altLang="zh-CN" dirty="0" smtClean="0"/>
+              <a:t>12~16 bytes </a:t>
+            </a:r>
+            <a:r>
+              <a:rPr lang="zh-CN" altLang="en-US" dirty="0" smtClean="0"/>
+              <a:t>的开销。</a:t>
+            </a:r>
+            <a:r>
+              <a:rPr lang="en-US" altLang="zh-CN" dirty="0" smtClean="0"/>
+              <a:t/>
+            </a:r>
+            <a:br>
+              <a:rPr lang="en-US" altLang="zh-CN" dirty="0" smtClean="0"/>
+            </a:br>
+            <a:r>
+              <a:rPr lang="zh-CN" altLang="en-US" dirty="0" smtClean="0"/>
+              <a:t>举例：将</a:t>
+            </a:r>
+            <a:r>
+              <a:rPr lang="en-US" altLang="zh-CN" dirty="0" smtClean="0"/>
+              <a:t>270MB</a:t>
+            </a:r>
+            <a:r>
+              <a:rPr lang="zh-CN" altLang="en-US" dirty="0" smtClean="0"/>
+              <a:t>的</a:t>
+            </a:r>
+            <a:r>
+              <a:rPr lang="en-US" altLang="zh-CN" dirty="0"/>
+              <a:t>TPC-H </a:t>
+            </a:r>
+            <a:r>
+              <a:rPr lang="en-US" altLang="zh-CN" dirty="0" err="1" smtClean="0"/>
+              <a:t>lineitem</a:t>
+            </a:r>
+            <a:r>
+              <a:rPr lang="zh-CN" altLang="en-US" dirty="0" smtClean="0"/>
+              <a:t>表以</a:t>
+            </a:r>
+            <a:r>
+              <a:rPr lang="en-US" altLang="zh-CN" dirty="0" smtClean="0"/>
+              <a:t>JVM</a:t>
+            </a:r>
+            <a:r>
+              <a:rPr lang="zh-CN" altLang="en-US" dirty="0" smtClean="0"/>
+              <a:t>对象形式存储，需要</a:t>
+            </a:r>
+            <a:r>
+              <a:rPr lang="en-US" altLang="zh-CN" dirty="0" smtClean="0"/>
+              <a:t>971MB</a:t>
+            </a:r>
+            <a:r>
+              <a:rPr lang="zh-CN" altLang="en-US" dirty="0" smtClean="0"/>
+              <a:t>的内存大小，而序列化这些数据仅花费</a:t>
+            </a:r>
+            <a:r>
+              <a:rPr lang="en-US" altLang="zh-CN" dirty="0" smtClean="0"/>
+              <a:t>289MB</a:t>
+            </a:r>
+            <a:r>
+              <a:rPr lang="zh-CN" altLang="en-US" dirty="0" smtClean="0"/>
+              <a:t>内存，仅三分之一大小。</a:t>
+            </a:r>
+            <a:endParaRPr lang="en-US" altLang="zh-CN" dirty="0" smtClean="0"/>
+          </a:p>
+          <a:p>
+            <a:pPr marL="514350" indent="-514350">
+              <a:buFont typeface="+mj-lt"/>
+              <a:buAutoNum type="arabicPeriod"/>
+            </a:pPr>
+            <a:r>
+              <a:rPr lang="en-US" altLang="zh-CN" dirty="0" smtClean="0"/>
+              <a:t>JVM</a:t>
+            </a:r>
+            <a:r>
+              <a:rPr lang="zh-CN" altLang="en-US" dirty="0" smtClean="0"/>
+              <a:t>的垃圾回收带来的</a:t>
+            </a:r>
+            <a:r>
+              <a:rPr lang="zh-CN" altLang="en-US" b="1" dirty="0" smtClean="0"/>
+              <a:t>时间开销</a:t>
+            </a:r>
+            <a:r>
+              <a:rPr lang="zh-CN" altLang="en-US" dirty="0" smtClean="0"/>
+              <a:t>。</a:t>
+            </a:r>
+            <a:r>
+              <a:rPr lang="en-US" altLang="zh-CN" dirty="0" smtClean="0"/>
+              <a:t/>
+            </a:r>
+            <a:br>
+              <a:rPr lang="en-US" altLang="zh-CN" dirty="0" smtClean="0"/>
+            </a:br>
+            <a:r>
+              <a:rPr lang="zh-CN" altLang="en-US" dirty="0" smtClean="0"/>
+              <a:t>原因：内存有限，垃圾回收占用大量时间。</a:t>
+            </a:r>
+            <a:r>
+              <a:rPr lang="en-US" altLang="zh-CN" dirty="0"/>
+              <a:t> JVM</a:t>
+            </a:r>
+            <a:r>
+              <a:rPr lang="zh-CN" altLang="en-US" b="1" dirty="0"/>
+              <a:t>垃圾回收时间</a:t>
+            </a:r>
+            <a:r>
+              <a:rPr lang="zh-CN" altLang="en-US" dirty="0"/>
+              <a:t>和</a:t>
+            </a:r>
+            <a:r>
+              <a:rPr lang="zh-CN" altLang="en-US" b="1" dirty="0"/>
+              <a:t>对象个数</a:t>
+            </a:r>
+            <a:r>
+              <a:rPr lang="zh-CN" altLang="en-US" dirty="0"/>
+              <a:t>成</a:t>
+            </a:r>
+            <a:r>
+              <a:rPr lang="zh-CN" altLang="en-US" b="1" dirty="0" smtClean="0"/>
+              <a:t>线性关系</a:t>
+            </a:r>
+            <a:r>
+              <a:rPr lang="en-US" altLang="zh-CN" dirty="0" smtClean="0"/>
+              <a:t/>
+            </a:r>
+            <a:br>
+              <a:rPr lang="en-US" altLang="zh-CN" dirty="0" smtClean="0"/>
+            </a:br>
+            <a:r>
+              <a:rPr lang="zh-CN" altLang="en-US" dirty="0" smtClean="0"/>
+              <a:t>举例：一个记录</a:t>
+            </a:r>
+            <a:r>
+              <a:rPr lang="en-US" altLang="zh-CN" dirty="0" smtClean="0"/>
+              <a:t>200B</a:t>
+            </a:r>
+            <a:r>
+              <a:rPr lang="zh-CN" altLang="en-US" dirty="0" smtClean="0"/>
+              <a:t>，那么</a:t>
+            </a:r>
+            <a:r>
+              <a:rPr lang="en-US" altLang="zh-CN" dirty="0" smtClean="0"/>
+              <a:t>32GB</a:t>
+            </a:r>
+            <a:r>
+              <a:rPr lang="zh-CN" altLang="en-US" dirty="0" smtClean="0"/>
+              <a:t>大小的堆能容纳</a:t>
+            </a:r>
+            <a:r>
+              <a:rPr lang="en-US" altLang="zh-CN" dirty="0" smtClean="0"/>
+              <a:t>1</a:t>
+            </a:r>
+            <a:r>
+              <a:rPr lang="zh-CN" altLang="en-US" dirty="0" smtClean="0"/>
+              <a:t>亿</a:t>
+            </a:r>
+            <a:r>
+              <a:rPr lang="en-US" altLang="zh-CN" dirty="0" smtClean="0"/>
+              <a:t>6</a:t>
+            </a:r>
+            <a:r>
+              <a:rPr lang="zh-CN" altLang="en-US" dirty="0" smtClean="0"/>
+              <a:t>千万个对象。完成</a:t>
+            </a:r>
+            <a:r>
+              <a:rPr lang="zh-CN" altLang="en-US" dirty="0"/>
+              <a:t>一</a:t>
+            </a:r>
+            <a:r>
+              <a:rPr lang="zh-CN" altLang="en-US" dirty="0" smtClean="0"/>
+              <a:t>次“</a:t>
+            </a:r>
+            <a:r>
+              <a:rPr lang="en-US" altLang="zh-CN" dirty="0" smtClean="0"/>
+              <a:t>full GC</a:t>
+            </a:r>
+            <a:r>
+              <a:rPr lang="zh-CN" altLang="en-US" dirty="0" smtClean="0"/>
+              <a:t>”可能</a:t>
+            </a:r>
+            <a:r>
+              <a:rPr lang="zh-CN" altLang="en-US" dirty="0"/>
+              <a:t>需要数分钟</a:t>
+            </a:r>
+            <a:r>
+              <a:rPr lang="zh-CN" altLang="en-US" dirty="0" smtClean="0"/>
+              <a:t>时间，这么多对象会触发很多次“</a:t>
+            </a:r>
+            <a:r>
+              <a:rPr lang="en-US" altLang="zh-CN" dirty="0" smtClean="0"/>
+              <a:t>full GC</a:t>
+            </a:r>
+            <a:r>
+              <a:rPr lang="zh-CN" altLang="en-US" dirty="0" smtClean="0"/>
+              <a:t>”。</a:t>
+            </a:r>
+            <a:endParaRPr lang="zh-CN" altLang="en-US" b="1" dirty="0" smtClean="0"/>
+          </a:p>
+          <a:p>
+            <a:endParaRPr lang="zh-CN" altLang="en-US" dirty="0"/>
+          </a:p>
+        </p:txBody>
+      </p:sp>
+    </p:spTree>
+    <p:extLst>
+      <p:ext uri="{BB962C8B-B14F-4D97-AF65-F5344CB8AC3E}">
+        <p14:creationId xmlns:p14="http://schemas.microsoft.com/office/powerpoint/2010/main" val="4125045916"/>
+      </p:ext>
+    </p:extLst>
+  </p:cSld>
+  <p:clrMapOvr>
+    <a:masterClrMapping/>
+  </p:clrMapOvr>
+  <p:timing>
+    <p:tnLst>
+      <p:par>
+        <p:cTn id="1" dur="indefinite" restart="never" nodeType="tmRoot"/>
+      </p:par>
+    </p:tnLst>
+  </p:timing>
+</p:sld>
+</file>
+
+<file path=ppt/slides/slide11.xml><?xml version="1.0" encoding="utf-8"?>
+<p:sld xmlns:a="http://schemas.openxmlformats.org/drawingml/2006/main" xmlns:r="http://schemas.openxmlformats.org/officeDocument/2006/relationships" xmlns:p="http://schemas.openxmlformats.org/presentationml/2006/main">
+  <p:cSld>
+    <p:spTree>
+      <p:nvGrpSpPr>
+        <p:cNvPr id="1" name=""/>
+        <p:cNvGrpSpPr/>
+        <p:nvPr/>
+      </p:nvGrpSpPr>
+      <p:grpSpPr>
+        <a:xfrm>
+          <a:off x="0" y="0"/>
+          <a:ext cx="0" cy="0"/>
+          <a:chOff x="0" y="0"/>
+          <a:chExt cx="0" cy="0"/>
+        </a:xfrm>
+      </p:grpSpPr>
+      <p:sp>
+        <p:nvSpPr>
+          <p:cNvPr id="2" name="标题 1"/>
+          <p:cNvSpPr>
+            <a:spLocks noGrp="1"/>
+          </p:cNvSpPr>
+          <p:nvPr>
+            <p:ph type="title"/>
+          </p:nvPr>
+        </p:nvSpPr>
+        <p:spPr/>
+        <p:txBody>
+          <a:bodyPr/>
+          <a:lstStyle/>
+          <a:p>
+            <a:r>
+              <a:rPr lang="zh-CN" altLang="en-US" dirty="0"/>
+              <a:t>引擎扩展：列内存存储</a:t>
+            </a:r>
+          </a:p>
+        </p:txBody>
+      </p:sp>
+      <p:sp>
+        <p:nvSpPr>
+          <p:cNvPr id="3" name="内容占位符 2"/>
+          <p:cNvSpPr>
+            <a:spLocks noGrp="1"/>
+          </p:cNvSpPr>
+          <p:nvPr>
+            <p:ph idx="1"/>
+          </p:nvPr>
+        </p:nvSpPr>
+        <p:spPr/>
+        <p:txBody>
+          <a:bodyPr>
+            <a:normAutofit fontScale="92500" lnSpcReduction="20000"/>
+          </a:bodyPr>
+          <a:lstStyle/>
+          <a:p>
+            <a:r>
+              <a:rPr lang="en-US" altLang="zh-CN" dirty="0" smtClean="0"/>
+              <a:t>Shark</a:t>
+            </a:r>
+            <a:r>
+              <a:rPr lang="zh-CN" altLang="en-US" dirty="0" smtClean="0"/>
+              <a:t>的内存存储策略：</a:t>
+            </a:r>
+            <a:r>
+              <a:rPr lang="en-US" altLang="zh-CN" dirty="0" smtClean="0"/>
+              <a:t/>
+            </a:r>
+            <a:br>
+              <a:rPr lang="en-US" altLang="zh-CN" dirty="0" smtClean="0"/>
+            </a:br>
+            <a:r>
+              <a:rPr lang="zh-CN" altLang="en-US" dirty="0" smtClean="0"/>
+              <a:t>原始数据按类型分为不同的列，将这些列存储为原始数组。对于</a:t>
+            </a:r>
+            <a:r>
+              <a:rPr lang="en-US" altLang="zh-CN" dirty="0" smtClean="0"/>
+              <a:t>Hive</a:t>
+            </a:r>
+            <a:r>
+              <a:rPr lang="zh-CN" altLang="en-US" dirty="0" smtClean="0"/>
+              <a:t>支持的复杂数据类型，如</a:t>
+            </a:r>
+            <a:r>
+              <a:rPr lang="en-US" altLang="zh-CN" dirty="0" smtClean="0"/>
+              <a:t>map</a:t>
+            </a:r>
+            <a:r>
+              <a:rPr lang="zh-CN" altLang="en-US" dirty="0" smtClean="0"/>
+              <a:t>、</a:t>
+            </a:r>
+            <a:r>
+              <a:rPr lang="en-US" altLang="zh-CN" dirty="0" smtClean="0"/>
+              <a:t>array</a:t>
+            </a:r>
+            <a:r>
+              <a:rPr lang="zh-CN" altLang="en-US" dirty="0" smtClean="0"/>
+              <a:t>等，先序列化，然后串接为一个</a:t>
+            </a:r>
+            <a:r>
+              <a:rPr lang="en-US" altLang="zh-CN" dirty="0" smtClean="0"/>
+              <a:t>byte</a:t>
+            </a:r>
+            <a:r>
+              <a:rPr lang="zh-CN" altLang="en-US" dirty="0" smtClean="0"/>
+              <a:t>数组。每列仅创建一个</a:t>
+            </a:r>
+            <a:r>
+              <a:rPr lang="en-US" altLang="zh-CN" dirty="0" smtClean="0"/>
+              <a:t>JVM</a:t>
+            </a:r>
+            <a:r>
+              <a:rPr lang="zh-CN" altLang="en-US" dirty="0" smtClean="0"/>
+              <a:t>对象，自然的拥有如下优势：</a:t>
+            </a:r>
+            <a:r>
+              <a:rPr lang="en-US" altLang="zh-CN" dirty="0" smtClean="0"/>
+              <a:t/>
+            </a:r>
+            <a:br>
+              <a:rPr lang="en-US" altLang="zh-CN" dirty="0" smtClean="0"/>
+            </a:br>
+            <a:r>
+              <a:rPr lang="zh-CN" altLang="en-US" dirty="0" smtClean="0"/>
+              <a:t>（</a:t>
+            </a:r>
+            <a:r>
+              <a:rPr lang="en-US" altLang="zh-CN" dirty="0" smtClean="0"/>
+              <a:t>1</a:t>
+            </a:r>
+            <a:r>
+              <a:rPr lang="zh-CN" altLang="en-US" dirty="0" smtClean="0"/>
+              <a:t>）垃圾回收（</a:t>
+            </a:r>
+            <a:r>
+              <a:rPr lang="en-US" altLang="zh-CN" dirty="0" smtClean="0"/>
+              <a:t>GC</a:t>
+            </a:r>
+            <a:r>
+              <a:rPr lang="zh-CN" altLang="en-US" dirty="0" smtClean="0"/>
+              <a:t>）时间快（</a:t>
+            </a:r>
+            <a:r>
+              <a:rPr lang="en-US" altLang="zh-CN" dirty="0" smtClean="0"/>
+              <a:t>JVM</a:t>
+            </a:r>
+            <a:r>
+              <a:rPr lang="zh-CN" altLang="en-US" dirty="0" smtClean="0"/>
+              <a:t>对象少）</a:t>
+            </a:r>
+            <a:r>
+              <a:rPr lang="en-US" altLang="zh-CN" dirty="0" smtClean="0"/>
+              <a:t/>
+            </a:r>
+            <a:br>
+              <a:rPr lang="en-US" altLang="zh-CN" dirty="0" smtClean="0"/>
+            </a:br>
+            <a:r>
+              <a:rPr lang="zh-CN" altLang="en-US" dirty="0" smtClean="0"/>
+              <a:t>（</a:t>
+            </a:r>
+            <a:r>
+              <a:rPr lang="en-US" altLang="zh-CN" dirty="0" smtClean="0"/>
+              <a:t>2</a:t>
+            </a:r>
+            <a:r>
+              <a:rPr lang="zh-CN" altLang="en-US" dirty="0" smtClean="0"/>
+              <a:t>）数据紧凑，占用空间少（相同类型的数据都聚集在一起）</a:t>
+            </a:r>
+            <a:r>
+              <a:rPr lang="en-US" altLang="zh-CN" dirty="0" smtClean="0"/>
+              <a:t/>
+            </a:r>
+            <a:br>
+              <a:rPr lang="en-US" altLang="zh-CN" dirty="0" smtClean="0"/>
+            </a:br>
+            <a:r>
+              <a:rPr lang="zh-CN" altLang="en-US" dirty="0" smtClean="0"/>
+              <a:t>（</a:t>
+            </a:r>
+            <a:r>
+              <a:rPr lang="en-US" altLang="zh-CN" dirty="0" smtClean="0"/>
+              <a:t>3</a:t>
+            </a:r>
+            <a:r>
+              <a:rPr lang="zh-CN" altLang="en-US" dirty="0" smtClean="0"/>
+              <a:t>）</a:t>
+            </a:r>
+            <a:r>
+              <a:rPr lang="en-US" altLang="zh-CN" dirty="0" smtClean="0"/>
+              <a:t>CPU</a:t>
+            </a:r>
+            <a:r>
+              <a:rPr lang="zh-CN" altLang="en-US" dirty="0" smtClean="0"/>
+              <a:t>高效压缩（压缩算法如：</a:t>
+            </a:r>
+            <a:r>
+              <a:rPr lang="en-US" altLang="zh-CN" dirty="0"/>
+              <a:t>dictionary encoding, run-length encoding, bit packing</a:t>
+            </a:r>
+            <a:r>
+              <a:rPr lang="zh-CN" altLang="en-US" dirty="0" smtClean="0"/>
+              <a:t>）</a:t>
+            </a:r>
+            <a:r>
+              <a:rPr lang="en-US" altLang="zh-CN" dirty="0" smtClean="0"/>
+              <a:t/>
+            </a:r>
+            <a:br>
+              <a:rPr lang="en-US" altLang="zh-CN" dirty="0" smtClean="0"/>
+            </a:br>
+            <a:endParaRPr lang="en-US" altLang="zh-CN" dirty="0"/>
+          </a:p>
+          <a:p>
+            <a:endParaRPr lang="zh-CN" altLang="en-US" dirty="0"/>
+          </a:p>
+        </p:txBody>
+      </p:sp>
+    </p:spTree>
+    <p:extLst>
+      <p:ext uri="{BB962C8B-B14F-4D97-AF65-F5344CB8AC3E}">
+        <p14:creationId xmlns:p14="http://schemas.microsoft.com/office/powerpoint/2010/main" val="3627931269"/>
+      </p:ext>
+    </p:extLst>
+  </p:cSld>
+  <p:clrMapOvr>
+    <a:masterClrMapping/>
+  </p:clrMapOvr>
+  <p:timing>
+    <p:tnLst>
+      <p:par>
+        <p:cTn id="1" dur="indefinite" restart="never" nodeType="tmRoot"/>
+      </p:par>
+    </p:tnLst>
+  </p:timing>
+</p:sld>
+</file>
+
+<file path=ppt/slides/slide12.xml><?xml version="1.0" encoding="utf-8"?>
+<p:sld xmlns:a="http://schemas.openxmlformats.org/drawingml/2006/main" xmlns:r="http://schemas.openxmlformats.org/officeDocument/2006/relationships" xmlns:p="http://schemas.openxmlformats.org/presentationml/2006/main">
+  <p:cSld>
+    <p:spTree>
+      <p:nvGrpSpPr>
+        <p:cNvPr id="1" name=""/>
+        <p:cNvGrpSpPr/>
+        <p:nvPr/>
+      </p:nvGrpSpPr>
+      <p:grpSpPr>
+        <a:xfrm>
+          <a:off x="0" y="0"/>
+          <a:ext cx="0" cy="0"/>
+          <a:chOff x="0" y="0"/>
+          <a:chExt cx="0" cy="0"/>
+        </a:xfrm>
+      </p:grpSpPr>
+      <p:sp>
+        <p:nvSpPr>
+          <p:cNvPr id="2" name="标题 1"/>
+          <p:cNvSpPr>
+            <a:spLocks noGrp="1"/>
+          </p:cNvSpPr>
+          <p:nvPr>
+            <p:ph type="title"/>
+          </p:nvPr>
+        </p:nvSpPr>
+        <p:spPr/>
+        <p:txBody>
+          <a:bodyPr/>
+          <a:lstStyle/>
+          <a:p>
+            <a:r>
+              <a:rPr lang="zh-CN" altLang="en-US" dirty="0"/>
+              <a:t>引擎扩展：列内存存储</a:t>
+            </a:r>
+          </a:p>
+        </p:txBody>
+      </p:sp>
+      <p:sp>
+        <p:nvSpPr>
+          <p:cNvPr id="3" name="内容占位符 2"/>
+          <p:cNvSpPr>
+            <a:spLocks noGrp="1"/>
+          </p:cNvSpPr>
+          <p:nvPr>
+            <p:ph sz="half" idx="1"/>
+          </p:nvPr>
+        </p:nvSpPr>
+        <p:spPr/>
+        <p:txBody>
+          <a:bodyPr/>
+          <a:lstStyle/>
+          <a:p>
+            <a:r>
+              <a:rPr lang="zh-CN" altLang="en-US" dirty="0" smtClean="0"/>
+              <a:t>行存储和列存储</a:t>
+            </a:r>
+            <a:endParaRPr lang="zh-CN" altLang="en-US" dirty="0"/>
+          </a:p>
+        </p:txBody>
+      </p:sp>
+      <p:sp>
+        <p:nvSpPr>
+          <p:cNvPr id="4" name="内容占位符 3"/>
+          <p:cNvSpPr>
+            <a:spLocks noGrp="1"/>
+          </p:cNvSpPr>
+          <p:nvPr>
+            <p:ph sz="half" idx="2"/>
+          </p:nvPr>
+        </p:nvSpPr>
+        <p:spPr/>
+        <p:txBody>
+          <a:bodyPr/>
+          <a:lstStyle/>
+          <a:p>
+            <a:r>
+              <a:rPr lang="zh-CN" altLang="en-US" dirty="0"/>
+              <a:t>行程长度压缩算法 </a:t>
+            </a:r>
+            <a:r>
+              <a:rPr lang="en-US" altLang="zh-CN" i="1" dirty="0"/>
+              <a:t>Run-Length</a:t>
+            </a:r>
+            <a:r>
+              <a:rPr lang="en-US" altLang="zh-CN" dirty="0"/>
+              <a:t> </a:t>
+            </a:r>
+            <a:r>
+              <a:rPr lang="en-US" altLang="zh-CN" i="1" dirty="0"/>
+              <a:t>Encoding</a:t>
+            </a:r>
+            <a:r>
+              <a:rPr lang="en-US" altLang="zh-CN" dirty="0"/>
+              <a:t>(RLE</a:t>
+            </a:r>
+            <a:r>
+              <a:rPr lang="en-US" altLang="zh-CN" dirty="0" smtClean="0"/>
+              <a:t>)</a:t>
+            </a:r>
+          </a:p>
+          <a:p>
+            <a:endParaRPr lang="zh-CN" altLang="en-US" dirty="0"/>
+          </a:p>
+        </p:txBody>
+      </p:sp>
+      <p:pic>
+        <p:nvPicPr>
+          <p:cNvPr id="1028" name="Picture 4"/>
+          <p:cNvPicPr>
+            <a:picLocks noChangeAspect="1" noChangeArrowheads="1"/>
+          </p:cNvPicPr>
+          <p:nvPr/>
+        </p:nvPicPr>
+        <p:blipFill>
+          <a:blip r:embed="rId2">
+            <a:extLst>
+              <a:ext uri="{28A0092B-C50C-407E-A947-70E740481C1C}">
+                <a14:useLocalDpi xmlns:a14="http://schemas.microsoft.com/office/drawing/2010/main" val="0"/>
+              </a:ext>
+            </a:extLst>
+          </a:blip>
+          <a:srcRect/>
+          <a:stretch>
+            <a:fillRect/>
+          </a:stretch>
+        </p:blipFill>
+        <p:spPr bwMode="auto">
+          <a:xfrm>
+            <a:off x="611560" y="2708920"/>
+            <a:ext cx="3571875" cy="1752600"/>
+          </a:xfrm>
+          <a:prstGeom prst="rect">
+            <a:avLst/>
+          </a:prstGeom>
+          <a:noFill/>
+          <a:ln>
+            <a:noFill/>
+          </a:ln>
+          <a:extLst>
+            <a:ext uri="{909E8E84-426E-40DD-AFC4-6F175D3DCCD1}">
+              <a14:hiddenFill xmlns:a14="http://schemas.microsoft.com/office/drawing/2010/main">
+                <a:solidFill>
+                  <a:schemeClr val="accent1"/>
+                </a:solidFill>
+              </a14:hiddenFill>
+            </a:ext>
+            <a:ext uri="{91240B29-F687-4F45-9708-019B960494DF}">
+              <a14:hiddenLine xmlns:a14="http://schemas.microsoft.com/office/drawing/2010/main" w="9525">
+                <a:solidFill>
+                  <a:schemeClr val="tx1"/>
+                </a:solidFill>
+                <a:miter lim="800000"/>
+                <a:headEnd/>
+                <a:tailEnd/>
+              </a14:hiddenLine>
+            </a:ext>
+          </a:extLst>
+        </p:spPr>
+      </p:pic>
+      <p:pic>
+        <p:nvPicPr>
+          <p:cNvPr id="1029" name="Picture 5" descr="C:\Users\SH\Desktop\48c95a19gd01a24ab4d0b&amp;690.png"/>
+          <p:cNvPicPr>
+            <a:picLocks noChangeAspect="1" noChangeArrowheads="1"/>
+          </p:cNvPicPr>
+          <p:nvPr/>
+        </p:nvPicPr>
+        <p:blipFill>
+          <a:blip r:embed="rId3">
+            <a:extLst>
+              <a:ext uri="{28A0092B-C50C-407E-A947-70E740481C1C}">
+                <a14:useLocalDpi xmlns:a14="http://schemas.microsoft.com/office/drawing/2010/main" val="0"/>
+              </a:ext>
+            </a:extLst>
+          </a:blip>
+          <a:srcRect/>
+          <a:stretch>
+            <a:fillRect/>
+          </a:stretch>
+        </p:blipFill>
+        <p:spPr bwMode="auto">
+          <a:xfrm>
+            <a:off x="5142025" y="3056758"/>
+            <a:ext cx="2476191" cy="2809524"/>
+          </a:xfrm>
+          <a:prstGeom prst="rect">
+            <a:avLst/>
+          </a:prstGeom>
+          <a:noFill/>
+          <a:extLst>
+            <a:ext uri="{909E8E84-426E-40DD-AFC4-6F175D3DCCD1}">
+              <a14:hiddenFill xmlns:a14="http://schemas.microsoft.com/office/drawing/2010/main">
+                <a:solidFill>
+                  <a:srgbClr val="FFFFFF"/>
+                </a:solidFill>
+              </a14:hiddenFill>
+            </a:ext>
+          </a:extLst>
+        </p:spPr>
+      </p:pic>
+    </p:spTree>
+    <p:extLst>
+      <p:ext uri="{BB962C8B-B14F-4D97-AF65-F5344CB8AC3E}">
+        <p14:creationId xmlns:p14="http://schemas.microsoft.com/office/powerpoint/2010/main" val="1421005073"/>
+      </p:ext>
+    </p:extLst>
+  </p:cSld>
+  <p:clrMapOvr>
+    <a:masterClrMapping/>
+  </p:clrMapOvr>
+  <p:timing>
+    <p:tnLst>
+      <p:par>
+        <p:cTn id="1" dur="indefinite" restart="never" nodeType="tmRoot"/>
+      </p:par>
+    </p:tnLst>
+  </p:timing>
+</p:sld>
+</file>
+
+<file path=ppt/slides/slide13.xml><?xml version="1.0" encoding="utf-8"?>
+<p:sld xmlns:a="http://schemas.openxmlformats.org/drawingml/2006/main" xmlns:r="http://schemas.openxmlformats.org/officeDocument/2006/relationships" xmlns:p="http://schemas.openxmlformats.org/presentationml/2006/main">
+  <p:cSld>
+    <p:spTree>
+      <p:nvGrpSpPr>
+        <p:cNvPr id="1" name=""/>
+        <p:cNvGrpSpPr/>
+        <p:nvPr/>
+      </p:nvGrpSpPr>
+      <p:grpSpPr>
+        <a:xfrm>
+          <a:off x="0" y="0"/>
+          <a:ext cx="0" cy="0"/>
+          <a:chOff x="0" y="0"/>
+          <a:chExt cx="0" cy="0"/>
+        </a:xfrm>
+      </p:grpSpPr>
+      <p:sp>
+        <p:nvSpPr>
+          <p:cNvPr id="2" name="标题 1"/>
+          <p:cNvSpPr>
+            <a:spLocks noGrp="1"/>
+          </p:cNvSpPr>
+          <p:nvPr>
+            <p:ph type="title"/>
+          </p:nvPr>
+        </p:nvSpPr>
+        <p:spPr/>
+        <p:txBody>
+          <a:bodyPr/>
+          <a:lstStyle/>
+          <a:p>
+            <a:r>
+              <a:rPr lang="zh-CN" altLang="en-US" dirty="0" smtClean="0"/>
+              <a:t>引擎扩展：分布式数据加载</a:t>
+            </a:r>
+            <a:endParaRPr lang="zh-CN" altLang="en-US" dirty="0"/>
+          </a:p>
+        </p:txBody>
+      </p:sp>
+      <p:sp>
+        <p:nvSpPr>
+          <p:cNvPr id="3" name="内容占位符 2"/>
+          <p:cNvSpPr>
+            <a:spLocks noGrp="1"/>
+          </p:cNvSpPr>
+          <p:nvPr>
+            <p:ph idx="1"/>
+          </p:nvPr>
+        </p:nvSpPr>
+        <p:spPr/>
+        <p:txBody>
+          <a:bodyPr>
+            <a:normAutofit fontScale="77500" lnSpcReduction="20000"/>
+          </a:bodyPr>
+          <a:lstStyle/>
+          <a:p>
+            <a:r>
+              <a:rPr lang="zh-CN" altLang="en-US" dirty="0" smtClean="0"/>
+              <a:t>依赖于</a:t>
+            </a:r>
+            <a:r>
+              <a:rPr lang="en-US" altLang="zh-CN" dirty="0" smtClean="0"/>
+              <a:t>Spark</a:t>
+            </a:r>
+            <a:r>
+              <a:rPr lang="zh-CN" altLang="en-US" dirty="0" smtClean="0"/>
+              <a:t>，</a:t>
+            </a:r>
+            <a:r>
+              <a:rPr lang="en-US" altLang="zh-CN" dirty="0" smtClean="0"/>
+              <a:t>Shark</a:t>
+            </a:r>
+            <a:r>
+              <a:rPr lang="zh-CN" altLang="en-US" dirty="0" smtClean="0"/>
+              <a:t>完成分布式的数据加载，大致过程：</a:t>
+            </a:r>
+            <a:r>
+              <a:rPr lang="en-US" altLang="zh-CN" dirty="0" smtClean="0"/>
+              <a:t/>
+            </a:r>
+            <a:br>
+              <a:rPr lang="en-US" altLang="zh-CN" dirty="0" smtClean="0"/>
+            </a:br>
+            <a:r>
+              <a:rPr lang="zh-CN" altLang="en-US" dirty="0" smtClean="0"/>
+              <a:t>一个表被划分到多个小的分区，每个分区都有一个</a:t>
+            </a:r>
+            <a:r>
+              <a:rPr lang="en-US" altLang="zh-CN" dirty="0" smtClean="0"/>
+              <a:t>Spark</a:t>
+            </a:r>
+            <a:r>
+              <a:rPr lang="zh-CN" altLang="en-US" dirty="0" smtClean="0"/>
+              <a:t>任务负责，加载任务按照“数据视图”从数据行中提取独立字段，然后将分区数据整理为列存储形式，最后存储到内存。</a:t>
+            </a:r>
+            <a:endParaRPr lang="en-US" altLang="zh-CN" dirty="0" smtClean="0"/>
+          </a:p>
+          <a:p>
+            <a:r>
+              <a:rPr lang="zh-CN" altLang="en-US" dirty="0" smtClean="0"/>
+              <a:t>说明：每个数据加载任务跟踪“元数据（</a:t>
+            </a:r>
+            <a:r>
+              <a:rPr lang="en-US" altLang="zh-CN" dirty="0"/>
+              <a:t>metadata</a:t>
+            </a:r>
+            <a:r>
+              <a:rPr lang="zh-CN" altLang="en-US" dirty="0" smtClean="0"/>
+              <a:t>）”，决定分区内的数据是否应该压缩，每个任务可以选择适合自己数据的最好压缩方式（局部最优达到全局最优</a:t>
+            </a:r>
+            <a:r>
+              <a:rPr lang="en-US" altLang="zh-CN" dirty="0" smtClean="0"/>
+              <a:t>~~</a:t>
+            </a:r>
+            <a:r>
+              <a:rPr lang="zh-CN" altLang="en-US" dirty="0" smtClean="0"/>
+              <a:t>）。</a:t>
+            </a:r>
+            <a:r>
+              <a:rPr lang="en-US" altLang="zh-CN" dirty="0" smtClean="0"/>
+              <a:t/>
+            </a:r>
+            <a:br>
+              <a:rPr lang="en-US" altLang="zh-CN" dirty="0" smtClean="0"/>
+            </a:br>
+            <a:r>
+              <a:rPr lang="zh-CN" altLang="en-US" dirty="0" smtClean="0"/>
+              <a:t>允许数据加载阶段达到最大并行度（前面提到的并行度只涉及</a:t>
+            </a:r>
+            <a:r>
+              <a:rPr lang="en-US" altLang="zh-CN" dirty="0" smtClean="0"/>
+              <a:t>reducer</a:t>
+            </a:r>
+            <a:r>
+              <a:rPr lang="zh-CN" altLang="en-US" dirty="0" smtClean="0"/>
+              <a:t>）。</a:t>
+            </a:r>
+            <a:r>
+              <a:rPr lang="en-US" altLang="zh-CN" dirty="0" smtClean="0"/>
+              <a:t/>
+            </a:r>
+            <a:br>
+              <a:rPr lang="en-US" altLang="zh-CN" dirty="0" smtClean="0"/>
+            </a:br>
+            <a:r>
+              <a:rPr lang="en-US" altLang="zh-CN" dirty="0" smtClean="0"/>
+              <a:t>RDD</a:t>
+            </a:r>
+            <a:r>
+              <a:rPr lang="zh-CN" altLang="en-US" dirty="0" smtClean="0"/>
+              <a:t>的</a:t>
+            </a:r>
+            <a:r>
+              <a:rPr lang="en-US" altLang="zh-CN" dirty="0" smtClean="0"/>
+              <a:t>lineage</a:t>
+            </a:r>
+            <a:r>
+              <a:rPr lang="zh-CN" altLang="en-US" dirty="0" smtClean="0"/>
+              <a:t>不会包含分区的压缩视图和元数据信息，这些信息只是</a:t>
+            </a:r>
+            <a:r>
+              <a:rPr lang="en-US" altLang="zh-CN" dirty="0" smtClean="0"/>
+              <a:t>RDD</a:t>
+            </a:r>
+            <a:r>
+              <a:rPr lang="zh-CN" altLang="en-US" dirty="0" smtClean="0"/>
+              <a:t>计算过程的副产品，假如该信息丢失，可以利用</a:t>
+            </a:r>
+            <a:r>
+              <a:rPr lang="en-US" altLang="zh-CN" dirty="0" smtClean="0"/>
+              <a:t>RDD</a:t>
+            </a:r>
+            <a:r>
+              <a:rPr lang="zh-CN" altLang="en-US" dirty="0" smtClean="0"/>
+              <a:t>容错机制快速重新计算。</a:t>
+            </a:r>
+            <a:endParaRPr lang="zh-CN" altLang="en-US" dirty="0"/>
+          </a:p>
+        </p:txBody>
+      </p:sp>
+    </p:spTree>
+    <p:extLst>
+      <p:ext uri="{BB962C8B-B14F-4D97-AF65-F5344CB8AC3E}">
+        <p14:creationId xmlns:p14="http://schemas.microsoft.com/office/powerpoint/2010/main" val="1024016400"/>
+      </p:ext>
+    </p:extLst>
+  </p:cSld>
+  <p:clrMapOvr>
+    <a:masterClrMapping/>
+  </p:clrMapOvr>
+</p:sld>
+</file>
+
+<file path=ppt/slides/slide14.xml><?xml version="1.0" encoding="utf-8"?>
+<p:sld xmlns:a="http://schemas.openxmlformats.org/drawingml/2006/main" xmlns:r="http://schemas.openxmlformats.org/officeDocument/2006/relationships" xmlns:p="http://schemas.openxmlformats.org/presentationml/2006/main">
+  <p:cSld>
+    <p:spTree>
+      <p:nvGrpSpPr>
+        <p:cNvPr id="1" name=""/>
+        <p:cNvGrpSpPr/>
+        <p:nvPr/>
+      </p:nvGrpSpPr>
+      <p:grpSpPr>
+        <a:xfrm>
+          <a:off x="0" y="0"/>
+          <a:ext cx="0" cy="0"/>
+          <a:chOff x="0" y="0"/>
+          <a:chExt cx="0" cy="0"/>
+        </a:xfrm>
+      </p:grpSpPr>
+      <p:sp>
+        <p:nvSpPr>
+          <p:cNvPr id="2" name="标题 1"/>
+          <p:cNvSpPr>
+            <a:spLocks noGrp="1"/>
+          </p:cNvSpPr>
+          <p:nvPr>
+            <p:ph type="title"/>
+          </p:nvPr>
+        </p:nvSpPr>
+        <p:spPr/>
+        <p:txBody>
+          <a:bodyPr/>
+          <a:lstStyle/>
+          <a:p>
+            <a:r>
+              <a:rPr lang="zh-CN" altLang="en-US" dirty="0"/>
+              <a:t>引擎扩展</a:t>
+            </a:r>
+            <a:r>
+              <a:rPr lang="zh-CN" altLang="en-US" dirty="0" smtClean="0"/>
+              <a:t>：数据协作分区</a:t>
+            </a:r>
+            <a:endParaRPr lang="zh-CN" altLang="en-US" dirty="0"/>
+          </a:p>
+        </p:txBody>
+      </p:sp>
+      <p:sp>
+        <p:nvSpPr>
+          <p:cNvPr id="3" name="内容占位符 2"/>
+          <p:cNvSpPr>
+            <a:spLocks noGrp="1"/>
+          </p:cNvSpPr>
+          <p:nvPr>
+            <p:ph idx="1"/>
+          </p:nvPr>
+        </p:nvSpPr>
+        <p:spPr/>
+        <p:txBody>
+          <a:bodyPr/>
+          <a:lstStyle/>
+          <a:p>
+            <a:endParaRPr lang="zh-CN" altLang="en-US"/>
+          </a:p>
+        </p:txBody>
+      </p:sp>
+    </p:spTree>
+    <p:extLst>
+      <p:ext uri="{BB962C8B-B14F-4D97-AF65-F5344CB8AC3E}">
+        <p14:creationId xmlns:p14="http://schemas.microsoft.com/office/powerpoint/2010/main" val="1353526556"/>
+      </p:ext>
+    </p:extLst>
+  </p:cSld>
+  <p:clrMapOvr>
+    <a:masterClrMapping/>
+  </p:clrMapOvr>
+</p:sld>
+</file>
+
 <file path=ppt/slides/slide2.xml><?xml version="1.0" encoding="utf-8"?>
 <p:sld xmlns:a="http://schemas.openxmlformats.org/drawingml/2006/main" xmlns:r="http://schemas.openxmlformats.org/officeDocument/2006/relationships" xmlns:p="http://schemas.openxmlformats.org/presentationml/2006/main">
   <p:cSld>
@@ -4585,8 +5679,21 @@
             </a:r>
             <a:r>
               <a:rPr lang="en-US" altLang="zh-CN" dirty="0" smtClean="0"/>
-              <a:t>:</a:t>
-            </a:r>
+              <a:t>: </a:t>
+            </a:r>
+            <a:r>
+              <a:rPr lang="zh-CN" altLang="en-US" dirty="0" smtClean="0"/>
+              <a:t>（这里提到的并行度针对</a:t>
+            </a:r>
+            <a:r>
+              <a:rPr lang="en-US" altLang="zh-CN" dirty="0" smtClean="0"/>
+              <a:t>reducer</a:t>
+            </a:r>
+            <a:r>
+              <a:rPr lang="zh-CN" altLang="en-US" dirty="0" smtClean="0"/>
+              <a:t>）</a:t>
+            </a:r>
+            <a:endParaRPr lang="en-US" altLang="zh-CN" dirty="0" smtClean="0"/>
           </a:p>
           <a:p>
             <a:pPr marL="0" indent="0">
@@ -4859,7 +5966,7 @@
         <p:spPr/>
         <p:txBody>
           <a:bodyPr>
-            <a:normAutofit fontScale="85000" lnSpcReduction="20000"/>
+            <a:normAutofit fontScale="92500" lnSpcReduction="20000"/>
           </a:bodyPr>
           <a:lstStyle/>
           <a:p>
@@ -4869,7 +5976,31 @@
             </a:r>
             <a:r>
               <a:rPr lang="zh-CN" altLang="en-US" dirty="0" smtClean="0"/>
-              <a:t>计算能使查询低延迟，内存的吞吐量的数量级比磁盘的吞吐量的高。</a:t>
+              <a:t>计算能使查询低延迟，内存的</a:t>
+            </a:r>
+            <a:r>
+              <a:rPr lang="zh-CN" altLang="en-US" dirty="0" smtClean="0"/>
+              <a:t>吞吐量比</a:t>
+            </a:r>
+            <a:r>
+              <a:rPr lang="zh-CN" altLang="en-US" dirty="0" smtClean="0"/>
+              <a:t>磁盘的</a:t>
+            </a:r>
+            <a:r>
+              <a:rPr lang="zh-CN" altLang="en-US" dirty="0" smtClean="0"/>
+              <a:t>吞吐量</a:t>
+            </a:r>
+            <a:r>
+              <a:rPr lang="zh-CN" altLang="en-US" dirty="0"/>
+              <a:t>高几</a:t>
+            </a:r>
+            <a:r>
+              <a:rPr lang="zh-CN" altLang="en-US" dirty="0" smtClean="0"/>
+              <a:t>个数量级</a:t>
+            </a:r>
+            <a:r>
+              <a:rPr lang="zh-CN" altLang="en-US" dirty="0" smtClean="0"/>
+              <a:t>。</a:t>
             </a:r>
             <a:endParaRPr lang="en-US" altLang="zh-CN" dirty="0" smtClean="0"/>
           </a:p>
@@ -4964,35 +6095,21 @@
                   <a:srgbClr val="FF0000"/>
                 </a:solidFill>
               </a:rPr>
-              <a:t>，如额外占用空间开销等。</a:t>
+              <a:t>，如额外占用空间开销等</a:t>
+            </a:r>
+            <a:r>
+              <a:rPr lang="zh-CN" altLang="en-US" dirty="0" smtClean="0">
+                <a:solidFill>
+                  <a:srgbClr val="FF0000"/>
+                </a:solidFill>
+              </a:rPr>
+              <a:t>。</a:t>
             </a:r>
             <a:endParaRPr lang="en-US" altLang="zh-CN" dirty="0" smtClean="0">
               <a:solidFill>
                 <a:srgbClr val="FF0000"/>
               </a:solidFill>
             </a:endParaRPr>
-          </a:p>
-          <a:p>
-            <a:r>
-              <a:rPr lang="en-US" altLang="zh-CN" dirty="0" smtClean="0"/>
-              <a:t>Spark</a:t>
-            </a:r>
-            <a:r>
-              <a:rPr lang="zh-CN" altLang="en-US" dirty="0" smtClean="0"/>
-              <a:t>对此问题的应对策略：</a:t>
-            </a:r>
-            <a:endParaRPr lang="en-US" altLang="zh-CN" dirty="0" smtClean="0"/>
-          </a:p>
-          <a:p>
-            <a:r>
-              <a:rPr lang="en-US" altLang="zh-CN" dirty="0" smtClean="0"/>
-              <a:t>Shark</a:t>
-            </a:r>
-            <a:r>
-              <a:rPr lang="zh-CN" altLang="en-US" smtClean="0"/>
-              <a:t>对此问题的应对策略：</a:t>
-            </a:r>
-            <a:endParaRPr lang="en-US" altLang="zh-CN" dirty="0" smtClean="0"/>
           </a:p>
         </p:txBody>
       </p:sp>
@@ -5006,6 +6123,13 @@
   <p:clrMapOvr>
     <a:masterClrMapping/>
   </p:clrMapOvr>
+  <p:timing>
+    <p:tnLst>
+      <p:par>
+        <p:cTn id="1" dur="indefinite" restart="never" nodeType="tmRoot"/>
+      </p:par>
+    </p:tnLst>
+  </p:timing>
 </p:sld>
 </file>
 

--- a/shark.pptx
+++ b/shark.pptx
@@ -19,6 +19,9 @@
     <p:sldId id="268" r:id="rId13"/>
     <p:sldId id="269" r:id="rId14"/>
     <p:sldId id="270" r:id="rId15"/>
+    <p:sldId id="271" r:id="rId16"/>
+    <p:sldId id="274" r:id="rId17"/>
+    <p:sldId id="275" r:id="rId18"/>
   </p:sldIdLst>
   <p:sldSz cx="9144000" cy="6858000" type="screen4x3"/>
   <p:notesSz cx="6858000" cy="9144000"/>
@@ -301,7 +304,8 @@
           <a:p>
             <a:fld id="{530820CF-B880-4189-942D-D702A7CBA730}" type="datetimeFigureOut">
               <a:rPr lang="zh-CN" altLang="en-US" smtClean="0"/>
-              <a:t>2014/6/18</a:t>
+              <a:pPr/>
+              <a:t>2014/6/19</a:t>
             </a:fld>
             <a:endParaRPr lang="zh-CN" altLang="en-US"/>
           </a:p>
@@ -343,6 +347,7 @@
           <a:p>
             <a:fld id="{0C913308-F349-4B6D-A68A-DD1791B4A57B}" type="slidenum">
               <a:rPr lang="zh-CN" altLang="en-US" smtClean="0"/>
+              <a:pPr/>
               <a:t>‹#›</a:t>
             </a:fld>
             <a:endParaRPr lang="zh-CN" altLang="en-US"/>
@@ -466,7 +471,8 @@
           <a:p>
             <a:fld id="{530820CF-B880-4189-942D-D702A7CBA730}" type="datetimeFigureOut">
               <a:rPr lang="zh-CN" altLang="en-US" smtClean="0"/>
-              <a:t>2014/6/18</a:t>
+              <a:pPr/>
+              <a:t>2014/6/19</a:t>
             </a:fld>
             <a:endParaRPr lang="zh-CN" altLang="en-US"/>
           </a:p>
@@ -508,6 +514,7 @@
           <a:p>
             <a:fld id="{0C913308-F349-4B6D-A68A-DD1791B4A57B}" type="slidenum">
               <a:rPr lang="zh-CN" altLang="en-US" smtClean="0"/>
+              <a:pPr/>
               <a:t>‹#›</a:t>
             </a:fld>
             <a:endParaRPr lang="zh-CN" altLang="en-US"/>
@@ -641,7 +648,8 @@
           <a:p>
             <a:fld id="{530820CF-B880-4189-942D-D702A7CBA730}" type="datetimeFigureOut">
               <a:rPr lang="zh-CN" altLang="en-US" smtClean="0"/>
-              <a:t>2014/6/18</a:t>
+              <a:pPr/>
+              <a:t>2014/6/19</a:t>
             </a:fld>
             <a:endParaRPr lang="zh-CN" altLang="en-US"/>
           </a:p>
@@ -683,6 +691,7 @@
           <a:p>
             <a:fld id="{0C913308-F349-4B6D-A68A-DD1791B4A57B}" type="slidenum">
               <a:rPr lang="zh-CN" altLang="en-US" smtClean="0"/>
+              <a:pPr/>
               <a:t>‹#›</a:t>
             </a:fld>
             <a:endParaRPr lang="zh-CN" altLang="en-US"/>
@@ -806,7 +815,8 @@
           <a:p>
             <a:fld id="{530820CF-B880-4189-942D-D702A7CBA730}" type="datetimeFigureOut">
               <a:rPr lang="zh-CN" altLang="en-US" smtClean="0"/>
-              <a:t>2014/6/18</a:t>
+              <a:pPr/>
+              <a:t>2014/6/19</a:t>
             </a:fld>
             <a:endParaRPr lang="zh-CN" altLang="en-US"/>
           </a:p>
@@ -848,6 +858,7 @@
           <a:p>
             <a:fld id="{0C913308-F349-4B6D-A68A-DD1791B4A57B}" type="slidenum">
               <a:rPr lang="zh-CN" altLang="en-US" smtClean="0"/>
+              <a:pPr/>
               <a:t>‹#›</a:t>
             </a:fld>
             <a:endParaRPr lang="zh-CN" altLang="en-US"/>
@@ -1047,7 +1058,8 @@
           <a:p>
             <a:fld id="{530820CF-B880-4189-942D-D702A7CBA730}" type="datetimeFigureOut">
               <a:rPr lang="zh-CN" altLang="en-US" smtClean="0"/>
-              <a:t>2014/6/18</a:t>
+              <a:pPr/>
+              <a:t>2014/6/19</a:t>
             </a:fld>
             <a:endParaRPr lang="zh-CN" altLang="en-US"/>
           </a:p>
@@ -1089,6 +1101,7 @@
           <a:p>
             <a:fld id="{0C913308-F349-4B6D-A68A-DD1791B4A57B}" type="slidenum">
               <a:rPr lang="zh-CN" altLang="en-US" smtClean="0"/>
+              <a:pPr/>
               <a:t>‹#›</a:t>
             </a:fld>
             <a:endParaRPr lang="zh-CN" altLang="en-US"/>
@@ -1330,7 +1343,8 @@
           <a:p>
             <a:fld id="{530820CF-B880-4189-942D-D702A7CBA730}" type="datetimeFigureOut">
               <a:rPr lang="zh-CN" altLang="en-US" smtClean="0"/>
-              <a:t>2014/6/18</a:t>
+              <a:pPr/>
+              <a:t>2014/6/19</a:t>
             </a:fld>
             <a:endParaRPr lang="zh-CN" altLang="en-US"/>
           </a:p>
@@ -1372,6 +1386,7 @@
           <a:p>
             <a:fld id="{0C913308-F349-4B6D-A68A-DD1791B4A57B}" type="slidenum">
               <a:rPr lang="zh-CN" altLang="en-US" smtClean="0"/>
+              <a:pPr/>
               <a:t>‹#›</a:t>
             </a:fld>
             <a:endParaRPr lang="zh-CN" altLang="en-US"/>
@@ -1747,7 +1762,8 @@
           <a:p>
             <a:fld id="{530820CF-B880-4189-942D-D702A7CBA730}" type="datetimeFigureOut">
               <a:rPr lang="zh-CN" altLang="en-US" smtClean="0"/>
-              <a:t>2014/6/18</a:t>
+              <a:pPr/>
+              <a:t>2014/6/19</a:t>
             </a:fld>
             <a:endParaRPr lang="zh-CN" altLang="en-US"/>
           </a:p>
@@ -1789,6 +1805,7 @@
           <a:p>
             <a:fld id="{0C913308-F349-4B6D-A68A-DD1791B4A57B}" type="slidenum">
               <a:rPr lang="zh-CN" altLang="en-US" smtClean="0"/>
+              <a:pPr/>
               <a:t>‹#›</a:t>
             </a:fld>
             <a:endParaRPr lang="zh-CN" altLang="en-US"/>
@@ -1860,7 +1877,8 @@
           <a:p>
             <a:fld id="{530820CF-B880-4189-942D-D702A7CBA730}" type="datetimeFigureOut">
               <a:rPr lang="zh-CN" altLang="en-US" smtClean="0"/>
-              <a:t>2014/6/18</a:t>
+              <a:pPr/>
+              <a:t>2014/6/19</a:t>
             </a:fld>
             <a:endParaRPr lang="zh-CN" altLang="en-US"/>
           </a:p>
@@ -1902,6 +1920,7 @@
           <a:p>
             <a:fld id="{0C913308-F349-4B6D-A68A-DD1791B4A57B}" type="slidenum">
               <a:rPr lang="zh-CN" altLang="en-US" smtClean="0"/>
+              <a:pPr/>
               <a:t>‹#›</a:t>
             </a:fld>
             <a:endParaRPr lang="zh-CN" altLang="en-US"/>
@@ -1950,7 +1969,8 @@
           <a:p>
             <a:fld id="{530820CF-B880-4189-942D-D702A7CBA730}" type="datetimeFigureOut">
               <a:rPr lang="zh-CN" altLang="en-US" smtClean="0"/>
-              <a:t>2014/6/18</a:t>
+              <a:pPr/>
+              <a:t>2014/6/19</a:t>
             </a:fld>
             <a:endParaRPr lang="zh-CN" altLang="en-US"/>
           </a:p>
@@ -1992,6 +2012,7 @@
           <a:p>
             <a:fld id="{0C913308-F349-4B6D-A68A-DD1791B4A57B}" type="slidenum">
               <a:rPr lang="zh-CN" altLang="en-US" smtClean="0"/>
+              <a:pPr/>
               <a:t>‹#›</a:t>
             </a:fld>
             <a:endParaRPr lang="zh-CN" altLang="en-US"/>
@@ -2222,7 +2243,8 @@
           <a:p>
             <a:fld id="{530820CF-B880-4189-942D-D702A7CBA730}" type="datetimeFigureOut">
               <a:rPr lang="zh-CN" altLang="en-US" smtClean="0"/>
-              <a:t>2014/6/18</a:t>
+              <a:pPr/>
+              <a:t>2014/6/19</a:t>
             </a:fld>
             <a:endParaRPr lang="zh-CN" altLang="en-US"/>
           </a:p>
@@ -2264,6 +2286,7 @@
           <a:p>
             <a:fld id="{0C913308-F349-4B6D-A68A-DD1791B4A57B}" type="slidenum">
               <a:rPr lang="zh-CN" altLang="en-US" smtClean="0"/>
+              <a:pPr/>
               <a:t>‹#›</a:t>
             </a:fld>
             <a:endParaRPr lang="zh-CN" altLang="en-US"/>
@@ -2470,7 +2493,8 @@
           <a:p>
             <a:fld id="{530820CF-B880-4189-942D-D702A7CBA730}" type="datetimeFigureOut">
               <a:rPr lang="zh-CN" altLang="en-US" smtClean="0"/>
-              <a:t>2014/6/18</a:t>
+              <a:pPr/>
+              <a:t>2014/6/19</a:t>
             </a:fld>
             <a:endParaRPr lang="zh-CN" altLang="en-US"/>
           </a:p>
@@ -2512,6 +2536,7 @@
           <a:p>
             <a:fld id="{0C913308-F349-4B6D-A68A-DD1791B4A57B}" type="slidenum">
               <a:rPr lang="zh-CN" altLang="en-US" smtClean="0"/>
+              <a:pPr/>
               <a:t>‹#›</a:t>
             </a:fld>
             <a:endParaRPr lang="zh-CN" altLang="en-US"/>
@@ -2678,7 +2703,8 @@
           <a:p>
             <a:fld id="{530820CF-B880-4189-942D-D702A7CBA730}" type="datetimeFigureOut">
               <a:rPr lang="zh-CN" altLang="en-US" smtClean="0"/>
-              <a:t>2014/6/18</a:t>
+              <a:pPr/>
+              <a:t>2014/6/19</a:t>
             </a:fld>
             <a:endParaRPr lang="zh-CN" altLang="en-US"/>
           </a:p>
@@ -2756,6 +2782,7 @@
           <a:p>
             <a:fld id="{0C913308-F349-4B6D-A68A-DD1791B4A57B}" type="slidenum">
               <a:rPr lang="zh-CN" altLang="en-US" smtClean="0"/>
+              <a:pPr/>
               <a:t>‹#›</a:t>
             </a:fld>
             <a:endParaRPr lang="zh-CN" altLang="en-US"/>
@@ -3089,7 +3116,7 @@
     </p:spTree>
     <p:extLst>
       <p:ext uri="{BB962C8B-B14F-4D97-AF65-F5344CB8AC3E}">
-        <p14:creationId xmlns:p14="http://schemas.microsoft.com/office/powerpoint/2010/main" val="3022680436"/>
+        <p14:creationId xmlns:p14="http://schemas.microsoft.com/office/powerpoint/2010/main" xmlns="" val="3022680436"/>
       </p:ext>
     </p:extLst>
   </p:cSld>
@@ -3441,7 +3468,7 @@
     </p:spTree>
     <p:extLst>
       <p:ext uri="{BB962C8B-B14F-4D97-AF65-F5344CB8AC3E}">
-        <p14:creationId xmlns:p14="http://schemas.microsoft.com/office/powerpoint/2010/main" val="4125045916"/>
+        <p14:creationId xmlns:p14="http://schemas.microsoft.com/office/powerpoint/2010/main" xmlns="" val="4125045916"/>
       </p:ext>
     </p:extLst>
   </p:cSld>
@@ -3679,7 +3706,7 @@
     </p:spTree>
     <p:extLst>
       <p:ext uri="{BB962C8B-B14F-4D97-AF65-F5344CB8AC3E}">
-        <p14:creationId xmlns:p14="http://schemas.microsoft.com/office/powerpoint/2010/main" val="3627931269"/>
+        <p14:creationId xmlns:p14="http://schemas.microsoft.com/office/powerpoint/2010/main" xmlns="" val="3627931269"/>
       </p:ext>
     </p:extLst>
   </p:cSld>
@@ -3815,7 +3842,7 @@
           <a:blip r:embed="rId2">
             <a:extLst>
               <a:ext uri="{28A0092B-C50C-407E-A947-70E740481C1C}">
-                <a14:useLocalDpi xmlns:a14="http://schemas.microsoft.com/office/drawing/2010/main" val="0"/>
+                <a14:useLocalDpi xmlns:a14="http://schemas.microsoft.com/office/drawing/2010/main" xmlns="" val="0"/>
               </a:ext>
             </a:extLst>
           </a:blip>
@@ -3838,14 +3865,14 @@
           </a:ln>
           <a:extLst>
             <a:ext uri="{909E8E84-426E-40DD-AFC4-6F175D3DCCD1}">
-              <a14:hiddenFill xmlns:a14="http://schemas.microsoft.com/office/drawing/2010/main">
+              <a14:hiddenFill xmlns:a14="http://schemas.microsoft.com/office/drawing/2010/main" xmlns="">
                 <a:solidFill>
                   <a:schemeClr val="accent1"/>
                 </a:solidFill>
               </a14:hiddenFill>
             </a:ext>
             <a:ext uri="{91240B29-F687-4F45-9708-019B960494DF}">
-              <a14:hiddenLine xmlns:a14="http://schemas.microsoft.com/office/drawing/2010/main" w="9525">
+              <a14:hiddenLine xmlns:a14="http://schemas.microsoft.com/office/drawing/2010/main" xmlns="" w="9525">
                 <a:solidFill>
                   <a:schemeClr val="tx1"/>
                 </a:solidFill>
@@ -3869,7 +3896,7 @@
           <a:blip r:embed="rId3">
             <a:extLst>
               <a:ext uri="{28A0092B-C50C-407E-A947-70E740481C1C}">
-                <a14:useLocalDpi xmlns:a14="http://schemas.microsoft.com/office/drawing/2010/main" val="0"/>
+                <a14:useLocalDpi xmlns:a14="http://schemas.microsoft.com/office/drawing/2010/main" xmlns="" val="0"/>
               </a:ext>
             </a:extLst>
           </a:blip>
@@ -3889,7 +3916,7 @@
           <a:noFill/>
           <a:extLst>
             <a:ext uri="{909E8E84-426E-40DD-AFC4-6F175D3DCCD1}">
-              <a14:hiddenFill xmlns:a14="http://schemas.microsoft.com/office/drawing/2010/main">
+              <a14:hiddenFill xmlns:a14="http://schemas.microsoft.com/office/drawing/2010/main" xmlns="">
                 <a:solidFill>
                   <a:srgbClr val="FFFFFF"/>
                 </a:solidFill>
@@ -3901,7 +3928,7 @@
     </p:spTree>
     <p:extLst>
       <p:ext uri="{BB962C8B-B14F-4D97-AF65-F5344CB8AC3E}">
-        <p14:creationId xmlns:p14="http://schemas.microsoft.com/office/powerpoint/2010/main" val="1421005073"/>
+        <p14:creationId xmlns:p14="http://schemas.microsoft.com/office/powerpoint/2010/main" xmlns="" val="1421005073"/>
       </p:ext>
     </p:extLst>
   </p:cSld>
@@ -4102,7 +4129,7 @@
     </p:spTree>
     <p:extLst>
       <p:ext uri="{BB962C8B-B14F-4D97-AF65-F5344CB8AC3E}">
-        <p14:creationId xmlns:p14="http://schemas.microsoft.com/office/powerpoint/2010/main" val="1024016400"/>
+        <p14:creationId xmlns:p14="http://schemas.microsoft.com/office/powerpoint/2010/main" xmlns="" val="1024016400"/>
       </p:ext>
     </p:extLst>
   </p:cSld>
@@ -4171,16 +4198,932 @@
           <a:bodyPr/>
           <a:lstStyle/>
           <a:p>
-            <a:endParaRPr lang="zh-CN" altLang="en-US"/>
+            <a:r>
+              <a:rPr lang="en-US" altLang="zh-CN" sz="2400" dirty="0" smtClean="0"/>
+              <a:t>MPP</a:t>
+            </a:r>
+            <a:r>
+              <a:rPr lang="zh-CN" altLang="en-US" sz="2400" dirty="0" smtClean="0"/>
+              <a:t>协同分区方式：数据加载过程，基于</a:t>
+            </a:r>
+            <a:r>
+              <a:rPr lang="en-US" altLang="zh-CN" sz="2400" dirty="0" smtClean="0">
+                <a:solidFill>
+                  <a:srgbClr val="FF0000"/>
+                </a:solidFill>
+              </a:rPr>
+              <a:t>join key</a:t>
+            </a:r>
+            <a:r>
+              <a:rPr lang="zh-CN" altLang="en-US" sz="2400" dirty="0" smtClean="0"/>
+              <a:t>进行协同分区</a:t>
+            </a:r>
+            <a:r>
+              <a:rPr lang="zh-CN" altLang="en-US" sz="2400" dirty="0" smtClean="0"/>
+              <a:t>两个</a:t>
+            </a:r>
+            <a:r>
+              <a:rPr lang="zh-CN" altLang="en-US" sz="2400" dirty="0" smtClean="0"/>
+              <a:t>表。</a:t>
+            </a:r>
+            <a:endParaRPr lang="en-US" altLang="zh-CN" sz="2400" dirty="0" smtClean="0"/>
+          </a:p>
+          <a:p>
+            <a:r>
+              <a:rPr lang="en-US" altLang="zh-CN" sz="2400" dirty="0" smtClean="0"/>
+              <a:t>Shark</a:t>
+            </a:r>
+            <a:r>
+              <a:rPr lang="zh-CN" altLang="en-US" sz="2400" dirty="0" smtClean="0"/>
+              <a:t>协同分区方式：基于</a:t>
+            </a:r>
+            <a:r>
+              <a:rPr lang="en-US" altLang="zh-CN" sz="2400" dirty="0" smtClean="0">
+                <a:solidFill>
+                  <a:srgbClr val="FF0000"/>
+                </a:solidFill>
+              </a:rPr>
+              <a:t>common key</a:t>
+            </a:r>
+            <a:r>
+              <a:rPr lang="zh-CN" altLang="en-US" sz="2400" dirty="0" smtClean="0"/>
+              <a:t>协同分区两个表。</a:t>
+            </a:r>
+            <a:r>
+              <a:rPr lang="en-US" altLang="zh-CN" sz="2400" dirty="0" smtClean="0"/>
+              <a:t/>
+            </a:r>
+            <a:br>
+              <a:rPr lang="en-US" altLang="zh-CN" sz="2400" dirty="0" smtClean="0"/>
+            </a:br>
+            <a:r>
+              <a:rPr lang="zh-CN" altLang="en-US" sz="2400" dirty="0" smtClean="0"/>
+              <a:t>当协同分区两个表时，</a:t>
+            </a:r>
+            <a:r>
+              <a:rPr lang="en-US" altLang="zh-CN" sz="2400" dirty="0" smtClean="0"/>
+              <a:t>Shark</a:t>
+            </a:r>
+            <a:r>
+              <a:rPr lang="zh-CN" altLang="en-US" sz="2400" dirty="0" smtClean="0"/>
+              <a:t>的优化器构建</a:t>
+            </a:r>
+            <a:r>
+              <a:rPr lang="en-US" altLang="zh-CN" sz="2400" dirty="0" smtClean="0"/>
+              <a:t>DAG</a:t>
+            </a:r>
+            <a:r>
+              <a:rPr lang="zh-CN" altLang="en-US" sz="2400" dirty="0" smtClean="0"/>
+              <a:t>，（</a:t>
+            </a:r>
+            <a:r>
+              <a:rPr lang="en-US" altLang="zh-CN" sz="2400" dirty="0" smtClean="0"/>
+              <a:t>1</a:t>
+            </a:r>
+            <a:r>
+              <a:rPr lang="zh-CN" altLang="en-US" sz="2400" dirty="0" smtClean="0"/>
+              <a:t>）避免</a:t>
+            </a:r>
+            <a:r>
+              <a:rPr lang="en-US" altLang="zh-CN" sz="2400" dirty="0" smtClean="0"/>
+              <a:t>shuffle</a:t>
+            </a:r>
+            <a:r>
+              <a:rPr lang="zh-CN" altLang="en-US" sz="2400" dirty="0" smtClean="0"/>
+              <a:t>过程；（</a:t>
+            </a:r>
+            <a:r>
+              <a:rPr lang="en-US" altLang="zh-CN" sz="2400" dirty="0" smtClean="0"/>
+              <a:t>2</a:t>
+            </a:r>
+            <a:r>
+              <a:rPr lang="zh-CN" altLang="en-US" sz="2400" dirty="0" smtClean="0"/>
+              <a:t>）使用</a:t>
+            </a:r>
+            <a:r>
+              <a:rPr lang="en-US" altLang="zh-CN" sz="2400" dirty="0" smtClean="0"/>
+              <a:t>map</a:t>
+            </a:r>
+            <a:r>
+              <a:rPr lang="zh-CN" altLang="en-US" sz="2400" dirty="0" smtClean="0"/>
+              <a:t>任务执行</a:t>
+            </a:r>
+            <a:r>
+              <a:rPr lang="en-US" altLang="zh-CN" sz="2400" dirty="0" smtClean="0"/>
+              <a:t>join</a:t>
+            </a:r>
+            <a:r>
+              <a:rPr lang="zh-CN" altLang="en-US" sz="2400" dirty="0" smtClean="0"/>
+              <a:t>。</a:t>
+            </a:r>
+            <a:endParaRPr lang="en-US" altLang="zh-CN" sz="2400" dirty="0" smtClean="0"/>
+          </a:p>
+          <a:p>
+            <a:r>
+              <a:rPr lang="zh-CN" altLang="en-US" sz="2400" dirty="0" smtClean="0">
+                <a:solidFill>
+                  <a:srgbClr val="FF0000"/>
+                </a:solidFill>
+              </a:rPr>
+              <a:t>这里添加两个表的字段描述，以及普通</a:t>
+            </a:r>
+            <a:r>
+              <a:rPr lang="en-US" altLang="zh-CN" sz="2400" dirty="0" err="1" smtClean="0">
+                <a:solidFill>
+                  <a:srgbClr val="FF0000"/>
+                </a:solidFill>
+              </a:rPr>
+              <a:t>sql</a:t>
+            </a:r>
+            <a:r>
+              <a:rPr lang="en-US" altLang="zh-CN" sz="2400" dirty="0" smtClean="0">
+                <a:solidFill>
+                  <a:srgbClr val="FF0000"/>
+                </a:solidFill>
+              </a:rPr>
+              <a:t> </a:t>
+            </a:r>
+            <a:r>
+              <a:rPr lang="zh-CN" altLang="en-US" sz="2400" dirty="0" smtClean="0">
+                <a:solidFill>
+                  <a:srgbClr val="FF0000"/>
+                </a:solidFill>
+              </a:rPr>
+              <a:t>的</a:t>
+            </a:r>
+            <a:r>
+              <a:rPr lang="en-US" altLang="zh-CN" sz="2400" dirty="0" smtClean="0">
+                <a:solidFill>
+                  <a:srgbClr val="FF0000"/>
+                </a:solidFill>
+              </a:rPr>
+              <a:t>join</a:t>
+            </a:r>
+            <a:r>
+              <a:rPr lang="zh-CN" altLang="en-US" sz="2400" dirty="0" smtClean="0">
+                <a:solidFill>
+                  <a:srgbClr val="FF0000"/>
+                </a:solidFill>
+              </a:rPr>
+              <a:t>语句。</a:t>
+            </a:r>
+            <a:endParaRPr lang="en-US" altLang="zh-CN" sz="2400" dirty="0" smtClean="0">
+              <a:solidFill>
+                <a:srgbClr val="FF0000"/>
+              </a:solidFill>
+            </a:endParaRPr>
+          </a:p>
+          <a:p>
+            <a:endParaRPr lang="zh-CN" altLang="en-US" dirty="0"/>
+          </a:p>
+        </p:txBody>
+      </p:sp>
+      <p:sp>
+        <p:nvSpPr>
+          <p:cNvPr id="5" name="TextBox 4"/>
+          <p:cNvSpPr txBox="1"/>
+          <p:nvPr/>
+        </p:nvSpPr>
+        <p:spPr>
+          <a:xfrm>
+            <a:off x="285720" y="4000504"/>
+            <a:ext cx="8501122" cy="1938992"/>
+          </a:xfrm>
+          <a:prstGeom prst="rect">
+            <a:avLst/>
+          </a:prstGeom>
+          <a:noFill/>
+        </p:spPr>
+        <p:txBody>
+          <a:bodyPr wrap="square" rtlCol="0">
+            <a:spAutoFit/>
+          </a:bodyPr>
+          <a:lstStyle/>
+          <a:p>
+            <a:r>
+              <a:rPr lang="en-US" altLang="zh-CN" sz="2400" dirty="0" smtClean="0"/>
+              <a:t>CREATE TABLE </a:t>
+            </a:r>
+            <a:r>
+              <a:rPr lang="en-US" altLang="zh-CN" sz="2400" dirty="0" err="1" smtClean="0"/>
+              <a:t>l_mem</a:t>
+            </a:r>
+            <a:r>
+              <a:rPr lang="en-US" altLang="zh-CN" sz="2400" dirty="0" smtClean="0"/>
+              <a:t> </a:t>
+            </a:r>
+            <a:r>
+              <a:rPr lang="en-US" altLang="zh-CN" sz="2400" b="1" dirty="0" smtClean="0"/>
+              <a:t>TBLPROPERTIES</a:t>
+            </a:r>
+            <a:r>
+              <a:rPr lang="en-US" altLang="zh-CN" sz="2400" dirty="0" smtClean="0"/>
+              <a:t> ("</a:t>
+            </a:r>
+            <a:r>
+              <a:rPr lang="en-US" altLang="zh-CN" sz="2400" dirty="0" err="1" smtClean="0"/>
+              <a:t>shark.cache</a:t>
+            </a:r>
+            <a:r>
+              <a:rPr lang="en-US" altLang="zh-CN" sz="2400" dirty="0" smtClean="0"/>
+              <a:t>"=true)</a:t>
+            </a:r>
+          </a:p>
+          <a:p>
+            <a:r>
+              <a:rPr lang="en-US" altLang="zh-CN" sz="2400" dirty="0" smtClean="0"/>
+              <a:t>      AS </a:t>
+            </a:r>
+            <a:r>
+              <a:rPr lang="en-US" altLang="zh-CN" sz="2400" dirty="0" smtClean="0"/>
+              <a:t>SELECT * FROM </a:t>
+            </a:r>
+            <a:r>
+              <a:rPr lang="en-US" altLang="zh-CN" sz="2400" dirty="0" err="1" smtClean="0"/>
+              <a:t>lineitem</a:t>
+            </a:r>
+            <a:r>
+              <a:rPr lang="en-US" altLang="zh-CN" sz="2400" dirty="0" smtClean="0"/>
+              <a:t> DISTRIBUTE BY L_ORDERKEY;</a:t>
+            </a:r>
+          </a:p>
+          <a:p>
+            <a:r>
+              <a:rPr lang="en-US" altLang="zh-CN" sz="2400" dirty="0" smtClean="0"/>
+              <a:t>CREATE TABLE </a:t>
+            </a:r>
+            <a:r>
+              <a:rPr lang="en-US" altLang="zh-CN" sz="2400" dirty="0" err="1" smtClean="0"/>
+              <a:t>o_mem</a:t>
+            </a:r>
+            <a:r>
+              <a:rPr lang="en-US" altLang="zh-CN" sz="2400" dirty="0" smtClean="0"/>
+              <a:t> </a:t>
+            </a:r>
+            <a:r>
+              <a:rPr lang="en-US" altLang="zh-CN" sz="2400" b="1" dirty="0" smtClean="0"/>
+              <a:t>TBLPROPERTIES</a:t>
+            </a:r>
+            <a:r>
+              <a:rPr lang="en-US" altLang="zh-CN" sz="2400" dirty="0" smtClean="0"/>
+              <a:t> (</a:t>
+            </a:r>
+          </a:p>
+          <a:p>
+            <a:r>
+              <a:rPr lang="en-US" altLang="zh-CN" sz="2400" dirty="0" smtClean="0"/>
+              <a:t>      "</a:t>
+            </a:r>
+            <a:r>
+              <a:rPr lang="en-US" altLang="zh-CN" sz="2400" dirty="0" err="1" smtClean="0"/>
+              <a:t>shark.cache</a:t>
+            </a:r>
+            <a:r>
+              <a:rPr lang="en-US" altLang="zh-CN" sz="2400" dirty="0" smtClean="0"/>
+              <a:t>"=true, "</a:t>
+            </a:r>
+            <a:r>
+              <a:rPr lang="en-US" altLang="zh-CN" sz="2400" dirty="0" err="1" smtClean="0"/>
+              <a:t>copartition</a:t>
+            </a:r>
+            <a:r>
+              <a:rPr lang="en-US" altLang="zh-CN" sz="2400" dirty="0" smtClean="0"/>
+              <a:t>"="</a:t>
+            </a:r>
+            <a:r>
+              <a:rPr lang="en-US" altLang="zh-CN" sz="2400" dirty="0" err="1" smtClean="0"/>
+              <a:t>l_mem</a:t>
+            </a:r>
+            <a:r>
+              <a:rPr lang="en-US" altLang="zh-CN" sz="2400" dirty="0" smtClean="0"/>
+              <a:t>")</a:t>
+            </a:r>
+          </a:p>
+          <a:p>
+            <a:r>
+              <a:rPr lang="en-US" altLang="zh-CN" sz="2400" dirty="0" smtClean="0"/>
+              <a:t>      AS </a:t>
+            </a:r>
+            <a:r>
+              <a:rPr lang="en-US" altLang="zh-CN" sz="2400" dirty="0" smtClean="0"/>
+              <a:t>SELECT * FROM order </a:t>
+            </a:r>
+            <a:r>
+              <a:rPr lang="en-US" altLang="zh-CN" sz="2400" b="1" dirty="0" smtClean="0"/>
+              <a:t>DISTRIBUTE BY </a:t>
+            </a:r>
+            <a:r>
+              <a:rPr lang="en-US" altLang="zh-CN" sz="2400" dirty="0" smtClean="0"/>
+              <a:t>O_ORDERKEY;</a:t>
+            </a:r>
+            <a:endParaRPr lang="zh-CN" altLang="en-US" sz="2400" dirty="0"/>
           </a:p>
         </p:txBody>
       </p:sp>
     </p:spTree>
     <p:extLst>
       <p:ext uri="{BB962C8B-B14F-4D97-AF65-F5344CB8AC3E}">
-        <p14:creationId xmlns:p14="http://schemas.microsoft.com/office/powerpoint/2010/main" val="1353526556"/>
+        <p14:creationId xmlns:p14="http://schemas.microsoft.com/office/powerpoint/2010/main" xmlns="" val="1353526556"/>
       </p:ext>
     </p:extLst>
+  </p:cSld>
+  <p:clrMapOvr>
+    <a:masterClrMapping/>
+  </p:clrMapOvr>
+  <p:timing>
+    <p:tnLst>
+      <p:par>
+        <p:cTn id="1" dur="indefinite" restart="never" nodeType="tmRoot"/>
+      </p:par>
+    </p:tnLst>
+  </p:timing>
+</p:sld>
+</file>
+
+<file path=ppt/slides/slide15.xml><?xml version="1.0" encoding="utf-8"?>
+<p:sld xmlns:a="http://schemas.openxmlformats.org/drawingml/2006/main" xmlns:r="http://schemas.openxmlformats.org/officeDocument/2006/relationships" xmlns:p="http://schemas.openxmlformats.org/presentationml/2006/main">
+  <p:cSld>
+    <p:spTree>
+      <p:nvGrpSpPr>
+        <p:cNvPr id="1" name=""/>
+        <p:cNvGrpSpPr/>
+        <p:nvPr/>
+      </p:nvGrpSpPr>
+      <p:grpSpPr>
+        <a:xfrm>
+          <a:off x="0" y="0"/>
+          <a:ext cx="0" cy="0"/>
+          <a:chOff x="0" y="0"/>
+          <a:chExt cx="0" cy="0"/>
+        </a:xfrm>
+      </p:grpSpPr>
+      <p:sp>
+        <p:nvSpPr>
+          <p:cNvPr id="2" name="标题 1"/>
+          <p:cNvSpPr>
+            <a:spLocks noGrp="1"/>
+          </p:cNvSpPr>
+          <p:nvPr>
+            <p:ph type="title"/>
+          </p:nvPr>
+        </p:nvSpPr>
+        <p:spPr/>
+        <p:txBody>
+          <a:bodyPr/>
+          <a:lstStyle/>
+          <a:p>
+            <a:r>
+              <a:rPr lang="zh-CN" altLang="en-US" dirty="0" smtClean="0"/>
+              <a:t>引擎扩展：分区统计和</a:t>
+            </a:r>
+            <a:r>
+              <a:rPr lang="en-US" altLang="zh-CN" dirty="0" smtClean="0"/>
+              <a:t>Map</a:t>
+            </a:r>
+            <a:r>
+              <a:rPr lang="zh-CN" altLang="en-US" dirty="0" smtClean="0"/>
+              <a:t>裁剪</a:t>
+            </a:r>
+            <a:endParaRPr lang="zh-CN" altLang="en-US" dirty="0"/>
+          </a:p>
+        </p:txBody>
+      </p:sp>
+      <p:sp>
+        <p:nvSpPr>
+          <p:cNvPr id="3" name="内容占位符 2"/>
+          <p:cNvSpPr>
+            <a:spLocks noGrp="1"/>
+          </p:cNvSpPr>
+          <p:nvPr>
+            <p:ph idx="1"/>
+          </p:nvPr>
+        </p:nvSpPr>
+        <p:spPr/>
+        <p:txBody>
+          <a:bodyPr>
+            <a:normAutofit fontScale="77500" lnSpcReduction="20000"/>
+          </a:bodyPr>
+          <a:lstStyle/>
+          <a:p>
+            <a:r>
+              <a:rPr lang="en-US" altLang="zh-CN" dirty="0" smtClean="0"/>
+              <a:t>Map</a:t>
+            </a:r>
+            <a:r>
+              <a:rPr lang="zh-CN" altLang="en-US" dirty="0" smtClean="0"/>
+              <a:t>裁剪：基于数据分区的</a:t>
+            </a:r>
+            <a:r>
+              <a:rPr lang="zh-CN" altLang="en-US" b="1" dirty="0" smtClean="0"/>
+              <a:t>自然列簇</a:t>
+            </a:r>
+            <a:r>
+              <a:rPr lang="zh-CN" altLang="en-US" dirty="0" smtClean="0"/>
+              <a:t>（</a:t>
+            </a:r>
+            <a:r>
+              <a:rPr lang="en-US" altLang="zh-CN" dirty="0" smtClean="0"/>
+              <a:t>natural clustering columns</a:t>
+            </a:r>
+            <a:r>
+              <a:rPr lang="zh-CN" altLang="en-US" dirty="0" smtClean="0"/>
+              <a:t>）对</a:t>
+            </a:r>
+            <a:r>
+              <a:rPr lang="zh-CN" altLang="en-US" b="1" dirty="0" smtClean="0"/>
+              <a:t>数据分区</a:t>
+            </a:r>
+            <a:r>
+              <a:rPr lang="zh-CN" altLang="en-US" dirty="0" smtClean="0"/>
+              <a:t>进行裁剪的过程。即不在查询范围内的数据，</a:t>
+            </a:r>
+            <a:r>
+              <a:rPr lang="en-US" altLang="zh-CN" dirty="0" smtClean="0"/>
+              <a:t>Shark</a:t>
+            </a:r>
+            <a:r>
+              <a:rPr lang="zh-CN" altLang="en-US" dirty="0" smtClean="0"/>
+              <a:t>避免扫描这些数据块。</a:t>
+            </a:r>
+            <a:endParaRPr lang="en-US" altLang="zh-CN" dirty="0" smtClean="0"/>
+          </a:p>
+          <a:p>
+            <a:r>
+              <a:rPr lang="zh-CN" altLang="en-US" dirty="0" smtClean="0"/>
+              <a:t>分区统计：每个节点上的内存存储在数据加载过程收集统计数据，包括每一列的范围、记录数等。如前面提到的，这些数据会发送到</a:t>
+            </a:r>
+            <a:r>
+              <a:rPr lang="en-US" altLang="zh-CN" dirty="0" smtClean="0"/>
+              <a:t>master</a:t>
+            </a:r>
+            <a:r>
+              <a:rPr lang="zh-CN" altLang="en-US" dirty="0" smtClean="0"/>
+              <a:t>，在查询期间用来裁剪分区。</a:t>
+            </a:r>
+            <a:endParaRPr lang="en-US" altLang="zh-CN" dirty="0" smtClean="0"/>
+          </a:p>
+          <a:p>
+            <a:r>
+              <a:rPr lang="zh-CN" altLang="en-US" dirty="0" smtClean="0"/>
+              <a:t>查询过程：当有一个查询执行，</a:t>
+            </a:r>
+            <a:r>
+              <a:rPr lang="en-US" altLang="zh-CN" dirty="0" smtClean="0"/>
+              <a:t>Shark</a:t>
+            </a:r>
+            <a:r>
+              <a:rPr lang="zh-CN" altLang="en-US" dirty="0" smtClean="0"/>
+              <a:t>对所有的分区统计信息和查询语句的谓词进行评估，不满足谓词的分区将被裁剪掉，也即不会有任务会扫描这些分区数据。（</a:t>
+            </a:r>
+            <a:r>
+              <a:rPr lang="zh-CN" altLang="en-US" dirty="0" smtClean="0">
+                <a:solidFill>
+                  <a:srgbClr val="FF0000"/>
+                </a:solidFill>
+              </a:rPr>
+              <a:t>这里可以画一个流程图或结合分区图</a:t>
+            </a:r>
+            <a:r>
+              <a:rPr lang="zh-CN" altLang="en-US" dirty="0" smtClean="0"/>
+              <a:t>）</a:t>
+            </a:r>
+            <a:r>
+              <a:rPr lang="en-US" altLang="zh-CN" dirty="0" smtClean="0"/>
+              <a:t/>
+            </a:r>
+            <a:br>
+              <a:rPr lang="en-US" altLang="zh-CN" dirty="0" smtClean="0"/>
+            </a:br>
+            <a:endParaRPr lang="zh-CN" altLang="en-US" dirty="0"/>
+          </a:p>
+        </p:txBody>
+      </p:sp>
+    </p:spTree>
+  </p:cSld>
+  <p:clrMapOvr>
+    <a:masterClrMapping/>
+  </p:clrMapOvr>
+</p:sld>
+</file>
+
+<file path=ppt/slides/slide16.xml><?xml version="1.0" encoding="utf-8"?>
+<p:sld xmlns:a="http://schemas.openxmlformats.org/drawingml/2006/main" xmlns:r="http://schemas.openxmlformats.org/officeDocument/2006/relationships" xmlns:p="http://schemas.openxmlformats.org/presentationml/2006/main">
+  <p:cSld>
+    <p:spTree>
+      <p:nvGrpSpPr>
+        <p:cNvPr id="1" name=""/>
+        <p:cNvGrpSpPr/>
+        <p:nvPr/>
+      </p:nvGrpSpPr>
+      <p:grpSpPr>
+        <a:xfrm>
+          <a:off x="0" y="0"/>
+          <a:ext cx="0" cy="0"/>
+          <a:chOff x="0" y="0"/>
+          <a:chExt cx="0" cy="0"/>
+        </a:xfrm>
+      </p:grpSpPr>
+      <p:sp>
+        <p:nvSpPr>
+          <p:cNvPr id="2" name="标题 1"/>
+          <p:cNvSpPr>
+            <a:spLocks noGrp="1"/>
+          </p:cNvSpPr>
+          <p:nvPr>
+            <p:ph type="title"/>
+          </p:nvPr>
+        </p:nvSpPr>
+        <p:spPr/>
+        <p:txBody>
+          <a:bodyPr/>
+          <a:lstStyle/>
+          <a:p>
+            <a:r>
+              <a:rPr lang="zh-CN" altLang="en-US" dirty="0" smtClean="0"/>
+              <a:t>机器学习支持</a:t>
+            </a:r>
+            <a:endParaRPr lang="zh-CN" altLang="en-US" dirty="0"/>
+          </a:p>
+        </p:txBody>
+      </p:sp>
+      <p:sp>
+        <p:nvSpPr>
+          <p:cNvPr id="3" name="内容占位符 2"/>
+          <p:cNvSpPr>
+            <a:spLocks noGrp="1"/>
+          </p:cNvSpPr>
+          <p:nvPr>
+            <p:ph sz="half" idx="1"/>
+          </p:nvPr>
+        </p:nvSpPr>
+        <p:spPr>
+          <a:xfrm>
+            <a:off x="457200" y="1600200"/>
+            <a:ext cx="3686172" cy="4525963"/>
+          </a:xfrm>
+        </p:spPr>
+        <p:txBody>
+          <a:bodyPr/>
+          <a:lstStyle/>
+          <a:p>
+            <a:r>
+              <a:rPr lang="zh-CN" altLang="en-US" dirty="0" smtClean="0"/>
+              <a:t>机器学习在</a:t>
+            </a:r>
+            <a:r>
+              <a:rPr lang="en-US" altLang="zh-CN" dirty="0" smtClean="0"/>
+              <a:t>Shark</a:t>
+            </a:r>
+            <a:r>
+              <a:rPr lang="zh-CN" altLang="en-US" dirty="0" smtClean="0"/>
+              <a:t>内是</a:t>
+            </a:r>
+            <a:r>
+              <a:rPr lang="zh-CN" altLang="en-US" b="1" dirty="0" smtClean="0"/>
+              <a:t>一等公民</a:t>
+            </a:r>
+            <a:r>
+              <a:rPr lang="zh-CN" altLang="en-US" dirty="0" smtClean="0"/>
+              <a:t>！</a:t>
+            </a:r>
+            <a:endParaRPr lang="en-US" altLang="zh-CN" dirty="0" smtClean="0"/>
+          </a:p>
+          <a:p>
+            <a:pPr lvl="1"/>
+            <a:r>
+              <a:rPr lang="zh-CN" altLang="en-US" dirty="0" smtClean="0"/>
+              <a:t>语言集成</a:t>
+            </a:r>
+            <a:r>
+              <a:rPr lang="zh-CN" altLang="en-US" dirty="0" smtClean="0"/>
+              <a:t>：如右图</a:t>
+            </a:r>
+            <a:endParaRPr lang="en-US" altLang="zh-CN" dirty="0" smtClean="0"/>
+          </a:p>
+          <a:p>
+            <a:pPr lvl="1"/>
+            <a:r>
+              <a:rPr lang="zh-CN" altLang="en-US" dirty="0" smtClean="0"/>
+              <a:t>执行引擎集成：得益于</a:t>
+            </a:r>
+            <a:r>
+              <a:rPr lang="en-US" altLang="zh-CN" dirty="0" smtClean="0"/>
+              <a:t>Spark</a:t>
+            </a:r>
+            <a:r>
+              <a:rPr lang="zh-CN" altLang="en-US" dirty="0" smtClean="0"/>
+              <a:t>、</a:t>
+            </a:r>
+            <a:r>
+              <a:rPr lang="en-US" altLang="zh-CN" dirty="0" smtClean="0"/>
+              <a:t>RDD</a:t>
+            </a:r>
+            <a:endParaRPr lang="zh-CN" altLang="en-US" dirty="0" smtClean="0"/>
+          </a:p>
+          <a:p>
+            <a:endParaRPr lang="zh-CN" altLang="en-US" dirty="0"/>
+          </a:p>
+        </p:txBody>
+      </p:sp>
+      <p:pic>
+        <p:nvPicPr>
+          <p:cNvPr id="5" name="Picture 2"/>
+          <p:cNvPicPr>
+            <a:picLocks noGrp="1" noChangeAspect="1" noChangeArrowheads="1"/>
+          </p:cNvPicPr>
+          <p:nvPr>
+            <p:ph sz="half" idx="2"/>
+          </p:nvPr>
+        </p:nvPicPr>
+        <p:blipFill>
+          <a:blip r:embed="rId2"/>
+          <a:srcRect/>
+          <a:stretch>
+            <a:fillRect/>
+          </a:stretch>
+        </p:blipFill>
+        <p:spPr bwMode="auto">
+          <a:xfrm>
+            <a:off x="4214810" y="1643050"/>
+            <a:ext cx="4467228" cy="3929090"/>
+          </a:xfrm>
+          <a:prstGeom prst="rect">
+            <a:avLst/>
+          </a:prstGeom>
+          <a:noFill/>
+          <a:ln w="9525">
+            <a:noFill/>
+            <a:miter lim="800000"/>
+            <a:headEnd/>
+            <a:tailEnd/>
+          </a:ln>
+          <a:effectLst/>
+        </p:spPr>
+      </p:pic>
+    </p:spTree>
+  </p:cSld>
+  <p:clrMapOvr>
+    <a:masterClrMapping/>
+  </p:clrMapOvr>
+  <p:timing>
+    <p:tnLst>
+      <p:par>
+        <p:cTn id="1" dur="indefinite" restart="never" nodeType="tmRoot"/>
+      </p:par>
+    </p:tnLst>
+  </p:timing>
+</p:sld>
+</file>
+
+<file path=ppt/slides/slide17.xml><?xml version="1.0" encoding="utf-8"?>
+<p:sld xmlns:a="http://schemas.openxmlformats.org/drawingml/2006/main" xmlns:r="http://schemas.openxmlformats.org/officeDocument/2006/relationships" xmlns:p="http://schemas.openxmlformats.org/presentationml/2006/main">
+  <p:cSld>
+    <p:spTree>
+      <p:nvGrpSpPr>
+        <p:cNvPr id="1" name=""/>
+        <p:cNvGrpSpPr/>
+        <p:nvPr/>
+      </p:nvGrpSpPr>
+      <p:grpSpPr>
+        <a:xfrm>
+          <a:off x="0" y="0"/>
+          <a:ext cx="0" cy="0"/>
+          <a:chOff x="0" y="0"/>
+          <a:chExt cx="0" cy="0"/>
+        </a:xfrm>
+      </p:grpSpPr>
+      <p:sp>
+        <p:nvSpPr>
+          <p:cNvPr id="2" name="标题 1"/>
+          <p:cNvSpPr>
+            <a:spLocks noGrp="1"/>
+          </p:cNvSpPr>
+          <p:nvPr>
+            <p:ph type="title"/>
+          </p:nvPr>
+        </p:nvSpPr>
+        <p:spPr/>
+        <p:txBody>
+          <a:bodyPr/>
+          <a:lstStyle/>
+          <a:p>
+            <a:r>
+              <a:rPr lang="zh-CN" altLang="en-US" dirty="0" smtClean="0"/>
+              <a:t>实现</a:t>
+            </a:r>
+            <a:endParaRPr lang="zh-CN" altLang="en-US" dirty="0"/>
+          </a:p>
+        </p:txBody>
+      </p:sp>
+      <p:sp>
+        <p:nvSpPr>
+          <p:cNvPr id="3" name="内容占位符 2"/>
+          <p:cNvSpPr>
+            <a:spLocks noGrp="1"/>
+          </p:cNvSpPr>
+          <p:nvPr>
+            <p:ph idx="1"/>
+          </p:nvPr>
+        </p:nvSpPr>
+        <p:spPr/>
+        <p:txBody>
+          <a:bodyPr>
+            <a:normAutofit fontScale="77500" lnSpcReduction="20000"/>
+          </a:bodyPr>
+          <a:lstStyle/>
+          <a:p>
+            <a:r>
+              <a:rPr lang="en-US" altLang="zh-CN" dirty="0" smtClean="0"/>
+              <a:t>Shark</a:t>
+            </a:r>
+            <a:r>
+              <a:rPr lang="zh-CN" altLang="en-US" dirty="0" smtClean="0"/>
+              <a:t>实现过程，进行的其他优化：</a:t>
+            </a:r>
+            <a:endParaRPr lang="en-US" altLang="zh-CN" dirty="0" smtClean="0"/>
+          </a:p>
+          <a:p>
+            <a:r>
+              <a:rPr lang="zh-CN" altLang="en-US" dirty="0" smtClean="0"/>
+              <a:t>基于内存的</a:t>
+            </a:r>
+            <a:r>
+              <a:rPr lang="en-US" altLang="zh-CN" dirty="0" smtClean="0"/>
+              <a:t>shuffle</a:t>
+            </a:r>
+            <a:r>
+              <a:rPr lang="zh-CN" altLang="en-US" dirty="0" smtClean="0"/>
+              <a:t>：</a:t>
+            </a:r>
+            <a:endParaRPr lang="en-US" altLang="zh-CN" dirty="0" smtClean="0"/>
+          </a:p>
+          <a:p>
+            <a:pPr lvl="1"/>
+            <a:r>
+              <a:rPr lang="en-US" altLang="zh-CN" dirty="0" smtClean="0"/>
+              <a:t>Spark</a:t>
+            </a:r>
+            <a:r>
+              <a:rPr lang="zh-CN" altLang="en-US" dirty="0" smtClean="0"/>
+              <a:t>和</a:t>
+            </a:r>
+            <a:r>
+              <a:rPr lang="en-US" altLang="zh-CN" dirty="0" err="1" smtClean="0"/>
+              <a:t>Hadoop</a:t>
+            </a:r>
+            <a:r>
+              <a:rPr lang="zh-CN" altLang="en-US" dirty="0" smtClean="0"/>
+              <a:t>都会把</a:t>
+            </a:r>
+            <a:r>
+              <a:rPr lang="en-US" altLang="zh-CN" dirty="0" smtClean="0"/>
+              <a:t>map</a:t>
+            </a:r>
+            <a:r>
+              <a:rPr lang="zh-CN" altLang="en-US" dirty="0" smtClean="0"/>
+              <a:t>结果输出到磁盘，额外的系统调用和文件系统日志会带来大量的开销。</a:t>
+            </a:r>
+            <a:r>
+              <a:rPr lang="en-US" altLang="zh-CN" dirty="0" smtClean="0"/>
+              <a:t>Shark</a:t>
+            </a:r>
+            <a:r>
+              <a:rPr lang="zh-CN" altLang="en-US" dirty="0" smtClean="0"/>
+              <a:t>修改了</a:t>
+            </a:r>
+            <a:r>
+              <a:rPr lang="en-US" altLang="zh-CN" dirty="0" smtClean="0"/>
+              <a:t>shuffle</a:t>
+            </a:r>
+            <a:r>
+              <a:rPr lang="zh-CN" altLang="en-US" dirty="0" smtClean="0"/>
+              <a:t>过程，物化</a:t>
+            </a:r>
+            <a:r>
+              <a:rPr lang="en-US" altLang="zh-CN" dirty="0" smtClean="0"/>
+              <a:t>map</a:t>
+            </a:r>
+            <a:r>
+              <a:rPr lang="zh-CN" altLang="en-US" dirty="0" smtClean="0"/>
+              <a:t>结果到内存，也可以选择存入磁盘。</a:t>
+            </a:r>
+            <a:endParaRPr lang="en-US" altLang="zh-CN" dirty="0" smtClean="0"/>
+          </a:p>
+          <a:p>
+            <a:r>
+              <a:rPr lang="zh-CN" altLang="en-US" dirty="0" smtClean="0"/>
+              <a:t>临时对象的创建：</a:t>
+            </a:r>
+            <a:endParaRPr lang="en-US" altLang="zh-CN" dirty="0" smtClean="0"/>
+          </a:p>
+          <a:p>
+            <a:pPr lvl="1"/>
+            <a:r>
+              <a:rPr lang="zh-CN" altLang="en-US" dirty="0" smtClean="0"/>
+              <a:t>临时对象会带来</a:t>
+            </a:r>
+            <a:r>
+              <a:rPr lang="en-US" altLang="zh-CN" dirty="0" smtClean="0"/>
+              <a:t>JVM</a:t>
+            </a:r>
+            <a:r>
+              <a:rPr lang="zh-CN" altLang="en-US" dirty="0" smtClean="0"/>
+              <a:t>垃圾回收，</a:t>
+            </a:r>
+            <a:r>
+              <a:rPr lang="en-US" altLang="zh-CN" dirty="0" smtClean="0"/>
+              <a:t>Shark</a:t>
+            </a:r>
+            <a:r>
+              <a:rPr lang="zh-CN" altLang="en-US" dirty="0" smtClean="0"/>
+              <a:t>操作和</a:t>
+            </a:r>
+            <a:r>
+              <a:rPr lang="en-US" altLang="zh-CN" dirty="0" smtClean="0"/>
+              <a:t>RDD</a:t>
+            </a:r>
+            <a:r>
+              <a:rPr lang="zh-CN" altLang="en-US" dirty="0" smtClean="0"/>
+              <a:t>的</a:t>
+            </a:r>
+            <a:r>
+              <a:rPr lang="en-US" altLang="zh-CN" dirty="0" smtClean="0"/>
+              <a:t>transformation</a:t>
+            </a:r>
+            <a:r>
+              <a:rPr lang="zh-CN" altLang="en-US" dirty="0" smtClean="0"/>
+              <a:t>设计为最小化地创建临对象。</a:t>
+            </a:r>
+            <a:endParaRPr lang="en-US" altLang="zh-CN" dirty="0" smtClean="0"/>
+          </a:p>
+          <a:p>
+            <a:r>
+              <a:rPr lang="zh-CN" altLang="en-US" dirty="0" smtClean="0"/>
+              <a:t>表现评估的字节码编译：</a:t>
+            </a:r>
+            <a:endParaRPr lang="en-US" altLang="zh-CN" dirty="0" smtClean="0"/>
+          </a:p>
+          <a:p>
+            <a:pPr lvl="1"/>
+            <a:r>
+              <a:rPr lang="en-US" altLang="zh-CN" dirty="0" smtClean="0"/>
+              <a:t>Shark</a:t>
+            </a:r>
+            <a:r>
+              <a:rPr lang="zh-CN" altLang="en-US" dirty="0" smtClean="0"/>
+              <a:t>发送的</a:t>
+            </a:r>
+            <a:r>
+              <a:rPr lang="zh-CN" altLang="en-US" dirty="0" smtClean="0"/>
+              <a:t>表现评估信息（</a:t>
+            </a:r>
+            <a:r>
+              <a:rPr lang="en-US" altLang="zh-CN" dirty="0" smtClean="0"/>
+              <a:t>Expression </a:t>
+            </a:r>
+            <a:r>
+              <a:rPr lang="en-US" altLang="zh-CN" dirty="0" smtClean="0"/>
+              <a:t>Evaluators</a:t>
+            </a:r>
+            <a:r>
+              <a:rPr lang="zh-CN" altLang="en-US" dirty="0" smtClean="0"/>
+              <a:t>）由</a:t>
+            </a:r>
+            <a:r>
+              <a:rPr lang="en-US" altLang="zh-CN" dirty="0" smtClean="0"/>
+              <a:t>Hive</a:t>
+            </a:r>
+            <a:r>
+              <a:rPr lang="zh-CN" altLang="en-US" dirty="0" smtClean="0"/>
+              <a:t>解析</a:t>
+            </a:r>
+            <a:r>
+              <a:rPr lang="zh-CN" altLang="en-US" dirty="0" smtClean="0"/>
+              <a:t>器生成，作者发现，当数据</a:t>
+            </a:r>
+            <a:endParaRPr lang="en-US" altLang="zh-CN" dirty="0" smtClean="0"/>
+          </a:p>
+          <a:p>
+            <a:r>
+              <a:rPr lang="zh-CN" altLang="en-US" dirty="0" smtClean="0"/>
+              <a:t>专门的数据结构：</a:t>
+            </a:r>
+            <a:endParaRPr lang="en-US" altLang="zh-CN" dirty="0" smtClean="0"/>
+          </a:p>
+          <a:p>
+            <a:pPr lvl="1"/>
+            <a:r>
+              <a:rPr lang="zh-CN" altLang="en-US" dirty="0" smtClean="0"/>
+              <a:t>尚未开发出来。</a:t>
+            </a:r>
+            <a:endParaRPr lang="en-US" altLang="zh-CN" dirty="0" smtClean="0"/>
+          </a:p>
+          <a:p>
+            <a:endParaRPr lang="zh-CN" altLang="en-US" dirty="0"/>
+          </a:p>
+        </p:txBody>
+      </p:sp>
+    </p:spTree>
   </p:cSld>
   <p:clrMapOvr>
     <a:masterClrMapping/>
@@ -4447,7 +5390,7 @@
     </p:spTree>
     <p:extLst>
       <p:ext uri="{BB962C8B-B14F-4D97-AF65-F5344CB8AC3E}">
-        <p14:creationId xmlns:p14="http://schemas.microsoft.com/office/powerpoint/2010/main" val="299274344"/>
+        <p14:creationId xmlns:p14="http://schemas.microsoft.com/office/powerpoint/2010/main" xmlns="" val="299274344"/>
       </p:ext>
     </p:extLst>
   </p:cSld>
@@ -4650,7 +5593,7 @@
     </p:spTree>
     <p:extLst>
       <p:ext uri="{BB962C8B-B14F-4D97-AF65-F5344CB8AC3E}">
-        <p14:creationId xmlns:p14="http://schemas.microsoft.com/office/powerpoint/2010/main" val="1308897306"/>
+        <p14:creationId xmlns:p14="http://schemas.microsoft.com/office/powerpoint/2010/main" xmlns="" val="1308897306"/>
       </p:ext>
     </p:extLst>
   </p:cSld>
@@ -4809,7 +5752,19 @@
             </a:r>
             <a:r>
               <a:rPr lang="zh-CN" altLang="en-US" dirty="0" smtClean="0"/>
-              <a:t>等</a:t>
+              <a:t>等。（</a:t>
+            </a:r>
+            <a:r>
+              <a:rPr lang="zh-CN" altLang="en-US" dirty="0" smtClean="0">
+                <a:solidFill>
+                  <a:srgbClr val="FF0000"/>
+                </a:solidFill>
+              </a:rPr>
+              <a:t>附上数据库系统优化的图</a:t>
+            </a:r>
+            <a:r>
+              <a:rPr lang="zh-CN" altLang="en-US" dirty="0" smtClean="0"/>
+              <a:t>）</a:t>
             </a:r>
             <a:endParaRPr lang="en-US" altLang="zh-CN" dirty="0" smtClean="0"/>
           </a:p>
@@ -4940,7 +5895,7 @@
     </p:spTree>
     <p:extLst>
       <p:ext uri="{BB962C8B-B14F-4D97-AF65-F5344CB8AC3E}">
-        <p14:creationId xmlns:p14="http://schemas.microsoft.com/office/powerpoint/2010/main" val="2614998123"/>
+        <p14:creationId xmlns:p14="http://schemas.microsoft.com/office/powerpoint/2010/main" xmlns="" val="2614998123"/>
       </p:ext>
     </p:extLst>
   </p:cSld>
@@ -5141,7 +6096,7 @@
     </p:spTree>
     <p:extLst>
       <p:ext uri="{BB962C8B-B14F-4D97-AF65-F5344CB8AC3E}">
-        <p14:creationId xmlns:p14="http://schemas.microsoft.com/office/powerpoint/2010/main" val="4158841978"/>
+        <p14:creationId xmlns:p14="http://schemas.microsoft.com/office/powerpoint/2010/main" xmlns="" val="4158841978"/>
       </p:ext>
     </p:extLst>
   </p:cSld>
@@ -5468,8 +6423,61 @@
             </a:r>
             <a:r>
               <a:rPr lang="zh-CN" altLang="en-US" dirty="0"/>
-              <a:t>（节省空间）。</a:t>
-            </a:r>
+              <a:t>（节省空间）</a:t>
+            </a:r>
+            <a:r>
+              <a:rPr lang="zh-CN" altLang="en-US" dirty="0" smtClean="0"/>
+              <a:t>。</a:t>
+            </a:r>
+            <a:r>
+              <a:rPr lang="en-US" altLang="zh-CN" dirty="0" smtClean="0"/>
+              <a:t>(</a:t>
+            </a:r>
+            <a:r>
+              <a:rPr lang="zh-CN" altLang="en-US" dirty="0" smtClean="0">
+                <a:solidFill>
+                  <a:srgbClr val="FF0000"/>
+                </a:solidFill>
+              </a:rPr>
+              <a:t>结合</a:t>
+            </a:r>
+            <a:r>
+              <a:rPr lang="en-US" altLang="zh-CN" dirty="0" smtClean="0">
+                <a:solidFill>
+                  <a:srgbClr val="FF0000"/>
+                </a:solidFill>
+              </a:rPr>
+              <a:t>master</a:t>
+            </a:r>
+            <a:r>
+              <a:rPr lang="zh-CN" altLang="en-US" dirty="0" smtClean="0">
+                <a:solidFill>
+                  <a:srgbClr val="FF0000"/>
+                </a:solidFill>
+              </a:rPr>
+              <a:t>和</a:t>
+            </a:r>
+            <a:r>
+              <a:rPr lang="en-US" altLang="zh-CN" dirty="0" smtClean="0">
+                <a:solidFill>
+                  <a:srgbClr val="FF0000"/>
+                </a:solidFill>
+              </a:rPr>
+              <a:t>worker</a:t>
+            </a:r>
+            <a:r>
+              <a:rPr lang="zh-CN" altLang="en-US" dirty="0" smtClean="0">
+                <a:solidFill>
+                  <a:srgbClr val="FF0000"/>
+                </a:solidFill>
+              </a:rPr>
+              <a:t>的图</a:t>
+            </a:r>
+            <a:r>
+              <a:rPr lang="en-US" altLang="zh-CN" dirty="0" smtClean="0"/>
+              <a:t>)</a:t>
+            </a:r>
+            <a:endParaRPr lang="zh-CN" altLang="en-US" dirty="0"/>
           </a:p>
           <a:p>
             <a:endParaRPr lang="en-US" altLang="zh-CN" dirty="0" smtClean="0"/>
@@ -5482,7 +6490,7 @@
     </p:spTree>
     <p:extLst>
       <p:ext uri="{BB962C8B-B14F-4D97-AF65-F5344CB8AC3E}">
-        <p14:creationId xmlns:p14="http://schemas.microsoft.com/office/powerpoint/2010/main" val="1732199764"/>
+        <p14:creationId xmlns:p14="http://schemas.microsoft.com/office/powerpoint/2010/main" xmlns="" val="1732199764"/>
       </p:ext>
     </p:extLst>
   </p:cSld>
@@ -5573,7 +6581,7 @@
     </p:spTree>
     <p:extLst>
       <p:ext uri="{BB962C8B-B14F-4D97-AF65-F5344CB8AC3E}">
-        <p14:creationId xmlns:p14="http://schemas.microsoft.com/office/powerpoint/2010/main" val="509463109"/>
+        <p14:creationId xmlns:p14="http://schemas.microsoft.com/office/powerpoint/2010/main" xmlns="" val="509463109"/>
       </p:ext>
     </p:extLst>
   </p:cSld>
@@ -5892,7 +6900,7 @@
     </p:spTree>
     <p:extLst>
       <p:ext uri="{BB962C8B-B14F-4D97-AF65-F5344CB8AC3E}">
-        <p14:creationId xmlns:p14="http://schemas.microsoft.com/office/powerpoint/2010/main" val="3207996613"/>
+        <p14:creationId xmlns:p14="http://schemas.microsoft.com/office/powerpoint/2010/main" xmlns="" val="3207996613"/>
       </p:ext>
     </p:extLst>
   </p:cSld>
@@ -5976,19 +6984,7 @@
             </a:r>
             <a:r>
               <a:rPr lang="zh-CN" altLang="en-US" dirty="0" smtClean="0"/>
-              <a:t>计算能使查询低延迟，内存的</a:t>
-            </a:r>
-            <a:r>
-              <a:rPr lang="zh-CN" altLang="en-US" dirty="0" smtClean="0"/>
-              <a:t>吞吐量比</a:t>
-            </a:r>
-            <a:r>
-              <a:rPr lang="zh-CN" altLang="en-US" dirty="0" smtClean="0"/>
-              <a:t>磁盘的</a:t>
-            </a:r>
-            <a:r>
-              <a:rPr lang="zh-CN" altLang="en-US" dirty="0" smtClean="0"/>
-              <a:t>吞吐量</a:t>
+              <a:t>计算能使查询低延迟，内存的吞吐量比磁盘的吞吐量</a:t>
             </a:r>
             <a:r>
               <a:rPr lang="zh-CN" altLang="en-US" dirty="0"/>
@@ -5996,11 +6992,7 @@
             </a:r>
             <a:r>
               <a:rPr lang="zh-CN" altLang="en-US" dirty="0" smtClean="0"/>
-              <a:t>个数量级</a:t>
-            </a:r>
-            <a:r>
-              <a:rPr lang="zh-CN" altLang="en-US" dirty="0" smtClean="0"/>
-              <a:t>。</a:t>
+              <a:t>个数量级。</a:t>
             </a:r>
             <a:endParaRPr lang="en-US" altLang="zh-CN" dirty="0" smtClean="0"/>
           </a:p>
@@ -6095,15 +7087,7 @@
                   <a:srgbClr val="FF0000"/>
                 </a:solidFill>
               </a:rPr>
-              <a:t>，如额外占用空间开销等</a:t>
-            </a:r>
-            <a:r>
-              <a:rPr lang="zh-CN" altLang="en-US" dirty="0" smtClean="0">
-                <a:solidFill>
-                  <a:srgbClr val="FF0000"/>
-                </a:solidFill>
-              </a:rPr>
-              <a:t>。</a:t>
+              <a:t>，如额外占用空间开销等。</a:t>
             </a:r>
             <a:endParaRPr lang="en-US" altLang="zh-CN" dirty="0" smtClean="0">
               <a:solidFill>
@@ -6116,7 +7100,7 @@
     </p:spTree>
     <p:extLst>
       <p:ext uri="{BB962C8B-B14F-4D97-AF65-F5344CB8AC3E}">
-        <p14:creationId xmlns:p14="http://schemas.microsoft.com/office/powerpoint/2010/main" val="4186790557"/>
+        <p14:creationId xmlns:p14="http://schemas.microsoft.com/office/powerpoint/2010/main" xmlns="" val="4186790557"/>
       </p:ext>
     </p:extLst>
   </p:cSld>

--- a/shark.pptx
+++ b/shark.pptx
@@ -7,21 +7,22 @@
   <p:sldIdLst>
     <p:sldId id="256" r:id="rId2"/>
     <p:sldId id="257" r:id="rId3"/>
-    <p:sldId id="258" r:id="rId4"/>
-    <p:sldId id="259" r:id="rId5"/>
-    <p:sldId id="260" r:id="rId6"/>
-    <p:sldId id="261" r:id="rId7"/>
-    <p:sldId id="263" r:id="rId8"/>
-    <p:sldId id="264" r:id="rId9"/>
-    <p:sldId id="265" r:id="rId10"/>
-    <p:sldId id="266" r:id="rId11"/>
-    <p:sldId id="267" r:id="rId12"/>
-    <p:sldId id="268" r:id="rId13"/>
-    <p:sldId id="269" r:id="rId14"/>
-    <p:sldId id="270" r:id="rId15"/>
-    <p:sldId id="271" r:id="rId16"/>
-    <p:sldId id="274" r:id="rId17"/>
-    <p:sldId id="275" r:id="rId18"/>
+    <p:sldId id="276" r:id="rId4"/>
+    <p:sldId id="258" r:id="rId5"/>
+    <p:sldId id="259" r:id="rId6"/>
+    <p:sldId id="260" r:id="rId7"/>
+    <p:sldId id="261" r:id="rId8"/>
+    <p:sldId id="263" r:id="rId9"/>
+    <p:sldId id="264" r:id="rId10"/>
+    <p:sldId id="265" r:id="rId11"/>
+    <p:sldId id="266" r:id="rId12"/>
+    <p:sldId id="267" r:id="rId13"/>
+    <p:sldId id="268" r:id="rId14"/>
+    <p:sldId id="269" r:id="rId15"/>
+    <p:sldId id="270" r:id="rId16"/>
+    <p:sldId id="271" r:id="rId17"/>
+    <p:sldId id="274" r:id="rId18"/>
+    <p:sldId id="275" r:id="rId19"/>
   </p:sldIdLst>
   <p:sldSz cx="9144000" cy="6858000" type="screen4x3"/>
   <p:notesSz cx="6858000" cy="9144000"/>
@@ -3116,7 +3117,7 @@
     </p:spTree>
     <p:extLst>
       <p:ext uri="{BB962C8B-B14F-4D97-AF65-F5344CB8AC3E}">
-        <p14:creationId xmlns:p14="http://schemas.microsoft.com/office/powerpoint/2010/main" xmlns="" val="3022680436"/>
+        <p14:creationId xmlns:p14="http://schemas.microsoft.com/office/powerpoint/2010/main" val="3022680436"/>
       </p:ext>
     </p:extLst>
   </p:cSld>
@@ -3160,8 +3161,13 @@
           <a:p>
             <a:r>
               <a:rPr lang="zh-CN" altLang="en-US" dirty="0"/>
-              <a:t>引擎扩展：列内存存储</a:t>
-            </a:r>
+              <a:t>引擎</a:t>
+            </a:r>
+            <a:r>
+              <a:rPr lang="zh-CN" altLang="en-US" dirty="0" smtClean="0"/>
+              <a:t>扩展：列内存存储</a:t>
+            </a:r>
+            <a:endParaRPr lang="zh-CN" altLang="en-US" dirty="0"/>
           </a:p>
         </p:txBody>
       </p:sp>
@@ -3178,297 +3184,133 @@
         <p:spPr/>
         <p:txBody>
           <a:bodyPr>
-            <a:normAutofit fontScale="70000" lnSpcReduction="20000"/>
+            <a:normAutofit fontScale="92500" lnSpcReduction="20000"/>
           </a:bodyPr>
           <a:lstStyle/>
           <a:p>
             <a:r>
+              <a:rPr lang="zh-CN" altLang="en-US" dirty="0"/>
+              <a:t>内存</a:t>
+            </a:r>
+            <a:r>
+              <a:rPr lang="zh-CN" altLang="en-US" dirty="0" smtClean="0"/>
+              <a:t>计算能使查询低延迟，内存的吞吐量比磁盘的吞吐量</a:t>
+            </a:r>
+            <a:r>
+              <a:rPr lang="zh-CN" altLang="en-US" dirty="0"/>
+              <a:t>高几</a:t>
+            </a:r>
+            <a:r>
+              <a:rPr lang="zh-CN" altLang="en-US" dirty="0" smtClean="0"/>
+              <a:t>个数量级。</a:t>
+            </a:r>
+            <a:endParaRPr lang="en-US" altLang="zh-CN" dirty="0" smtClean="0"/>
+          </a:p>
+          <a:p>
+            <a:r>
+              <a:rPr lang="zh-CN" altLang="en-US" dirty="0" smtClean="0"/>
+              <a:t>但简单地使用</a:t>
+            </a:r>
+            <a:r>
               <a:rPr lang="en-US" altLang="zh-CN" dirty="0" smtClean="0"/>
               <a:t>Spark</a:t>
             </a:r>
             <a:r>
               <a:rPr lang="zh-CN" altLang="en-US" dirty="0" smtClean="0"/>
-              <a:t>的内存存储策略：</a:t>
-            </a:r>
-            <a:r>
-              <a:rPr lang="en-US" altLang="zh-CN" dirty="0" smtClean="0"/>
-              <a:t/>
-            </a:r>
-            <a:br>
-              <a:rPr lang="en-US" altLang="zh-CN" dirty="0" smtClean="0"/>
-            </a:br>
-            <a:r>
-              <a:rPr lang="zh-CN" altLang="en-US" dirty="0" smtClean="0"/>
-              <a:t>将数据分区以</a:t>
-            </a:r>
-            <a:r>
-              <a:rPr lang="en-US" altLang="zh-CN" dirty="0" smtClean="0"/>
-              <a:t>JVM</a:t>
-            </a:r>
-            <a:r>
-              <a:rPr lang="zh-CN" altLang="en-US" dirty="0" smtClean="0"/>
-              <a:t>对象集合的形式存储，以此避免反序列化，查询处理器能直接使用这些对象。</a:t>
-            </a:r>
-            <a:r>
-              <a:rPr lang="en-US" altLang="zh-CN" dirty="0" smtClean="0"/>
-              <a:t/>
-            </a:r>
-            <a:br>
-              <a:rPr lang="en-US" altLang="zh-CN" dirty="0" smtClean="0"/>
-            </a:br>
-            <a:r>
-              <a:rPr lang="zh-CN" altLang="en-US" dirty="0" smtClean="0"/>
-              <a:t>但这引起两个问题：</a:t>
-            </a:r>
-            <a:endParaRPr lang="en-US" altLang="zh-CN" dirty="0" smtClean="0"/>
-          </a:p>
-          <a:p>
-            <a:pPr marL="514350" indent="-514350">
-              <a:buFont typeface="+mj-lt"/>
-              <a:buAutoNum type="arabicPeriod"/>
-            </a:pPr>
-            <a:r>
-              <a:rPr lang="zh-CN" altLang="en-US" dirty="0" smtClean="0"/>
-              <a:t>巨大的</a:t>
+              <a:t>的内存存储，并不能使</a:t>
+            </a:r>
+            <a:r>
+              <a:rPr lang="en-US" altLang="zh-CN" dirty="0" smtClean="0"/>
+              <a:t>Shark</a:t>
+            </a:r>
+            <a:r>
+              <a:rPr lang="zh-CN" altLang="en-US" dirty="0" smtClean="0"/>
+              <a:t>在性能上得到很好提升。因为数据放入内存会引起两个问题：</a:t>
             </a:r>
             <a:r>
               <a:rPr lang="zh-CN" altLang="en-US" b="1" dirty="0" smtClean="0"/>
-              <a:t>存储空间开销</a:t>
+              <a:t>空间占用</a:t>
+            </a:r>
+            <a:r>
+              <a:rPr lang="zh-CN" altLang="en-US" dirty="0" smtClean="0"/>
+              <a:t>和</a:t>
+            </a:r>
+            <a:r>
+              <a:rPr lang="zh-CN" altLang="en-US" b="1" dirty="0" smtClean="0"/>
+              <a:t>读吞吐量</a:t>
+            </a:r>
+            <a:r>
+              <a:rPr lang="zh-CN" altLang="en-US" dirty="0" smtClean="0"/>
+              <a:t>。如，简单地将内存数据以其原始格式缓存到磁盘（涉及到</a:t>
+            </a:r>
+            <a:r>
+              <a:rPr lang="zh-CN" altLang="en-US" b="1" dirty="0" smtClean="0"/>
+              <a:t>序列化</a:t>
+            </a:r>
+            <a:r>
+              <a:rPr lang="zh-CN" altLang="en-US" dirty="0" smtClean="0"/>
+              <a:t>），当需要的时候再由查询处理器将其</a:t>
+            </a:r>
+            <a:r>
+              <a:rPr lang="zh-CN" altLang="en-US" b="1" dirty="0" smtClean="0"/>
+              <a:t>反序列化</a:t>
+            </a:r>
+            <a:r>
+              <a:rPr lang="zh-CN" altLang="en-US" dirty="0" smtClean="0"/>
+              <a:t>。然而，作者的研究发现：商用</a:t>
+            </a:r>
+            <a:r>
+              <a:rPr lang="en-US" altLang="zh-CN" dirty="0" smtClean="0"/>
+              <a:t>CPU</a:t>
+            </a:r>
+            <a:r>
+              <a:rPr lang="zh-CN" altLang="en-US" dirty="0" smtClean="0"/>
+              <a:t>的反序列化速率为每核心每秒</a:t>
+            </a:r>
+            <a:r>
+              <a:rPr lang="en-US" altLang="zh-CN" dirty="0" smtClean="0"/>
+              <a:t>200MB</a:t>
             </a:r>
             <a:r>
               <a:rPr lang="zh-CN" altLang="en-US" dirty="0" smtClean="0"/>
               <a:t>。</a:t>
             </a:r>
             <a:r>
-              <a:rPr lang="en-US" altLang="zh-CN" dirty="0" smtClean="0"/>
-              <a:t/>
-            </a:r>
-            <a:br>
-              <a:rPr lang="en-US" altLang="zh-CN" dirty="0" smtClean="0"/>
-            </a:br>
-            <a:r>
-              <a:rPr lang="zh-CN" altLang="en-US" dirty="0" smtClean="0"/>
-              <a:t>原因：通常，</a:t>
-            </a:r>
-            <a:r>
-              <a:rPr lang="en-US" altLang="zh-CN" dirty="0" smtClean="0"/>
-              <a:t>JVM</a:t>
-            </a:r>
-            <a:r>
-              <a:rPr lang="zh-CN" altLang="en-US" dirty="0"/>
-              <a:t>实现</a:t>
-            </a:r>
-            <a:r>
-              <a:rPr lang="zh-CN" altLang="en-US" dirty="0" smtClean="0"/>
-              <a:t>过程会对每个对象增加</a:t>
-            </a:r>
-            <a:r>
-              <a:rPr lang="en-US" altLang="zh-CN" dirty="0" smtClean="0"/>
-              <a:t>12~16 bytes </a:t>
-            </a:r>
-            <a:r>
-              <a:rPr lang="zh-CN" altLang="en-US" dirty="0" smtClean="0"/>
-              <a:t>的开销。</a:t>
-            </a:r>
-            <a:r>
-              <a:rPr lang="en-US" altLang="zh-CN" dirty="0" smtClean="0"/>
-              <a:t/>
-            </a:r>
-            <a:br>
-              <a:rPr lang="en-US" altLang="zh-CN" dirty="0" smtClean="0"/>
-            </a:br>
-            <a:r>
-              <a:rPr lang="zh-CN" altLang="en-US" dirty="0" smtClean="0"/>
-              <a:t>举例：将</a:t>
-            </a:r>
-            <a:r>
-              <a:rPr lang="en-US" altLang="zh-CN" dirty="0" smtClean="0"/>
-              <a:t>270MB</a:t>
-            </a:r>
-            <a:r>
-              <a:rPr lang="zh-CN" altLang="en-US" dirty="0" smtClean="0"/>
-              <a:t>的</a:t>
-            </a:r>
-            <a:r>
-              <a:rPr lang="en-US" altLang="zh-CN" dirty="0"/>
-              <a:t>TPC-H </a:t>
-            </a:r>
-            <a:r>
-              <a:rPr lang="en-US" altLang="zh-CN" dirty="0" err="1" smtClean="0"/>
-              <a:t>lineitem</a:t>
-            </a:r>
-            <a:r>
-              <a:rPr lang="zh-CN" altLang="en-US" dirty="0" smtClean="0"/>
-              <a:t>表以</a:t>
-            </a:r>
-            <a:r>
-              <a:rPr lang="en-US" altLang="zh-CN" dirty="0" smtClean="0"/>
-              <a:t>JVM</a:t>
-            </a:r>
-            <a:r>
-              <a:rPr lang="zh-CN" altLang="en-US" dirty="0" smtClean="0"/>
-              <a:t>对象形式存储，需要</a:t>
-            </a:r>
-            <a:r>
-              <a:rPr lang="en-US" altLang="zh-CN" dirty="0" smtClean="0"/>
-              <a:t>971MB</a:t>
-            </a:r>
-            <a:r>
-              <a:rPr lang="zh-CN" altLang="en-US" dirty="0" smtClean="0"/>
-              <a:t>的内存大小，而序列化这些数据仅花费</a:t>
-            </a:r>
-            <a:r>
-              <a:rPr lang="en-US" altLang="zh-CN" dirty="0" smtClean="0"/>
-              <a:t>289MB</a:t>
-            </a:r>
-            <a:r>
-              <a:rPr lang="zh-CN" altLang="en-US" dirty="0" smtClean="0"/>
-              <a:t>内存，仅三分之一大小。</a:t>
-            </a:r>
-            <a:endParaRPr lang="en-US" altLang="zh-CN" dirty="0" smtClean="0"/>
-          </a:p>
-          <a:p>
-            <a:pPr marL="514350" indent="-514350">
-              <a:buFont typeface="+mj-lt"/>
-              <a:buAutoNum type="arabicPeriod"/>
-            </a:pPr>
-            <a:r>
-              <a:rPr lang="en-US" altLang="zh-CN" dirty="0" smtClean="0"/>
-              <a:t>JVM</a:t>
-            </a:r>
-            <a:r>
-              <a:rPr lang="zh-CN" altLang="en-US" dirty="0" smtClean="0"/>
-              <a:t>的垃圾回收带来的</a:t>
-            </a:r>
-            <a:r>
-              <a:rPr lang="zh-CN" altLang="en-US" b="1" dirty="0" smtClean="0"/>
-              <a:t>时间开销</a:t>
-            </a:r>
-            <a:r>
-              <a:rPr lang="zh-CN" altLang="en-US" dirty="0" smtClean="0"/>
-              <a:t>。</a:t>
-            </a:r>
-            <a:r>
-              <a:rPr lang="en-US" altLang="zh-CN" dirty="0" smtClean="0"/>
-              <a:t/>
-            </a:r>
-            <a:br>
-              <a:rPr lang="en-US" altLang="zh-CN" dirty="0" smtClean="0"/>
-            </a:br>
-            <a:r>
-              <a:rPr lang="zh-CN" altLang="en-US" dirty="0" smtClean="0"/>
-              <a:t>原因：内存有限，垃圾回收占用大量时间。</a:t>
-            </a:r>
-            <a:r>
-              <a:rPr lang="en-US" altLang="zh-CN" dirty="0"/>
-              <a:t> JVM</a:t>
-            </a:r>
-            <a:r>
-              <a:rPr lang="zh-CN" altLang="en-US" b="1" dirty="0"/>
-              <a:t>垃圾回收时间</a:t>
-            </a:r>
-            <a:r>
-              <a:rPr lang="zh-CN" altLang="en-US" dirty="0"/>
-              <a:t>和</a:t>
-            </a:r>
-            <a:r>
-              <a:rPr lang="zh-CN" altLang="en-US" b="1" dirty="0"/>
-              <a:t>对象个数</a:t>
-            </a:r>
-            <a:r>
-              <a:rPr lang="zh-CN" altLang="en-US" dirty="0"/>
-              <a:t>成</a:t>
-            </a:r>
-            <a:r>
-              <a:rPr lang="zh-CN" altLang="en-US" b="1" dirty="0" smtClean="0"/>
-              <a:t>线性关系</a:t>
-            </a:r>
-            <a:r>
-              <a:rPr lang="en-US" altLang="zh-CN" dirty="0" smtClean="0"/>
-              <a:t/>
-            </a:r>
-            <a:br>
-              <a:rPr lang="en-US" altLang="zh-CN" dirty="0" smtClean="0"/>
-            </a:br>
-            <a:r>
-              <a:rPr lang="zh-CN" altLang="en-US" dirty="0" smtClean="0"/>
-              <a:t>举例：一个记录</a:t>
-            </a:r>
-            <a:r>
-              <a:rPr lang="en-US" altLang="zh-CN" dirty="0" smtClean="0"/>
-              <a:t>200B</a:t>
-            </a:r>
-            <a:r>
-              <a:rPr lang="zh-CN" altLang="en-US" dirty="0" smtClean="0"/>
-              <a:t>，那么</a:t>
-            </a:r>
-            <a:r>
-              <a:rPr lang="en-US" altLang="zh-CN" dirty="0" smtClean="0"/>
-              <a:t>32GB</a:t>
-            </a:r>
-            <a:r>
-              <a:rPr lang="zh-CN" altLang="en-US" dirty="0" smtClean="0"/>
-              <a:t>大小的堆能容纳</a:t>
-            </a:r>
-            <a:r>
-              <a:rPr lang="en-US" altLang="zh-CN" dirty="0" smtClean="0"/>
-              <a:t>1</a:t>
-            </a:r>
-            <a:r>
-              <a:rPr lang="zh-CN" altLang="en-US" dirty="0" smtClean="0"/>
-              <a:t>亿</a:t>
-            </a:r>
-            <a:r>
-              <a:rPr lang="en-US" altLang="zh-CN" dirty="0" smtClean="0"/>
-              <a:t>6</a:t>
-            </a:r>
-            <a:r>
-              <a:rPr lang="zh-CN" altLang="en-US" dirty="0" smtClean="0"/>
-              <a:t>千万个对象。完成</a:t>
-            </a:r>
-            <a:r>
-              <a:rPr lang="zh-CN" altLang="en-US" dirty="0"/>
-              <a:t>一</a:t>
-            </a:r>
-            <a:r>
-              <a:rPr lang="zh-CN" altLang="en-US" dirty="0" smtClean="0"/>
-              <a:t>次“</a:t>
-            </a:r>
-            <a:r>
-              <a:rPr lang="en-US" altLang="zh-CN" dirty="0" smtClean="0"/>
-              <a:t>full GC</a:t>
-            </a:r>
-            <a:r>
-              <a:rPr lang="zh-CN" altLang="en-US" dirty="0" smtClean="0"/>
-              <a:t>”可能</a:t>
-            </a:r>
-            <a:r>
-              <a:rPr lang="zh-CN" altLang="en-US" dirty="0"/>
-              <a:t>需要数分钟</a:t>
-            </a:r>
-            <a:r>
-              <a:rPr lang="zh-CN" altLang="en-US" dirty="0" smtClean="0"/>
-              <a:t>时间，这么多对象会触发很多次“</a:t>
-            </a:r>
-            <a:r>
-              <a:rPr lang="en-US" altLang="zh-CN" dirty="0" smtClean="0"/>
-              <a:t>full GC</a:t>
-            </a:r>
-            <a:r>
-              <a:rPr lang="zh-CN" altLang="en-US" dirty="0" smtClean="0"/>
-              <a:t>”。</a:t>
-            </a:r>
-            <a:endParaRPr lang="zh-CN" altLang="en-US" b="1" dirty="0" smtClean="0"/>
-          </a:p>
-          <a:p>
-            <a:endParaRPr lang="zh-CN" altLang="en-US" dirty="0"/>
+              <a:rPr lang="zh-CN" altLang="en-US" dirty="0" smtClean="0">
+                <a:solidFill>
+                  <a:srgbClr val="FF0000"/>
+                </a:solidFill>
+              </a:rPr>
+              <a:t>这里添加一些序列化和反序列化的知识</a:t>
+            </a:r>
+            <a:r>
+              <a:rPr lang="en-US" altLang="zh-CN" dirty="0" smtClean="0">
+                <a:solidFill>
+                  <a:srgbClr val="FF0000"/>
+                </a:solidFill>
+              </a:rPr>
+              <a:t>,</a:t>
+            </a:r>
+            <a:r>
+              <a:rPr lang="zh-CN" altLang="en-US" dirty="0" smtClean="0">
+                <a:solidFill>
+                  <a:srgbClr val="FF0000"/>
+                </a:solidFill>
+              </a:rPr>
+              <a:t>，如额外占用空间开销等。</a:t>
+            </a:r>
+            <a:endParaRPr lang="en-US" altLang="zh-CN" dirty="0" smtClean="0">
+              <a:solidFill>
+                <a:srgbClr val="FF0000"/>
+              </a:solidFill>
+            </a:endParaRPr>
           </a:p>
         </p:txBody>
       </p:sp>
     </p:spTree>
     <p:extLst>
       <p:ext uri="{BB962C8B-B14F-4D97-AF65-F5344CB8AC3E}">
-        <p14:creationId xmlns:p14="http://schemas.microsoft.com/office/powerpoint/2010/main" xmlns="" val="4125045916"/>
+        <p14:creationId xmlns:p14="http://schemas.microsoft.com/office/powerpoint/2010/main" val="4186790557"/>
       </p:ext>
     </p:extLst>
   </p:cSld>
@@ -3537,13 +3379,13 @@
         <p:spPr/>
         <p:txBody>
           <a:bodyPr>
-            <a:normAutofit fontScale="92500" lnSpcReduction="20000"/>
+            <a:normAutofit fontScale="70000" lnSpcReduction="20000"/>
           </a:bodyPr>
           <a:lstStyle/>
           <a:p>
             <a:r>
               <a:rPr lang="en-US" altLang="zh-CN" dirty="0" smtClean="0"/>
-              <a:t>Shark</a:t>
+              <a:t>Spark</a:t>
             </a:r>
             <a:r>
               <a:rPr lang="zh-CN" altLang="en-US" dirty="0" smtClean="0"/>
@@ -3558,39 +3400,7 @@
             </a:br>
             <a:r>
               <a:rPr lang="zh-CN" altLang="en-US" dirty="0" smtClean="0"/>
-              <a:t>原始数据按类型分为不同的列，将这些列存储为原始数组。对于</a:t>
-            </a:r>
-            <a:r>
-              <a:rPr lang="en-US" altLang="zh-CN" dirty="0" smtClean="0"/>
-              <a:t>Hive</a:t>
-            </a:r>
-            <a:r>
-              <a:rPr lang="zh-CN" altLang="en-US" dirty="0" smtClean="0"/>
-              <a:t>支持的复杂数据类型，如</a:t>
-            </a:r>
-            <a:r>
-              <a:rPr lang="en-US" altLang="zh-CN" dirty="0" smtClean="0"/>
-              <a:t>map</a:t>
-            </a:r>
-            <a:r>
-              <a:rPr lang="zh-CN" altLang="en-US" dirty="0" smtClean="0"/>
-              <a:t>、</a:t>
-            </a:r>
-            <a:r>
-              <a:rPr lang="en-US" altLang="zh-CN" dirty="0" smtClean="0"/>
-              <a:t>array</a:t>
-            </a:r>
-            <a:r>
-              <a:rPr lang="zh-CN" altLang="en-US" dirty="0" smtClean="0"/>
-              <a:t>等，先序列化，然后串接为一个</a:t>
-            </a:r>
-            <a:r>
-              <a:rPr lang="en-US" altLang="zh-CN" dirty="0" smtClean="0"/>
-              <a:t>byte</a:t>
-            </a:r>
-            <a:r>
-              <a:rPr lang="zh-CN" altLang="en-US" dirty="0" smtClean="0"/>
-              <a:t>数组。每列仅创建一个</a:t>
+              <a:t>将数据分区以</a:t>
             </a:r>
             <a:r>
               <a:rPr lang="en-US" altLang="zh-CN" dirty="0" smtClean="0"/>
@@ -3598,7 +3408,7 @@
             </a:r>
             <a:r>
               <a:rPr lang="zh-CN" altLang="en-US" dirty="0" smtClean="0"/>
-              <a:t>对象，自然的拥有如下优势：</a:t>
+              <a:t>对象集合的形式存储，以此避免反序列化，查询处理器能直接使用这些对象。</a:t>
             </a:r>
             <a:r>
               <a:rPr lang="en-US" altLang="zh-CN" dirty="0" smtClean="0"/>
@@ -3609,7 +3419,197 @@
             </a:br>
             <a:r>
               <a:rPr lang="zh-CN" altLang="en-US" dirty="0" smtClean="0"/>
-              <a:t>（</a:t>
+              <a:t>但这引起两个问题：</a:t>
+            </a:r>
+            <a:endParaRPr lang="en-US" altLang="zh-CN" dirty="0" smtClean="0"/>
+          </a:p>
+          <a:p>
+            <a:pPr marL="514350" indent="-514350">
+              <a:buFont typeface="+mj-lt"/>
+              <a:buAutoNum type="arabicPeriod"/>
+            </a:pPr>
+            <a:r>
+              <a:rPr lang="zh-CN" altLang="en-US" dirty="0" smtClean="0"/>
+              <a:t>巨大的</a:t>
+            </a:r>
+            <a:r>
+              <a:rPr lang="zh-CN" altLang="en-US" b="1" dirty="0" smtClean="0"/>
+              <a:t>存储空间开销</a:t>
+            </a:r>
+            <a:r>
+              <a:rPr lang="zh-CN" altLang="en-US" dirty="0" smtClean="0"/>
+              <a:t>。</a:t>
+            </a:r>
+            <a:r>
+              <a:rPr lang="en-US" altLang="zh-CN" dirty="0" smtClean="0"/>
+              <a:t/>
+            </a:r>
+            <a:br>
+              <a:rPr lang="en-US" altLang="zh-CN" dirty="0" smtClean="0"/>
+            </a:br>
+            <a:r>
+              <a:rPr lang="zh-CN" altLang="en-US" dirty="0" smtClean="0"/>
+              <a:t>原因：通常，</a:t>
+            </a:r>
+            <a:r>
+              <a:rPr lang="en-US" altLang="zh-CN" dirty="0" smtClean="0"/>
+              <a:t>JVM</a:t>
+            </a:r>
+            <a:r>
+              <a:rPr lang="zh-CN" altLang="en-US" dirty="0"/>
+              <a:t>实现</a:t>
+            </a:r>
+            <a:r>
+              <a:rPr lang="zh-CN" altLang="en-US" dirty="0" smtClean="0"/>
+              <a:t>过程会对每个对象增加</a:t>
+            </a:r>
+            <a:r>
+              <a:rPr lang="en-US" altLang="zh-CN" dirty="0" smtClean="0"/>
+              <a:t>12~16 bytes </a:t>
+            </a:r>
+            <a:r>
+              <a:rPr lang="zh-CN" altLang="en-US" dirty="0" smtClean="0"/>
+              <a:t>的开销。</a:t>
+            </a:r>
+            <a:r>
+              <a:rPr lang="en-US" altLang="zh-CN" dirty="0" smtClean="0"/>
+              <a:t/>
+            </a:r>
+            <a:br>
+              <a:rPr lang="en-US" altLang="zh-CN" dirty="0" smtClean="0"/>
+            </a:br>
+            <a:r>
+              <a:rPr lang="zh-CN" altLang="en-US" dirty="0" smtClean="0"/>
+              <a:t>举例：将</a:t>
+            </a:r>
+            <a:r>
+              <a:rPr lang="en-US" altLang="zh-CN" dirty="0" smtClean="0"/>
+              <a:t>270MB</a:t>
+            </a:r>
+            <a:r>
+              <a:rPr lang="zh-CN" altLang="en-US" dirty="0" smtClean="0"/>
+              <a:t>的</a:t>
+            </a:r>
+            <a:r>
+              <a:rPr lang="en-US" altLang="zh-CN" dirty="0"/>
+              <a:t>TPC-H </a:t>
+            </a:r>
+            <a:r>
+              <a:rPr lang="en-US" altLang="zh-CN" dirty="0" err="1" smtClean="0"/>
+              <a:t>lineitem</a:t>
+            </a:r>
+            <a:r>
+              <a:rPr lang="zh-CN" altLang="en-US" dirty="0" smtClean="0"/>
+              <a:t>表以</a:t>
+            </a:r>
+            <a:r>
+              <a:rPr lang="en-US" altLang="zh-CN" dirty="0" smtClean="0"/>
+              <a:t>JVM</a:t>
+            </a:r>
+            <a:r>
+              <a:rPr lang="zh-CN" altLang="en-US" dirty="0" smtClean="0"/>
+              <a:t>对象形式存储，需要</a:t>
+            </a:r>
+            <a:r>
+              <a:rPr lang="en-US" altLang="zh-CN" dirty="0" smtClean="0"/>
+              <a:t>971MB</a:t>
+            </a:r>
+            <a:r>
+              <a:rPr lang="zh-CN" altLang="en-US" dirty="0" smtClean="0"/>
+              <a:t>的内存大小，而序列化这些数据仅花费</a:t>
+            </a:r>
+            <a:r>
+              <a:rPr lang="en-US" altLang="zh-CN" dirty="0" smtClean="0"/>
+              <a:t>289MB</a:t>
+            </a:r>
+            <a:r>
+              <a:rPr lang="zh-CN" altLang="en-US" dirty="0" smtClean="0"/>
+              <a:t>内存，仅三分之一大小。</a:t>
+            </a:r>
+            <a:endParaRPr lang="en-US" altLang="zh-CN" dirty="0" smtClean="0"/>
+          </a:p>
+          <a:p>
+            <a:pPr marL="514350" indent="-514350">
+              <a:buFont typeface="+mj-lt"/>
+              <a:buAutoNum type="arabicPeriod"/>
+            </a:pPr>
+            <a:r>
+              <a:rPr lang="en-US" altLang="zh-CN" dirty="0" smtClean="0"/>
+              <a:t>JVM</a:t>
+            </a:r>
+            <a:r>
+              <a:rPr lang="zh-CN" altLang="en-US" dirty="0" smtClean="0"/>
+              <a:t>的垃圾回收带来的</a:t>
+            </a:r>
+            <a:r>
+              <a:rPr lang="zh-CN" altLang="en-US" b="1" dirty="0" smtClean="0"/>
+              <a:t>时间开销</a:t>
+            </a:r>
+            <a:r>
+              <a:rPr lang="zh-CN" altLang="en-US" dirty="0" smtClean="0"/>
+              <a:t>。</a:t>
+            </a:r>
+            <a:r>
+              <a:rPr lang="en-US" altLang="zh-CN" dirty="0" smtClean="0"/>
+              <a:t/>
+            </a:r>
+            <a:br>
+              <a:rPr lang="en-US" altLang="zh-CN" dirty="0" smtClean="0"/>
+            </a:br>
+            <a:r>
+              <a:rPr lang="zh-CN" altLang="en-US" dirty="0" smtClean="0"/>
+              <a:t>原因：内存有限，垃圾回收占用大量时间。</a:t>
+            </a:r>
+            <a:r>
+              <a:rPr lang="en-US" altLang="zh-CN" dirty="0"/>
+              <a:t> JVM</a:t>
+            </a:r>
+            <a:r>
+              <a:rPr lang="zh-CN" altLang="en-US" b="1" dirty="0"/>
+              <a:t>垃圾回收时间</a:t>
+            </a:r>
+            <a:r>
+              <a:rPr lang="zh-CN" altLang="en-US" dirty="0"/>
+              <a:t>和</a:t>
+            </a:r>
+            <a:r>
+              <a:rPr lang="zh-CN" altLang="en-US" b="1" dirty="0"/>
+              <a:t>对象个数</a:t>
+            </a:r>
+            <a:r>
+              <a:rPr lang="zh-CN" altLang="en-US" dirty="0"/>
+              <a:t>成</a:t>
+            </a:r>
+            <a:r>
+              <a:rPr lang="zh-CN" altLang="en-US" b="1" dirty="0" smtClean="0"/>
+              <a:t>线性关系</a:t>
+            </a:r>
+            <a:r>
+              <a:rPr lang="en-US" altLang="zh-CN" dirty="0" smtClean="0"/>
+              <a:t/>
+            </a:r>
+            <a:br>
+              <a:rPr lang="en-US" altLang="zh-CN" dirty="0" smtClean="0"/>
+            </a:br>
+            <a:r>
+              <a:rPr lang="zh-CN" altLang="en-US" dirty="0" smtClean="0"/>
+              <a:t>举例：一个记录</a:t>
+            </a:r>
+            <a:r>
+              <a:rPr lang="en-US" altLang="zh-CN" dirty="0" smtClean="0"/>
+              <a:t>200B</a:t>
+            </a:r>
+            <a:r>
+              <a:rPr lang="zh-CN" altLang="en-US" dirty="0" smtClean="0"/>
+              <a:t>，那么</a:t>
+            </a:r>
+            <a:r>
+              <a:rPr lang="en-US" altLang="zh-CN" dirty="0" smtClean="0"/>
+              <a:t>32GB</a:t>
+            </a:r>
+            <a:r>
+              <a:rPr lang="zh-CN" altLang="en-US" dirty="0" smtClean="0"/>
+              <a:t>大小的堆能容纳</a:t>
             </a:r>
             <a:r>
               <a:rPr lang="en-US" altLang="zh-CN" dirty="0" smtClean="0"/>
@@ -3617,86 +3617,49 @@
             </a:r>
             <a:r>
               <a:rPr lang="zh-CN" altLang="en-US" dirty="0" smtClean="0"/>
-              <a:t>）垃圾回收（</a:t>
-            </a:r>
-            <a:r>
-              <a:rPr lang="en-US" altLang="zh-CN" dirty="0" smtClean="0"/>
-              <a:t>GC</a:t>
-            </a:r>
-            <a:r>
-              <a:rPr lang="zh-CN" altLang="en-US" dirty="0" smtClean="0"/>
-              <a:t>）时间快（</a:t>
-            </a:r>
-            <a:r>
-              <a:rPr lang="en-US" altLang="zh-CN" dirty="0" smtClean="0"/>
-              <a:t>JVM</a:t>
-            </a:r>
-            <a:r>
-              <a:rPr lang="zh-CN" altLang="en-US" dirty="0" smtClean="0"/>
-              <a:t>对象少）</a:t>
-            </a:r>
-            <a:r>
-              <a:rPr lang="en-US" altLang="zh-CN" dirty="0" smtClean="0"/>
-              <a:t/>
-            </a:r>
-            <a:br>
-              <a:rPr lang="en-US" altLang="zh-CN" dirty="0" smtClean="0"/>
-            </a:br>
-            <a:r>
-              <a:rPr lang="zh-CN" altLang="en-US" dirty="0" smtClean="0"/>
-              <a:t>（</a:t>
-            </a:r>
-            <a:r>
-              <a:rPr lang="en-US" altLang="zh-CN" dirty="0" smtClean="0"/>
-              <a:t>2</a:t>
-            </a:r>
-            <a:r>
-              <a:rPr lang="zh-CN" altLang="en-US" dirty="0" smtClean="0"/>
-              <a:t>）数据紧凑，占用空间少（相同类型的数据都聚集在一起）</a:t>
-            </a:r>
-            <a:r>
-              <a:rPr lang="en-US" altLang="zh-CN" dirty="0" smtClean="0"/>
-              <a:t/>
-            </a:r>
-            <a:br>
-              <a:rPr lang="en-US" altLang="zh-CN" dirty="0" smtClean="0"/>
-            </a:br>
-            <a:r>
-              <a:rPr lang="zh-CN" altLang="en-US" dirty="0" smtClean="0"/>
-              <a:t>（</a:t>
-            </a:r>
-            <a:r>
-              <a:rPr lang="en-US" altLang="zh-CN" dirty="0" smtClean="0"/>
-              <a:t>3</a:t>
-            </a:r>
-            <a:r>
-              <a:rPr lang="zh-CN" altLang="en-US" dirty="0" smtClean="0"/>
-              <a:t>）</a:t>
-            </a:r>
-            <a:r>
-              <a:rPr lang="en-US" altLang="zh-CN" dirty="0" smtClean="0"/>
-              <a:t>CPU</a:t>
-            </a:r>
-            <a:r>
-              <a:rPr lang="zh-CN" altLang="en-US" dirty="0" smtClean="0"/>
-              <a:t>高效压缩（压缩算法如：</a:t>
-            </a:r>
-            <a:r>
-              <a:rPr lang="en-US" altLang="zh-CN" dirty="0"/>
-              <a:t>dictionary encoding, run-length encoding, bit packing</a:t>
-            </a:r>
-            <a:r>
-              <a:rPr lang="zh-CN" altLang="en-US" dirty="0" smtClean="0"/>
-              <a:t>）</a:t>
-            </a:r>
-            <a:r>
-              <a:rPr lang="en-US" altLang="zh-CN" dirty="0" smtClean="0"/>
-              <a:t/>
-            </a:r>
-            <a:br>
-              <a:rPr lang="en-US" altLang="zh-CN" dirty="0" smtClean="0"/>
-            </a:br>
-            <a:endParaRPr lang="en-US" altLang="zh-CN" dirty="0"/>
+              <a:t>亿</a:t>
+            </a:r>
+            <a:r>
+              <a:rPr lang="en-US" altLang="zh-CN" dirty="0" smtClean="0"/>
+              <a:t>6</a:t>
+            </a:r>
+            <a:r>
+              <a:rPr lang="zh-CN" altLang="en-US" dirty="0" smtClean="0"/>
+              <a:t>千万个对象。完成</a:t>
+            </a:r>
+            <a:r>
+              <a:rPr lang="zh-CN" altLang="en-US" dirty="0"/>
+              <a:t>一</a:t>
+            </a:r>
+            <a:r>
+              <a:rPr lang="zh-CN" altLang="en-US" dirty="0" smtClean="0"/>
+              <a:t>次“</a:t>
+            </a:r>
+            <a:r>
+              <a:rPr lang="en-US" altLang="zh-CN" dirty="0" smtClean="0"/>
+              <a:t>full GC</a:t>
+            </a:r>
+            <a:r>
+              <a:rPr lang="zh-CN" altLang="en-US" dirty="0" smtClean="0"/>
+              <a:t>”可能</a:t>
+            </a:r>
+            <a:r>
+              <a:rPr lang="zh-CN" altLang="en-US" dirty="0"/>
+              <a:t>需要数分钟</a:t>
+            </a:r>
+            <a:r>
+              <a:rPr lang="zh-CN" altLang="en-US" dirty="0" smtClean="0"/>
+              <a:t>时间，这么多对象会触发很多次“</a:t>
+            </a:r>
+            <a:r>
+              <a:rPr lang="en-US" altLang="zh-CN" dirty="0" smtClean="0"/>
+              <a:t>full GC</a:t>
+            </a:r>
+            <a:r>
+              <a:rPr lang="zh-CN" altLang="en-US" dirty="0" smtClean="0"/>
+              <a:t>”。</a:t>
+            </a:r>
+            <a:endParaRPr lang="zh-CN" altLang="en-US" b="1" dirty="0" smtClean="0"/>
           </a:p>
           <a:p>
             <a:endParaRPr lang="zh-CN" altLang="en-US" dirty="0"/>
@@ -3706,7 +3669,7 @@
     </p:spTree>
     <p:extLst>
       <p:ext uri="{BB962C8B-B14F-4D97-AF65-F5344CB8AC3E}">
-        <p14:creationId xmlns:p14="http://schemas.microsoft.com/office/powerpoint/2010/main" xmlns="" val="3627931269"/>
+        <p14:creationId xmlns:p14="http://schemas.microsoft.com/office/powerpoint/2010/main" val="4125045916"/>
       </p:ext>
     </p:extLst>
   </p:cSld>
@@ -3769,166 +3732,182 @@
             <a:spLocks noGrp="1"/>
           </p:cNvSpPr>
           <p:nvPr>
-            <p:ph sz="half" idx="1"/>
+            <p:ph idx="1"/>
           </p:nvPr>
         </p:nvSpPr>
         <p:spPr/>
         <p:txBody>
-          <a:bodyPr/>
-          <a:lstStyle/>
-          <a:p>
-            <a:r>
-              <a:rPr lang="zh-CN" altLang="en-US" dirty="0" smtClean="0"/>
-              <a:t>行存储和列存储</a:t>
-            </a:r>
+          <a:bodyPr>
+            <a:normAutofit fontScale="92500" lnSpcReduction="20000"/>
+          </a:bodyPr>
+          <a:lstStyle/>
+          <a:p>
+            <a:r>
+              <a:rPr lang="en-US" altLang="zh-CN" dirty="0" smtClean="0"/>
+              <a:t>Shark</a:t>
+            </a:r>
+            <a:r>
+              <a:rPr lang="zh-CN" altLang="en-US" dirty="0" smtClean="0"/>
+              <a:t>的内存存储策略：</a:t>
+            </a:r>
+            <a:r>
+              <a:rPr lang="en-US" altLang="zh-CN" dirty="0" smtClean="0"/>
+              <a:t/>
+            </a:r>
+            <a:br>
+              <a:rPr lang="en-US" altLang="zh-CN" dirty="0" smtClean="0"/>
+            </a:br>
+            <a:r>
+              <a:rPr lang="zh-CN" altLang="en-US" dirty="0" smtClean="0"/>
+              <a:t>原始数据按类型分为不同的列，将这些列存储为原始数组。对于</a:t>
+            </a:r>
+            <a:r>
+              <a:rPr lang="en-US" altLang="zh-CN" dirty="0" smtClean="0"/>
+              <a:t>Hive</a:t>
+            </a:r>
+            <a:r>
+              <a:rPr lang="zh-CN" altLang="en-US" dirty="0" smtClean="0"/>
+              <a:t>支持的复杂数据类型，如</a:t>
+            </a:r>
+            <a:r>
+              <a:rPr lang="en-US" altLang="zh-CN" dirty="0" smtClean="0"/>
+              <a:t>map</a:t>
+            </a:r>
+            <a:r>
+              <a:rPr lang="zh-CN" altLang="en-US" dirty="0" smtClean="0"/>
+              <a:t>、</a:t>
+            </a:r>
+            <a:r>
+              <a:rPr lang="en-US" altLang="zh-CN" dirty="0" smtClean="0"/>
+              <a:t>array</a:t>
+            </a:r>
+            <a:r>
+              <a:rPr lang="zh-CN" altLang="en-US" dirty="0" smtClean="0"/>
+              <a:t>等，先序列化，然后串接为一个</a:t>
+            </a:r>
+            <a:r>
+              <a:rPr lang="en-US" altLang="zh-CN" dirty="0" smtClean="0"/>
+              <a:t>byte</a:t>
+            </a:r>
+            <a:r>
+              <a:rPr lang="zh-CN" altLang="en-US" dirty="0" smtClean="0"/>
+              <a:t>数组。每列仅创建一个</a:t>
+            </a:r>
+            <a:r>
+              <a:rPr lang="en-US" altLang="zh-CN" dirty="0" smtClean="0"/>
+              <a:t>JVM</a:t>
+            </a:r>
+            <a:r>
+              <a:rPr lang="zh-CN" altLang="en-US" dirty="0" smtClean="0"/>
+              <a:t>对象，自然的拥有如下优势：</a:t>
+            </a:r>
+            <a:r>
+              <a:rPr lang="en-US" altLang="zh-CN" dirty="0" smtClean="0"/>
+              <a:t/>
+            </a:r>
+            <a:br>
+              <a:rPr lang="en-US" altLang="zh-CN" dirty="0" smtClean="0"/>
+            </a:br>
+            <a:r>
+              <a:rPr lang="zh-CN" altLang="en-US" dirty="0" smtClean="0"/>
+              <a:t>（</a:t>
+            </a:r>
+            <a:r>
+              <a:rPr lang="en-US" altLang="zh-CN" dirty="0" smtClean="0"/>
+              <a:t>1</a:t>
+            </a:r>
+            <a:r>
+              <a:rPr lang="zh-CN" altLang="en-US" dirty="0" smtClean="0"/>
+              <a:t>）垃圾回收（</a:t>
+            </a:r>
+            <a:r>
+              <a:rPr lang="en-US" altLang="zh-CN" dirty="0" smtClean="0"/>
+              <a:t>GC</a:t>
+            </a:r>
+            <a:r>
+              <a:rPr lang="zh-CN" altLang="en-US" dirty="0" smtClean="0"/>
+              <a:t>）时间快（</a:t>
+            </a:r>
+            <a:r>
+              <a:rPr lang="en-US" altLang="zh-CN" dirty="0" smtClean="0"/>
+              <a:t>JVM</a:t>
+            </a:r>
+            <a:r>
+              <a:rPr lang="zh-CN" altLang="en-US" dirty="0" smtClean="0"/>
+              <a:t>对象少）</a:t>
+            </a:r>
+            <a:r>
+              <a:rPr lang="en-US" altLang="zh-CN" dirty="0" smtClean="0"/>
+              <a:t/>
+            </a:r>
+            <a:br>
+              <a:rPr lang="en-US" altLang="zh-CN" dirty="0" smtClean="0"/>
+            </a:br>
+            <a:r>
+              <a:rPr lang="zh-CN" altLang="en-US" dirty="0" smtClean="0"/>
+              <a:t>（</a:t>
+            </a:r>
+            <a:r>
+              <a:rPr lang="en-US" altLang="zh-CN" dirty="0" smtClean="0"/>
+              <a:t>2</a:t>
+            </a:r>
+            <a:r>
+              <a:rPr lang="zh-CN" altLang="en-US" dirty="0" smtClean="0"/>
+              <a:t>）数据紧凑，占用空间少（相同类型的数据都聚集在一起）</a:t>
+            </a:r>
+            <a:r>
+              <a:rPr lang="en-US" altLang="zh-CN" dirty="0" smtClean="0"/>
+              <a:t/>
+            </a:r>
+            <a:br>
+              <a:rPr lang="en-US" altLang="zh-CN" dirty="0" smtClean="0"/>
+            </a:br>
+            <a:r>
+              <a:rPr lang="zh-CN" altLang="en-US" dirty="0" smtClean="0"/>
+              <a:t>（</a:t>
+            </a:r>
+            <a:r>
+              <a:rPr lang="en-US" altLang="zh-CN" dirty="0" smtClean="0"/>
+              <a:t>3</a:t>
+            </a:r>
+            <a:r>
+              <a:rPr lang="zh-CN" altLang="en-US" dirty="0" smtClean="0"/>
+              <a:t>）</a:t>
+            </a:r>
+            <a:r>
+              <a:rPr lang="en-US" altLang="zh-CN" dirty="0" smtClean="0"/>
+              <a:t>CPU</a:t>
+            </a:r>
+            <a:r>
+              <a:rPr lang="zh-CN" altLang="en-US" dirty="0" smtClean="0"/>
+              <a:t>高效压缩（压缩算法如：</a:t>
+            </a:r>
+            <a:r>
+              <a:rPr lang="en-US" altLang="zh-CN" dirty="0"/>
+              <a:t>dictionary encoding, run-length encoding, bit packing</a:t>
+            </a:r>
+            <a:r>
+              <a:rPr lang="zh-CN" altLang="en-US" dirty="0" smtClean="0"/>
+              <a:t>）</a:t>
+            </a:r>
+            <a:r>
+              <a:rPr lang="en-US" altLang="zh-CN" dirty="0" smtClean="0"/>
+              <a:t/>
+            </a:r>
+            <a:br>
+              <a:rPr lang="en-US" altLang="zh-CN" dirty="0" smtClean="0"/>
+            </a:br>
+            <a:endParaRPr lang="en-US" altLang="zh-CN" dirty="0"/>
+          </a:p>
+          <a:p>
             <a:endParaRPr lang="zh-CN" altLang="en-US" dirty="0"/>
           </a:p>
         </p:txBody>
       </p:sp>
-      <p:sp>
-        <p:nvSpPr>
-          <p:cNvPr id="4" name="内容占位符 3"/>
-          <p:cNvSpPr>
-            <a:spLocks noGrp="1"/>
-          </p:cNvSpPr>
-          <p:nvPr>
-            <p:ph sz="half" idx="2"/>
-          </p:nvPr>
-        </p:nvSpPr>
-        <p:spPr/>
-        <p:txBody>
-          <a:bodyPr/>
-          <a:lstStyle/>
-          <a:p>
-            <a:r>
-              <a:rPr lang="zh-CN" altLang="en-US" dirty="0"/>
-              <a:t>行程长度压缩算法 </a:t>
-            </a:r>
-            <a:r>
-              <a:rPr lang="en-US" altLang="zh-CN" i="1" dirty="0"/>
-              <a:t>Run-Length</a:t>
-            </a:r>
-            <a:r>
-              <a:rPr lang="en-US" altLang="zh-CN" dirty="0"/>
-              <a:t> </a:t>
-            </a:r>
-            <a:r>
-              <a:rPr lang="en-US" altLang="zh-CN" i="1" dirty="0"/>
-              <a:t>Encoding</a:t>
-            </a:r>
-            <a:r>
-              <a:rPr lang="en-US" altLang="zh-CN" dirty="0"/>
-              <a:t>(RLE</a:t>
-            </a:r>
-            <a:r>
-              <a:rPr lang="en-US" altLang="zh-CN" dirty="0" smtClean="0"/>
-              <a:t>)</a:t>
-            </a:r>
-          </a:p>
-          <a:p>
-            <a:endParaRPr lang="zh-CN" altLang="en-US" dirty="0"/>
-          </a:p>
-        </p:txBody>
-      </p:sp>
-      <p:pic>
-        <p:nvPicPr>
-          <p:cNvPr id="1028" name="Picture 4"/>
-          <p:cNvPicPr>
-            <a:picLocks noChangeAspect="1" noChangeArrowheads="1"/>
-          </p:cNvPicPr>
-          <p:nvPr/>
-        </p:nvPicPr>
-        <p:blipFill>
-          <a:blip r:embed="rId2">
-            <a:extLst>
-              <a:ext uri="{28A0092B-C50C-407E-A947-70E740481C1C}">
-                <a14:useLocalDpi xmlns:a14="http://schemas.microsoft.com/office/drawing/2010/main" xmlns="" val="0"/>
-              </a:ext>
-            </a:extLst>
-          </a:blip>
-          <a:srcRect/>
-          <a:stretch>
-            <a:fillRect/>
-          </a:stretch>
-        </p:blipFill>
-        <p:spPr bwMode="auto">
-          <a:xfrm>
-            <a:off x="611560" y="2708920"/>
-            <a:ext cx="3571875" cy="1752600"/>
-          </a:xfrm>
-          <a:prstGeom prst="rect">
-            <a:avLst/>
-          </a:prstGeom>
-          <a:noFill/>
-          <a:ln>
-            <a:noFill/>
-          </a:ln>
-          <a:extLst>
-            <a:ext uri="{909E8E84-426E-40DD-AFC4-6F175D3DCCD1}">
-              <a14:hiddenFill xmlns:a14="http://schemas.microsoft.com/office/drawing/2010/main" xmlns="">
-                <a:solidFill>
-                  <a:schemeClr val="accent1"/>
-                </a:solidFill>
-              </a14:hiddenFill>
-            </a:ext>
-            <a:ext uri="{91240B29-F687-4F45-9708-019B960494DF}">
-              <a14:hiddenLine xmlns:a14="http://schemas.microsoft.com/office/drawing/2010/main" xmlns="" w="9525">
-                <a:solidFill>
-                  <a:schemeClr val="tx1"/>
-                </a:solidFill>
-                <a:miter lim="800000"/>
-                <a:headEnd/>
-                <a:tailEnd/>
-              </a14:hiddenLine>
-            </a:ext>
-          </a:extLst>
-        </p:spPr>
-      </p:pic>
-      <p:pic>
-        <p:nvPicPr>
-          <p:cNvPr id="1029" name="Picture 5" descr="C:\Users\SH\Desktop\48c95a19gd01a24ab4d0b&amp;690.png"/>
-          <p:cNvPicPr>
-            <a:picLocks noChangeAspect="1" noChangeArrowheads="1"/>
-          </p:cNvPicPr>
-          <p:nvPr/>
-        </p:nvPicPr>
-        <p:blipFill>
-          <a:blip r:embed="rId3">
-            <a:extLst>
-              <a:ext uri="{28A0092B-C50C-407E-A947-70E740481C1C}">
-                <a14:useLocalDpi xmlns:a14="http://schemas.microsoft.com/office/drawing/2010/main" xmlns="" val="0"/>
-              </a:ext>
-            </a:extLst>
-          </a:blip>
-          <a:srcRect/>
-          <a:stretch>
-            <a:fillRect/>
-          </a:stretch>
-        </p:blipFill>
-        <p:spPr bwMode="auto">
-          <a:xfrm>
-            <a:off x="5142025" y="3056758"/>
-            <a:ext cx="2476191" cy="2809524"/>
-          </a:xfrm>
-          <a:prstGeom prst="rect">
-            <a:avLst/>
-          </a:prstGeom>
-          <a:noFill/>
-          <a:extLst>
-            <a:ext uri="{909E8E84-426E-40DD-AFC4-6F175D3DCCD1}">
-              <a14:hiddenFill xmlns:a14="http://schemas.microsoft.com/office/drawing/2010/main" xmlns="">
-                <a:solidFill>
-                  <a:srgbClr val="FFFFFF"/>
-                </a:solidFill>
-              </a14:hiddenFill>
-            </a:ext>
-          </a:extLst>
-        </p:spPr>
-      </p:pic>
     </p:spTree>
     <p:extLst>
       <p:ext uri="{BB962C8B-B14F-4D97-AF65-F5344CB8AC3E}">
-        <p14:creationId xmlns:p14="http://schemas.microsoft.com/office/powerpoint/2010/main" xmlns="" val="1421005073"/>
+        <p14:creationId xmlns:p14="http://schemas.microsoft.com/office/powerpoint/2010/main" val="3627931269"/>
       </p:ext>
     </p:extLst>
   </p:cSld>
@@ -3978,8 +3957,30 @@
           <a:lstStyle/>
           <a:p>
             <a:r>
-              <a:rPr lang="zh-CN" altLang="en-US" dirty="0" smtClean="0"/>
-              <a:t>引擎扩展：分布式数据加载</a:t>
+              <a:rPr lang="zh-CN" altLang="en-US" dirty="0"/>
+              <a:t>引擎扩展：列内存存储</a:t>
+            </a:r>
+          </a:p>
+        </p:txBody>
+      </p:sp>
+      <p:sp>
+        <p:nvSpPr>
+          <p:cNvPr id="3" name="内容占位符 2"/>
+          <p:cNvSpPr>
+            <a:spLocks noGrp="1"/>
+          </p:cNvSpPr>
+          <p:nvPr>
+            <p:ph sz="half" idx="1"/>
+          </p:nvPr>
+        </p:nvSpPr>
+        <p:spPr/>
+        <p:txBody>
+          <a:bodyPr/>
+          <a:lstStyle/>
+          <a:p>
+            <a:r>
+              <a:rPr lang="zh-CN" altLang="en-US" dirty="0" smtClean="0"/>
+              <a:t>行存储和列存储</a:t>
             </a:r>
             <a:endParaRPr lang="zh-CN" altLang="en-US" dirty="0"/>
           </a:p>
@@ -3987,155 +3988,161 @@
       </p:sp>
       <p:sp>
         <p:nvSpPr>
-          <p:cNvPr id="3" name="内容占位符 2"/>
-          <p:cNvSpPr>
-            <a:spLocks noGrp="1"/>
-          </p:cNvSpPr>
-          <p:nvPr>
-            <p:ph idx="1"/>
+          <p:cNvPr id="4" name="内容占位符 3"/>
+          <p:cNvSpPr>
+            <a:spLocks noGrp="1"/>
+          </p:cNvSpPr>
+          <p:nvPr>
+            <p:ph sz="half" idx="2"/>
           </p:nvPr>
         </p:nvSpPr>
         <p:spPr/>
         <p:txBody>
-          <a:bodyPr>
-            <a:normAutofit fontScale="77500" lnSpcReduction="20000"/>
-          </a:bodyPr>
-          <a:lstStyle/>
-          <a:p>
-            <a:r>
-              <a:rPr lang="zh-CN" altLang="en-US" dirty="0" smtClean="0"/>
-              <a:t>依赖于</a:t>
-            </a:r>
-            <a:r>
-              <a:rPr lang="en-US" altLang="zh-CN" dirty="0" smtClean="0"/>
-              <a:t>Spark</a:t>
-            </a:r>
-            <a:r>
-              <a:rPr lang="zh-CN" altLang="en-US" dirty="0" smtClean="0"/>
-              <a:t>，</a:t>
-            </a:r>
-            <a:r>
-              <a:rPr lang="en-US" altLang="zh-CN" dirty="0" smtClean="0"/>
-              <a:t>Shark</a:t>
-            </a:r>
-            <a:r>
-              <a:rPr lang="zh-CN" altLang="en-US" dirty="0" smtClean="0"/>
-              <a:t>完成分布式的数据加载，大致过程：</a:t>
-            </a:r>
-            <a:r>
-              <a:rPr lang="en-US" altLang="zh-CN" dirty="0" smtClean="0"/>
-              <a:t/>
-            </a:r>
-            <a:br>
-              <a:rPr lang="en-US" altLang="zh-CN" dirty="0" smtClean="0"/>
-            </a:br>
-            <a:r>
-              <a:rPr lang="zh-CN" altLang="en-US" dirty="0" smtClean="0"/>
-              <a:t>一个表被划分到多个小的分区，每个分区都有一个</a:t>
-            </a:r>
-            <a:r>
-              <a:rPr lang="en-US" altLang="zh-CN" dirty="0" smtClean="0"/>
-              <a:t>Spark</a:t>
-            </a:r>
-            <a:r>
-              <a:rPr lang="zh-CN" altLang="en-US" dirty="0" smtClean="0"/>
-              <a:t>任务负责，加载任务按照“数据视图”从数据行中提取独立字段，然后将分区数据整理为列存储形式，最后存储到内存。</a:t>
-            </a:r>
-            <a:endParaRPr lang="en-US" altLang="zh-CN" dirty="0" smtClean="0"/>
-          </a:p>
-          <a:p>
-            <a:r>
-              <a:rPr lang="zh-CN" altLang="en-US" dirty="0" smtClean="0"/>
-              <a:t>说明：每个数据加载任务跟踪“元数据（</a:t>
+          <a:bodyPr/>
+          <a:lstStyle/>
+          <a:p>
+            <a:r>
+              <a:rPr lang="zh-CN" altLang="en-US" dirty="0"/>
+              <a:t>行程长度压缩算法 </a:t>
+            </a:r>
+            <a:r>
+              <a:rPr lang="en-US" altLang="zh-CN" i="1" dirty="0"/>
+              <a:t>Run-Length</a:t>
             </a:r>
             <a:r>
               <a:rPr lang="en-US" altLang="zh-CN" dirty="0"/>
-              <a:t>metadata</a:t>
-            </a:r>
-            <a:r>
-              <a:rPr lang="zh-CN" altLang="en-US" dirty="0" smtClean="0"/>
-              <a:t>）”，决定分区内的数据是否应该压缩，每个任务可以选择适合自己数据的最好压缩方式（局部最优达到全局最优</a:t>
-            </a:r>
-            <a:r>
-              <a:rPr lang="en-US" altLang="zh-CN" dirty="0" smtClean="0"/>
-              <a:t>~~</a:t>
-            </a:r>
-            <a:r>
-              <a:rPr lang="zh-CN" altLang="en-US" dirty="0" smtClean="0"/>
-              <a:t>）。</a:t>
-            </a:r>
-            <a:r>
-              <a:rPr lang="en-US" altLang="zh-CN" dirty="0" smtClean="0"/>
-              <a:t/>
-            </a:r>
-            <a:br>
-              <a:rPr lang="en-US" altLang="zh-CN" dirty="0" smtClean="0"/>
-            </a:br>
-            <a:r>
-              <a:rPr lang="zh-CN" altLang="en-US" dirty="0" smtClean="0"/>
-              <a:t>允许数据加载阶段达到最大并行度（前面提到的并行度只涉及</a:t>
-            </a:r>
-            <a:r>
-              <a:rPr lang="en-US" altLang="zh-CN" dirty="0" smtClean="0"/>
-              <a:t>reducer</a:t>
-            </a:r>
-            <a:r>
-              <a:rPr lang="zh-CN" altLang="en-US" dirty="0" smtClean="0"/>
-              <a:t>）。</a:t>
-            </a:r>
-            <a:r>
-              <a:rPr lang="en-US" altLang="zh-CN" dirty="0" smtClean="0"/>
-              <a:t/>
-            </a:r>
-            <a:br>
-              <a:rPr lang="en-US" altLang="zh-CN" dirty="0" smtClean="0"/>
-            </a:br>
-            <a:r>
-              <a:rPr lang="en-US" altLang="zh-CN" dirty="0" smtClean="0"/>
-              <a:t>RDD</a:t>
-            </a:r>
-            <a:r>
-              <a:rPr lang="zh-CN" altLang="en-US" dirty="0" smtClean="0"/>
-              <a:t>的</a:t>
-            </a:r>
-            <a:r>
-              <a:rPr lang="en-US" altLang="zh-CN" dirty="0" smtClean="0"/>
-              <a:t>lineage</a:t>
-            </a:r>
-            <a:r>
-              <a:rPr lang="zh-CN" altLang="en-US" dirty="0" smtClean="0"/>
-              <a:t>不会包含分区的压缩视图和元数据信息，这些信息只是</a:t>
-            </a:r>
-            <a:r>
-              <a:rPr lang="en-US" altLang="zh-CN" dirty="0" smtClean="0"/>
-              <a:t>RDD</a:t>
-            </a:r>
-            <a:r>
-              <a:rPr lang="zh-CN" altLang="en-US" dirty="0" smtClean="0"/>
-              <a:t>计算过程的副产品，假如该信息丢失，可以利用</a:t>
-            </a:r>
-            <a:r>
-              <a:rPr lang="en-US" altLang="zh-CN" dirty="0" smtClean="0"/>
-              <a:t>RDD</a:t>
-            </a:r>
-            <a:r>
-              <a:rPr lang="zh-CN" altLang="en-US" dirty="0" smtClean="0"/>
-              <a:t>容错机制快速重新计算。</a:t>
-            </a:r>
+              <a:t> </a:t>
+            </a:r>
+            <a:r>
+              <a:rPr lang="en-US" altLang="zh-CN" i="1" dirty="0"/>
+              <a:t>Encoding</a:t>
+            </a:r>
+            <a:r>
+              <a:rPr lang="en-US" altLang="zh-CN" dirty="0"/>
+              <a:t>(RLE</a:t>
+            </a:r>
+            <a:r>
+              <a:rPr lang="en-US" altLang="zh-CN" dirty="0" smtClean="0"/>
+              <a:t>)</a:t>
+            </a:r>
+          </a:p>
+          <a:p>
             <a:endParaRPr lang="zh-CN" altLang="en-US" dirty="0"/>
           </a:p>
         </p:txBody>
       </p:sp>
+      <p:pic>
+        <p:nvPicPr>
+          <p:cNvPr id="1028" name="Picture 4"/>
+          <p:cNvPicPr>
+            <a:picLocks noChangeAspect="1" noChangeArrowheads="1"/>
+          </p:cNvPicPr>
+          <p:nvPr/>
+        </p:nvPicPr>
+        <p:blipFill>
+          <a:blip r:embed="rId2">
+            <a:extLst>
+              <a:ext uri="{28A0092B-C50C-407E-A947-70E740481C1C}">
+                <a14:useLocalDpi xmlns:a14="http://schemas.microsoft.com/office/drawing/2010/main" val="0"/>
+              </a:ext>
+            </a:extLst>
+          </a:blip>
+          <a:srcRect/>
+          <a:stretch>
+            <a:fillRect/>
+          </a:stretch>
+        </p:blipFill>
+        <p:spPr bwMode="auto">
+          <a:xfrm>
+            <a:off x="611560" y="2708920"/>
+            <a:ext cx="3571875" cy="1752600"/>
+          </a:xfrm>
+          <a:prstGeom prst="rect">
+            <a:avLst/>
+          </a:prstGeom>
+          <a:noFill/>
+          <a:ln>
+            <a:noFill/>
+          </a:ln>
+          <a:extLst>
+            <a:ext uri="{909E8E84-426E-40DD-AFC4-6F175D3DCCD1}">
+              <a14:hiddenFill xmlns:a14="http://schemas.microsoft.com/office/drawing/2010/main">
+                <a:solidFill>
+                  <a:schemeClr val="accent1"/>
+                </a:solidFill>
+              </a14:hiddenFill>
+            </a:ext>
+            <a:ext uri="{91240B29-F687-4F45-9708-019B960494DF}">
+              <a14:hiddenLine xmlns:a14="http://schemas.microsoft.com/office/drawing/2010/main" w="9525">
+                <a:solidFill>
+                  <a:schemeClr val="tx1"/>
+                </a:solidFill>
+                <a:miter lim="800000"/>
+                <a:headEnd/>
+                <a:tailEnd/>
+              </a14:hiddenLine>
+            </a:ext>
+          </a:extLst>
+        </p:spPr>
+      </p:pic>
+      <p:pic>
+        <p:nvPicPr>
+          <p:cNvPr id="1029" name="Picture 5" descr="C:\Users\SH\Desktop\48c95a19gd01a24ab4d0b&amp;690.png"/>
+          <p:cNvPicPr>
+            <a:picLocks noChangeAspect="1" noChangeArrowheads="1"/>
+          </p:cNvPicPr>
+          <p:nvPr/>
+        </p:nvPicPr>
+        <p:blipFill>
+          <a:blip r:embed="rId3">
+            <a:extLst>
+              <a:ext uri="{28A0092B-C50C-407E-A947-70E740481C1C}">
+                <a14:useLocalDpi xmlns:a14="http://schemas.microsoft.com/office/drawing/2010/main" val="0"/>
+              </a:ext>
+            </a:extLst>
+          </a:blip>
+          <a:srcRect/>
+          <a:stretch>
+            <a:fillRect/>
+          </a:stretch>
+        </p:blipFill>
+        <p:spPr bwMode="auto">
+          <a:xfrm>
+            <a:off x="5142025" y="3056758"/>
+            <a:ext cx="2476191" cy="2809524"/>
+          </a:xfrm>
+          <a:prstGeom prst="rect">
+            <a:avLst/>
+          </a:prstGeom>
+          <a:noFill/>
+          <a:extLst>
+            <a:ext uri="{909E8E84-426E-40DD-AFC4-6F175D3DCCD1}">
+              <a14:hiddenFill xmlns:a14="http://schemas.microsoft.com/office/drawing/2010/main">
+                <a:solidFill>
+                  <a:srgbClr val="FFFFFF"/>
+                </a:solidFill>
+              </a14:hiddenFill>
+            </a:ext>
+          </a:extLst>
+        </p:spPr>
+      </p:pic>
     </p:spTree>
     <p:extLst>
       <p:ext uri="{BB962C8B-B14F-4D97-AF65-F5344CB8AC3E}">
-        <p14:creationId xmlns:p14="http://schemas.microsoft.com/office/powerpoint/2010/main" xmlns="" val="1024016400"/>
+        <p14:creationId xmlns:p14="http://schemas.microsoft.com/office/powerpoint/2010/main" val="1421005073"/>
       </p:ext>
     </p:extLst>
   </p:cSld>
   <p:clrMapOvr>
     <a:masterClrMapping/>
   </p:clrMapOvr>
+  <p:timing>
+    <p:tnLst>
+      <p:par>
+        <p:cTn id="1" dur="indefinite" restart="never" nodeType="tmRoot"/>
+      </p:par>
+    </p:tnLst>
+  </p:timing>
 </p:sld>
 </file>
 
@@ -4172,12 +4179,8 @@
           <a:lstStyle/>
           <a:p>
             <a:r>
-              <a:rPr lang="zh-CN" altLang="en-US" dirty="0"/>
-              <a:t>引擎扩展</a:t>
-            </a:r>
-            <a:r>
-              <a:rPr lang="zh-CN" altLang="en-US" dirty="0" smtClean="0"/>
-              <a:t>：数据协作分区</a:t>
+              <a:rPr lang="zh-CN" altLang="en-US" dirty="0" smtClean="0"/>
+              <a:t>引擎扩展：分布式数据加载</a:t>
             </a:r>
             <a:endParaRPr lang="zh-CN" altLang="en-US" dirty="0"/>
           </a:p>
@@ -4195,348 +4198,145 @@
         </p:nvSpPr>
         <p:spPr/>
         <p:txBody>
-          <a:bodyPr/>
-          <a:lstStyle/>
-          <a:p>
-            <a:r>
-              <a:rPr lang="en-US" altLang="zh-CN" sz="2400" dirty="0" smtClean="0"/>
-              <a:t>MPP</a:t>
-            </a:r>
-            <a:r>
-              <a:rPr lang="zh-CN" altLang="en-US" sz="2400" dirty="0" smtClean="0"/>
-              <a:t>协同分区方式：数据加载过程，基于</a:t>
-            </a:r>
-            <a:r>
-              <a:rPr lang="en-US" altLang="zh-CN" sz="2400" dirty="0" smtClean="0">
-                <a:solidFill>
-                  <a:srgbClr val="FF0000"/>
-                </a:solidFill>
-              </a:rPr>
-              <a:t>join key</a:t>
-            </a:r>
-            <a:r>
-              <a:rPr lang="zh-CN" altLang="en-US" sz="2400" dirty="0" smtClean="0"/>
-              <a:t>进行协同分区</a:t>
-            </a:r>
-            <a:r>
-              <a:rPr lang="zh-CN" altLang="en-US" sz="2400" dirty="0" smtClean="0"/>
-              <a:t>两个</a:t>
-            </a:r>
-            <a:r>
-              <a:rPr lang="zh-CN" altLang="en-US" sz="2400" dirty="0" smtClean="0"/>
-              <a:t>表。</a:t>
-            </a:r>
-            <a:endParaRPr lang="en-US" altLang="zh-CN" sz="2400" dirty="0" smtClean="0"/>
-          </a:p>
-          <a:p>
-            <a:r>
-              <a:rPr lang="en-US" altLang="zh-CN" sz="2400" dirty="0" smtClean="0"/>
+          <a:bodyPr>
+            <a:normAutofit fontScale="77500" lnSpcReduction="20000"/>
+          </a:bodyPr>
+          <a:lstStyle/>
+          <a:p>
+            <a:r>
+              <a:rPr lang="zh-CN" altLang="en-US" dirty="0" smtClean="0"/>
+              <a:t>依赖于</a:t>
+            </a:r>
+            <a:r>
+              <a:rPr lang="en-US" altLang="zh-CN" dirty="0" smtClean="0"/>
+              <a:t>Spark</a:t>
+            </a:r>
+            <a:r>
+              <a:rPr lang="zh-CN" altLang="en-US" dirty="0" smtClean="0"/>
+              <a:t>，</a:t>
+            </a:r>
+            <a:r>
+              <a:rPr lang="en-US" altLang="zh-CN" dirty="0" smtClean="0"/>
               <a:t>Shark</a:t>
             </a:r>
             <a:r>
-              <a:rPr lang="zh-CN" altLang="en-US" sz="2400" dirty="0" smtClean="0"/>
-              <a:t>协同分区方式：基于</a:t>
-            </a:r>
-            <a:r>
-              <a:rPr lang="en-US" altLang="zh-CN" sz="2400" dirty="0" smtClean="0">
-                <a:solidFill>
-                  <a:srgbClr val="FF0000"/>
-                </a:solidFill>
-              </a:rPr>
-              <a:t>common key</a:t>
-            </a:r>
-            <a:r>
-              <a:rPr lang="zh-CN" altLang="en-US" sz="2400" dirty="0" smtClean="0"/>
-              <a:t>协同分区两个表。</a:t>
-            </a:r>
-            <a:r>
-              <a:rPr lang="en-US" altLang="zh-CN" sz="2400" dirty="0" smtClean="0"/>
+              <a:rPr lang="zh-CN" altLang="en-US" dirty="0" smtClean="0"/>
+              <a:t>完成分布式的数据加载，大致过程：</a:t>
+            </a:r>
+            <a:r>
+              <a:rPr lang="en-US" altLang="zh-CN" dirty="0" smtClean="0"/>
               <a:t/>
             </a:r>
             <a:br>
-              <a:rPr lang="en-US" altLang="zh-CN" sz="2400" dirty="0" smtClean="0"/>
+              <a:rPr lang="en-US" altLang="zh-CN" dirty="0" smtClean="0"/>
             </a:br>
             <a:r>
-              <a:rPr lang="zh-CN" altLang="en-US" sz="2400" dirty="0" smtClean="0"/>
-              <a:t>当协同分区两个表时，</a:t>
-            </a:r>
-            <a:r>
-              <a:rPr lang="en-US" altLang="zh-CN" sz="2400" dirty="0" smtClean="0"/>
-              <a:t>Shark</a:t>
-            </a:r>
-            <a:r>
-              <a:rPr lang="zh-CN" altLang="en-US" sz="2400" dirty="0" smtClean="0"/>
-              <a:t>的优化器构建</a:t>
-            </a:r>
-            <a:r>
-              <a:rPr lang="en-US" altLang="zh-CN" sz="2400" dirty="0" smtClean="0"/>
-              <a:t>DAG</a:t>
-            </a:r>
-            <a:r>
-              <a:rPr lang="zh-CN" altLang="en-US" sz="2400" dirty="0" smtClean="0"/>
-              <a:t>，（</a:t>
-            </a:r>
-            <a:r>
-              <a:rPr lang="en-US" altLang="zh-CN" sz="2400" dirty="0" smtClean="0"/>
-              <a:t>1</a:t>
-            </a:r>
-            <a:r>
-              <a:rPr lang="zh-CN" altLang="en-US" sz="2400" dirty="0" smtClean="0"/>
-              <a:t>）避免</a:t>
-            </a:r>
-            <a:r>
-              <a:rPr lang="en-US" altLang="zh-CN" sz="2400" dirty="0" smtClean="0"/>
-              <a:t>shuffle</a:t>
-            </a:r>
-            <a:r>
-              <a:rPr lang="zh-CN" altLang="en-US" sz="2400" dirty="0" smtClean="0"/>
-              <a:t>过程；（</a:t>
-            </a:r>
-            <a:r>
-              <a:rPr lang="en-US" altLang="zh-CN" sz="2400" dirty="0" smtClean="0"/>
-              <a:t>2</a:t>
-            </a:r>
-            <a:r>
-              <a:rPr lang="zh-CN" altLang="en-US" sz="2400" dirty="0" smtClean="0"/>
-              <a:t>）使用</a:t>
-            </a:r>
-            <a:r>
-              <a:rPr lang="en-US" altLang="zh-CN" sz="2400" dirty="0" smtClean="0"/>
-              <a:t>map</a:t>
-            </a:r>
-            <a:r>
-              <a:rPr lang="zh-CN" altLang="en-US" sz="2400" dirty="0" smtClean="0"/>
-              <a:t>任务执行</a:t>
-            </a:r>
-            <a:r>
-              <a:rPr lang="en-US" altLang="zh-CN" sz="2400" dirty="0" smtClean="0"/>
-              <a:t>join</a:t>
-            </a:r>
-            <a:r>
-              <a:rPr lang="zh-CN" altLang="en-US" sz="2400" dirty="0" smtClean="0"/>
-              <a:t>。</a:t>
-            </a:r>
-            <a:endParaRPr lang="en-US" altLang="zh-CN" sz="2400" dirty="0" smtClean="0"/>
-          </a:p>
-          <a:p>
-            <a:r>
-              <a:rPr lang="zh-CN" altLang="en-US" sz="2400" dirty="0" smtClean="0">
-                <a:solidFill>
-                  <a:srgbClr val="FF0000"/>
-                </a:solidFill>
-              </a:rPr>
-              <a:t>这里添加两个表的字段描述，以及普通</a:t>
-            </a:r>
-            <a:r>
-              <a:rPr lang="en-US" altLang="zh-CN" sz="2400" dirty="0" err="1" smtClean="0">
-                <a:solidFill>
-                  <a:srgbClr val="FF0000"/>
-                </a:solidFill>
-              </a:rPr>
-              <a:t>sql</a:t>
-            </a:r>
-            <a:r>
-              <a:rPr lang="en-US" altLang="zh-CN" sz="2400" dirty="0" smtClean="0">
-                <a:solidFill>
-                  <a:srgbClr val="FF0000"/>
-                </a:solidFill>
-              </a:rPr>
-              <a:t> </a:t>
-            </a:r>
-            <a:r>
-              <a:rPr lang="zh-CN" altLang="en-US" sz="2400" dirty="0" smtClean="0">
-                <a:solidFill>
-                  <a:srgbClr val="FF0000"/>
-                </a:solidFill>
-              </a:rPr>
+              <a:rPr lang="zh-CN" altLang="en-US" dirty="0" smtClean="0"/>
+              <a:t>一个表被划分到多个小的分区，每个分区都有一个</a:t>
+            </a:r>
+            <a:r>
+              <a:rPr lang="en-US" altLang="zh-CN" dirty="0" smtClean="0"/>
+              <a:t>Spark</a:t>
+            </a:r>
+            <a:r>
+              <a:rPr lang="zh-CN" altLang="en-US" dirty="0" smtClean="0"/>
+              <a:t>任务负责，加载任务按照“数据视图”从数据行中提取独立字段，然后将分区数据整理为列存储形式，最后存储到内存。</a:t>
+            </a:r>
+            <a:endParaRPr lang="en-US" altLang="zh-CN" dirty="0" smtClean="0"/>
+          </a:p>
+          <a:p>
+            <a:r>
+              <a:rPr lang="zh-CN" altLang="en-US" dirty="0" smtClean="0"/>
+              <a:t>说明：每个数据加载任务跟踪“元数据（</a:t>
+            </a:r>
+            <a:r>
+              <a:rPr lang="en-US" altLang="zh-CN" dirty="0"/>
+              <a:t>metadata</a:t>
+            </a:r>
+            <a:r>
+              <a:rPr lang="zh-CN" altLang="en-US" dirty="0" smtClean="0"/>
+              <a:t>）”，决定分区内的数据是否应该压缩，每个任务可以选择适合自己数据的最好压缩方式（局部最优达到全局最优</a:t>
+            </a:r>
+            <a:r>
+              <a:rPr lang="en-US" altLang="zh-CN" dirty="0" smtClean="0"/>
+              <a:t>~~</a:t>
+            </a:r>
+            <a:r>
+              <a:rPr lang="zh-CN" altLang="en-US" dirty="0" smtClean="0"/>
+              <a:t>）。</a:t>
+            </a:r>
+            <a:r>
+              <a:rPr lang="en-US" altLang="zh-CN" dirty="0" smtClean="0"/>
+              <a:t/>
+            </a:r>
+            <a:br>
+              <a:rPr lang="en-US" altLang="zh-CN" dirty="0" smtClean="0"/>
+            </a:br>
+            <a:r>
+              <a:rPr lang="zh-CN" altLang="en-US" dirty="0" smtClean="0"/>
+              <a:t>允许数据加载阶段达到最大并行度（前面提到的并行度只涉及</a:t>
+            </a:r>
+            <a:r>
+              <a:rPr lang="en-US" altLang="zh-CN" dirty="0" smtClean="0"/>
+              <a:t>reducer</a:t>
+            </a:r>
+            <a:r>
+              <a:rPr lang="zh-CN" altLang="en-US" dirty="0" smtClean="0"/>
+              <a:t>）。</a:t>
+            </a:r>
+            <a:r>
+              <a:rPr lang="en-US" altLang="zh-CN" dirty="0" smtClean="0"/>
+              <a:t/>
+            </a:r>
+            <a:br>
+              <a:rPr lang="en-US" altLang="zh-CN" dirty="0" smtClean="0"/>
+            </a:br>
+            <a:r>
+              <a:rPr lang="en-US" altLang="zh-CN" dirty="0" smtClean="0"/>
+              <a:t>RDD</a:t>
+            </a:r>
+            <a:r>
+              <a:rPr lang="zh-CN" altLang="en-US" dirty="0" smtClean="0"/>
               <a:t>的</a:t>
             </a:r>
             <a:r>
-              <a:rPr lang="en-US" altLang="zh-CN" sz="2400" dirty="0" smtClean="0">
-                <a:solidFill>
-                  <a:srgbClr val="FF0000"/>
-                </a:solidFill>
-              </a:rPr>
-              <a:t>join</a:t>
-            </a:r>
-            <a:r>
-              <a:rPr lang="zh-CN" altLang="en-US" sz="2400" dirty="0" smtClean="0">
-                <a:solidFill>
-                  <a:srgbClr val="FF0000"/>
-                </a:solidFill>
-              </a:rPr>
-              <a:t>语句。</a:t>
-            </a:r>
-            <a:endParaRPr lang="en-US" altLang="zh-CN" sz="2400" dirty="0" smtClean="0">
-              <a:solidFill>
-                <a:srgbClr val="FF0000"/>
-              </a:solidFill>
-            </a:endParaRPr>
-          </a:p>
-          <a:p>
+              <a:rPr lang="en-US" altLang="zh-CN" dirty="0" smtClean="0"/>
+              <a:t>lineage</a:t>
+            </a:r>
+            <a:r>
+              <a:rPr lang="zh-CN" altLang="en-US" dirty="0" smtClean="0"/>
+              <a:t>不会包含分区的压缩视图和元数据信息，这些信息只是</a:t>
+            </a:r>
+            <a:r>
+              <a:rPr lang="en-US" altLang="zh-CN" dirty="0" smtClean="0"/>
+              <a:t>RDD</a:t>
+            </a:r>
+            <a:r>
+              <a:rPr lang="zh-CN" altLang="en-US" dirty="0" smtClean="0"/>
+              <a:t>计算过程的副产品，假如该信息丢失，可以利用</a:t>
+            </a:r>
+            <a:r>
+              <a:rPr lang="en-US" altLang="zh-CN" dirty="0" smtClean="0"/>
+              <a:t>RDD</a:t>
+            </a:r>
+            <a:r>
+              <a:rPr lang="zh-CN" altLang="en-US" dirty="0" smtClean="0"/>
+              <a:t>容错机制快速重新计算。</a:t>
+            </a:r>
             <a:endParaRPr lang="zh-CN" altLang="en-US" dirty="0"/>
-          </a:p>
-        </p:txBody>
-      </p:sp>
-      <p:sp>
-        <p:nvSpPr>
-          <p:cNvPr id="5" name="TextBox 4"/>
-          <p:cNvSpPr txBox="1"/>
-          <p:nvPr/>
-        </p:nvSpPr>
-        <p:spPr>
-          <a:xfrm>
-            <a:off x="285720" y="4000504"/>
-            <a:ext cx="8501122" cy="1938992"/>
-          </a:xfrm>
-          <a:prstGeom prst="rect">
-            <a:avLst/>
-          </a:prstGeom>
-          <a:noFill/>
-        </p:spPr>
-        <p:txBody>
-          <a:bodyPr wrap="square" rtlCol="0">
-            <a:spAutoFit/>
-          </a:bodyPr>
-          <a:lstStyle/>
-          <a:p>
-            <a:r>
-              <a:rPr lang="en-US" altLang="zh-CN" sz="2400" dirty="0" smtClean="0"/>
-              <a:t>CREATE TABLE </a:t>
-            </a:r>
-            <a:r>
-              <a:rPr lang="en-US" altLang="zh-CN" sz="2400" dirty="0" err="1" smtClean="0"/>
-              <a:t>l_mem</a:t>
-            </a:r>
-            <a:r>
-              <a:rPr lang="en-US" altLang="zh-CN" sz="2400" dirty="0" smtClean="0"/>
-              <a:t> </a:t>
-            </a:r>
-            <a:r>
-              <a:rPr lang="en-US" altLang="zh-CN" sz="2400" b="1" dirty="0" smtClean="0"/>
-              <a:t>TBLPROPERTIES</a:t>
-            </a:r>
-            <a:r>
-              <a:rPr lang="en-US" altLang="zh-CN" sz="2400" dirty="0" smtClean="0"/>
-              <a:t> ("</a:t>
-            </a:r>
-            <a:r>
-              <a:rPr lang="en-US" altLang="zh-CN" sz="2400" dirty="0" err="1" smtClean="0"/>
-              <a:t>shark.cache</a:t>
-            </a:r>
-            <a:r>
-              <a:rPr lang="en-US" altLang="zh-CN" sz="2400" dirty="0" smtClean="0"/>
-              <a:t>"=true)</a:t>
-            </a:r>
-          </a:p>
-          <a:p>
-            <a:r>
-              <a:rPr lang="en-US" altLang="zh-CN" sz="2400" dirty="0" smtClean="0"/>
-              <a:t>      AS </a:t>
-            </a:r>
-            <a:r>
-              <a:rPr lang="en-US" altLang="zh-CN" sz="2400" dirty="0" smtClean="0"/>
-              <a:t>SELECT * FROM </a:t>
-            </a:r>
-            <a:r>
-              <a:rPr lang="en-US" altLang="zh-CN" sz="2400" dirty="0" err="1" smtClean="0"/>
-              <a:t>lineitem</a:t>
-            </a:r>
-            <a:r>
-              <a:rPr lang="en-US" altLang="zh-CN" sz="2400" dirty="0" smtClean="0"/>
-              <a:t> DISTRIBUTE BY L_ORDERKEY;</a:t>
-            </a:r>
-          </a:p>
-          <a:p>
-            <a:r>
-              <a:rPr lang="en-US" altLang="zh-CN" sz="2400" dirty="0" smtClean="0"/>
-              <a:t>CREATE TABLE </a:t>
-            </a:r>
-            <a:r>
-              <a:rPr lang="en-US" altLang="zh-CN" sz="2400" dirty="0" err="1" smtClean="0"/>
-              <a:t>o_mem</a:t>
-            </a:r>
-            <a:r>
-              <a:rPr lang="en-US" altLang="zh-CN" sz="2400" dirty="0" smtClean="0"/>
-              <a:t> </a:t>
-            </a:r>
-            <a:r>
-              <a:rPr lang="en-US" altLang="zh-CN" sz="2400" b="1" dirty="0" smtClean="0"/>
-              <a:t>TBLPROPERTIES</a:t>
-            </a:r>
-            <a:r>
-              <a:rPr lang="en-US" altLang="zh-CN" sz="2400" dirty="0" smtClean="0"/>
-              <a:t> (</a:t>
-            </a:r>
-          </a:p>
-          <a:p>
-            <a:r>
-              <a:rPr lang="en-US" altLang="zh-CN" sz="2400" dirty="0" smtClean="0"/>
-              <a:t>      "</a:t>
-            </a:r>
-            <a:r>
-              <a:rPr lang="en-US" altLang="zh-CN" sz="2400" dirty="0" err="1" smtClean="0"/>
-              <a:t>shark.cache</a:t>
-            </a:r>
-            <a:r>
-              <a:rPr lang="en-US" altLang="zh-CN" sz="2400" dirty="0" smtClean="0"/>
-              <a:t>"=true, "</a:t>
-            </a:r>
-            <a:r>
-              <a:rPr lang="en-US" altLang="zh-CN" sz="2400" dirty="0" err="1" smtClean="0"/>
-              <a:t>copartition</a:t>
-            </a:r>
-            <a:r>
-              <a:rPr lang="en-US" altLang="zh-CN" sz="2400" dirty="0" smtClean="0"/>
-              <a:t>"="</a:t>
-            </a:r>
-            <a:r>
-              <a:rPr lang="en-US" altLang="zh-CN" sz="2400" dirty="0" err="1" smtClean="0"/>
-              <a:t>l_mem</a:t>
-            </a:r>
-            <a:r>
-              <a:rPr lang="en-US" altLang="zh-CN" sz="2400" dirty="0" smtClean="0"/>
-              <a:t>")</a:t>
-            </a:r>
-          </a:p>
-          <a:p>
-            <a:r>
-              <a:rPr lang="en-US" altLang="zh-CN" sz="2400" dirty="0" smtClean="0"/>
-              <a:t>      AS </a:t>
-            </a:r>
-            <a:r>
-              <a:rPr lang="en-US" altLang="zh-CN" sz="2400" dirty="0" smtClean="0"/>
-              <a:t>SELECT * FROM order </a:t>
-            </a:r>
-            <a:r>
-              <a:rPr lang="en-US" altLang="zh-CN" sz="2400" b="1" dirty="0" smtClean="0"/>
-              <a:t>DISTRIBUTE BY </a:t>
-            </a:r>
-            <a:r>
-              <a:rPr lang="en-US" altLang="zh-CN" sz="2400" dirty="0" smtClean="0"/>
-              <a:t>O_ORDERKEY;</a:t>
-            </a:r>
-            <a:endParaRPr lang="zh-CN" altLang="en-US" sz="2400" dirty="0"/>
           </a:p>
         </p:txBody>
       </p:sp>
     </p:spTree>
     <p:extLst>
       <p:ext uri="{BB962C8B-B14F-4D97-AF65-F5344CB8AC3E}">
-        <p14:creationId xmlns:p14="http://schemas.microsoft.com/office/powerpoint/2010/main" xmlns="" val="1353526556"/>
+        <p14:creationId xmlns:p14="http://schemas.microsoft.com/office/powerpoint/2010/main" val="1024016400"/>
       </p:ext>
     </p:extLst>
   </p:cSld>
   <p:clrMapOvr>
     <a:masterClrMapping/>
   </p:clrMapOvr>
-  <p:timing>
-    <p:tnLst>
-      <p:par>
-        <p:cTn id="1" dur="indefinite" restart="never" nodeType="tmRoot"/>
-      </p:par>
-    </p:tnLst>
-  </p:timing>
 </p:sld>
 </file>
 
@@ -4573,16 +4373,12 @@
           <a:lstStyle/>
           <a:p>
             <a:r>
-              <a:rPr lang="zh-CN" altLang="en-US" dirty="0" smtClean="0"/>
-              <a:t>引擎扩展：分区统计和</a:t>
-            </a:r>
-            <a:r>
-              <a:rPr lang="en-US" altLang="zh-CN" dirty="0" smtClean="0"/>
-              <a:t>Map</a:t>
-            </a:r>
-            <a:r>
-              <a:rPr lang="zh-CN" altLang="en-US" dirty="0" smtClean="0"/>
-              <a:t>裁剪</a:t>
+              <a:rPr lang="zh-CN" altLang="en-US" dirty="0"/>
+              <a:t>引擎扩展</a:t>
+            </a:r>
+            <a:r>
+              <a:rPr lang="zh-CN" altLang="en-US" dirty="0" smtClean="0"/>
+              <a:t>：数据协作分区</a:t>
             </a:r>
             <a:endParaRPr lang="zh-CN" altLang="en-US" dirty="0"/>
           </a:p>
@@ -4600,109 +4396,332 @@
         </p:nvSpPr>
         <p:spPr/>
         <p:txBody>
-          <a:bodyPr>
-            <a:normAutofit fontScale="77500" lnSpcReduction="20000"/>
-          </a:bodyPr>
-          <a:lstStyle/>
-          <a:p>
-            <a:r>
-              <a:rPr lang="en-US" altLang="zh-CN" dirty="0" smtClean="0"/>
-              <a:t>Map</a:t>
-            </a:r>
-            <a:r>
-              <a:rPr lang="zh-CN" altLang="en-US" dirty="0" smtClean="0"/>
-              <a:t>裁剪：基于数据分区的</a:t>
-            </a:r>
-            <a:r>
-              <a:rPr lang="zh-CN" altLang="en-US" b="1" dirty="0" smtClean="0"/>
-              <a:t>自然列簇</a:t>
-            </a:r>
-            <a:r>
-              <a:rPr lang="zh-CN" altLang="en-US" dirty="0" smtClean="0"/>
-              <a:t>（</a:t>
-            </a:r>
-            <a:r>
-              <a:rPr lang="en-US" altLang="zh-CN" dirty="0" smtClean="0"/>
-              <a:t>natural clustering columns</a:t>
-            </a:r>
-            <a:r>
-              <a:rPr lang="zh-CN" altLang="en-US" dirty="0" smtClean="0"/>
-              <a:t>）对</a:t>
-            </a:r>
-            <a:r>
-              <a:rPr lang="zh-CN" altLang="en-US" b="1" dirty="0" smtClean="0"/>
-              <a:t>数据分区</a:t>
-            </a:r>
-            <a:r>
-              <a:rPr lang="zh-CN" altLang="en-US" dirty="0" smtClean="0"/>
-              <a:t>进行裁剪的过程。即不在查询范围内的数据，</a:t>
-            </a:r>
-            <a:r>
-              <a:rPr lang="en-US" altLang="zh-CN" dirty="0" smtClean="0"/>
-              <a:t>Shark</a:t>
-            </a:r>
-            <a:r>
-              <a:rPr lang="zh-CN" altLang="en-US" dirty="0" smtClean="0"/>
-              <a:t>避免扫描这些数据块。</a:t>
-            </a:r>
-            <a:endParaRPr lang="en-US" altLang="zh-CN" dirty="0" smtClean="0"/>
-          </a:p>
-          <a:p>
-            <a:r>
-              <a:rPr lang="zh-CN" altLang="en-US" dirty="0" smtClean="0"/>
-              <a:t>分区统计：每个节点上的内存存储在数据加载过程收集统计数据，包括每一列的范围、记录数等。如前面提到的，这些数据会发送到</a:t>
-            </a:r>
-            <a:r>
-              <a:rPr lang="en-US" altLang="zh-CN" dirty="0" smtClean="0"/>
-              <a:t>master</a:t>
-            </a:r>
-            <a:r>
-              <a:rPr lang="zh-CN" altLang="en-US" dirty="0" smtClean="0"/>
-              <a:t>，在查询期间用来裁剪分区。</a:t>
-            </a:r>
-            <a:endParaRPr lang="en-US" altLang="zh-CN" dirty="0" smtClean="0"/>
-          </a:p>
-          <a:p>
-            <a:r>
-              <a:rPr lang="zh-CN" altLang="en-US" dirty="0" smtClean="0"/>
-              <a:t>查询过程：当有一个查询执行，</a:t>
-            </a:r>
-            <a:r>
-              <a:rPr lang="en-US" altLang="zh-CN" dirty="0" smtClean="0"/>
-              <a:t>Shark</a:t>
-            </a:r>
-            <a:r>
-              <a:rPr lang="zh-CN" altLang="en-US" dirty="0" smtClean="0"/>
-              <a:t>对所有的分区统计信息和查询语句的谓词进行评估，不满足谓词的分区将被裁剪掉，也即不会有任务会扫描这些分区数据。（</a:t>
-            </a:r>
-            <a:r>
-              <a:rPr lang="zh-CN" altLang="en-US" dirty="0" smtClean="0">
+          <a:bodyPr/>
+          <a:lstStyle/>
+          <a:p>
+            <a:r>
+              <a:rPr lang="en-US" altLang="zh-CN" sz="2400" dirty="0" smtClean="0"/>
+              <a:t>MPP</a:t>
+            </a:r>
+            <a:r>
+              <a:rPr lang="zh-CN" altLang="en-US" sz="2400" dirty="0" smtClean="0"/>
+              <a:t>协同分区方式：数据加载过程，基于</a:t>
+            </a:r>
+            <a:r>
+              <a:rPr lang="en-US" altLang="zh-CN" sz="2400" dirty="0" smtClean="0">
                 <a:solidFill>
                   <a:srgbClr val="FF0000"/>
                 </a:solidFill>
               </a:rPr>
-              <a:t>这里可以画一个流程图或结合分区图</a:t>
-            </a:r>
-            <a:r>
-              <a:rPr lang="zh-CN" altLang="en-US" dirty="0" smtClean="0"/>
-              <a:t>）</a:t>
-            </a:r>
-            <a:r>
-              <a:rPr lang="en-US" altLang="zh-CN" dirty="0" smtClean="0"/>
+              <a:t>join key</a:t>
+            </a:r>
+            <a:r>
+              <a:rPr lang="zh-CN" altLang="en-US" sz="2400" dirty="0" smtClean="0"/>
+              <a:t>进行协同分区两个表。</a:t>
+            </a:r>
+            <a:endParaRPr lang="en-US" altLang="zh-CN" sz="2400" dirty="0" smtClean="0"/>
+          </a:p>
+          <a:p>
+            <a:r>
+              <a:rPr lang="en-US" altLang="zh-CN" sz="2400" dirty="0" smtClean="0"/>
+              <a:t>Shark</a:t>
+            </a:r>
+            <a:r>
+              <a:rPr lang="zh-CN" altLang="en-US" sz="2400" dirty="0" smtClean="0"/>
+              <a:t>协同分区方式：基于</a:t>
+            </a:r>
+            <a:r>
+              <a:rPr lang="en-US" altLang="zh-CN" sz="2400" dirty="0" smtClean="0">
+                <a:solidFill>
+                  <a:srgbClr val="FF0000"/>
+                </a:solidFill>
+              </a:rPr>
+              <a:t>common key</a:t>
+            </a:r>
+            <a:r>
+              <a:rPr lang="zh-CN" altLang="en-US" sz="2400" dirty="0" smtClean="0"/>
+              <a:t>协同分区两个表。</a:t>
+            </a:r>
+            <a:r>
+              <a:rPr lang="en-US" altLang="zh-CN" sz="2400" dirty="0" smtClean="0"/>
               <a:t/>
             </a:r>
             <a:br>
-              <a:rPr lang="en-US" altLang="zh-CN" dirty="0" smtClean="0"/>
+              <a:rPr lang="en-US" altLang="zh-CN" sz="2400" dirty="0" smtClean="0"/>
             </a:br>
+            <a:r>
+              <a:rPr lang="zh-CN" altLang="en-US" sz="2400" dirty="0" smtClean="0"/>
+              <a:t>当协同分区两个表时，</a:t>
+            </a:r>
+            <a:r>
+              <a:rPr lang="en-US" altLang="zh-CN" sz="2400" dirty="0" smtClean="0"/>
+              <a:t>Shark</a:t>
+            </a:r>
+            <a:r>
+              <a:rPr lang="zh-CN" altLang="en-US" sz="2400" dirty="0" smtClean="0"/>
+              <a:t>的优化器构建</a:t>
+            </a:r>
+            <a:r>
+              <a:rPr lang="en-US" altLang="zh-CN" sz="2400" dirty="0" smtClean="0"/>
+              <a:t>DAG</a:t>
+            </a:r>
+            <a:r>
+              <a:rPr lang="zh-CN" altLang="en-US" sz="2400" dirty="0" smtClean="0"/>
+              <a:t>，（</a:t>
+            </a:r>
+            <a:r>
+              <a:rPr lang="en-US" altLang="zh-CN" sz="2400" dirty="0" smtClean="0"/>
+              <a:t>1</a:t>
+            </a:r>
+            <a:r>
+              <a:rPr lang="zh-CN" altLang="en-US" sz="2400" dirty="0" smtClean="0"/>
+              <a:t>）避免</a:t>
+            </a:r>
+            <a:r>
+              <a:rPr lang="en-US" altLang="zh-CN" sz="2400" dirty="0" smtClean="0"/>
+              <a:t>shuffle</a:t>
+            </a:r>
+            <a:r>
+              <a:rPr lang="zh-CN" altLang="en-US" sz="2400" dirty="0" smtClean="0"/>
+              <a:t>过程；（</a:t>
+            </a:r>
+            <a:r>
+              <a:rPr lang="en-US" altLang="zh-CN" sz="2400" dirty="0" smtClean="0"/>
+              <a:t>2</a:t>
+            </a:r>
+            <a:r>
+              <a:rPr lang="zh-CN" altLang="en-US" sz="2400" dirty="0" smtClean="0"/>
+              <a:t>）使用</a:t>
+            </a:r>
+            <a:r>
+              <a:rPr lang="en-US" altLang="zh-CN" sz="2400" dirty="0" smtClean="0"/>
+              <a:t>map</a:t>
+            </a:r>
+            <a:r>
+              <a:rPr lang="zh-CN" altLang="en-US" sz="2400" dirty="0" smtClean="0"/>
+              <a:t>任务执行</a:t>
+            </a:r>
+            <a:r>
+              <a:rPr lang="en-US" altLang="zh-CN" sz="2400" dirty="0" smtClean="0"/>
+              <a:t>join</a:t>
+            </a:r>
+            <a:r>
+              <a:rPr lang="zh-CN" altLang="en-US" sz="2400" dirty="0" smtClean="0"/>
+              <a:t>。</a:t>
+            </a:r>
+            <a:endParaRPr lang="en-US" altLang="zh-CN" sz="2400" dirty="0" smtClean="0"/>
+          </a:p>
+          <a:p>
+            <a:r>
+              <a:rPr lang="zh-CN" altLang="en-US" sz="2400" dirty="0" smtClean="0">
+                <a:solidFill>
+                  <a:srgbClr val="FF0000"/>
+                </a:solidFill>
+              </a:rPr>
+              <a:t>这里添加两个表的字段描述，以及普通</a:t>
+            </a:r>
+            <a:r>
+              <a:rPr lang="en-US" altLang="zh-CN" sz="2400" dirty="0" err="1" smtClean="0">
+                <a:solidFill>
+                  <a:srgbClr val="FF0000"/>
+                </a:solidFill>
+              </a:rPr>
+              <a:t>sql</a:t>
+            </a:r>
+            <a:r>
+              <a:rPr lang="en-US" altLang="zh-CN" sz="2400" dirty="0" smtClean="0">
+                <a:solidFill>
+                  <a:srgbClr val="FF0000"/>
+                </a:solidFill>
+              </a:rPr>
+              <a:t> </a:t>
+            </a:r>
+            <a:r>
+              <a:rPr lang="zh-CN" altLang="en-US" sz="2400" dirty="0" smtClean="0">
+                <a:solidFill>
+                  <a:srgbClr val="FF0000"/>
+                </a:solidFill>
+              </a:rPr>
+              <a:t>的</a:t>
+            </a:r>
+            <a:r>
+              <a:rPr lang="en-US" altLang="zh-CN" sz="2400" dirty="0" smtClean="0">
+                <a:solidFill>
+                  <a:srgbClr val="FF0000"/>
+                </a:solidFill>
+              </a:rPr>
+              <a:t>join</a:t>
+            </a:r>
+            <a:r>
+              <a:rPr lang="zh-CN" altLang="en-US" sz="2400" dirty="0" smtClean="0">
+                <a:solidFill>
+                  <a:srgbClr val="FF0000"/>
+                </a:solidFill>
+              </a:rPr>
+              <a:t>语句。</a:t>
+            </a:r>
+            <a:endParaRPr lang="en-US" altLang="zh-CN" sz="2400" dirty="0" smtClean="0">
+              <a:solidFill>
+                <a:srgbClr val="FF0000"/>
+              </a:solidFill>
+            </a:endParaRPr>
+          </a:p>
+          <a:p>
             <a:endParaRPr lang="zh-CN" altLang="en-US" dirty="0"/>
           </a:p>
         </p:txBody>
       </p:sp>
+      <p:sp>
+        <p:nvSpPr>
+          <p:cNvPr id="5" name="TextBox 4"/>
+          <p:cNvSpPr txBox="1"/>
+          <p:nvPr/>
+        </p:nvSpPr>
+        <p:spPr>
+          <a:xfrm>
+            <a:off x="285720" y="4000504"/>
+            <a:ext cx="8501122" cy="1938992"/>
+          </a:xfrm>
+          <a:prstGeom prst="rect">
+            <a:avLst/>
+          </a:prstGeom>
+          <a:noFill/>
+        </p:spPr>
+        <p:txBody>
+          <a:bodyPr wrap="square" rtlCol="0">
+            <a:spAutoFit/>
+          </a:bodyPr>
+          <a:lstStyle/>
+          <a:p>
+            <a:r>
+              <a:rPr lang="en-US" altLang="zh-CN" sz="2400" dirty="0" smtClean="0"/>
+              <a:t>CREATE TABLE </a:t>
+            </a:r>
+            <a:r>
+              <a:rPr lang="en-US" altLang="zh-CN" sz="2400" dirty="0" err="1" smtClean="0"/>
+              <a:t>l_mem</a:t>
+            </a:r>
+            <a:r>
+              <a:rPr lang="en-US" altLang="zh-CN" sz="2400" dirty="0" smtClean="0"/>
+              <a:t> </a:t>
+            </a:r>
+            <a:r>
+              <a:rPr lang="en-US" altLang="zh-CN" sz="2400" b="1" dirty="0" smtClean="0"/>
+              <a:t>TBLPROPERTIES</a:t>
+            </a:r>
+            <a:r>
+              <a:rPr lang="en-US" altLang="zh-CN" sz="2400" dirty="0" smtClean="0"/>
+              <a:t> ("</a:t>
+            </a:r>
+            <a:r>
+              <a:rPr lang="en-US" altLang="zh-CN" sz="2400" dirty="0" err="1" smtClean="0"/>
+              <a:t>shark.cache</a:t>
+            </a:r>
+            <a:r>
+              <a:rPr lang="en-US" altLang="zh-CN" sz="2400" dirty="0" smtClean="0"/>
+              <a:t>"=true)</a:t>
+            </a:r>
+          </a:p>
+          <a:p>
+            <a:r>
+              <a:rPr lang="en-US" altLang="zh-CN" sz="2400" dirty="0" smtClean="0"/>
+              <a:t>      AS SELECT * FROM </a:t>
+            </a:r>
+            <a:r>
+              <a:rPr lang="en-US" altLang="zh-CN" sz="2400" dirty="0" err="1" smtClean="0"/>
+              <a:t>lineitem</a:t>
+            </a:r>
+            <a:r>
+              <a:rPr lang="en-US" altLang="zh-CN" sz="2400" dirty="0" smtClean="0"/>
+              <a:t> DISTRIBUTE BY L_ORDERKEY;</a:t>
+            </a:r>
+          </a:p>
+          <a:p>
+            <a:r>
+              <a:rPr lang="en-US" altLang="zh-CN" sz="2400" dirty="0" smtClean="0"/>
+              <a:t>CREATE TABLE </a:t>
+            </a:r>
+            <a:r>
+              <a:rPr lang="en-US" altLang="zh-CN" sz="2400" dirty="0" err="1" smtClean="0"/>
+              <a:t>o_mem</a:t>
+            </a:r>
+            <a:r>
+              <a:rPr lang="en-US" altLang="zh-CN" sz="2400" dirty="0" smtClean="0"/>
+              <a:t> </a:t>
+            </a:r>
+            <a:r>
+              <a:rPr lang="en-US" altLang="zh-CN" sz="2400" b="1" dirty="0" smtClean="0"/>
+              <a:t>TBLPROPERTIES</a:t>
+            </a:r>
+            <a:r>
+              <a:rPr lang="en-US" altLang="zh-CN" sz="2400" dirty="0" smtClean="0"/>
+              <a:t> (</a:t>
+            </a:r>
+          </a:p>
+          <a:p>
+            <a:r>
+              <a:rPr lang="en-US" altLang="zh-CN" sz="2400" dirty="0" smtClean="0"/>
+              <a:t>      "</a:t>
+            </a:r>
+            <a:r>
+              <a:rPr lang="en-US" altLang="zh-CN" sz="2400" dirty="0" err="1" smtClean="0"/>
+              <a:t>shark.cache</a:t>
+            </a:r>
+            <a:r>
+              <a:rPr lang="en-US" altLang="zh-CN" sz="2400" dirty="0" smtClean="0"/>
+              <a:t>"=true, "</a:t>
+            </a:r>
+            <a:r>
+              <a:rPr lang="en-US" altLang="zh-CN" sz="2400" dirty="0" err="1" smtClean="0"/>
+              <a:t>copartition</a:t>
+            </a:r>
+            <a:r>
+              <a:rPr lang="en-US" altLang="zh-CN" sz="2400" dirty="0" smtClean="0"/>
+              <a:t>"="</a:t>
+            </a:r>
+            <a:r>
+              <a:rPr lang="en-US" altLang="zh-CN" sz="2400" dirty="0" err="1" smtClean="0"/>
+              <a:t>l_mem</a:t>
+            </a:r>
+            <a:r>
+              <a:rPr lang="en-US" altLang="zh-CN" sz="2400" dirty="0" smtClean="0"/>
+              <a:t>")</a:t>
+            </a:r>
+          </a:p>
+          <a:p>
+            <a:r>
+              <a:rPr lang="en-US" altLang="zh-CN" sz="2400" dirty="0" smtClean="0"/>
+              <a:t>      AS SELECT * FROM order </a:t>
+            </a:r>
+            <a:r>
+              <a:rPr lang="en-US" altLang="zh-CN" sz="2400" b="1" dirty="0" smtClean="0"/>
+              <a:t>DISTRIBUTE BY </a:t>
+            </a:r>
+            <a:r>
+              <a:rPr lang="en-US" altLang="zh-CN" sz="2400" dirty="0" smtClean="0"/>
+              <a:t>O_ORDERKEY;</a:t>
+            </a:r>
+            <a:endParaRPr lang="zh-CN" altLang="en-US" sz="2400" dirty="0"/>
+          </a:p>
+        </p:txBody>
+      </p:sp>
     </p:spTree>
+    <p:extLst>
+      <p:ext uri="{BB962C8B-B14F-4D97-AF65-F5344CB8AC3E}">
+        <p14:creationId xmlns:p14="http://schemas.microsoft.com/office/powerpoint/2010/main" val="1353526556"/>
+      </p:ext>
+    </p:extLst>
   </p:cSld>
   <p:clrMapOvr>
     <a:masterClrMapping/>
   </p:clrMapOvr>
+  <p:timing>
+    <p:tnLst>
+      <p:par>
+        <p:cTn id="1" dur="indefinite" restart="never" nodeType="tmRoot"/>
+      </p:par>
+    </p:tnLst>
+  </p:timing>
 </p:sld>
 </file>
 
@@ -4740,6 +4759,172 @@
           <a:p>
             <a:r>
               <a:rPr lang="zh-CN" altLang="en-US" dirty="0" smtClean="0"/>
+              <a:t>引擎扩展：分区统计和</a:t>
+            </a:r>
+            <a:r>
+              <a:rPr lang="en-US" altLang="zh-CN" dirty="0" smtClean="0"/>
+              <a:t>Map</a:t>
+            </a:r>
+            <a:r>
+              <a:rPr lang="zh-CN" altLang="en-US" dirty="0" smtClean="0"/>
+              <a:t>裁剪</a:t>
+            </a:r>
+            <a:endParaRPr lang="zh-CN" altLang="en-US" dirty="0"/>
+          </a:p>
+        </p:txBody>
+      </p:sp>
+      <p:sp>
+        <p:nvSpPr>
+          <p:cNvPr id="3" name="内容占位符 2"/>
+          <p:cNvSpPr>
+            <a:spLocks noGrp="1"/>
+          </p:cNvSpPr>
+          <p:nvPr>
+            <p:ph idx="1"/>
+          </p:nvPr>
+        </p:nvSpPr>
+        <p:spPr/>
+        <p:txBody>
+          <a:bodyPr>
+            <a:normAutofit fontScale="77500" lnSpcReduction="20000"/>
+          </a:bodyPr>
+          <a:lstStyle/>
+          <a:p>
+            <a:r>
+              <a:rPr lang="en-US" altLang="zh-CN" dirty="0" smtClean="0"/>
+              <a:t>Map</a:t>
+            </a:r>
+            <a:r>
+              <a:rPr lang="zh-CN" altLang="en-US" dirty="0" smtClean="0"/>
+              <a:t>裁剪：基于数据分区的</a:t>
+            </a:r>
+            <a:r>
+              <a:rPr lang="zh-CN" altLang="en-US" b="1" dirty="0" smtClean="0"/>
+              <a:t>自然列簇</a:t>
+            </a:r>
+            <a:r>
+              <a:rPr lang="zh-CN" altLang="en-US" dirty="0" smtClean="0"/>
+              <a:t>（</a:t>
+            </a:r>
+            <a:r>
+              <a:rPr lang="en-US" altLang="zh-CN" dirty="0" smtClean="0"/>
+              <a:t>natural clustering columns</a:t>
+            </a:r>
+            <a:r>
+              <a:rPr lang="zh-CN" altLang="en-US" dirty="0" smtClean="0"/>
+              <a:t>）对</a:t>
+            </a:r>
+            <a:r>
+              <a:rPr lang="zh-CN" altLang="en-US" b="1" dirty="0" smtClean="0"/>
+              <a:t>数据分区</a:t>
+            </a:r>
+            <a:r>
+              <a:rPr lang="zh-CN" altLang="en-US" dirty="0" smtClean="0"/>
+              <a:t>进行裁剪的过程。即不在查询范围内的数据，</a:t>
+            </a:r>
+            <a:r>
+              <a:rPr lang="en-US" altLang="zh-CN" dirty="0" smtClean="0"/>
+              <a:t>Shark</a:t>
+            </a:r>
+            <a:r>
+              <a:rPr lang="zh-CN" altLang="en-US" dirty="0" smtClean="0"/>
+              <a:t>避免扫描这些数据块。</a:t>
+            </a:r>
+            <a:endParaRPr lang="en-US" altLang="zh-CN" dirty="0" smtClean="0"/>
+          </a:p>
+          <a:p>
+            <a:r>
+              <a:rPr lang="zh-CN" altLang="en-US" dirty="0" smtClean="0"/>
+              <a:t>分区统计：每个节点上的内存存储在数据加载过程收集统计数据，包括每一列的范围、记录数等。如前面提到的，这些数据会发送到</a:t>
+            </a:r>
+            <a:r>
+              <a:rPr lang="en-US" altLang="zh-CN" dirty="0" smtClean="0"/>
+              <a:t>master</a:t>
+            </a:r>
+            <a:r>
+              <a:rPr lang="zh-CN" altLang="en-US" dirty="0" smtClean="0"/>
+              <a:t>，在查询期间用来裁剪分区。</a:t>
+            </a:r>
+            <a:endParaRPr lang="en-US" altLang="zh-CN" dirty="0" smtClean="0"/>
+          </a:p>
+          <a:p>
+            <a:r>
+              <a:rPr lang="zh-CN" altLang="en-US" dirty="0" smtClean="0"/>
+              <a:t>查询过程：当有一个查询执行，</a:t>
+            </a:r>
+            <a:r>
+              <a:rPr lang="en-US" altLang="zh-CN" dirty="0" smtClean="0"/>
+              <a:t>Shark</a:t>
+            </a:r>
+            <a:r>
+              <a:rPr lang="zh-CN" altLang="en-US" dirty="0" smtClean="0"/>
+              <a:t>对所有的分区统计信息和查询语句的谓词进行评估，不满足谓词的分区将被裁剪掉，也即不会有任务会扫描这些分区数据。（</a:t>
+            </a:r>
+            <a:r>
+              <a:rPr lang="zh-CN" altLang="en-US" dirty="0" smtClean="0">
+                <a:solidFill>
+                  <a:srgbClr val="FF0000"/>
+                </a:solidFill>
+              </a:rPr>
+              <a:t>这里可以画一个流程图或结合分区图</a:t>
+            </a:r>
+            <a:r>
+              <a:rPr lang="zh-CN" altLang="en-US" dirty="0" smtClean="0"/>
+              <a:t>）</a:t>
+            </a:r>
+            <a:r>
+              <a:rPr lang="en-US" altLang="zh-CN" dirty="0" smtClean="0"/>
+              <a:t/>
+            </a:r>
+            <a:br>
+              <a:rPr lang="en-US" altLang="zh-CN" dirty="0" smtClean="0"/>
+            </a:br>
+            <a:endParaRPr lang="zh-CN" altLang="en-US" dirty="0"/>
+          </a:p>
+        </p:txBody>
+      </p:sp>
+    </p:spTree>
+  </p:cSld>
+  <p:clrMapOvr>
+    <a:masterClrMapping/>
+  </p:clrMapOvr>
+</p:sld>
+</file>
+
+<file path=ppt/slides/slide17.xml><?xml version="1.0" encoding="utf-8"?>
+<p:sld xmlns:a="http://schemas.openxmlformats.org/drawingml/2006/main" xmlns:r="http://schemas.openxmlformats.org/officeDocument/2006/relationships" xmlns:p="http://schemas.openxmlformats.org/presentationml/2006/main">
+  <p:cSld>
+    <p:spTree>
+      <p:nvGrpSpPr>
+        <p:cNvPr id="1" name=""/>
+        <p:cNvGrpSpPr/>
+        <p:nvPr/>
+      </p:nvGrpSpPr>
+      <p:grpSpPr>
+        <a:xfrm>
+          <a:off x="0" y="0"/>
+          <a:ext cx="0" cy="0"/>
+          <a:chOff x="0" y="0"/>
+          <a:chExt cx="0" cy="0"/>
+        </a:xfrm>
+      </p:grpSpPr>
+      <p:sp>
+        <p:nvSpPr>
+          <p:cNvPr id="2" name="标题 1"/>
+          <p:cNvSpPr>
+            <a:spLocks noGrp="1"/>
+          </p:cNvSpPr>
+          <p:nvPr>
+            <p:ph type="title"/>
+          </p:nvPr>
+        </p:nvSpPr>
+        <p:spPr/>
+        <p:txBody>
+          <a:bodyPr/>
+          <a:lstStyle/>
+          <a:p>
+            <a:r>
+              <a:rPr lang="zh-CN" altLang="en-US" dirty="0" smtClean="0"/>
               <a:t>机器学习支持</a:t>
             </a:r>
             <a:endParaRPr lang="zh-CN" altLang="en-US" dirty="0"/>
@@ -4792,11 +4977,7 @@
             <a:pPr lvl="1"/>
             <a:r>
               <a:rPr lang="zh-CN" altLang="en-US" dirty="0" smtClean="0"/>
-              <a:t>语言集成</a:t>
-            </a:r>
-            <a:r>
-              <a:rPr lang="zh-CN" altLang="en-US" dirty="0" smtClean="0"/>
-              <a:t>：如右图</a:t>
+              <a:t>语言集成：如右图</a:t>
             </a:r>
             <a:endParaRPr lang="en-US" altLang="zh-CN" dirty="0" smtClean="0"/>
           </a:p>
@@ -4875,7 +5056,7 @@
 </p:sld>
 </file>
 
-<file path=ppt/slides/slide17.xml><?xml version="1.0" encoding="utf-8"?>
+<file path=ppt/slides/slide18.xml><?xml version="1.0" encoding="utf-8"?>
 <p:sld xmlns:a="http://schemas.openxmlformats.org/drawingml/2006/main" xmlns:r="http://schemas.openxmlformats.org/officeDocument/2006/relationships" xmlns:p="http://schemas.openxmlformats.org/presentationml/2006/main">
   <p:cSld>
     <p:spTree>
@@ -4928,7 +5109,7 @@
         <p:spPr/>
         <p:txBody>
           <a:bodyPr>
-            <a:normAutofit fontScale="77500" lnSpcReduction="20000"/>
+            <a:normAutofit fontScale="70000" lnSpcReduction="20000"/>
           </a:bodyPr>
           <a:lstStyle/>
           <a:p>
@@ -5071,19 +5252,11 @@
             </a:r>
             <a:r>
               <a:rPr lang="zh-CN" altLang="en-US" dirty="0" smtClean="0"/>
-              <a:t>发送的</a:t>
-            </a:r>
-            <a:r>
-              <a:rPr lang="zh-CN" altLang="en-US" dirty="0" smtClean="0"/>
-              <a:t>表现评估信息（</a:t>
-            </a:r>
-            <a:r>
-              <a:rPr lang="en-US" altLang="zh-CN" dirty="0" smtClean="0"/>
-              <a:t>Expression </a:t>
-            </a:r>
-            <a:r>
-              <a:rPr lang="en-US" altLang="zh-CN" dirty="0" smtClean="0"/>
-              <a:t>Evaluators</a:t>
+              <a:t>发送的表现评估信息（</a:t>
+            </a:r>
+            <a:r>
+              <a:rPr lang="en-US" altLang="zh-CN" dirty="0" smtClean="0"/>
+              <a:t>Expression Evaluators</a:t>
             </a:r>
             <a:r>
               <a:rPr lang="zh-CN" altLang="en-US" dirty="0" smtClean="0"/>
@@ -5095,11 +5268,31 @@
             </a:r>
             <a:r>
               <a:rPr lang="zh-CN" altLang="en-US" dirty="0" smtClean="0"/>
-              <a:t>解析</a:t>
-            </a:r>
-            <a:r>
-              <a:rPr lang="zh-CN" altLang="en-US" dirty="0" smtClean="0"/>
-              <a:t>器生成，作者发现，当数据</a:t>
+              <a:t>解析器生成，作者发现，</a:t>
+            </a:r>
+            <a:r>
+              <a:rPr lang="zh-CN" altLang="en-US" dirty="0" smtClean="0"/>
+              <a:t>当</a:t>
+            </a:r>
+            <a:r>
+              <a:rPr lang="zh-CN" altLang="en-US" dirty="0" smtClean="0"/>
+              <a:t>访问的数据不在内存时，</a:t>
+            </a:r>
+            <a:r>
+              <a:rPr lang="en-US" altLang="zh-CN" dirty="0" smtClean="0"/>
+              <a:t>CPU</a:t>
+            </a:r>
+            <a:r>
+              <a:rPr lang="zh-CN" altLang="en-US" dirty="0" smtClean="0"/>
+              <a:t>将耗费在解释这些评估。作者正在写一个编译器，将这些表现评估转化为</a:t>
+            </a:r>
+            <a:r>
+              <a:rPr lang="en-US" altLang="zh-CN" dirty="0" smtClean="0"/>
+              <a:t>JVM</a:t>
+            </a:r>
+            <a:r>
+              <a:rPr lang="zh-CN" altLang="en-US" smtClean="0"/>
+              <a:t>的字节码，以提高执行引擎的吞吐量。</a:t>
             </a:r>
             <a:endParaRPr lang="en-US" altLang="zh-CN" dirty="0" smtClean="0"/>
           </a:p>
@@ -5390,7 +5583,7 @@
     </p:spTree>
     <p:extLst>
       <p:ext uri="{BB962C8B-B14F-4D97-AF65-F5344CB8AC3E}">
-        <p14:creationId xmlns:p14="http://schemas.microsoft.com/office/powerpoint/2010/main" xmlns="" val="299274344"/>
+        <p14:creationId xmlns:p14="http://schemas.microsoft.com/office/powerpoint/2010/main" val="299274344"/>
       </p:ext>
     </p:extLst>
   </p:cSld>
@@ -5433,167 +5626,104 @@
           <a:lstStyle/>
           <a:p>
             <a:r>
-              <a:rPr lang="zh-CN" altLang="en-US" dirty="0" smtClean="0"/>
-              <a:t>容错</a:t>
-            </a:r>
+              <a:rPr lang="zh-CN" altLang="en-US" dirty="0"/>
+              <a:t>例子</a:t>
+            </a:r>
+          </a:p>
+        </p:txBody>
+      </p:sp>
+      <p:sp>
+        <p:nvSpPr>
+          <p:cNvPr id="3" name="内容占位符 2"/>
+          <p:cNvSpPr>
+            <a:spLocks noGrp="1"/>
+          </p:cNvSpPr>
+          <p:nvPr>
+            <p:ph idx="1"/>
+          </p:nvPr>
+        </p:nvSpPr>
+        <p:spPr/>
+        <p:txBody>
+          <a:bodyPr/>
+          <a:lstStyle/>
+          <a:p>
             <a:endParaRPr lang="zh-CN" altLang="en-US" dirty="0"/>
           </a:p>
         </p:txBody>
       </p:sp>
       <p:sp>
         <p:nvSpPr>
-          <p:cNvPr id="3" name="内容占位符 2"/>
-          <p:cNvSpPr>
-            <a:spLocks noGrp="1"/>
-          </p:cNvSpPr>
-          <p:nvPr>
-            <p:ph idx="1"/>
-          </p:nvPr>
-        </p:nvSpPr>
-        <p:spPr/>
-        <p:txBody>
-          <a:bodyPr>
-            <a:normAutofit fontScale="85000" lnSpcReduction="10000"/>
+          <p:cNvPr id="4" name="TextBox 3"/>
+          <p:cNvSpPr txBox="1"/>
+          <p:nvPr/>
+        </p:nvSpPr>
+        <p:spPr>
+          <a:xfrm>
+            <a:off x="395536" y="2276872"/>
+            <a:ext cx="8136904" cy="1569660"/>
+          </a:xfrm>
+          <a:prstGeom prst="rect">
+            <a:avLst/>
+          </a:prstGeom>
+          <a:noFill/>
+        </p:spPr>
+        <p:txBody>
+          <a:bodyPr wrap="square" rtlCol="0">
+            <a:spAutoFit/>
           </a:bodyPr>
           <a:lstStyle/>
           <a:p>
             <a:r>
-              <a:rPr lang="en-US" altLang="zh-CN" dirty="0" smtClean="0"/>
-              <a:t>Shark</a:t>
-            </a:r>
-            <a:r>
-              <a:rPr lang="zh-CN" altLang="en-US" dirty="0" smtClean="0"/>
-              <a:t>容忍</a:t>
-            </a:r>
-            <a:r>
-              <a:rPr lang="en-US" altLang="zh-CN" dirty="0" smtClean="0"/>
-              <a:t>worker</a:t>
-            </a:r>
-            <a:r>
-              <a:rPr lang="zh-CN" altLang="en-US" dirty="0" smtClean="0"/>
-              <a:t>节点的任何数据集的丢失：通过重新执行丢失的任务，根据</a:t>
-            </a:r>
-            <a:r>
-              <a:rPr lang="en-US" altLang="zh-CN" dirty="0" smtClean="0"/>
-              <a:t>lineage</a:t>
-            </a:r>
-            <a:r>
-              <a:rPr lang="zh-CN" altLang="en-US" dirty="0" smtClean="0"/>
-              <a:t>重新计算任何丢失的</a:t>
-            </a:r>
-            <a:r>
-              <a:rPr lang="en-US" altLang="zh-CN" dirty="0" smtClean="0"/>
-              <a:t>RDD</a:t>
-            </a:r>
-            <a:r>
-              <a:rPr lang="zh-CN" altLang="en-US" dirty="0" smtClean="0"/>
-              <a:t>分区。</a:t>
-            </a:r>
-            <a:endParaRPr lang="en-US" altLang="zh-CN" dirty="0" smtClean="0"/>
-          </a:p>
-          <a:p>
-            <a:r>
-              <a:rPr lang="zh-CN" altLang="en-US" dirty="0" smtClean="0"/>
-              <a:t>“恢复”可在集群中并行地展开：假如一个失败节点包含</a:t>
-            </a:r>
-            <a:r>
-              <a:rPr lang="en-US" altLang="zh-CN" dirty="0" smtClean="0"/>
-              <a:t>100</a:t>
-            </a:r>
-            <a:r>
-              <a:rPr lang="zh-CN" altLang="en-US" dirty="0" smtClean="0"/>
-              <a:t>个</a:t>
-            </a:r>
-            <a:r>
-              <a:rPr lang="en-US" altLang="zh-CN" dirty="0" smtClean="0"/>
-              <a:t>RDD</a:t>
-            </a:r>
-            <a:r>
-              <a:rPr lang="zh-CN" altLang="en-US" dirty="0" smtClean="0"/>
-              <a:t>分区，</a:t>
-            </a:r>
-            <a:r>
-              <a:rPr lang="en-US" altLang="zh-CN" dirty="0" smtClean="0"/>
-              <a:t>Shark</a:t>
-            </a:r>
-            <a:r>
-              <a:rPr lang="zh-CN" altLang="en-US" dirty="0" smtClean="0"/>
-              <a:t>能并行地在</a:t>
-            </a:r>
-            <a:r>
-              <a:rPr lang="en-US" altLang="zh-CN" dirty="0" smtClean="0"/>
-              <a:t>100</a:t>
-            </a:r>
-            <a:r>
-              <a:rPr lang="zh-CN" altLang="en-US" dirty="0" smtClean="0"/>
-              <a:t>个不同节点重建这些</a:t>
-            </a:r>
-            <a:r>
-              <a:rPr lang="en-US" altLang="zh-CN" dirty="0" smtClean="0"/>
-              <a:t>RDD</a:t>
-            </a:r>
-            <a:r>
-              <a:rPr lang="zh-CN" altLang="en-US" dirty="0" smtClean="0"/>
-              <a:t>分区。</a:t>
-            </a:r>
-            <a:endParaRPr lang="en-US" altLang="zh-CN" dirty="0" smtClean="0"/>
-          </a:p>
-          <a:p>
-            <a:r>
-              <a:rPr lang="en-US" altLang="zh-CN" dirty="0" smtClean="0"/>
-              <a:t>RDD</a:t>
-            </a:r>
-            <a:r>
-              <a:rPr lang="zh-CN" altLang="en-US" dirty="0" smtClean="0"/>
-              <a:t>的性质能缓和“掉队者（</a:t>
-            </a:r>
-            <a:r>
-              <a:rPr lang="en-US" altLang="zh-CN" dirty="0" smtClean="0"/>
-              <a:t>straggler</a:t>
-            </a:r>
-            <a:r>
-              <a:rPr lang="zh-CN" altLang="en-US" dirty="0" smtClean="0"/>
-              <a:t>）”带来的低效率：如果一个任务很慢，系统能启动该任务在另一个节点的备份，这点类似</a:t>
-            </a:r>
-            <a:r>
-              <a:rPr lang="en-US" altLang="zh-CN" dirty="0" err="1" smtClean="0"/>
-              <a:t>MapReduce</a:t>
-            </a:r>
-            <a:endParaRPr lang="en-US" altLang="zh-CN" dirty="0" smtClean="0"/>
-          </a:p>
-          <a:p>
-            <a:r>
-              <a:rPr lang="zh-CN" altLang="en-US" dirty="0" smtClean="0"/>
-              <a:t>对结合了</a:t>
-            </a:r>
-            <a:r>
-              <a:rPr lang="en-US" altLang="zh-CN" dirty="0" smtClean="0"/>
-              <a:t>SQL</a:t>
-            </a:r>
-            <a:r>
-              <a:rPr lang="zh-CN" altLang="en-US" dirty="0" smtClean="0"/>
-              <a:t>和机器学习</a:t>
-            </a:r>
-            <a:r>
-              <a:rPr lang="en-US" altLang="zh-CN" dirty="0" smtClean="0">
-                <a:solidFill>
-                  <a:srgbClr val="FF0000"/>
-                </a:solidFill>
-              </a:rPr>
-              <a:t>UDF</a:t>
-            </a:r>
-            <a:r>
-              <a:rPr lang="zh-CN" altLang="en-US" dirty="0" smtClean="0"/>
-              <a:t>的这类查询，“恢复”同样起作用。</a:t>
-            </a:r>
-            <a:endParaRPr lang="zh-CN" altLang="en-US" dirty="0"/>
+              <a:rPr lang="en-US" altLang="zh-CN" sz="3200" dirty="0"/>
+              <a:t>CREATE TABLE </a:t>
+            </a:r>
+            <a:r>
+              <a:rPr lang="en-US" altLang="zh-CN" sz="3200" dirty="0" err="1"/>
+              <a:t>latest_logs</a:t>
+            </a:r>
+            <a:endParaRPr lang="en-US" altLang="zh-CN" sz="3200" dirty="0"/>
+          </a:p>
+          <a:p>
+            <a:r>
+              <a:rPr lang="en-US" altLang="zh-CN" sz="3200" dirty="0" smtClean="0"/>
+              <a:t>      TBLPROPERTIES </a:t>
+            </a:r>
+            <a:r>
+              <a:rPr lang="en-US" altLang="zh-CN" sz="3200" dirty="0"/>
+              <a:t>("</a:t>
+            </a:r>
+            <a:r>
+              <a:rPr lang="en-US" altLang="zh-CN" sz="3200" dirty="0" err="1"/>
+              <a:t>shark.cache</a:t>
+            </a:r>
+            <a:r>
+              <a:rPr lang="en-US" altLang="zh-CN" sz="3200" dirty="0"/>
+              <a:t>"=true</a:t>
+            </a:r>
+            <a:r>
+              <a:rPr lang="en-US" altLang="zh-CN" sz="3200" dirty="0" smtClean="0"/>
+              <a:t>)  AS     SELECT </a:t>
+            </a:r>
+            <a:r>
+              <a:rPr lang="en-US" altLang="zh-CN" sz="3200" dirty="0"/>
+              <a:t>* FROM logs WHERE date &gt; </a:t>
+            </a:r>
+            <a:r>
+              <a:rPr lang="en-US" altLang="zh-CN" sz="3200" dirty="0" smtClean="0"/>
+              <a:t>now</a:t>
+            </a:r>
+            <a:r>
+              <a:rPr lang="en-US" altLang="zh-CN" sz="3200" dirty="0"/>
+              <a:t>()-3600;</a:t>
+            </a:r>
+            <a:endParaRPr lang="zh-CN" altLang="en-US" sz="3200" dirty="0"/>
           </a:p>
         </p:txBody>
       </p:sp>
     </p:spTree>
     <p:extLst>
       <p:ext uri="{BB962C8B-B14F-4D97-AF65-F5344CB8AC3E}">
-        <p14:creationId xmlns:p14="http://schemas.microsoft.com/office/powerpoint/2010/main" xmlns="" val="1308897306"/>
+        <p14:creationId xmlns:p14="http://schemas.microsoft.com/office/powerpoint/2010/main" val="3058770994"/>
       </p:ext>
     </p:extLst>
   </p:cSld>
@@ -5637,7 +5767,52 @@
           <a:p>
             <a:r>
               <a:rPr lang="zh-CN" altLang="en-US" dirty="0" smtClean="0"/>
-              <a:t>在</a:t>
+              <a:t>容错</a:t>
+            </a:r>
+            <a:endParaRPr lang="zh-CN" altLang="en-US" dirty="0"/>
+          </a:p>
+        </p:txBody>
+      </p:sp>
+      <p:sp>
+        <p:nvSpPr>
+          <p:cNvPr id="3" name="内容占位符 2"/>
+          <p:cNvSpPr>
+            <a:spLocks noGrp="1"/>
+          </p:cNvSpPr>
+          <p:nvPr>
+            <p:ph idx="1"/>
+          </p:nvPr>
+        </p:nvSpPr>
+        <p:spPr/>
+        <p:txBody>
+          <a:bodyPr>
+            <a:normAutofit fontScale="85000" lnSpcReduction="10000"/>
+          </a:bodyPr>
+          <a:lstStyle/>
+          <a:p>
+            <a:r>
+              <a:rPr lang="en-US" altLang="zh-CN" dirty="0" smtClean="0"/>
+              <a:t>Shark</a:t>
+            </a:r>
+            <a:r>
+              <a:rPr lang="zh-CN" altLang="en-US" dirty="0" smtClean="0"/>
+              <a:t>容忍</a:t>
+            </a:r>
+            <a:r>
+              <a:rPr lang="en-US" altLang="zh-CN" dirty="0" smtClean="0"/>
+              <a:t>worker</a:t>
+            </a:r>
+            <a:r>
+              <a:rPr lang="zh-CN" altLang="en-US" dirty="0" smtClean="0"/>
+              <a:t>节点的任何数据集的丢失：通过重新执行丢失的任务，根据</a:t>
+            </a:r>
+            <a:r>
+              <a:rPr lang="en-US" altLang="zh-CN" dirty="0" smtClean="0"/>
+              <a:t>lineage</a:t>
+            </a:r>
+            <a:r>
+              <a:rPr lang="zh-CN" altLang="en-US" dirty="0" smtClean="0"/>
+              <a:t>重新计算任何丢失的</a:t>
             </a:r>
             <a:r>
               <a:rPr lang="en-US" altLang="zh-CN" dirty="0" smtClean="0"/>
@@ -5645,248 +5820,104 @@
             </a:r>
             <a:r>
               <a:rPr lang="zh-CN" altLang="en-US" dirty="0" smtClean="0"/>
-              <a:t>上执行</a:t>
+              <a:t>分区。</a:t>
+            </a:r>
+            <a:endParaRPr lang="en-US" altLang="zh-CN" dirty="0" smtClean="0"/>
+          </a:p>
+          <a:p>
+            <a:r>
+              <a:rPr lang="zh-CN" altLang="en-US" dirty="0" smtClean="0"/>
+              <a:t>“恢复”可在集群中并行地展开：假如一个失败节点包含</a:t>
+            </a:r>
+            <a:r>
+              <a:rPr lang="en-US" altLang="zh-CN" dirty="0" smtClean="0"/>
+              <a:t>100</a:t>
+            </a:r>
+            <a:r>
+              <a:rPr lang="zh-CN" altLang="en-US" dirty="0" smtClean="0"/>
+              <a:t>个</a:t>
+            </a:r>
+            <a:r>
+              <a:rPr lang="en-US" altLang="zh-CN" dirty="0" smtClean="0"/>
+              <a:t>RDD</a:t>
+            </a:r>
+            <a:r>
+              <a:rPr lang="zh-CN" altLang="en-US" dirty="0" smtClean="0"/>
+              <a:t>分区，</a:t>
+            </a:r>
+            <a:r>
+              <a:rPr lang="en-US" altLang="zh-CN" dirty="0" smtClean="0"/>
+              <a:t>Shark</a:t>
+            </a:r>
+            <a:r>
+              <a:rPr lang="zh-CN" altLang="en-US" dirty="0" smtClean="0"/>
+              <a:t>能并行地在</a:t>
+            </a:r>
+            <a:r>
+              <a:rPr lang="en-US" altLang="zh-CN" dirty="0" smtClean="0"/>
+              <a:t>100</a:t>
+            </a:r>
+            <a:r>
+              <a:rPr lang="zh-CN" altLang="en-US" dirty="0" smtClean="0"/>
+              <a:t>个不同节点重建这些</a:t>
+            </a:r>
+            <a:r>
+              <a:rPr lang="en-US" altLang="zh-CN" dirty="0" smtClean="0"/>
+              <a:t>RDD</a:t>
+            </a:r>
+            <a:r>
+              <a:rPr lang="zh-CN" altLang="en-US" dirty="0" smtClean="0"/>
+              <a:t>分区。</a:t>
+            </a:r>
+            <a:endParaRPr lang="en-US" altLang="zh-CN" dirty="0" smtClean="0"/>
+          </a:p>
+          <a:p>
+            <a:r>
+              <a:rPr lang="en-US" altLang="zh-CN" dirty="0" smtClean="0"/>
+              <a:t>RDD</a:t>
+            </a:r>
+            <a:r>
+              <a:rPr lang="zh-CN" altLang="en-US" dirty="0" smtClean="0"/>
+              <a:t>的性质能缓和“掉队者（</a:t>
+            </a:r>
+            <a:r>
+              <a:rPr lang="en-US" altLang="zh-CN" dirty="0" smtClean="0"/>
+              <a:t>straggler</a:t>
+            </a:r>
+            <a:r>
+              <a:rPr lang="zh-CN" altLang="en-US" dirty="0" smtClean="0"/>
+              <a:t>）”带来的低效率：如果一个任务很慢，系统能启动该任务在另一个节点的备份，这点类似</a:t>
+            </a:r>
+            <a:r>
+              <a:rPr lang="en-US" altLang="zh-CN" dirty="0" err="1" smtClean="0"/>
+              <a:t>MapReduce</a:t>
+            </a:r>
+            <a:endParaRPr lang="en-US" altLang="zh-CN" dirty="0" smtClean="0"/>
+          </a:p>
+          <a:p>
+            <a:r>
+              <a:rPr lang="zh-CN" altLang="en-US" dirty="0" smtClean="0"/>
+              <a:t>对结合了</a:t>
             </a:r>
             <a:r>
               <a:rPr lang="en-US" altLang="zh-CN" dirty="0" smtClean="0"/>
               <a:t>SQL</a:t>
             </a:r>
-            <a:endParaRPr lang="zh-CN" altLang="en-US" dirty="0"/>
-          </a:p>
-        </p:txBody>
-      </p:sp>
-      <p:sp>
-        <p:nvSpPr>
-          <p:cNvPr id="3" name="内容占位符 2"/>
-          <p:cNvSpPr>
-            <a:spLocks noGrp="1"/>
-          </p:cNvSpPr>
-          <p:nvPr>
-            <p:ph idx="1"/>
-          </p:nvPr>
-        </p:nvSpPr>
-        <p:spPr/>
-        <p:txBody>
-          <a:bodyPr>
-            <a:normAutofit fontScale="70000" lnSpcReduction="20000"/>
-          </a:bodyPr>
-          <a:lstStyle/>
-          <a:p>
-            <a:r>
-              <a:rPr lang="en-US" altLang="zh-CN" dirty="0" smtClean="0"/>
-              <a:t>Shark</a:t>
-            </a:r>
-            <a:r>
-              <a:rPr lang="zh-CN" altLang="en-US" dirty="0" smtClean="0"/>
-              <a:t>在</a:t>
-            </a:r>
-            <a:r>
-              <a:rPr lang="en-US" altLang="zh-CN" dirty="0" smtClean="0"/>
-              <a:t>Spark</a:t>
-            </a:r>
-            <a:r>
-              <a:rPr lang="zh-CN" altLang="en-US" dirty="0" smtClean="0"/>
-              <a:t>之上运行</a:t>
-            </a:r>
-            <a:r>
-              <a:rPr lang="en-US" altLang="zh-CN" dirty="0" smtClean="0"/>
-              <a:t>SQL</a:t>
-            </a:r>
-            <a:r>
-              <a:rPr lang="zh-CN" altLang="en-US" dirty="0" smtClean="0"/>
-              <a:t>查询，查询的</a:t>
-            </a:r>
-            <a:r>
-              <a:rPr lang="zh-CN" altLang="en-US" b="1" dirty="0" smtClean="0"/>
-              <a:t>三个过程</a:t>
-            </a:r>
-            <a:r>
-              <a:rPr lang="zh-CN" altLang="en-US" dirty="0" smtClean="0"/>
-              <a:t>和传统的关系型数据库管理系统类似：查询分析、逻辑计划生成、物理计划生成。</a:t>
-            </a:r>
-            <a:endParaRPr lang="en-US" altLang="zh-CN" dirty="0" smtClean="0"/>
-          </a:p>
-          <a:p>
-            <a:r>
-              <a:rPr lang="zh-CN" altLang="en-US" dirty="0" smtClean="0"/>
-              <a:t>查询分析阶段：</a:t>
-            </a:r>
-            <a:r>
-              <a:rPr lang="en-US" altLang="zh-CN" dirty="0" smtClean="0"/>
-              <a:t>Shark</a:t>
-            </a:r>
-            <a:r>
-              <a:rPr lang="zh-CN" altLang="en-US" dirty="0" smtClean="0"/>
-              <a:t>使用</a:t>
-            </a:r>
-            <a:r>
-              <a:rPr lang="en-US" altLang="zh-CN" dirty="0" smtClean="0"/>
-              <a:t>Hive</a:t>
-            </a:r>
-            <a:r>
-              <a:rPr lang="zh-CN" altLang="en-US" dirty="0" smtClean="0"/>
-              <a:t>的查询编译器，解析查询，生成抽象的语法树。</a:t>
-            </a:r>
-            <a:endParaRPr lang="en-US" altLang="zh-CN" dirty="0" smtClean="0"/>
-          </a:p>
-          <a:p>
-            <a:r>
-              <a:rPr lang="zh-CN" altLang="en-US" dirty="0"/>
-              <a:t>逻辑</a:t>
-            </a:r>
-            <a:r>
-              <a:rPr lang="zh-CN" altLang="en-US" dirty="0" smtClean="0"/>
-              <a:t>计划阶段：和</a:t>
-            </a:r>
-            <a:r>
-              <a:rPr lang="en-US" altLang="zh-CN" dirty="0" smtClean="0"/>
-              <a:t>Hive</a:t>
-            </a:r>
-            <a:r>
-              <a:rPr lang="zh-CN" altLang="en-US" dirty="0" smtClean="0"/>
-              <a:t>一样，语法树转为逻辑计划，并进行优化，如</a:t>
-            </a:r>
-            <a:r>
-              <a:rPr lang="zh-CN" altLang="en-US" b="1" dirty="0" smtClean="0"/>
-              <a:t>谓词下推</a:t>
-            </a:r>
-            <a:r>
-              <a:rPr lang="zh-CN" altLang="en-US" dirty="0" smtClean="0"/>
-              <a:t>等。（</a:t>
-            </a:r>
-            <a:r>
-              <a:rPr lang="zh-CN" altLang="en-US" dirty="0" smtClean="0">
+            <a:r>
+              <a:rPr lang="zh-CN" altLang="en-US" dirty="0" smtClean="0"/>
+              <a:t>和机器学习</a:t>
+            </a:r>
+            <a:r>
+              <a:rPr lang="en-US" altLang="zh-CN" dirty="0" smtClean="0">
                 <a:solidFill>
                   <a:srgbClr val="FF0000"/>
                 </a:solidFill>
               </a:rPr>
-              <a:t>附上数据库系统优化的图</a:t>
-            </a:r>
-            <a:r>
-              <a:rPr lang="zh-CN" altLang="en-US" dirty="0" smtClean="0"/>
-              <a:t>）</a:t>
-            </a:r>
-            <a:endParaRPr lang="en-US" altLang="zh-CN" dirty="0" smtClean="0"/>
-          </a:p>
-          <a:p>
-            <a:r>
-              <a:rPr lang="zh-CN" altLang="en-US" dirty="0" smtClean="0"/>
-              <a:t>物理计划阶段：</a:t>
-            </a:r>
-            <a:r>
-              <a:rPr lang="en-US" altLang="zh-CN" dirty="0" smtClean="0"/>
-              <a:t>Hive</a:t>
-            </a:r>
-            <a:r>
-              <a:rPr lang="zh-CN" altLang="en-US" dirty="0" smtClean="0"/>
-              <a:t>把操作转为包含多个</a:t>
-            </a:r>
-            <a:r>
-              <a:rPr lang="en-US" altLang="zh-CN" dirty="0" err="1" smtClean="0"/>
-              <a:t>MapReduce</a:t>
-            </a:r>
-            <a:r>
-              <a:rPr lang="zh-CN" altLang="en-US" dirty="0" smtClean="0"/>
-              <a:t>阶段的物理计划；而</a:t>
-            </a:r>
-            <a:r>
-              <a:rPr lang="en-US" altLang="zh-CN" dirty="0" smtClean="0"/>
-              <a:t>Shark</a:t>
-            </a:r>
-            <a:r>
-              <a:rPr lang="zh-CN" altLang="en-US" dirty="0" smtClean="0"/>
-              <a:t>的优化器（</a:t>
-            </a:r>
-            <a:r>
-              <a:rPr lang="en-US" altLang="zh-CN" dirty="0" smtClean="0"/>
-              <a:t>1</a:t>
-            </a:r>
-            <a:r>
-              <a:rPr lang="zh-CN" altLang="en-US" dirty="0" smtClean="0"/>
-              <a:t>）先执行附加的基于规则的优化策略，如将“</a:t>
-            </a:r>
-            <a:r>
-              <a:rPr lang="en-US" altLang="zh-CN" b="1" dirty="0" smtClean="0"/>
-              <a:t>LIMIT</a:t>
-            </a:r>
-            <a:r>
-              <a:rPr lang="zh-CN" altLang="en-US" dirty="0" smtClean="0"/>
-              <a:t>”下推到独立的分区；（</a:t>
-            </a:r>
-            <a:r>
-              <a:rPr lang="en-US" altLang="zh-CN" dirty="0" smtClean="0"/>
-              <a:t>2</a:t>
-            </a:r>
-            <a:r>
-              <a:rPr lang="zh-CN" altLang="en-US" dirty="0" smtClean="0"/>
-              <a:t>）再创建由</a:t>
-            </a:r>
-            <a:r>
-              <a:rPr lang="en-US" altLang="zh-CN" dirty="0" smtClean="0"/>
-              <a:t>RDD</a:t>
-            </a:r>
-            <a:r>
-              <a:rPr lang="zh-CN" altLang="en-US" dirty="0" smtClean="0"/>
-              <a:t>上的“</a:t>
-            </a:r>
-            <a:r>
-              <a:rPr lang="en-US" altLang="zh-CN" dirty="0" smtClean="0"/>
-              <a:t>transformations</a:t>
-            </a:r>
-            <a:r>
-              <a:rPr lang="zh-CN" altLang="en-US" dirty="0" smtClean="0"/>
-              <a:t>”组成的物理计划</a:t>
-            </a:r>
-            <a:endParaRPr lang="en-US" altLang="zh-CN" dirty="0" smtClean="0"/>
-          </a:p>
-          <a:p>
-            <a:r>
-              <a:rPr lang="zh-CN" altLang="en-US" dirty="0" smtClean="0"/>
-              <a:t>至此，一个查询操作在底层表现为</a:t>
-            </a:r>
-            <a:r>
-              <a:rPr lang="en-US" altLang="zh-CN" b="1" dirty="0" smtClean="0"/>
-              <a:t>RDD</a:t>
-            </a:r>
-            <a:r>
-              <a:rPr lang="zh-CN" altLang="en-US" b="1" dirty="0" smtClean="0"/>
-              <a:t>组成的图结构（</a:t>
-            </a:r>
-            <a:r>
-              <a:rPr lang="en-US" altLang="zh-CN" b="1" dirty="0" smtClean="0"/>
-              <a:t>DAG</a:t>
-            </a:r>
-            <a:r>
-              <a:rPr lang="zh-CN" altLang="en-US" b="1" dirty="0" smtClean="0"/>
-              <a:t>）</a:t>
-            </a:r>
-            <a:r>
-              <a:rPr lang="zh-CN" altLang="en-US" dirty="0" smtClean="0"/>
-              <a:t>，</a:t>
-            </a:r>
-            <a:r>
-              <a:rPr lang="en-US" altLang="zh-CN" dirty="0" smtClean="0"/>
-              <a:t>Spark</a:t>
-            </a:r>
-            <a:r>
-              <a:rPr lang="zh-CN" altLang="en-US" dirty="0" smtClean="0"/>
-              <a:t>的</a:t>
-            </a:r>
-            <a:r>
-              <a:rPr lang="en-US" altLang="zh-CN" dirty="0" smtClean="0"/>
-              <a:t>master</a:t>
-            </a:r>
-            <a:r>
-              <a:rPr lang="zh-CN" altLang="en-US" dirty="0" smtClean="0"/>
-              <a:t>然后使用标准的</a:t>
-            </a:r>
-            <a:r>
-              <a:rPr lang="en-US" altLang="zh-CN" dirty="0" err="1" smtClean="0"/>
-              <a:t>MapReduce</a:t>
-            </a:r>
-            <a:r>
-              <a:rPr lang="zh-CN" altLang="en-US" dirty="0" smtClean="0"/>
-              <a:t>调度技术执行该图。</a:t>
+              <a:t>UDF</a:t>
+            </a:r>
+            <a:r>
+              <a:rPr lang="zh-CN" altLang="en-US" dirty="0" smtClean="0"/>
+              <a:t>的这类查询，“恢复”同样起作用。</a:t>
             </a:r>
             <a:endParaRPr lang="zh-CN" altLang="en-US" dirty="0"/>
           </a:p>
@@ -5895,7 +5926,7 @@
     </p:spTree>
     <p:extLst>
       <p:ext uri="{BB962C8B-B14F-4D97-AF65-F5344CB8AC3E}">
-        <p14:creationId xmlns:p14="http://schemas.microsoft.com/office/powerpoint/2010/main" xmlns="" val="2614998123"/>
+        <p14:creationId xmlns:p14="http://schemas.microsoft.com/office/powerpoint/2010/main" val="1308897306"/>
       </p:ext>
     </p:extLst>
   </p:cSld>
@@ -5939,7 +5970,19 @@
           <a:p>
             <a:r>
               <a:rPr lang="zh-CN" altLang="en-US" dirty="0" smtClean="0"/>
-              <a:t>引擎扩展</a:t>
+              <a:t>在</a:t>
+            </a:r>
+            <a:r>
+              <a:rPr lang="en-US" altLang="zh-CN" dirty="0" smtClean="0"/>
+              <a:t>RDD</a:t>
+            </a:r>
+            <a:r>
+              <a:rPr lang="zh-CN" altLang="en-US" dirty="0" smtClean="0"/>
+              <a:t>上执行</a:t>
+            </a:r>
+            <a:r>
+              <a:rPr lang="en-US" altLang="zh-CN" dirty="0" smtClean="0"/>
+              <a:t>SQL</a:t>
             </a:r>
             <a:endParaRPr lang="zh-CN" altLang="en-US" dirty="0"/>
           </a:p>
@@ -5958,21 +6001,25 @@
         <p:spPr/>
         <p:txBody>
           <a:bodyPr>
-            <a:normAutofit fontScale="92500"/>
+            <a:normAutofit fontScale="70000" lnSpcReduction="20000"/>
           </a:bodyPr>
           <a:lstStyle/>
           <a:p>
             <a:r>
-              <a:rPr lang="zh-CN" altLang="en-US" dirty="0" smtClean="0"/>
-              <a:t>虽然上面提到了在</a:t>
-            </a:r>
-            <a:r>
-              <a:rPr lang="en-US" altLang="zh-CN" dirty="0" smtClean="0"/>
-              <a:t>RDD</a:t>
-            </a:r>
-            <a:r>
-              <a:rPr lang="zh-CN" altLang="en-US" dirty="0" smtClean="0"/>
-              <a:t>上执行</a:t>
+              <a:rPr lang="en-US" altLang="zh-CN" dirty="0" smtClean="0"/>
+              <a:t>Shark</a:t>
+            </a:r>
+            <a:r>
+              <a:rPr lang="zh-CN" altLang="en-US" dirty="0" smtClean="0"/>
+              <a:t>在</a:t>
+            </a:r>
+            <a:r>
+              <a:rPr lang="en-US" altLang="zh-CN" dirty="0" smtClean="0"/>
+              <a:t>Spark</a:t>
+            </a:r>
+            <a:r>
+              <a:rPr lang="zh-CN" altLang="en-US" dirty="0" smtClean="0"/>
+              <a:t>之上运行</a:t>
             </a:r>
             <a:r>
               <a:rPr lang="en-US" altLang="zh-CN" dirty="0" smtClean="0"/>
@@ -5980,87 +6027,65 @@
             </a:r>
             <a:r>
               <a:rPr lang="zh-CN" altLang="en-US" dirty="0" smtClean="0"/>
-              <a:t>的大致流程，但想</a:t>
-            </a:r>
+              <a:t>查询，查询的</a:t>
+            </a:r>
+            <a:r>
+              <a:rPr lang="zh-CN" altLang="en-US" b="1" dirty="0" smtClean="0"/>
+              <a:t>三个过程</a:t>
+            </a:r>
+            <a:r>
+              <a:rPr lang="zh-CN" altLang="en-US" dirty="0" smtClean="0"/>
+              <a:t>和传统的关系型数据库管理系统类似：查询分析、逻辑计划生成、物理计划生成。</a:t>
+            </a:r>
+            <a:endParaRPr lang="en-US" altLang="zh-CN" dirty="0" smtClean="0"/>
+          </a:p>
+          <a:p>
+            <a:r>
+              <a:rPr lang="zh-CN" altLang="en-US" dirty="0" smtClean="0"/>
+              <a:t>查询分析阶段：</a:t>
+            </a:r>
+            <a:r>
+              <a:rPr lang="en-US" altLang="zh-CN" dirty="0" smtClean="0"/>
+              <a:t>Shark</a:t>
+            </a:r>
+            <a:r>
+              <a:rPr lang="zh-CN" altLang="en-US" dirty="0" smtClean="0"/>
+              <a:t>使用</a:t>
+            </a:r>
+            <a:r>
+              <a:rPr lang="en-US" altLang="zh-CN" dirty="0" smtClean="0"/>
+              <a:t>Hive</a:t>
+            </a:r>
+            <a:r>
+              <a:rPr lang="zh-CN" altLang="en-US" dirty="0" smtClean="0"/>
+              <a:t>的查询编译器，解析查询，生成抽象的语法树。</a:t>
+            </a:r>
+            <a:endParaRPr lang="en-US" altLang="zh-CN" dirty="0" smtClean="0"/>
+          </a:p>
+          <a:p>
             <a:r>
               <a:rPr lang="zh-CN" altLang="en-US" dirty="0"/>
-              <a:t>要</a:t>
-            </a:r>
-            <a:r>
-              <a:rPr lang="zh-CN" altLang="en-US" dirty="0" smtClean="0"/>
-              <a:t>有效地执行却有难度。原因：（</a:t>
-            </a:r>
-            <a:r>
-              <a:rPr lang="en-US" altLang="zh-CN" dirty="0" smtClean="0"/>
-              <a:t>1</a:t>
-            </a:r>
-            <a:r>
-              <a:rPr lang="zh-CN" altLang="en-US" dirty="0" smtClean="0"/>
-              <a:t>）</a:t>
-            </a:r>
-            <a:r>
-              <a:rPr lang="en-US" altLang="zh-CN" dirty="0" smtClean="0"/>
-              <a:t>UDF</a:t>
-            </a:r>
-            <a:r>
-              <a:rPr lang="zh-CN" altLang="en-US" dirty="0" smtClean="0"/>
-              <a:t>的盛行和</a:t>
-            </a:r>
-            <a:r>
-              <a:rPr lang="en-US" altLang="zh-CN" dirty="0" smtClean="0"/>
-              <a:t>Shark</a:t>
-            </a:r>
-            <a:r>
-              <a:rPr lang="zh-CN" altLang="en-US" dirty="0" smtClean="0"/>
-              <a:t>工作负载上的复杂分析功能，这使得难以在编译的时候确定优化策略，特别是新数据没有经过</a:t>
-            </a:r>
-            <a:r>
-              <a:rPr lang="en-US" altLang="zh-CN" dirty="0" smtClean="0"/>
-              <a:t>ETL</a:t>
-            </a:r>
-            <a:r>
-              <a:rPr lang="zh-CN" altLang="en-US" dirty="0" smtClean="0"/>
-              <a:t>的情况（也即</a:t>
+              <a:t>逻辑</a:t>
+            </a:r>
+            <a:r>
+              <a:rPr lang="zh-CN" altLang="en-US" dirty="0" smtClean="0"/>
+              <a:t>计划阶段：和</a:t>
+            </a:r>
+            <a:r>
+              <a:rPr lang="en-US" altLang="zh-CN" dirty="0" smtClean="0"/>
+              <a:t>Hive</a:t>
+            </a:r>
+            <a:r>
+              <a:rPr lang="zh-CN" altLang="en-US" dirty="0" smtClean="0"/>
+              <a:t>一样，语法树转为逻辑计划，并进行优化，如</a:t>
             </a:r>
             <a:r>
               <a:rPr lang="zh-CN" altLang="en-US" b="1" dirty="0" smtClean="0"/>
-              <a:t>缺少对这部分数据的统计信息</a:t>
-            </a:r>
-            <a:r>
-              <a:rPr lang="zh-CN" altLang="en-US" dirty="0" smtClean="0"/>
-              <a:t>）？（</a:t>
-            </a:r>
-            <a:r>
-              <a:rPr lang="en-US" altLang="zh-CN" dirty="0" smtClean="0"/>
-              <a:t>2</a:t>
-            </a:r>
-            <a:r>
-              <a:rPr lang="zh-CN" altLang="en-US" dirty="0" smtClean="0"/>
-              <a:t>）直接在</a:t>
-            </a:r>
-            <a:r>
-              <a:rPr lang="en-US" altLang="zh-CN" dirty="0" smtClean="0"/>
-              <a:t>Spark</a:t>
-            </a:r>
-            <a:r>
-              <a:rPr lang="zh-CN" altLang="en-US" dirty="0" smtClean="0"/>
-              <a:t>的</a:t>
-            </a:r>
-            <a:r>
-              <a:rPr lang="en-US" altLang="zh-CN" dirty="0" smtClean="0"/>
-              <a:t>RDD</a:t>
-            </a:r>
-            <a:r>
-              <a:rPr lang="zh-CN" altLang="en-US" dirty="0" smtClean="0"/>
-              <a:t>上执行</a:t>
-            </a:r>
-            <a:r>
-              <a:rPr lang="en-US" altLang="zh-CN" dirty="0" smtClean="0"/>
-              <a:t>SQL</a:t>
-            </a:r>
-            <a:r>
-              <a:rPr lang="zh-CN" altLang="en-US" dirty="0" smtClean="0"/>
-              <a:t>是低效的</a:t>
+              <a:t>谓词下推</a:t>
+            </a:r>
+            <a:r>
+              <a:rPr lang="zh-CN" altLang="en-US" dirty="0" smtClean="0"/>
+              <a:t>等。（</a:t>
             </a:r>
             <a:r>
               <a:rPr lang="zh-CN" altLang="en-US" dirty="0" smtClean="0">
@@ -6068,26 +6093,133 @@
                   <a:srgbClr val="FF0000"/>
                 </a:solidFill>
               </a:rPr>
-              <a:t>（加些例子）</a:t>
-            </a:r>
-            <a:r>
-              <a:rPr lang="zh-CN" altLang="en-US" dirty="0" smtClean="0"/>
-              <a:t>。</a:t>
+              <a:t>附上数据库系统优化的图</a:t>
+            </a:r>
+            <a:r>
+              <a:rPr lang="zh-CN" altLang="en-US" dirty="0" smtClean="0"/>
+              <a:t>）</a:t>
             </a:r>
             <a:endParaRPr lang="en-US" altLang="zh-CN" dirty="0" smtClean="0"/>
           </a:p>
           <a:p>
             <a:r>
               <a:rPr lang="zh-CN" altLang="en-US" dirty="0" smtClean="0"/>
-              <a:t>提出的优化机制：在 </a:t>
+              <a:t>物理计划阶段：</a:t>
+            </a:r>
+            <a:r>
+              <a:rPr lang="en-US" altLang="zh-CN" dirty="0" smtClean="0"/>
+              <a:t>Hive</a:t>
+            </a:r>
+            <a:r>
+              <a:rPr lang="zh-CN" altLang="en-US" dirty="0" smtClean="0"/>
+              <a:t>把操作转为包含多个</a:t>
+            </a:r>
+            <a:r>
+              <a:rPr lang="en-US" altLang="zh-CN" dirty="0" err="1" smtClean="0"/>
+              <a:t>MapReduce</a:t>
+            </a:r>
+            <a:r>
+              <a:rPr lang="zh-CN" altLang="en-US" dirty="0" smtClean="0"/>
+              <a:t>阶段的物理计划；而</a:t>
+            </a:r>
+            <a:r>
+              <a:rPr lang="en-US" altLang="zh-CN" dirty="0" smtClean="0"/>
+              <a:t>Shark</a:t>
+            </a:r>
+            <a:r>
+              <a:rPr lang="zh-CN" altLang="en-US" dirty="0" smtClean="0"/>
+              <a:t>的优化器（</a:t>
+            </a:r>
+            <a:r>
+              <a:rPr lang="en-US" altLang="zh-CN" dirty="0" smtClean="0"/>
+              <a:t>1</a:t>
+            </a:r>
+            <a:r>
+              <a:rPr lang="zh-CN" altLang="en-US" dirty="0" smtClean="0"/>
+              <a:t>）先执行附加的基于规则的优化策略，如将“</a:t>
+            </a:r>
+            <a:r>
+              <a:rPr lang="en-US" altLang="zh-CN" b="1" dirty="0" smtClean="0"/>
+              <a:t>LIMIT</a:t>
+            </a:r>
+            <a:r>
+              <a:rPr lang="zh-CN" altLang="en-US" dirty="0" smtClean="0"/>
+              <a:t>”下推到独立的分区；（</a:t>
+            </a:r>
+            <a:r>
+              <a:rPr lang="en-US" altLang="zh-CN" dirty="0" smtClean="0"/>
+              <a:t>2</a:t>
+            </a:r>
+            <a:r>
+              <a:rPr lang="zh-CN" altLang="en-US" dirty="0" smtClean="0"/>
+              <a:t>）再创建由</a:t>
+            </a:r>
+            <a:r>
+              <a:rPr lang="en-US" altLang="zh-CN" dirty="0" smtClean="0"/>
+              <a:t>RDD</a:t>
+            </a:r>
+            <a:r>
+              <a:rPr lang="zh-CN" altLang="en-US" dirty="0" smtClean="0"/>
+              <a:t>上的“</a:t>
+            </a:r>
+            <a:r>
+              <a:rPr lang="en-US" altLang="zh-CN" dirty="0" smtClean="0"/>
+              <a:t>transformations</a:t>
+            </a:r>
+            <a:r>
+              <a:rPr lang="zh-CN" altLang="en-US" dirty="0" smtClean="0"/>
+              <a:t>”组成的物理计划</a:t>
+            </a:r>
+            <a:endParaRPr lang="en-US" altLang="zh-CN" dirty="0" smtClean="0"/>
+          </a:p>
+          <a:p>
+            <a:r>
+              <a:rPr lang="zh-CN" altLang="en-US" dirty="0" smtClean="0"/>
+              <a:t>至此，一个查询操作在底层表现为</a:t>
+            </a:r>
+            <a:r>
+              <a:rPr lang="en-US" altLang="zh-CN" b="1" dirty="0" smtClean="0"/>
+              <a:t>RDD</a:t>
             </a:r>
             <a:r>
               <a:rPr lang="zh-CN" altLang="en-US" b="1" dirty="0" smtClean="0"/>
-              <a:t>运行时</a:t>
-            </a:r>
-            <a:r>
-              <a:rPr lang="zh-CN" altLang="en-US" dirty="0" smtClean="0"/>
-              <a:t> 进行“动态的、统计驱动的”再优化。</a:t>
+              <a:t>组成的图结构（</a:t>
+            </a:r>
+            <a:r>
+              <a:rPr lang="en-US" altLang="zh-CN" b="1" dirty="0" smtClean="0"/>
+              <a:t>DAG</a:t>
+            </a:r>
+            <a:r>
+              <a:rPr lang="zh-CN" altLang="en-US" b="1" dirty="0" smtClean="0"/>
+              <a:t>）</a:t>
+            </a:r>
+            <a:r>
+              <a:rPr lang="zh-CN" altLang="en-US" dirty="0" smtClean="0"/>
+              <a:t>，</a:t>
+            </a:r>
+            <a:r>
+              <a:rPr lang="en-US" altLang="zh-CN" dirty="0" smtClean="0"/>
+              <a:t>Spark</a:t>
+            </a:r>
+            <a:r>
+              <a:rPr lang="zh-CN" altLang="en-US" dirty="0" smtClean="0"/>
+              <a:t>的</a:t>
+            </a:r>
+            <a:r>
+              <a:rPr lang="en-US" altLang="zh-CN" dirty="0" smtClean="0"/>
+              <a:t>master</a:t>
+            </a:r>
+            <a:r>
+              <a:rPr lang="zh-CN" altLang="en-US" dirty="0" smtClean="0"/>
+              <a:t>然后使用标准的</a:t>
+            </a:r>
+            <a:r>
+              <a:rPr lang="en-US" altLang="zh-CN" dirty="0" err="1" smtClean="0"/>
+              <a:t>MapReduce</a:t>
+            </a:r>
+            <a:r>
+              <a:rPr lang="zh-CN" altLang="en-US" dirty="0" smtClean="0"/>
+              <a:t>调度技术执行该图。</a:t>
             </a:r>
             <a:endParaRPr lang="zh-CN" altLang="en-US" dirty="0"/>
           </a:p>
@@ -6096,20 +6228,13 @@
     </p:spTree>
     <p:extLst>
       <p:ext uri="{BB962C8B-B14F-4D97-AF65-F5344CB8AC3E}">
-        <p14:creationId xmlns:p14="http://schemas.microsoft.com/office/powerpoint/2010/main" xmlns="" val="4158841978"/>
+        <p14:creationId xmlns:p14="http://schemas.microsoft.com/office/powerpoint/2010/main" val="2614998123"/>
       </p:ext>
     </p:extLst>
   </p:cSld>
   <p:clrMapOvr>
     <a:masterClrMapping/>
   </p:clrMapOvr>
-  <p:timing>
-    <p:tnLst>
-      <p:par>
-        <p:cTn id="1" dur="indefinite" restart="never" nodeType="tmRoot"/>
-      </p:par>
-    </p:tnLst>
-  </p:timing>
 </p:sld>
 </file>
 
@@ -6146,41 +6271,105 @@
           <a:lstStyle/>
           <a:p>
             <a:r>
+              <a:rPr lang="zh-CN" altLang="en-US" dirty="0" smtClean="0"/>
+              <a:t>引擎扩展</a:t>
+            </a:r>
+            <a:endParaRPr lang="zh-CN" altLang="en-US" dirty="0"/>
+          </a:p>
+        </p:txBody>
+      </p:sp>
+      <p:sp>
+        <p:nvSpPr>
+          <p:cNvPr id="3" name="内容占位符 2"/>
+          <p:cNvSpPr>
+            <a:spLocks noGrp="1"/>
+          </p:cNvSpPr>
+          <p:nvPr>
+            <p:ph idx="1"/>
+          </p:nvPr>
+        </p:nvSpPr>
+        <p:spPr/>
+        <p:txBody>
+          <a:bodyPr>
+            <a:normAutofit fontScale="92500"/>
+          </a:bodyPr>
+          <a:lstStyle/>
+          <a:p>
+            <a:r>
+              <a:rPr lang="zh-CN" altLang="en-US" dirty="0" smtClean="0"/>
+              <a:t>虽然上面提到了在</a:t>
+            </a:r>
+            <a:r>
+              <a:rPr lang="en-US" altLang="zh-CN" dirty="0" smtClean="0"/>
+              <a:t>RDD</a:t>
+            </a:r>
+            <a:r>
+              <a:rPr lang="zh-CN" altLang="en-US" dirty="0" smtClean="0"/>
+              <a:t>上执行</a:t>
+            </a:r>
+            <a:r>
+              <a:rPr lang="en-US" altLang="zh-CN" dirty="0" smtClean="0"/>
+              <a:t>SQL</a:t>
+            </a:r>
+            <a:r>
+              <a:rPr lang="zh-CN" altLang="en-US" dirty="0" smtClean="0"/>
+              <a:t>的大致流程，但想</a:t>
+            </a:r>
+            <a:r>
               <a:rPr lang="zh-CN" altLang="en-US" dirty="0"/>
-              <a:t>引擎</a:t>
-            </a:r>
-            <a:r>
-              <a:rPr lang="zh-CN" altLang="en-US" dirty="0" smtClean="0"/>
-              <a:t>扩展</a:t>
-            </a:r>
-            <a:r>
-              <a:rPr lang="en-US" altLang="zh-CN" dirty="0" smtClean="0"/>
-              <a:t>:PDE</a:t>
-            </a:r>
-            <a:endParaRPr lang="zh-CN" altLang="en-US" dirty="0"/>
-          </a:p>
-        </p:txBody>
-      </p:sp>
-      <p:sp>
-        <p:nvSpPr>
-          <p:cNvPr id="3" name="内容占位符 2"/>
-          <p:cNvSpPr>
-            <a:spLocks noGrp="1"/>
-          </p:cNvSpPr>
-          <p:nvPr>
-            <p:ph idx="1"/>
-          </p:nvPr>
-        </p:nvSpPr>
-        <p:spPr/>
-        <p:txBody>
-          <a:bodyPr>
-            <a:normAutofit fontScale="70000" lnSpcReduction="20000"/>
-          </a:bodyPr>
-          <a:lstStyle/>
-          <a:p>
-            <a:r>
-              <a:rPr lang="zh-CN" altLang="en-US" dirty="0" smtClean="0"/>
-              <a:t>扩展</a:t>
+              <a:t>要</a:t>
+            </a:r>
+            <a:r>
+              <a:rPr lang="zh-CN" altLang="en-US" dirty="0" smtClean="0"/>
+              <a:t>有效地执行却有难度。原因：（</a:t>
+            </a:r>
+            <a:r>
+              <a:rPr lang="en-US" altLang="zh-CN" dirty="0" smtClean="0"/>
+              <a:t>1</a:t>
+            </a:r>
+            <a:r>
+              <a:rPr lang="zh-CN" altLang="en-US" dirty="0" smtClean="0"/>
+              <a:t>）</a:t>
+            </a:r>
+            <a:r>
+              <a:rPr lang="en-US" altLang="zh-CN" dirty="0" smtClean="0"/>
+              <a:t>UDF</a:t>
+            </a:r>
+            <a:r>
+              <a:rPr lang="zh-CN" altLang="en-US" dirty="0" smtClean="0"/>
+              <a:t>的盛行和</a:t>
+            </a:r>
+            <a:r>
+              <a:rPr lang="en-US" altLang="zh-CN" dirty="0" smtClean="0"/>
+              <a:t>Shark</a:t>
+            </a:r>
+            <a:r>
+              <a:rPr lang="zh-CN" altLang="en-US" dirty="0" smtClean="0"/>
+              <a:t>工作负载上的复杂分析功能，这使得难以在编译的时候确定优化策略，特别是新数据没有经过</a:t>
+            </a:r>
+            <a:r>
+              <a:rPr lang="en-US" altLang="zh-CN" dirty="0" smtClean="0"/>
+              <a:t>ETL</a:t>
+            </a:r>
+            <a:r>
+              <a:rPr lang="zh-CN" altLang="en-US" dirty="0" smtClean="0"/>
+              <a:t>的情况（也即</a:t>
+            </a:r>
+            <a:r>
+              <a:rPr lang="zh-CN" altLang="en-US" b="1" dirty="0" smtClean="0"/>
+              <a:t>缺少对这部分数据的统计信息</a:t>
+            </a:r>
+            <a:r>
+              <a:rPr lang="zh-CN" altLang="en-US" dirty="0" smtClean="0"/>
+              <a:t>）？（</a:t>
+            </a:r>
+            <a:r>
+              <a:rPr lang="en-US" altLang="zh-CN" dirty="0" smtClean="0"/>
+              <a:t>2</a:t>
+            </a:r>
+            <a:r>
+              <a:rPr lang="zh-CN" altLang="en-US" dirty="0" smtClean="0"/>
+              <a:t>）直接在</a:t>
             </a:r>
             <a:r>
               <a:rPr lang="en-US" altLang="zh-CN" dirty="0" smtClean="0"/>
@@ -6188,77 +6377,7 @@
             </a:r>
             <a:r>
               <a:rPr lang="zh-CN" altLang="en-US" dirty="0" smtClean="0"/>
-              <a:t>，支持</a:t>
-            </a:r>
-            <a:r>
-              <a:rPr lang="en-US" altLang="zh-CN" dirty="0" smtClean="0"/>
-              <a:t>partial DAG execution</a:t>
-            </a:r>
-            <a:r>
-              <a:rPr lang="zh-CN" altLang="en-US" dirty="0" smtClean="0"/>
-              <a:t>（</a:t>
-            </a:r>
-            <a:r>
-              <a:rPr lang="en-US" altLang="zh-CN" dirty="0" smtClean="0"/>
-              <a:t>PDE</a:t>
-            </a:r>
-            <a:r>
-              <a:rPr lang="zh-CN" altLang="en-US" dirty="0" smtClean="0"/>
-              <a:t>）：在 </a:t>
-            </a:r>
-            <a:r>
-              <a:rPr lang="zh-CN" altLang="en-US" b="1" dirty="0" smtClean="0"/>
-              <a:t>运行时</a:t>
-            </a:r>
-            <a:r>
-              <a:rPr lang="zh-CN" altLang="en-US" dirty="0" smtClean="0"/>
-              <a:t> 收集数据的统计信息，</a:t>
-            </a:r>
-            <a:r>
-              <a:rPr lang="zh-CN" altLang="en-US" b="1" dirty="0" smtClean="0"/>
-              <a:t>动态</a:t>
-            </a:r>
-            <a:r>
-              <a:rPr lang="zh-CN" altLang="en-US" dirty="0" smtClean="0"/>
-              <a:t>改变</a:t>
-            </a:r>
-            <a:r>
-              <a:rPr lang="zh-CN" altLang="en-US" b="1" dirty="0" smtClean="0"/>
-              <a:t>查询计划</a:t>
-            </a:r>
-            <a:r>
-              <a:rPr lang="zh-CN" altLang="en-US" dirty="0" smtClean="0"/>
-              <a:t>。</a:t>
-            </a:r>
-            <a:endParaRPr lang="en-US" altLang="zh-CN" dirty="0" smtClean="0"/>
-          </a:p>
-          <a:p>
-            <a:r>
-              <a:rPr lang="zh-CN" altLang="en-US" dirty="0" smtClean="0"/>
-              <a:t>思路：目前</a:t>
-            </a:r>
-            <a:r>
-              <a:rPr lang="en-US" altLang="zh-CN" dirty="0" smtClean="0"/>
-              <a:t>PDE</a:t>
-            </a:r>
-            <a:r>
-              <a:rPr lang="zh-CN" altLang="en-US" dirty="0" smtClean="0"/>
-              <a:t>已经应用到“块的</a:t>
-            </a:r>
-            <a:r>
-              <a:rPr lang="en-US" altLang="zh-CN" dirty="0" smtClean="0"/>
-              <a:t>shuffle</a:t>
-            </a:r>
-            <a:r>
-              <a:rPr lang="zh-CN" altLang="en-US" dirty="0" smtClean="0"/>
-              <a:t>操作边界”。</a:t>
-            </a:r>
-            <a:endParaRPr lang="en-US" altLang="zh-CN" dirty="0" smtClean="0"/>
-          </a:p>
-          <a:p>
-            <a:r>
-              <a:rPr lang="zh-CN" altLang="en-US" dirty="0" smtClean="0"/>
-              <a:t>原因：该边界（也即</a:t>
+              <a:t>的</a:t>
             </a:r>
             <a:r>
               <a:rPr lang="en-US" altLang="zh-CN" dirty="0" smtClean="0"/>
@@ -6266,172 +6385,15 @@
             </a:r>
             <a:r>
               <a:rPr lang="zh-CN" altLang="en-US" dirty="0" smtClean="0"/>
-              <a:t>从“窄依赖”到“宽依赖”的边界）涉及到数据的交换和重新分区，在</a:t>
-            </a:r>
-            <a:r>
-              <a:rPr lang="en-US" altLang="zh-CN" dirty="0" smtClean="0"/>
-              <a:t>Shark</a:t>
-            </a:r>
-            <a:r>
-              <a:rPr lang="zh-CN" altLang="en-US" dirty="0" smtClean="0"/>
-              <a:t>里是最耗费时间的。</a:t>
-            </a:r>
-            <a:endParaRPr lang="en-US" altLang="zh-CN" dirty="0" smtClean="0"/>
-          </a:p>
-          <a:p>
-            <a:r>
-              <a:rPr lang="zh-CN" altLang="en-US" dirty="0" smtClean="0"/>
-              <a:t>注意：默认情况下，</a:t>
-            </a:r>
-            <a:r>
-              <a:rPr lang="en-US" altLang="zh-CN" dirty="0" smtClean="0"/>
-              <a:t>Spark</a:t>
-            </a:r>
-            <a:r>
-              <a:rPr lang="zh-CN" altLang="en-US" dirty="0" smtClean="0"/>
-              <a:t>在</a:t>
-            </a:r>
-            <a:r>
-              <a:rPr lang="en-US" altLang="zh-CN" dirty="0" smtClean="0"/>
-              <a:t>shuffle</a:t>
-            </a:r>
-            <a:r>
-              <a:rPr lang="zh-CN" altLang="en-US" dirty="0"/>
-              <a:t>前</a:t>
-            </a:r>
-            <a:r>
-              <a:rPr lang="zh-CN" altLang="en-US" dirty="0" smtClean="0"/>
-              <a:t>物化每个</a:t>
-            </a:r>
-            <a:r>
-              <a:rPr lang="en-US" altLang="zh-CN" dirty="0" smtClean="0"/>
-              <a:t>map</a:t>
-            </a:r>
-            <a:r>
-              <a:rPr lang="zh-CN" altLang="en-US" dirty="0" smtClean="0"/>
-              <a:t>任务的输出到内存，当有必要时（如内存吃紧）会存入磁盘。</a:t>
-            </a:r>
-            <a:endParaRPr lang="en-US" altLang="zh-CN" dirty="0" smtClean="0"/>
-          </a:p>
-          <a:p>
-            <a:r>
-              <a:rPr lang="en-US" altLang="zh-CN" dirty="0" smtClean="0"/>
-              <a:t>PDE</a:t>
-            </a:r>
-            <a:r>
-              <a:rPr lang="zh-CN" altLang="en-US" dirty="0" smtClean="0"/>
-              <a:t>修改机制涉及两个方面：</a:t>
-            </a:r>
-            <a:endParaRPr lang="en-US" altLang="zh-CN" dirty="0" smtClean="0"/>
-          </a:p>
-          <a:p>
-            <a:pPr lvl="1"/>
-            <a:r>
-              <a:rPr lang="en-US" altLang="zh-CN" dirty="0" smtClean="0"/>
-              <a:t>1. </a:t>
-            </a:r>
-            <a:r>
-              <a:rPr lang="zh-CN" altLang="en-US" dirty="0" smtClean="0"/>
-              <a:t>在物化</a:t>
-            </a:r>
-            <a:r>
-              <a:rPr lang="en-US" altLang="zh-CN" dirty="0" smtClean="0"/>
-              <a:t>map</a:t>
-            </a:r>
-            <a:r>
-              <a:rPr lang="zh-CN" altLang="en-US" dirty="0" smtClean="0"/>
-              <a:t>输出时，</a:t>
-            </a:r>
-            <a:r>
-              <a:rPr lang="en-US" altLang="zh-CN" dirty="0" smtClean="0"/>
-              <a:t>PDE</a:t>
-            </a:r>
-            <a:r>
-              <a:rPr lang="zh-CN" altLang="en-US" dirty="0" smtClean="0"/>
-              <a:t>可在全局范围内针对每个分区，收集可自定义的统计信息，如分区大小、记录数、热数据等。</a:t>
-            </a:r>
-            <a:endParaRPr lang="en-US" altLang="zh-CN" dirty="0" smtClean="0"/>
-          </a:p>
-          <a:p>
-            <a:pPr lvl="1"/>
-            <a:r>
-              <a:rPr lang="en-US" altLang="zh-CN" dirty="0" smtClean="0"/>
-              <a:t>2. </a:t>
-            </a:r>
-            <a:r>
-              <a:rPr lang="zh-CN" altLang="en-US" dirty="0" smtClean="0"/>
-              <a:t>基于这些统计信息，</a:t>
-            </a:r>
-            <a:r>
-              <a:rPr lang="en-US" altLang="zh-CN" dirty="0" smtClean="0"/>
-              <a:t>PDE</a:t>
-            </a:r>
-            <a:r>
-              <a:rPr lang="zh-CN" altLang="en-US" dirty="0" smtClean="0"/>
-              <a:t>允许</a:t>
-            </a:r>
-            <a:r>
-              <a:rPr lang="en-US" altLang="zh-CN" dirty="0" smtClean="0"/>
-              <a:t>DAG</a:t>
-            </a:r>
-            <a:r>
-              <a:rPr lang="zh-CN" altLang="en-US" dirty="0" smtClean="0"/>
-              <a:t>进行调整</a:t>
-            </a:r>
-            <a:r>
-              <a:rPr lang="en-US" altLang="zh-CN" dirty="0" smtClean="0"/>
-              <a:t>: (1)</a:t>
-            </a:r>
-            <a:r>
-              <a:rPr lang="zh-CN" altLang="en-US" dirty="0" smtClean="0"/>
-              <a:t>选择不同的操作；</a:t>
-            </a:r>
-            <a:r>
-              <a:rPr lang="en-US" altLang="zh-CN" dirty="0" smtClean="0"/>
-              <a:t>(2)</a:t>
-            </a:r>
-            <a:r>
-              <a:rPr lang="zh-CN" altLang="en-US" dirty="0" smtClean="0"/>
-              <a:t>改变参数，如并行度</a:t>
-            </a:r>
-            <a:endParaRPr lang="en-US" altLang="zh-CN" dirty="0" smtClean="0"/>
-          </a:p>
-          <a:p>
-            <a:r>
-              <a:rPr lang="zh-CN" altLang="en-US" dirty="0"/>
-              <a:t>统计信息收集：这些统计信息由每个</a:t>
-            </a:r>
-            <a:r>
-              <a:rPr lang="en-US" altLang="zh-CN" dirty="0"/>
-              <a:t>worker</a:t>
-            </a:r>
-            <a:r>
-              <a:rPr lang="zh-CN" altLang="en-US" dirty="0"/>
-              <a:t>发送给</a:t>
-            </a:r>
-            <a:r>
-              <a:rPr lang="en-US" altLang="zh-CN" dirty="0"/>
-              <a:t>master</a:t>
-            </a:r>
-            <a:r>
-              <a:rPr lang="zh-CN" altLang="en-US" dirty="0"/>
-              <a:t>，然后汇总提交给优化器。针对统计信息，采用</a:t>
-            </a:r>
-            <a:r>
-              <a:rPr lang="zh-CN" altLang="en-US" b="1" dirty="0"/>
-              <a:t>有损压缩</a:t>
-            </a:r>
-            <a:r>
-              <a:rPr lang="zh-CN" altLang="en-US" dirty="0"/>
-              <a:t>（节省空间）</a:t>
-            </a:r>
-            <a:r>
-              <a:rPr lang="zh-CN" altLang="en-US" dirty="0" smtClean="0"/>
-              <a:t>。</a:t>
-            </a:r>
-            <a:r>
-              <a:rPr lang="en-US" altLang="zh-CN" dirty="0" smtClean="0"/>
-              <a:t>(</a:t>
+              <a:t>上执行</a:t>
+            </a:r>
+            <a:r>
+              <a:rPr lang="en-US" altLang="zh-CN" dirty="0" smtClean="0"/>
+              <a:t>SQL</a:t>
+            </a:r>
+            <a:r>
+              <a:rPr lang="zh-CN" altLang="en-US" dirty="0" smtClean="0"/>
+              <a:t>是低效的</a:t>
             </a:r>
             <a:r>
               <a:rPr lang="zh-CN" altLang="en-US" dirty="0" smtClean="0">
@@ -6439,50 +6401,27 @@
                   <a:srgbClr val="FF0000"/>
                 </a:solidFill>
               </a:rPr>
-              <a:t>结合</a:t>
-            </a:r>
-            <a:r>
-              <a:rPr lang="en-US" altLang="zh-CN" dirty="0" smtClean="0">
-                <a:solidFill>
-                  <a:srgbClr val="FF0000"/>
-                </a:solidFill>
-              </a:rPr>
-              <a:t>master</a:t>
-            </a:r>
-            <a:r>
-              <a:rPr lang="zh-CN" altLang="en-US" dirty="0" smtClean="0">
-                <a:solidFill>
-                  <a:srgbClr val="FF0000"/>
-                </a:solidFill>
-              </a:rPr>
-              <a:t>和</a:t>
-            </a:r>
-            <a:r>
-              <a:rPr lang="en-US" altLang="zh-CN" dirty="0" smtClean="0">
-                <a:solidFill>
-                  <a:srgbClr val="FF0000"/>
-                </a:solidFill>
-              </a:rPr>
-              <a:t>worker</a:t>
-            </a:r>
-            <a:r>
-              <a:rPr lang="zh-CN" altLang="en-US" dirty="0" smtClean="0">
-                <a:solidFill>
-                  <a:srgbClr val="FF0000"/>
-                </a:solidFill>
-              </a:rPr>
-              <a:t>的图</a:t>
-            </a:r>
-            <a:r>
-              <a:rPr lang="en-US" altLang="zh-CN" dirty="0" smtClean="0"/>
-              <a:t>)</a:t>
-            </a:r>
-            <a:endParaRPr lang="zh-CN" altLang="en-US" dirty="0"/>
-          </a:p>
-          <a:p>
+              <a:t>（加些例子）</a:t>
+            </a:r>
+            <a:r>
+              <a:rPr lang="zh-CN" altLang="en-US" dirty="0" smtClean="0"/>
+              <a:t>。</a:t>
+            </a:r>
             <a:endParaRPr lang="en-US" altLang="zh-CN" dirty="0" smtClean="0"/>
           </a:p>
           <a:p>
+            <a:r>
+              <a:rPr lang="zh-CN" altLang="en-US" dirty="0" smtClean="0"/>
+              <a:t>提出的优化机制：在 </a:t>
+            </a:r>
+            <a:r>
+              <a:rPr lang="zh-CN" altLang="en-US" b="1" dirty="0" smtClean="0"/>
+              <a:t>运行时</a:t>
+            </a:r>
+            <a:r>
+              <a:rPr lang="zh-CN" altLang="en-US" dirty="0" smtClean="0"/>
+              <a:t> 进行“动态的、统计驱动的”再优化。</a:t>
+            </a:r>
             <a:endParaRPr lang="zh-CN" altLang="en-US" dirty="0"/>
           </a:p>
         </p:txBody>
@@ -6490,7 +6429,7 @@
     </p:spTree>
     <p:extLst>
       <p:ext uri="{BB962C8B-B14F-4D97-AF65-F5344CB8AC3E}">
-        <p14:creationId xmlns:p14="http://schemas.microsoft.com/office/powerpoint/2010/main" xmlns="" val="1732199764"/>
+        <p14:creationId xmlns:p14="http://schemas.microsoft.com/office/powerpoint/2010/main" val="4158841978"/>
       </p:ext>
     </p:extLst>
   </p:cSld>
@@ -6541,47 +6480,350 @@
           <a:p>
             <a:r>
               <a:rPr lang="zh-CN" altLang="en-US" dirty="0"/>
-              <a:t>引擎扩展</a:t>
+              <a:t>引擎</a:t>
+            </a:r>
+            <a:r>
+              <a:rPr lang="zh-CN" altLang="en-US" dirty="0" smtClean="0"/>
+              <a:t>扩展</a:t>
+            </a:r>
+            <a:r>
+              <a:rPr lang="en-US" altLang="zh-CN" dirty="0" smtClean="0"/>
+              <a:t>:PDE</a:t>
+            </a:r>
+            <a:endParaRPr lang="zh-CN" altLang="en-US" dirty="0"/>
+          </a:p>
+        </p:txBody>
+      </p:sp>
+      <p:sp>
+        <p:nvSpPr>
+          <p:cNvPr id="3" name="内容占位符 2"/>
+          <p:cNvSpPr>
+            <a:spLocks noGrp="1"/>
+          </p:cNvSpPr>
+          <p:nvPr>
+            <p:ph idx="1"/>
+          </p:nvPr>
+        </p:nvSpPr>
+        <p:spPr/>
+        <p:txBody>
+          <a:bodyPr>
+            <a:normAutofit fontScale="70000" lnSpcReduction="20000"/>
+          </a:bodyPr>
+          <a:lstStyle/>
+          <a:p>
+            <a:r>
+              <a:rPr lang="zh-CN" altLang="en-US" dirty="0" smtClean="0"/>
+              <a:t>扩展</a:t>
+            </a:r>
+            <a:r>
+              <a:rPr lang="en-US" altLang="zh-CN" dirty="0" smtClean="0"/>
+              <a:t>Spark</a:t>
+            </a:r>
+            <a:r>
+              <a:rPr lang="zh-CN" altLang="en-US" dirty="0" smtClean="0"/>
+              <a:t>，支持</a:t>
+            </a:r>
+            <a:r>
+              <a:rPr lang="en-US" altLang="zh-CN" dirty="0" smtClean="0"/>
+              <a:t>partial DAG execution</a:t>
+            </a:r>
+            <a:r>
+              <a:rPr lang="zh-CN" altLang="en-US" dirty="0" smtClean="0"/>
+              <a:t>（</a:t>
+            </a:r>
+            <a:r>
+              <a:rPr lang="en-US" altLang="zh-CN" dirty="0" smtClean="0"/>
+              <a:t>PDE</a:t>
+            </a:r>
+            <a:r>
+              <a:rPr lang="zh-CN" altLang="en-US" dirty="0" smtClean="0"/>
+              <a:t>）：在 </a:t>
+            </a:r>
+            <a:r>
+              <a:rPr lang="zh-CN" altLang="en-US" b="1" dirty="0" smtClean="0"/>
+              <a:t>运行时</a:t>
+            </a:r>
+            <a:r>
+              <a:rPr lang="zh-CN" altLang="en-US" dirty="0" smtClean="0"/>
+              <a:t> 收集数据的统计信息，</a:t>
+            </a:r>
+            <a:r>
+              <a:rPr lang="zh-CN" altLang="en-US" b="1" dirty="0" smtClean="0"/>
+              <a:t>动态</a:t>
+            </a:r>
+            <a:r>
+              <a:rPr lang="zh-CN" altLang="en-US" dirty="0" smtClean="0"/>
+              <a:t>改变</a:t>
+            </a:r>
+            <a:r>
+              <a:rPr lang="zh-CN" altLang="en-US" b="1" dirty="0" smtClean="0"/>
+              <a:t>查询计划</a:t>
+            </a:r>
+            <a:r>
+              <a:rPr lang="zh-CN" altLang="en-US" dirty="0" smtClean="0"/>
+              <a:t>。</a:t>
+            </a:r>
+            <a:endParaRPr lang="en-US" altLang="zh-CN" dirty="0" smtClean="0"/>
+          </a:p>
+          <a:p>
+            <a:r>
+              <a:rPr lang="zh-CN" altLang="en-US" dirty="0" smtClean="0"/>
+              <a:t>思路：目前</a:t>
+            </a:r>
+            <a:r>
+              <a:rPr lang="en-US" altLang="zh-CN" dirty="0" smtClean="0"/>
+              <a:t>PDE</a:t>
+            </a:r>
+            <a:r>
+              <a:rPr lang="zh-CN" altLang="en-US" dirty="0" smtClean="0"/>
+              <a:t>已经应用到“块的</a:t>
+            </a:r>
+            <a:r>
+              <a:rPr lang="en-US" altLang="zh-CN" dirty="0" smtClean="0"/>
+              <a:t>shuffle</a:t>
+            </a:r>
+            <a:r>
+              <a:rPr lang="zh-CN" altLang="en-US" dirty="0" smtClean="0"/>
+              <a:t>操作边界”。</a:t>
+            </a:r>
+            <a:endParaRPr lang="en-US" altLang="zh-CN" dirty="0" smtClean="0"/>
+          </a:p>
+          <a:p>
+            <a:r>
+              <a:rPr lang="zh-CN" altLang="en-US" dirty="0" smtClean="0"/>
+              <a:t>原因：该边界（也即</a:t>
+            </a:r>
+            <a:r>
+              <a:rPr lang="en-US" altLang="zh-CN" dirty="0" smtClean="0"/>
+              <a:t>RDD</a:t>
+            </a:r>
+            <a:r>
+              <a:rPr lang="zh-CN" altLang="en-US" dirty="0" smtClean="0"/>
+              <a:t>从“窄依赖”到“宽依赖”的边界）涉及到数据的交换和重新分区，在</a:t>
+            </a:r>
+            <a:r>
+              <a:rPr lang="en-US" altLang="zh-CN" dirty="0" smtClean="0"/>
+              <a:t>Shark</a:t>
+            </a:r>
+            <a:r>
+              <a:rPr lang="zh-CN" altLang="en-US" dirty="0" smtClean="0"/>
+              <a:t>里是最耗费时间的。</a:t>
+            </a:r>
+            <a:endParaRPr lang="en-US" altLang="zh-CN" dirty="0" smtClean="0"/>
+          </a:p>
+          <a:p>
+            <a:r>
+              <a:rPr lang="zh-CN" altLang="en-US" dirty="0" smtClean="0"/>
+              <a:t>注意：默认情况下，</a:t>
+            </a:r>
+            <a:r>
+              <a:rPr lang="en-US" altLang="zh-CN" dirty="0" smtClean="0"/>
+              <a:t>Spark</a:t>
+            </a:r>
+            <a:r>
+              <a:rPr lang="zh-CN" altLang="en-US" dirty="0" smtClean="0"/>
+              <a:t>在</a:t>
+            </a:r>
+            <a:r>
+              <a:rPr lang="en-US" altLang="zh-CN" dirty="0" smtClean="0"/>
+              <a:t>shuffle</a:t>
+            </a:r>
+            <a:r>
+              <a:rPr lang="zh-CN" altLang="en-US" dirty="0"/>
+              <a:t>前</a:t>
+            </a:r>
+            <a:r>
+              <a:rPr lang="zh-CN" altLang="en-US" dirty="0" smtClean="0"/>
+              <a:t>物化每个</a:t>
+            </a:r>
+            <a:r>
+              <a:rPr lang="en-US" altLang="zh-CN" dirty="0" smtClean="0"/>
+              <a:t>map</a:t>
+            </a:r>
+            <a:r>
+              <a:rPr lang="zh-CN" altLang="en-US" dirty="0" smtClean="0"/>
+              <a:t>任务的输出到内存，当有必要时（如内存吃紧）会存入磁盘。</a:t>
+            </a:r>
+            <a:endParaRPr lang="en-US" altLang="zh-CN" dirty="0" smtClean="0"/>
+          </a:p>
+          <a:p>
+            <a:r>
+              <a:rPr lang="en-US" altLang="zh-CN" dirty="0" smtClean="0"/>
+              <a:t>PDE</a:t>
+            </a:r>
+            <a:r>
+              <a:rPr lang="zh-CN" altLang="en-US" dirty="0" smtClean="0"/>
+              <a:t>修改机制涉及两个方面：</a:t>
+            </a:r>
+            <a:endParaRPr lang="en-US" altLang="zh-CN" dirty="0" smtClean="0"/>
+          </a:p>
+          <a:p>
+            <a:pPr lvl="1"/>
+            <a:r>
+              <a:rPr lang="en-US" altLang="zh-CN" dirty="0" smtClean="0"/>
+              <a:t>1. </a:t>
+            </a:r>
+            <a:r>
+              <a:rPr lang="zh-CN" altLang="en-US" dirty="0" smtClean="0"/>
+              <a:t>在物化</a:t>
+            </a:r>
+            <a:r>
+              <a:rPr lang="en-US" altLang="zh-CN" dirty="0" smtClean="0"/>
+              <a:t>map</a:t>
+            </a:r>
+            <a:r>
+              <a:rPr lang="zh-CN" altLang="en-US" dirty="0" smtClean="0"/>
+              <a:t>输出时，</a:t>
+            </a:r>
+            <a:r>
+              <a:rPr lang="en-US" altLang="zh-CN" dirty="0" smtClean="0"/>
+              <a:t>PDE</a:t>
+            </a:r>
+            <a:r>
+              <a:rPr lang="zh-CN" altLang="en-US" dirty="0" smtClean="0"/>
+              <a:t>可在全局范围内针对每个分区，收集可自定义的统计信息，如分区大小、记录数、热数据等。</a:t>
+            </a:r>
+            <a:endParaRPr lang="en-US" altLang="zh-CN" dirty="0" smtClean="0"/>
+          </a:p>
+          <a:p>
+            <a:pPr lvl="1"/>
+            <a:r>
+              <a:rPr lang="en-US" altLang="zh-CN" dirty="0" smtClean="0"/>
+              <a:t>2. </a:t>
+            </a:r>
+            <a:r>
+              <a:rPr lang="zh-CN" altLang="en-US" dirty="0" smtClean="0"/>
+              <a:t>基于这些统计信息，</a:t>
+            </a:r>
+            <a:r>
+              <a:rPr lang="en-US" altLang="zh-CN" dirty="0" smtClean="0"/>
+              <a:t>PDE</a:t>
+            </a:r>
+            <a:r>
+              <a:rPr lang="zh-CN" altLang="en-US" dirty="0" smtClean="0"/>
+              <a:t>允许</a:t>
+            </a:r>
+            <a:r>
+              <a:rPr lang="en-US" altLang="zh-CN" dirty="0" smtClean="0"/>
+              <a:t>DAG</a:t>
+            </a:r>
+            <a:r>
+              <a:rPr lang="zh-CN" altLang="en-US" dirty="0" smtClean="0"/>
+              <a:t>进行调整</a:t>
+            </a:r>
+            <a:r>
+              <a:rPr lang="en-US" altLang="zh-CN" dirty="0" smtClean="0"/>
+              <a:t>: (1)</a:t>
+            </a:r>
+            <a:r>
+              <a:rPr lang="zh-CN" altLang="en-US" dirty="0" smtClean="0"/>
+              <a:t>选择不同的操作；</a:t>
+            </a:r>
+            <a:r>
+              <a:rPr lang="en-US" altLang="zh-CN" dirty="0" smtClean="0"/>
+              <a:t>(2)</a:t>
+            </a:r>
+            <a:r>
+              <a:rPr lang="zh-CN" altLang="en-US" dirty="0" smtClean="0"/>
+              <a:t>改变参数，如并行度</a:t>
+            </a:r>
+            <a:endParaRPr lang="en-US" altLang="zh-CN" dirty="0" smtClean="0"/>
+          </a:p>
+          <a:p>
+            <a:r>
+              <a:rPr lang="zh-CN" altLang="en-US" dirty="0"/>
+              <a:t>统计信息收集：这些统计信息由每个</a:t>
             </a:r>
             <a:r>
               <a:rPr lang="en-US" altLang="zh-CN" dirty="0"/>
-              <a:t>:</a:t>
-            </a:r>
-            <a:r>
-              <a:rPr lang="en-US" altLang="zh-CN" dirty="0" smtClean="0"/>
-              <a:t>PDE Join</a:t>
-            </a:r>
-            <a:r>
-              <a:rPr lang="zh-CN" altLang="en-US" dirty="0" smtClean="0"/>
-              <a:t>优化</a:t>
+              <a:t>worker</a:t>
+            </a:r>
+            <a:r>
+              <a:rPr lang="zh-CN" altLang="en-US" dirty="0"/>
+              <a:t>发送给</a:t>
+            </a:r>
+            <a:r>
+              <a:rPr lang="en-US" altLang="zh-CN" dirty="0"/>
+              <a:t>master</a:t>
+            </a:r>
+            <a:r>
+              <a:rPr lang="zh-CN" altLang="en-US" dirty="0"/>
+              <a:t>，然后汇总提交给优化器。针对统计信息，采用</a:t>
+            </a:r>
+            <a:r>
+              <a:rPr lang="zh-CN" altLang="en-US" b="1" dirty="0"/>
+              <a:t>有损压缩</a:t>
+            </a:r>
+            <a:r>
+              <a:rPr lang="zh-CN" altLang="en-US" dirty="0"/>
+              <a:t>（节省空间）</a:t>
+            </a:r>
+            <a:r>
+              <a:rPr lang="zh-CN" altLang="en-US" dirty="0" smtClean="0"/>
+              <a:t>。</a:t>
+            </a:r>
+            <a:r>
+              <a:rPr lang="en-US" altLang="zh-CN" dirty="0" smtClean="0"/>
+              <a:t>(</a:t>
+            </a:r>
+            <a:r>
+              <a:rPr lang="zh-CN" altLang="en-US" dirty="0" smtClean="0">
+                <a:solidFill>
+                  <a:srgbClr val="FF0000"/>
+                </a:solidFill>
+              </a:rPr>
+              <a:t>结合</a:t>
+            </a:r>
+            <a:r>
+              <a:rPr lang="en-US" altLang="zh-CN" dirty="0" smtClean="0">
+                <a:solidFill>
+                  <a:srgbClr val="FF0000"/>
+                </a:solidFill>
+              </a:rPr>
+              <a:t>master</a:t>
+            </a:r>
+            <a:r>
+              <a:rPr lang="zh-CN" altLang="en-US" dirty="0" smtClean="0">
+                <a:solidFill>
+                  <a:srgbClr val="FF0000"/>
+                </a:solidFill>
+              </a:rPr>
+              <a:t>和</a:t>
+            </a:r>
+            <a:r>
+              <a:rPr lang="en-US" altLang="zh-CN" dirty="0" smtClean="0">
+                <a:solidFill>
+                  <a:srgbClr val="FF0000"/>
+                </a:solidFill>
+              </a:rPr>
+              <a:t>worker</a:t>
+            </a:r>
+            <a:r>
+              <a:rPr lang="zh-CN" altLang="en-US" dirty="0" smtClean="0">
+                <a:solidFill>
+                  <a:srgbClr val="FF0000"/>
+                </a:solidFill>
+              </a:rPr>
+              <a:t>的图</a:t>
+            </a:r>
+            <a:r>
+              <a:rPr lang="en-US" altLang="zh-CN" dirty="0" smtClean="0"/>
+              <a:t>)</a:t>
             </a:r>
             <a:endParaRPr lang="zh-CN" altLang="en-US" dirty="0"/>
           </a:p>
-        </p:txBody>
-      </p:sp>
-      <p:sp>
-        <p:nvSpPr>
-          <p:cNvPr id="3" name="内容占位符 2"/>
-          <p:cNvSpPr>
-            <a:spLocks noGrp="1"/>
-          </p:cNvSpPr>
-          <p:nvPr>
-            <p:ph idx="1"/>
-          </p:nvPr>
-        </p:nvSpPr>
-        <p:spPr/>
-        <p:txBody>
-          <a:bodyPr/>
-          <a:lstStyle/>
-          <a:p>
-            <a:endParaRPr lang="zh-CN" altLang="en-US"/>
+          <a:p>
+            <a:endParaRPr lang="en-US" altLang="zh-CN" dirty="0" smtClean="0"/>
+          </a:p>
+          <a:p>
+            <a:endParaRPr lang="zh-CN" altLang="en-US" dirty="0"/>
           </a:p>
         </p:txBody>
       </p:sp>
     </p:spTree>
     <p:extLst>
       <p:ext uri="{BB962C8B-B14F-4D97-AF65-F5344CB8AC3E}">
-        <p14:creationId xmlns:p14="http://schemas.microsoft.com/office/powerpoint/2010/main" xmlns="" val="509463109"/>
+        <p14:creationId xmlns:p14="http://schemas.microsoft.com/office/powerpoint/2010/main" val="1732199764"/>
       </p:ext>
     </p:extLst>
   </p:cSld>
@@ -6627,9 +6869,7 @@
         </p:nvSpPr>
         <p:spPr/>
         <p:txBody>
-          <a:bodyPr>
-            <a:normAutofit fontScale="90000"/>
-          </a:bodyPr>
+          <a:bodyPr/>
           <a:lstStyle/>
           <a:p>
             <a:r>
@@ -6642,19 +6882,11 @@
             </a:r>
             <a:r>
               <a:rPr lang="en-US" altLang="zh-CN" dirty="0" smtClean="0"/>
-              <a:t>PDE </a:t>
-            </a:r>
-            <a:r>
-              <a:rPr lang="zh-CN" altLang="en-US" dirty="0" smtClean="0"/>
-              <a:t>斜</a:t>
-            </a:r>
-            <a:r>
-              <a:rPr lang="en-US" altLang="zh-CN" dirty="0" smtClean="0"/>
-              <a:t>(skew)</a:t>
-            </a:r>
-            <a:r>
-              <a:rPr lang="zh-CN" altLang="en-US" dirty="0" smtClean="0"/>
-              <a:t>处理和并行度</a:t>
+              <a:t>PDE Join</a:t>
+            </a:r>
+            <a:r>
+              <a:rPr lang="zh-CN" altLang="en-US" dirty="0" smtClean="0"/>
+              <a:t>优化</a:t>
             </a:r>
             <a:endParaRPr lang="zh-CN" altLang="en-US" dirty="0"/>
           </a:p>
@@ -6672,235 +6904,17 @@
         </p:nvSpPr>
         <p:spPr/>
         <p:txBody>
-          <a:bodyPr>
-            <a:normAutofit fontScale="62500" lnSpcReduction="20000"/>
-          </a:bodyPr>
-          <a:lstStyle/>
-          <a:p>
-            <a:r>
-              <a:rPr lang="en-US" altLang="zh-CN" dirty="0" smtClean="0"/>
-              <a:t>Reducer</a:t>
-            </a:r>
-            <a:r>
-              <a:rPr lang="zh-CN" altLang="en-US" dirty="0" smtClean="0"/>
-              <a:t>任务的并行度对性能的影响</a:t>
-            </a:r>
-            <a:r>
-              <a:rPr lang="en-US" altLang="zh-CN" dirty="0" smtClean="0"/>
-              <a:t>: </a:t>
-            </a:r>
-            <a:r>
-              <a:rPr lang="zh-CN" altLang="en-US" dirty="0" smtClean="0"/>
-              <a:t>（这里提到的并行度针对</a:t>
-            </a:r>
-            <a:r>
-              <a:rPr lang="en-US" altLang="zh-CN" dirty="0" smtClean="0"/>
-              <a:t>reducer</a:t>
-            </a:r>
-            <a:r>
-              <a:rPr lang="zh-CN" altLang="en-US" dirty="0" smtClean="0"/>
-              <a:t>）</a:t>
-            </a:r>
-            <a:endParaRPr lang="en-US" altLang="zh-CN" dirty="0" smtClean="0"/>
-          </a:p>
-          <a:p>
-            <a:pPr marL="0" indent="0">
-              <a:buNone/>
-            </a:pPr>
-            <a:r>
-              <a:rPr lang="en-US" altLang="zh-CN" dirty="0" smtClean="0"/>
-              <a:t>(1)Reducer</a:t>
-            </a:r>
-            <a:r>
-              <a:rPr lang="zh-CN" altLang="en-US" dirty="0" smtClean="0"/>
-              <a:t>个数太少，那么</a:t>
-            </a:r>
-            <a:r>
-              <a:rPr lang="en-US" altLang="zh-CN" dirty="0" smtClean="0"/>
-              <a:t>reducer</a:t>
-            </a:r>
-            <a:r>
-              <a:rPr lang="zh-CN" altLang="en-US" dirty="0" smtClean="0"/>
-              <a:t>的网络工作负载过高，并且消耗大量的内存；</a:t>
-            </a:r>
-            <a:endParaRPr lang="en-US" altLang="zh-CN" dirty="0" smtClean="0"/>
-          </a:p>
-          <a:p>
-            <a:pPr marL="0" indent="0">
-              <a:buNone/>
-            </a:pPr>
-            <a:r>
-              <a:rPr lang="en-US" altLang="zh-CN" dirty="0" smtClean="0"/>
-              <a:t>(2)Reducer</a:t>
-            </a:r>
-            <a:r>
-              <a:rPr lang="zh-CN" altLang="en-US" dirty="0" smtClean="0"/>
-              <a:t>个数太多，则会延长作业（</a:t>
-            </a:r>
-            <a:r>
-              <a:rPr lang="en-US" altLang="zh-CN" dirty="0" smtClean="0"/>
-              <a:t>job</a:t>
-            </a:r>
-            <a:r>
-              <a:rPr lang="zh-CN" altLang="en-US" dirty="0" smtClean="0"/>
-              <a:t>）完成时间，因为任务调度开销大。</a:t>
-            </a:r>
-            <a:endParaRPr lang="en-US" altLang="zh-CN" dirty="0" smtClean="0"/>
-          </a:p>
-          <a:p>
-            <a:r>
-              <a:rPr lang="zh-CN" altLang="en-US" dirty="0" smtClean="0"/>
-              <a:t>解决办法：使用</a:t>
-            </a:r>
-            <a:r>
-              <a:rPr lang="en-US" altLang="zh-CN" dirty="0" smtClean="0"/>
-              <a:t>PDE</a:t>
-            </a:r>
-            <a:r>
-              <a:rPr lang="zh-CN" altLang="en-US" dirty="0" smtClean="0"/>
-              <a:t>，</a:t>
-            </a:r>
-            <a:r>
-              <a:rPr lang="en-US" altLang="zh-CN" dirty="0" smtClean="0"/>
-              <a:t>Shark</a:t>
-            </a:r>
-            <a:r>
-              <a:rPr lang="zh-CN" altLang="en-US" dirty="0" smtClean="0"/>
-              <a:t>针对单独分区的大小，在</a:t>
-            </a:r>
-            <a:r>
-              <a:rPr lang="zh-CN" altLang="en-US" b="1" dirty="0" smtClean="0"/>
-              <a:t>运行时（</a:t>
-            </a:r>
-            <a:r>
-              <a:rPr lang="en-US" altLang="zh-CN" b="1" dirty="0" smtClean="0"/>
-              <a:t>run-time</a:t>
-            </a:r>
-            <a:r>
-              <a:rPr lang="zh-CN" altLang="en-US" b="1" dirty="0" smtClean="0"/>
-              <a:t>）</a:t>
-            </a:r>
-            <a:r>
-              <a:rPr lang="zh-CN" altLang="en-US" dirty="0" smtClean="0"/>
-              <a:t>决定</a:t>
-            </a:r>
-            <a:r>
-              <a:rPr lang="en-US" altLang="zh-CN" dirty="0" smtClean="0"/>
-              <a:t>reducer</a:t>
-            </a:r>
-            <a:r>
-              <a:rPr lang="zh-CN" altLang="en-US" dirty="0" smtClean="0"/>
-              <a:t>的个数，通过合并很多小的、细粒度的分区，得到少量的粗粒度的分区。</a:t>
-            </a:r>
-            <a:r>
-              <a:rPr lang="zh-CN" altLang="en-US" dirty="0" smtClean="0">
-                <a:solidFill>
-                  <a:srgbClr val="FF0000"/>
-                </a:solidFill>
-              </a:rPr>
-              <a:t>分区个数和</a:t>
-            </a:r>
-            <a:r>
-              <a:rPr lang="en-US" altLang="zh-CN" dirty="0" smtClean="0">
-                <a:solidFill>
-                  <a:srgbClr val="FF0000"/>
-                </a:solidFill>
-              </a:rPr>
-              <a:t>reducer</a:t>
-            </a:r>
-            <a:r>
-              <a:rPr lang="zh-CN" altLang="en-US" dirty="0" smtClean="0">
-                <a:solidFill>
-                  <a:srgbClr val="FF0000"/>
-                </a:solidFill>
-              </a:rPr>
-              <a:t>个数关系？</a:t>
-            </a:r>
-            <a:endParaRPr lang="en-US" altLang="zh-CN" dirty="0" smtClean="0">
-              <a:solidFill>
-                <a:srgbClr val="FF0000"/>
-              </a:solidFill>
-            </a:endParaRPr>
-          </a:p>
-          <a:p>
-            <a:r>
-              <a:rPr lang="zh-CN" altLang="en-US" dirty="0" smtClean="0"/>
-              <a:t>分区过程遇到的“斜</a:t>
-            </a:r>
-            <a:r>
-              <a:rPr lang="en-US" altLang="zh-CN" dirty="0" smtClean="0"/>
-              <a:t>(skew)</a:t>
-            </a:r>
-            <a:r>
-              <a:rPr lang="zh-CN" altLang="en-US" dirty="0" smtClean="0"/>
-              <a:t>问题”</a:t>
-            </a:r>
-            <a:r>
-              <a:rPr lang="en-US" altLang="zh-CN" dirty="0" smtClean="0"/>
-              <a:t>:</a:t>
-            </a:r>
-            <a:r>
-              <a:rPr lang="zh-CN" altLang="en-US" dirty="0" smtClean="0"/>
-              <a:t>小分区合并后得到的大分区，其大小可能不一。</a:t>
-            </a:r>
-            <a:endParaRPr lang="en-US" altLang="zh-CN" dirty="0" smtClean="0"/>
-          </a:p>
-          <a:p>
-            <a:r>
-              <a:rPr lang="zh-CN" altLang="en-US" dirty="0" smtClean="0"/>
-              <a:t>解决办法：使用</a:t>
-            </a:r>
-            <a:r>
-              <a:rPr lang="en-US" altLang="zh-CN" dirty="0"/>
-              <a:t>greedy </a:t>
-            </a:r>
-            <a:r>
-              <a:rPr lang="en-US" altLang="zh-CN" dirty="0" smtClean="0"/>
-              <a:t>bin-packing heuristic</a:t>
-            </a:r>
-            <a:r>
-              <a:rPr lang="zh-CN" altLang="en-US" dirty="0" smtClean="0"/>
-              <a:t>，试图使合并后的分区大小均等化。</a:t>
-            </a:r>
-            <a:endParaRPr lang="en-US" altLang="zh-CN" dirty="0" smtClean="0"/>
-          </a:p>
-          <a:p>
-            <a:r>
-              <a:rPr lang="zh-CN" altLang="en-US" dirty="0" smtClean="0"/>
-              <a:t>本文提到一个有意思的现象：在</a:t>
-            </a:r>
-            <a:r>
-              <a:rPr lang="en-US" altLang="zh-CN" dirty="0" smtClean="0"/>
-              <a:t>Shark</a:t>
-            </a:r>
-            <a:r>
-              <a:rPr lang="zh-CN" altLang="en-US" dirty="0" smtClean="0"/>
-              <a:t>上运行大量的</a:t>
-            </a:r>
-            <a:r>
-              <a:rPr lang="en-US" altLang="zh-CN" dirty="0" smtClean="0"/>
-              <a:t>reducer</a:t>
-            </a:r>
-            <a:r>
-              <a:rPr lang="zh-CN" altLang="en-US" dirty="0" smtClean="0"/>
-              <a:t>任务，却有相似的性能提升，作者们把这归功于</a:t>
-            </a:r>
-            <a:r>
-              <a:rPr lang="en-US" altLang="zh-CN" dirty="0" smtClean="0"/>
-              <a:t>Spark</a:t>
-            </a:r>
-            <a:r>
-              <a:rPr lang="zh-CN" altLang="en-US" dirty="0" smtClean="0"/>
-              <a:t>的调度和任务启动开销很低。</a:t>
-            </a:r>
-            <a:endParaRPr lang="zh-CN" altLang="en-US" dirty="0"/>
+          <a:bodyPr/>
+          <a:lstStyle/>
+          <a:p>
+            <a:endParaRPr lang="zh-CN" altLang="en-US"/>
           </a:p>
         </p:txBody>
       </p:sp>
     </p:spTree>
     <p:extLst>
       <p:ext uri="{BB962C8B-B14F-4D97-AF65-F5344CB8AC3E}">
-        <p14:creationId xmlns:p14="http://schemas.microsoft.com/office/powerpoint/2010/main" xmlns="" val="3207996613"/>
+        <p14:creationId xmlns:p14="http://schemas.microsoft.com/office/powerpoint/2010/main" val="509463109"/>
       </p:ext>
     </p:extLst>
   </p:cSld>
@@ -6946,16 +6960,34 @@
         </p:nvSpPr>
         <p:spPr/>
         <p:txBody>
-          <a:bodyPr/>
+          <a:bodyPr>
+            <a:normAutofit fontScale="90000"/>
+          </a:bodyPr>
           <a:lstStyle/>
           <a:p>
             <a:r>
               <a:rPr lang="zh-CN" altLang="en-US" dirty="0"/>
-              <a:t>引擎</a:t>
-            </a:r>
-            <a:r>
-              <a:rPr lang="zh-CN" altLang="en-US" dirty="0" smtClean="0"/>
-              <a:t>扩展：列内存存储</a:t>
+              <a:t>引擎扩展</a:t>
+            </a:r>
+            <a:r>
+              <a:rPr lang="en-US" altLang="zh-CN" dirty="0"/>
+              <a:t>:</a:t>
+            </a:r>
+            <a:r>
+              <a:rPr lang="en-US" altLang="zh-CN" dirty="0" smtClean="0"/>
+              <a:t>PDE </a:t>
+            </a:r>
+            <a:r>
+              <a:rPr lang="zh-CN" altLang="en-US" dirty="0" smtClean="0"/>
+              <a:t>斜</a:t>
+            </a:r>
+            <a:r>
+              <a:rPr lang="en-US" altLang="zh-CN" dirty="0" smtClean="0"/>
+              <a:t>(skew)</a:t>
+            </a:r>
+            <a:r>
+              <a:rPr lang="zh-CN" altLang="en-US" dirty="0" smtClean="0"/>
+              <a:t>处理和并行度</a:t>
             </a:r>
             <a:endParaRPr lang="zh-CN" altLang="en-US" dirty="0"/>
           </a:p>
@@ -6974,40 +7006,92 @@
         <p:spPr/>
         <p:txBody>
           <a:bodyPr>
-            <a:normAutofit fontScale="92500" lnSpcReduction="20000"/>
+            <a:normAutofit fontScale="62500" lnSpcReduction="20000"/>
           </a:bodyPr>
           <a:lstStyle/>
           <a:p>
             <a:r>
-              <a:rPr lang="zh-CN" altLang="en-US" dirty="0"/>
-              <a:t>内存</a:t>
-            </a:r>
-            <a:r>
-              <a:rPr lang="zh-CN" altLang="en-US" dirty="0" smtClean="0"/>
-              <a:t>计算能使查询低延迟，内存的吞吐量比磁盘的吞吐量</a:t>
-            </a:r>
-            <a:r>
-              <a:rPr lang="zh-CN" altLang="en-US" dirty="0"/>
-              <a:t>高几</a:t>
-            </a:r>
-            <a:r>
-              <a:rPr lang="zh-CN" altLang="en-US" dirty="0" smtClean="0"/>
-              <a:t>个数量级。</a:t>
+              <a:rPr lang="en-US" altLang="zh-CN" dirty="0" smtClean="0"/>
+              <a:t>Reducer</a:t>
+            </a:r>
+            <a:r>
+              <a:rPr lang="zh-CN" altLang="en-US" dirty="0" smtClean="0"/>
+              <a:t>任务的并行度对性能的影响</a:t>
+            </a:r>
+            <a:r>
+              <a:rPr lang="en-US" altLang="zh-CN" dirty="0" smtClean="0"/>
+              <a:t>: </a:t>
+            </a:r>
+            <a:r>
+              <a:rPr lang="zh-CN" altLang="en-US" dirty="0" smtClean="0"/>
+              <a:t>（这里提到的并行度针对</a:t>
+            </a:r>
+            <a:r>
+              <a:rPr lang="en-US" altLang="zh-CN" dirty="0" smtClean="0"/>
+              <a:t>reducer</a:t>
+            </a:r>
+            <a:r>
+              <a:rPr lang="zh-CN" altLang="en-US" dirty="0" smtClean="0"/>
+              <a:t>）</a:t>
             </a:r>
             <a:endParaRPr lang="en-US" altLang="zh-CN" dirty="0" smtClean="0"/>
           </a:p>
           <a:p>
-            <a:r>
-              <a:rPr lang="zh-CN" altLang="en-US" dirty="0" smtClean="0"/>
-              <a:t>但简单地使用</a:t>
-            </a:r>
-            <a:r>
-              <a:rPr lang="en-US" altLang="zh-CN" dirty="0" smtClean="0"/>
-              <a:t>Spark</a:t>
-            </a:r>
-            <a:r>
-              <a:rPr lang="zh-CN" altLang="en-US" dirty="0" smtClean="0"/>
-              <a:t>的内存存储，并不能使</a:t>
+            <a:pPr marL="0" indent="0">
+              <a:buNone/>
+            </a:pPr>
+            <a:r>
+              <a:rPr lang="en-US" altLang="zh-CN" dirty="0" smtClean="0"/>
+              <a:t>(1)Reducer</a:t>
+            </a:r>
+            <a:r>
+              <a:rPr lang="zh-CN" altLang="en-US" dirty="0" smtClean="0"/>
+              <a:t>个数太少，那么</a:t>
+            </a:r>
+            <a:r>
+              <a:rPr lang="en-US" altLang="zh-CN" dirty="0" smtClean="0"/>
+              <a:t>reducer</a:t>
+            </a:r>
+            <a:r>
+              <a:rPr lang="zh-CN" altLang="en-US" dirty="0" smtClean="0"/>
+              <a:t>的网络工作负载过高，并且消耗大量的内存；</a:t>
+            </a:r>
+            <a:endParaRPr lang="en-US" altLang="zh-CN" dirty="0" smtClean="0"/>
+          </a:p>
+          <a:p>
+            <a:pPr marL="0" indent="0">
+              <a:buNone/>
+            </a:pPr>
+            <a:r>
+              <a:rPr lang="en-US" altLang="zh-CN" dirty="0" smtClean="0"/>
+              <a:t>(2)Reducer</a:t>
+            </a:r>
+            <a:r>
+              <a:rPr lang="zh-CN" altLang="en-US" dirty="0" smtClean="0"/>
+              <a:t>个数太多，则会延长作业（</a:t>
+            </a:r>
+            <a:r>
+              <a:rPr lang="en-US" altLang="zh-CN" dirty="0" smtClean="0"/>
+              <a:t>job</a:t>
+            </a:r>
+            <a:r>
+              <a:rPr lang="zh-CN" altLang="en-US" dirty="0" smtClean="0"/>
+              <a:t>）完成时间，因为任务调度开销大。</a:t>
+            </a:r>
+            <a:endParaRPr lang="en-US" altLang="zh-CN" dirty="0" smtClean="0"/>
+          </a:p>
+          <a:p>
+            <a:r>
+              <a:rPr lang="zh-CN" altLang="en-US" dirty="0" smtClean="0"/>
+              <a:t>解决办法：使用</a:t>
+            </a:r>
+            <a:r>
+              <a:rPr lang="en-US" altLang="zh-CN" dirty="0" smtClean="0"/>
+              <a:t>PDE</a:t>
+            </a:r>
+            <a:r>
+              <a:rPr lang="zh-CN" altLang="en-US" dirty="0" smtClean="0"/>
+              <a:t>，</a:t>
             </a:r>
             <a:r>
               <a:rPr lang="en-US" altLang="zh-CN" dirty="0" smtClean="0"/>
@@ -7015,55 +7099,31 @@
             </a:r>
             <a:r>
               <a:rPr lang="zh-CN" altLang="en-US" dirty="0" smtClean="0"/>
-              <a:t>在性能上得到很好提升。因为数据放入内存会引起两个问题：</a:t>
+              <a:t>针对单独分区的大小，在</a:t>
             </a:r>
             <a:r>
               <a:rPr lang="zh-CN" altLang="en-US" b="1" dirty="0" smtClean="0"/>
-              <a:t>空间占用</a:t>
-            </a:r>
-            <a:r>
-              <a:rPr lang="zh-CN" altLang="en-US" dirty="0" smtClean="0"/>
-              <a:t>和</a:t>
+              <a:t>运行时（</a:t>
+            </a:r>
+            <a:r>
+              <a:rPr lang="en-US" altLang="zh-CN" b="1" dirty="0" smtClean="0"/>
+              <a:t>run-time</a:t>
             </a:r>
             <a:r>
               <a:rPr lang="zh-CN" altLang="en-US" b="1" dirty="0" smtClean="0"/>
-              <a:t>读吞吐量</a:t>
-            </a:r>
-            <a:r>
-              <a:rPr lang="zh-CN" altLang="en-US" dirty="0" smtClean="0"/>
-              <a:t>。如，简单地将内存数据以其原始格式缓存到磁盘（涉及到</a:t>
-            </a:r>
-            <a:r>
-              <a:rPr lang="zh-CN" altLang="en-US" b="1" dirty="0" smtClean="0"/>
-              <a:t>序列化</a:t>
-            </a:r>
-            <a:r>
-              <a:rPr lang="zh-CN" altLang="en-US" dirty="0" smtClean="0"/>
-              <a:t>），当需要的时候再由查询处理器将其</a:t>
-            </a:r>
-            <a:r>
-              <a:rPr lang="zh-CN" altLang="en-US" b="1" dirty="0" smtClean="0"/>
-              <a:t>反序列化</a:t>
-            </a:r>
-            <a:r>
-              <a:rPr lang="zh-CN" altLang="en-US" dirty="0" smtClean="0"/>
-              <a:t>。然而，作者的研究发现：商用</a:t>
-            </a:r>
-            <a:r>
-              <a:rPr lang="en-US" altLang="zh-CN" dirty="0" smtClean="0"/>
-              <a:t>CPU</a:t>
-            </a:r>
-            <a:r>
-              <a:rPr lang="zh-CN" altLang="en-US" dirty="0" smtClean="0"/>
-              <a:t>的反序列化速率为每核心每秒</a:t>
-            </a:r>
-            <a:r>
-              <a:rPr lang="en-US" altLang="zh-CN" dirty="0" smtClean="0"/>
-              <a:t>200MB</a:t>
-            </a:r>
-            <a:r>
-              <a:rPr lang="zh-CN" altLang="en-US" dirty="0" smtClean="0"/>
-              <a:t>。</a:t>
+              <a:t>）</a:t>
+            </a:r>
+            <a:r>
+              <a:rPr lang="zh-CN" altLang="en-US" dirty="0" smtClean="0"/>
+              <a:t>决定</a:t>
+            </a:r>
+            <a:r>
+              <a:rPr lang="en-US" altLang="zh-CN" dirty="0" smtClean="0"/>
+              <a:t>reducer</a:t>
+            </a:r>
+            <a:r>
+              <a:rPr lang="zh-CN" altLang="en-US" dirty="0" smtClean="0"/>
+              <a:t>的个数，通过合并很多小的、细粒度的分区，得到少量的粗粒度的分区。</a:t>
             </a:r>
             <a:r>
               <a:rPr lang="zh-CN" altLang="en-US" dirty="0" smtClean="0">
@@ -7071,7 +7131,7 @@
                   <a:srgbClr val="FF0000"/>
                 </a:solidFill>
               </a:rPr>
-              <a:t>这里添加一些序列化和反序列化的知识</a:t>
+              <a:t>分区个数和</a:t>
             </a:r>
             <a:r>
               <a:rPr lang="en-US" altLang="zh-CN" dirty="0" smtClean="0">
@@ -7079,7 +7139,7 @@
                   <a:srgbClr val="FF0000"/>
                 </a:solidFill>
               </a:rPr>
-              <a:t>,</a:t>
+              <a:t>reducer</a:t>
             </a:r>
             <a:r>
               <a:rPr lang="zh-CN" altLang="en-US" dirty="0" smtClean="0">
@@ -7087,7 +7147,7 @@
                   <a:srgbClr val="FF0000"/>
                 </a:solidFill>
               </a:rPr>
-              <a:t>，如额外占用空间开销等。</a:t>
+              <a:t>个数关系？</a:t>
             </a:r>
             <a:endParaRPr lang="en-US" altLang="zh-CN" dirty="0" smtClean="0">
               <a:solidFill>
@@ -7095,12 +7155,85 @@
               </a:solidFill>
             </a:endParaRPr>
           </a:p>
+          <a:p>
+            <a:r>
+              <a:rPr lang="zh-CN" altLang="en-US" dirty="0" smtClean="0"/>
+              <a:t>分区过程遇到的“斜</a:t>
+            </a:r>
+            <a:r>
+              <a:rPr lang="en-US" altLang="zh-CN" dirty="0" smtClean="0"/>
+              <a:t>(skew)</a:t>
+            </a:r>
+            <a:r>
+              <a:rPr lang="zh-CN" altLang="en-US" dirty="0" smtClean="0"/>
+              <a:t>问题”</a:t>
+            </a:r>
+            <a:r>
+              <a:rPr lang="en-US" altLang="zh-CN" dirty="0" smtClean="0"/>
+              <a:t>:</a:t>
+            </a:r>
+            <a:r>
+              <a:rPr lang="zh-CN" altLang="en-US" dirty="0" smtClean="0"/>
+              <a:t>小分区合并后得到的大分区，其大小可能不一。</a:t>
+            </a:r>
+            <a:endParaRPr lang="en-US" altLang="zh-CN" dirty="0" smtClean="0"/>
+          </a:p>
+          <a:p>
+            <a:r>
+              <a:rPr lang="zh-CN" altLang="en-US" dirty="0" smtClean="0"/>
+              <a:t>解决办法：使用</a:t>
+            </a:r>
+            <a:r>
+              <a:rPr lang="en-US" altLang="zh-CN" dirty="0"/>
+              <a:t>greedy </a:t>
+            </a:r>
+            <a:r>
+              <a:rPr lang="en-US" altLang="zh-CN" dirty="0" smtClean="0"/>
+              <a:t>bin-packing heuristic</a:t>
+            </a:r>
+            <a:r>
+              <a:rPr lang="zh-CN" altLang="en-US" dirty="0" smtClean="0"/>
+              <a:t>，试图使合并后的分区大小均等化。</a:t>
+            </a:r>
+            <a:endParaRPr lang="en-US" altLang="zh-CN" dirty="0" smtClean="0"/>
+          </a:p>
+          <a:p>
+            <a:r>
+              <a:rPr lang="zh-CN" altLang="en-US" dirty="0" smtClean="0"/>
+              <a:t>本文提到一个有意思的现象：在</a:t>
+            </a:r>
+            <a:r>
+              <a:rPr lang="en-US" altLang="zh-CN" dirty="0" smtClean="0"/>
+              <a:t>Shark</a:t>
+            </a:r>
+            <a:r>
+              <a:rPr lang="zh-CN" altLang="en-US" dirty="0" smtClean="0"/>
+              <a:t>上运行大量的</a:t>
+            </a:r>
+            <a:r>
+              <a:rPr lang="en-US" altLang="zh-CN" dirty="0" smtClean="0"/>
+              <a:t>reducer</a:t>
+            </a:r>
+            <a:r>
+              <a:rPr lang="zh-CN" altLang="en-US" dirty="0" smtClean="0"/>
+              <a:t>任务，却有相似的性能提升，作者们把这归功于</a:t>
+            </a:r>
+            <a:r>
+              <a:rPr lang="en-US" altLang="zh-CN" dirty="0" smtClean="0"/>
+              <a:t>Spark</a:t>
+            </a:r>
+            <a:r>
+              <a:rPr lang="zh-CN" altLang="en-US" dirty="0" smtClean="0"/>
+              <a:t>的调度和任务启动开销很低。</a:t>
+            </a:r>
+            <a:endParaRPr lang="zh-CN" altLang="en-US" dirty="0"/>
+          </a:p>
         </p:txBody>
       </p:sp>
     </p:spTree>
     <p:extLst>
       <p:ext uri="{BB962C8B-B14F-4D97-AF65-F5344CB8AC3E}">
-        <p14:creationId xmlns:p14="http://schemas.microsoft.com/office/powerpoint/2010/main" xmlns="" val="4186790557"/>
+        <p14:creationId xmlns:p14="http://schemas.microsoft.com/office/powerpoint/2010/main" val="3207996613"/>
       </p:ext>
     </p:extLst>
   </p:cSld>

--- a/shark.pptx
+++ b/shark.pptx
@@ -121,6 +121,22 @@
       </a:defRPr>
     </a:lvl9pPr>
   </p:defaultTextStyle>
+  <p:extLst>
+    <p:ext uri="{EFAFB233-063F-42B5-8137-9DF3F51BA10A}">
+      <p15:sldGuideLst xmlns:p15="http://schemas.microsoft.com/office/powerpoint/2012/main">
+        <p15:guide id="1" orient="horz" pos="2160">
+          <p15:clr>
+            <a:srgbClr val="A4A3A4"/>
+          </p15:clr>
+        </p15:guide>
+        <p15:guide id="2" pos="2880">
+          <p15:clr>
+            <a:srgbClr val="A4A3A4"/>
+          </p15:clr>
+        </p15:guide>
+      </p15:sldGuideLst>
+    </p:ext>
+  </p:extLst>
 </p:presentation>
 </file>
 
@@ -306,7 +322,7 @@
             <a:fld id="{530820CF-B880-4189-942D-D702A7CBA730}" type="datetimeFigureOut">
               <a:rPr lang="zh-CN" altLang="en-US" smtClean="0"/>
               <a:pPr/>
-              <a:t>2014/6/19</a:t>
+              <a:t>2014/6/20</a:t>
             </a:fld>
             <a:endParaRPr lang="zh-CN" altLang="en-US"/>
           </a:p>
@@ -473,7 +489,7 @@
             <a:fld id="{530820CF-B880-4189-942D-D702A7CBA730}" type="datetimeFigureOut">
               <a:rPr lang="zh-CN" altLang="en-US" smtClean="0"/>
               <a:pPr/>
-              <a:t>2014/6/19</a:t>
+              <a:t>2014/6/20</a:t>
             </a:fld>
             <a:endParaRPr lang="zh-CN" altLang="en-US"/>
           </a:p>
@@ -650,7 +666,7 @@
             <a:fld id="{530820CF-B880-4189-942D-D702A7CBA730}" type="datetimeFigureOut">
               <a:rPr lang="zh-CN" altLang="en-US" smtClean="0"/>
               <a:pPr/>
-              <a:t>2014/6/19</a:t>
+              <a:t>2014/6/20</a:t>
             </a:fld>
             <a:endParaRPr lang="zh-CN" altLang="en-US"/>
           </a:p>
@@ -817,7 +833,7 @@
             <a:fld id="{530820CF-B880-4189-942D-D702A7CBA730}" type="datetimeFigureOut">
               <a:rPr lang="zh-CN" altLang="en-US" smtClean="0"/>
               <a:pPr/>
-              <a:t>2014/6/19</a:t>
+              <a:t>2014/6/20</a:t>
             </a:fld>
             <a:endParaRPr lang="zh-CN" altLang="en-US"/>
           </a:p>
@@ -1060,7 +1076,7 @@
             <a:fld id="{530820CF-B880-4189-942D-D702A7CBA730}" type="datetimeFigureOut">
               <a:rPr lang="zh-CN" altLang="en-US" smtClean="0"/>
               <a:pPr/>
-              <a:t>2014/6/19</a:t>
+              <a:t>2014/6/20</a:t>
             </a:fld>
             <a:endParaRPr lang="zh-CN" altLang="en-US"/>
           </a:p>
@@ -1345,7 +1361,7 @@
             <a:fld id="{530820CF-B880-4189-942D-D702A7CBA730}" type="datetimeFigureOut">
               <a:rPr lang="zh-CN" altLang="en-US" smtClean="0"/>
               <a:pPr/>
-              <a:t>2014/6/19</a:t>
+              <a:t>2014/6/20</a:t>
             </a:fld>
             <a:endParaRPr lang="zh-CN" altLang="en-US"/>
           </a:p>
@@ -1764,7 +1780,7 @@
             <a:fld id="{530820CF-B880-4189-942D-D702A7CBA730}" type="datetimeFigureOut">
               <a:rPr lang="zh-CN" altLang="en-US" smtClean="0"/>
               <a:pPr/>
-              <a:t>2014/6/19</a:t>
+              <a:t>2014/6/20</a:t>
             </a:fld>
             <a:endParaRPr lang="zh-CN" altLang="en-US"/>
           </a:p>
@@ -1879,7 +1895,7 @@
             <a:fld id="{530820CF-B880-4189-942D-D702A7CBA730}" type="datetimeFigureOut">
               <a:rPr lang="zh-CN" altLang="en-US" smtClean="0"/>
               <a:pPr/>
-              <a:t>2014/6/19</a:t>
+              <a:t>2014/6/20</a:t>
             </a:fld>
             <a:endParaRPr lang="zh-CN" altLang="en-US"/>
           </a:p>
@@ -1971,7 +1987,7 @@
             <a:fld id="{530820CF-B880-4189-942D-D702A7CBA730}" type="datetimeFigureOut">
               <a:rPr lang="zh-CN" altLang="en-US" smtClean="0"/>
               <a:pPr/>
-              <a:t>2014/6/19</a:t>
+              <a:t>2014/6/20</a:t>
             </a:fld>
             <a:endParaRPr lang="zh-CN" altLang="en-US"/>
           </a:p>
@@ -2245,7 +2261,7 @@
             <a:fld id="{530820CF-B880-4189-942D-D702A7CBA730}" type="datetimeFigureOut">
               <a:rPr lang="zh-CN" altLang="en-US" smtClean="0"/>
               <a:pPr/>
-              <a:t>2014/6/19</a:t>
+              <a:t>2014/6/20</a:t>
             </a:fld>
             <a:endParaRPr lang="zh-CN" altLang="en-US"/>
           </a:p>
@@ -2495,7 +2511,7 @@
             <a:fld id="{530820CF-B880-4189-942D-D702A7CBA730}" type="datetimeFigureOut">
               <a:rPr lang="zh-CN" altLang="en-US" smtClean="0"/>
               <a:pPr/>
-              <a:t>2014/6/19</a:t>
+              <a:t>2014/6/20</a:t>
             </a:fld>
             <a:endParaRPr lang="zh-CN" altLang="en-US"/>
           </a:p>
@@ -2705,7 +2721,7 @@
             <a:fld id="{530820CF-B880-4189-942D-D702A7CBA730}" type="datetimeFigureOut">
               <a:rPr lang="zh-CN" altLang="en-US" smtClean="0"/>
               <a:pPr/>
-              <a:t>2014/6/19</a:t>
+              <a:t>2014/6/20</a:t>
             </a:fld>
             <a:endParaRPr lang="zh-CN" altLang="en-US"/>
           </a:p>
@@ -5268,15 +5284,7 @@
             </a:r>
             <a:r>
               <a:rPr lang="zh-CN" altLang="en-US" dirty="0" smtClean="0"/>
-              <a:t>解析器生成，作者发现，</a:t>
-            </a:r>
-            <a:r>
-              <a:rPr lang="zh-CN" altLang="en-US" dirty="0" smtClean="0"/>
-              <a:t>当</a:t>
-            </a:r>
-            <a:r>
-              <a:rPr lang="zh-CN" altLang="en-US" dirty="0" smtClean="0"/>
-              <a:t>访问的数据不在内存时，</a:t>
+              <a:t>解析器生成，作者发现，当访问的数据不在内存时，</a:t>
             </a:r>
             <a:r>
               <a:rPr lang="en-US" altLang="zh-CN" dirty="0" smtClean="0"/>

--- a/shark.pptx
+++ b/shark.pptx
@@ -123,7 +123,7 @@
   </p:defaultTextStyle>
   <p:extLst>
     <p:ext uri="{EFAFB233-063F-42B5-8137-9DF3F51BA10A}">
-      <p15:sldGuideLst xmlns:p15="http://schemas.microsoft.com/office/powerpoint/2012/main">
+      <p15:sldGuideLst xmlns:p15="http://schemas.microsoft.com/office/powerpoint/2012/main" xmlns="">
         <p15:guide id="1" orient="horz" pos="2160">
           <p15:clr>
             <a:srgbClr val="A4A3A4"/>
@@ -6519,6 +6519,9 @@
           </a:bodyPr>
           <a:lstStyle/>
           <a:p>
+            <a:pPr marL="0" indent="0">
+              <a:buNone/>
+            </a:pPr>
             <a:r>
               <a:rPr lang="zh-CN" altLang="en-US" dirty="0" smtClean="0"/>
               <a:t>扩展</a:t>
@@ -6584,7 +6587,15 @@
             </a:r>
             <a:r>
               <a:rPr lang="zh-CN" altLang="en-US" dirty="0" smtClean="0"/>
-              <a:t>已经应用到“块的</a:t>
+              <a:t>已经应用到</a:t>
+            </a:r>
+            <a:r>
+              <a:rPr lang="zh-CN" altLang="en-US" dirty="0" smtClean="0"/>
+              <a:t>“数据块</a:t>
+            </a:r>
+            <a:r>
+              <a:rPr lang="zh-CN" altLang="en-US" dirty="0" smtClean="0"/>
+              <a:t>的</a:t>
             </a:r>
             <a:r>
               <a:rPr lang="en-US" altLang="zh-CN" dirty="0" smtClean="0"/>

--- a/shark.pptx
+++ b/shark.pptx
@@ -123,7 +123,7 @@
   </p:defaultTextStyle>
   <p:extLst>
     <p:ext uri="{EFAFB233-063F-42B5-8137-9DF3F51BA10A}">
-      <p15:sldGuideLst xmlns:p15="http://schemas.microsoft.com/office/powerpoint/2012/main" xmlns="">
+      <p15:sldGuideLst xmlns="" xmlns:p15="http://schemas.microsoft.com/office/powerpoint/2012/main">
         <p15:guide id="1" orient="horz" pos="2160">
           <p15:clr>
             <a:srgbClr val="A4A3A4"/>
@@ -322,7 +322,7 @@
             <a:fld id="{530820CF-B880-4189-942D-D702A7CBA730}" type="datetimeFigureOut">
               <a:rPr lang="zh-CN" altLang="en-US" smtClean="0"/>
               <a:pPr/>
-              <a:t>2014/6/20</a:t>
+              <a:t>2014/6/21</a:t>
             </a:fld>
             <a:endParaRPr lang="zh-CN" altLang="en-US"/>
           </a:p>
@@ -489,7 +489,7 @@
             <a:fld id="{530820CF-B880-4189-942D-D702A7CBA730}" type="datetimeFigureOut">
               <a:rPr lang="zh-CN" altLang="en-US" smtClean="0"/>
               <a:pPr/>
-              <a:t>2014/6/20</a:t>
+              <a:t>2014/6/21</a:t>
             </a:fld>
             <a:endParaRPr lang="zh-CN" altLang="en-US"/>
           </a:p>
@@ -666,7 +666,7 @@
             <a:fld id="{530820CF-B880-4189-942D-D702A7CBA730}" type="datetimeFigureOut">
               <a:rPr lang="zh-CN" altLang="en-US" smtClean="0"/>
               <a:pPr/>
-              <a:t>2014/6/20</a:t>
+              <a:t>2014/6/21</a:t>
             </a:fld>
             <a:endParaRPr lang="zh-CN" altLang="en-US"/>
           </a:p>
@@ -833,7 +833,7 @@
             <a:fld id="{530820CF-B880-4189-942D-D702A7CBA730}" type="datetimeFigureOut">
               <a:rPr lang="zh-CN" altLang="en-US" smtClean="0"/>
               <a:pPr/>
-              <a:t>2014/6/20</a:t>
+              <a:t>2014/6/21</a:t>
             </a:fld>
             <a:endParaRPr lang="zh-CN" altLang="en-US"/>
           </a:p>
@@ -1076,7 +1076,7 @@
             <a:fld id="{530820CF-B880-4189-942D-D702A7CBA730}" type="datetimeFigureOut">
               <a:rPr lang="zh-CN" altLang="en-US" smtClean="0"/>
               <a:pPr/>
-              <a:t>2014/6/20</a:t>
+              <a:t>2014/6/21</a:t>
             </a:fld>
             <a:endParaRPr lang="zh-CN" altLang="en-US"/>
           </a:p>
@@ -1361,7 +1361,7 @@
             <a:fld id="{530820CF-B880-4189-942D-D702A7CBA730}" type="datetimeFigureOut">
               <a:rPr lang="zh-CN" altLang="en-US" smtClean="0"/>
               <a:pPr/>
-              <a:t>2014/6/20</a:t>
+              <a:t>2014/6/21</a:t>
             </a:fld>
             <a:endParaRPr lang="zh-CN" altLang="en-US"/>
           </a:p>
@@ -1780,7 +1780,7 @@
             <a:fld id="{530820CF-B880-4189-942D-D702A7CBA730}" type="datetimeFigureOut">
               <a:rPr lang="zh-CN" altLang="en-US" smtClean="0"/>
               <a:pPr/>
-              <a:t>2014/6/20</a:t>
+              <a:t>2014/6/21</a:t>
             </a:fld>
             <a:endParaRPr lang="zh-CN" altLang="en-US"/>
           </a:p>
@@ -1895,7 +1895,7 @@
             <a:fld id="{530820CF-B880-4189-942D-D702A7CBA730}" type="datetimeFigureOut">
               <a:rPr lang="zh-CN" altLang="en-US" smtClean="0"/>
               <a:pPr/>
-              <a:t>2014/6/20</a:t>
+              <a:t>2014/6/21</a:t>
             </a:fld>
             <a:endParaRPr lang="zh-CN" altLang="en-US"/>
           </a:p>
@@ -1987,7 +1987,7 @@
             <a:fld id="{530820CF-B880-4189-942D-D702A7CBA730}" type="datetimeFigureOut">
               <a:rPr lang="zh-CN" altLang="en-US" smtClean="0"/>
               <a:pPr/>
-              <a:t>2014/6/20</a:t>
+              <a:t>2014/6/21</a:t>
             </a:fld>
             <a:endParaRPr lang="zh-CN" altLang="en-US"/>
           </a:p>
@@ -2261,7 +2261,7 @@
             <a:fld id="{530820CF-B880-4189-942D-D702A7CBA730}" type="datetimeFigureOut">
               <a:rPr lang="zh-CN" altLang="en-US" smtClean="0"/>
               <a:pPr/>
-              <a:t>2014/6/20</a:t>
+              <a:t>2014/6/21</a:t>
             </a:fld>
             <a:endParaRPr lang="zh-CN" altLang="en-US"/>
           </a:p>
@@ -2511,7 +2511,7 @@
             <a:fld id="{530820CF-B880-4189-942D-D702A7CBA730}" type="datetimeFigureOut">
               <a:rPr lang="zh-CN" altLang="en-US" smtClean="0"/>
               <a:pPr/>
-              <a:t>2014/6/20</a:t>
+              <a:t>2014/6/21</a:t>
             </a:fld>
             <a:endParaRPr lang="zh-CN" altLang="en-US"/>
           </a:p>
@@ -2721,7 +2721,7 @@
             <a:fld id="{530820CF-B880-4189-942D-D702A7CBA730}" type="datetimeFigureOut">
               <a:rPr lang="zh-CN" altLang="en-US" smtClean="0"/>
               <a:pPr/>
-              <a:t>2014/6/20</a:t>
+              <a:t>2014/6/21</a:t>
             </a:fld>
             <a:endParaRPr lang="zh-CN" altLang="en-US"/>
           </a:p>
@@ -4421,7 +4421,11 @@
             </a:r>
             <a:r>
               <a:rPr lang="zh-CN" altLang="en-US" sz="2400" dirty="0" smtClean="0"/>
-              <a:t>协同分区方式：数据加载过程，基于</a:t>
+              <a:t>协同分区方式：数据加载过程，</a:t>
+            </a:r>
+            <a:r>
+              <a:rPr lang="zh-CN" altLang="en-US" sz="2400" dirty="0" smtClean="0"/>
+              <a:t>基于</a:t>
             </a:r>
             <a:r>
               <a:rPr lang="en-US" altLang="zh-CN" sz="2400" dirty="0" smtClean="0">
@@ -4429,22 +4433,7 @@
                   <a:srgbClr val="FF0000"/>
                 </a:solidFill>
               </a:rPr>
-              <a:t>join key</a:t>
-            </a:r>
-            <a:r>
-              <a:rPr lang="zh-CN" altLang="en-US" sz="2400" dirty="0" smtClean="0"/>
-              <a:t>进行协同分区两个表。</a:t>
-            </a:r>
-            <a:endParaRPr lang="en-US" altLang="zh-CN" sz="2400" dirty="0" smtClean="0"/>
-          </a:p>
-          <a:p>
-            <a:r>
-              <a:rPr lang="en-US" altLang="zh-CN" sz="2400" dirty="0" smtClean="0"/>
-              <a:t>Shark</a:t>
-            </a:r>
-            <a:r>
-              <a:rPr lang="zh-CN" altLang="en-US" sz="2400" dirty="0" smtClean="0"/>
-              <a:t>协同分区方式：基于</a:t>
+              <a:t>join </a:t>
             </a:r>
             <a:r>
               <a:rPr lang="en-US" altLang="zh-CN" sz="2400" dirty="0" smtClean="0">
@@ -4452,11 +4441,54 @@
                   <a:srgbClr val="FF0000"/>
                 </a:solidFill>
               </a:rPr>
-              <a:t>common key</a:t>
+              <a:t>key</a:t>
             </a:r>
             <a:r>
               <a:rPr lang="zh-CN" altLang="en-US" sz="2400" dirty="0" smtClean="0"/>
-              <a:t>协同分区两个表。</a:t>
+              <a:t>进行协同</a:t>
+            </a:r>
+            <a:r>
+              <a:rPr lang="zh-CN" altLang="en-US" sz="2400" dirty="0" smtClean="0"/>
+              <a:t>分区两个表。</a:t>
+            </a:r>
+            <a:endParaRPr lang="en-US" altLang="zh-CN" sz="2400" dirty="0" smtClean="0"/>
+          </a:p>
+          <a:p>
+            <a:r>
+              <a:rPr lang="en-US" altLang="zh-CN" sz="2400" dirty="0" smtClean="0"/>
+              <a:t>Shark</a:t>
+            </a:r>
+            <a:r>
+              <a:rPr lang="zh-CN" altLang="en-US" sz="2400" dirty="0" smtClean="0"/>
+              <a:t>协同分区方式：</a:t>
+            </a:r>
+            <a:r>
+              <a:rPr lang="zh-CN" altLang="en-US" sz="2400" dirty="0" smtClean="0"/>
+              <a:t>基于</a:t>
+            </a:r>
+            <a:r>
+              <a:rPr lang="en-US" altLang="zh-CN" sz="2400" dirty="0" smtClean="0">
+                <a:solidFill>
+                  <a:srgbClr val="FF0000"/>
+                </a:solidFill>
+              </a:rPr>
+              <a:t>common </a:t>
+            </a:r>
+            <a:r>
+              <a:rPr lang="en-US" altLang="zh-CN" sz="2400" dirty="0" smtClean="0">
+                <a:solidFill>
+                  <a:srgbClr val="FF0000"/>
+                </a:solidFill>
+              </a:rPr>
+              <a:t>key</a:t>
+            </a:r>
+            <a:r>
+              <a:rPr lang="zh-CN" altLang="en-US" sz="2400" dirty="0" smtClean="0"/>
+              <a:t>协同</a:t>
+            </a:r>
+            <a:r>
+              <a:rPr lang="zh-CN" altLang="en-US" sz="2400" dirty="0" smtClean="0"/>
+              <a:t>分区两个表。</a:t>
             </a:r>
             <a:r>
               <a:rPr lang="en-US" altLang="zh-CN" sz="2400" dirty="0" smtClean="0"/>
@@ -6587,15 +6619,7 @@
             </a:r>
             <a:r>
               <a:rPr lang="zh-CN" altLang="en-US" dirty="0" smtClean="0"/>
-              <a:t>已经应用到</a:t>
-            </a:r>
-            <a:r>
-              <a:rPr lang="zh-CN" altLang="en-US" dirty="0" smtClean="0"/>
-              <a:t>“数据块</a:t>
-            </a:r>
-            <a:r>
-              <a:rPr lang="zh-CN" altLang="en-US" dirty="0" smtClean="0"/>
-              <a:t>的</a:t>
+              <a:t>已经应用到“数据块的</a:t>
             </a:r>
             <a:r>
               <a:rPr lang="en-US" altLang="zh-CN" dirty="0" smtClean="0"/>
